--- a/演讲ppt.pptx
+++ b/演讲ppt.pptx
@@ -4698,51 +4698,18 @@
           <a:p>
             <a:r>
               <a:rPr lang="zh-CN" altLang="en-US" dirty="0" smtClean="0"/>
-              <a:t>我觉得二维码是一件很奇妙的东西，为什么人们会需要二维码呢？其实发现这种需求是很自然的。</a:t>
+              <a:t>发现需求当然不是这么简单，他是一种充满创造性的活动。</a:t>
             </a:r>
             <a:endParaRPr lang="en-US" altLang="zh-CN" dirty="0" smtClean="0"/>
           </a:p>
           <a:p>
             <a:r>
               <a:rPr lang="zh-CN" altLang="en-US" dirty="0" smtClean="0"/>
-              <a:t>既然人们为了传递信息需要一维码，那么通过自然的联想，你就会想到，人们为了传递更多信息就会需要二维码。</a:t>
-            </a:r>
-            <a:endParaRPr lang="en-US" altLang="zh-CN" dirty="0" smtClean="0"/>
-          </a:p>
-          <a:p>
-            <a:r>
-              <a:rPr lang="zh-CN" altLang="en-US" dirty="0" smtClean="0"/>
-              <a:t>但是没有人想到二维码会发生这么疯狂的大爆炸，现在二维码已经无所不在，这个小东西和手机摄像头和移动互联网产生了奇妙的反应。</a:t>
-            </a:r>
-            <a:endParaRPr lang="en-US" altLang="zh-CN" dirty="0" smtClean="0"/>
-          </a:p>
-          <a:p>
-            <a:r>
-              <a:rPr lang="zh-CN" altLang="en-US" dirty="0" smtClean="0"/>
-              <a:t>就只是加了一个维度，就搞出这么好的东西，所以我说这是一件很奇妙的事情。</a:t>
-            </a:r>
-            <a:endParaRPr lang="en-US" altLang="zh-CN" dirty="0" smtClean="0"/>
-          </a:p>
-          <a:p>
-            <a:r>
-              <a:rPr lang="zh-CN" altLang="en-US" dirty="0" smtClean="0"/>
-              <a:t>那么我们再联想一下，当</a:t>
-            </a:r>
-            <a:r>
-              <a:rPr lang="en-US" altLang="zh-CN" dirty="0" smtClean="0"/>
-              <a:t>3D</a:t>
-            </a:r>
-            <a:r>
-              <a:rPr lang="zh-CN" altLang="en-US" dirty="0" smtClean="0"/>
-              <a:t>显示和</a:t>
-            </a:r>
-            <a:r>
-              <a:rPr lang="en-US" altLang="zh-CN" dirty="0" smtClean="0"/>
-              <a:t>3D</a:t>
-            </a:r>
-            <a:r>
-              <a:rPr lang="zh-CN" altLang="en-US" dirty="0" smtClean="0"/>
-              <a:t>摄像成熟以后，会不会出现三维码，谁也说不准。</a:t>
+              <a:t>如何发现需求呢，下面</a:t>
+            </a:r>
+            <a:r>
+              <a:rPr lang="zh-CN" altLang="en-US" dirty="0" smtClean="0"/>
+              <a:t>是我结合一些案例的思考。</a:t>
             </a:r>
             <a:endParaRPr lang="zh-CN" altLang="en-US" dirty="0"/>
           </a:p>
@@ -4765,7 +4732,7 @@
           <a:p>
             <a:fld id="{B1384BB5-1574-4C59-B469-6053B759AD84}" type="slidenum">
               <a:rPr lang="zh-CN" altLang="en-US" smtClean="0"/>
-              <a:t>17</a:t>
+              <a:t>16</a:t>
             </a:fld>
             <a:endParaRPr lang="zh-CN" altLang="en-US"/>
           </a:p>
@@ -4774,7 +4741,7 @@
     </p:spTree>
     <p:extLst>
       <p:ext uri="{BB962C8B-B14F-4D97-AF65-F5344CB8AC3E}">
-        <p14:creationId xmlns:p14="http://schemas.microsoft.com/office/powerpoint/2010/main" val="3938202166"/>
+        <p14:creationId xmlns:p14="http://schemas.microsoft.com/office/powerpoint/2010/main" val="2201638052"/>
       </p:ext>
     </p:extLst>
   </p:cSld>
@@ -4830,42 +4797,86 @@
           <a:p>
             <a:r>
               <a:rPr lang="zh-CN" altLang="en-US" dirty="0" smtClean="0"/>
-              <a:t>具体到我们的项目上呢，我们能从这个项目联想到什么？</a:t>
+              <a:t>一个是观察联想，比如二维码。</a:t>
             </a:r>
             <a:endParaRPr lang="en-US" altLang="zh-CN" dirty="0" smtClean="0"/>
           </a:p>
           <a:p>
             <a:r>
               <a:rPr lang="zh-CN" altLang="en-US" dirty="0" smtClean="0"/>
-              <a:t>我们可以想这个项目与淘宝相比有什么联系和区别，淘宝卖的东西一般是大量的，可重复的，很少有卖家一种商品只卖一件。所以买家可以评价商品，为以后的买家提供参考。</a:t>
+              <a:t>为什么</a:t>
+            </a:r>
+            <a:r>
+              <a:rPr lang="zh-CN" altLang="en-US" dirty="0" smtClean="0"/>
+              <a:t>人们会需要二维码呢？其实发现这种需求是很自然的。</a:t>
             </a:r>
             <a:endParaRPr lang="en-US" altLang="zh-CN" dirty="0" smtClean="0"/>
           </a:p>
           <a:p>
             <a:r>
               <a:rPr lang="zh-CN" altLang="en-US" dirty="0" smtClean="0"/>
-              <a:t>但是对于我们这个项目而言这是没有意义的，因为卖二手物品的行为在大多数情况下是不可重复的，很少有人今天卖一本二手的代码大全，明天又卖一本二手的代码大全，那么让买家评价这本买到手的代码大全有什么意义呢？</a:t>
+              <a:t>既然人们为了传递信息需要一维码，那么通过自然的联想，你就会想到，人们为了传递更多信息就会需要二维码。</a:t>
             </a:r>
             <a:endParaRPr lang="en-US" altLang="zh-CN" dirty="0" smtClean="0"/>
           </a:p>
           <a:p>
             <a:r>
               <a:rPr lang="zh-CN" altLang="en-US" dirty="0" smtClean="0"/>
-              <a:t>但是，买卖双方对对方个人的评价是有意义的，评价他是否诚信，是否友好，可以为以后跟他打交道的人提供参考。</a:t>
+              <a:t>但是没有人想到二维码会发生这么疯狂的大爆炸，现在二维码已经无所不在，</a:t>
+            </a:r>
+            <a:r>
+              <a:rPr lang="zh-CN" altLang="en-US" dirty="0" smtClean="0"/>
+              <a:t>这个东西</a:t>
+            </a:r>
+            <a:r>
+              <a:rPr lang="zh-CN" altLang="en-US" dirty="0" smtClean="0"/>
+              <a:t>和手机摄像头和移动互联网产生了奇妙的反应。</a:t>
             </a:r>
             <a:endParaRPr lang="en-US" altLang="zh-CN" dirty="0" smtClean="0"/>
           </a:p>
           <a:p>
             <a:r>
               <a:rPr lang="zh-CN" altLang="en-US" dirty="0" smtClean="0"/>
-              <a:t>既然这个项目是给同校大学生用的，那么淘宝那种在线支付加快递的方式就是不适用的，所以我们决定不提供在线支付机制，仅提供买卖双方信息发布和交流沟通的渠道。</a:t>
+              <a:t>就</a:t>
+            </a:r>
+            <a:r>
+              <a:rPr lang="zh-CN" altLang="en-US" dirty="0" smtClean="0"/>
+              <a:t>只是给条形码加</a:t>
+            </a:r>
+            <a:r>
+              <a:rPr lang="zh-CN" altLang="en-US" dirty="0" smtClean="0"/>
+              <a:t>了一个维度，就搞出这么好的东西</a:t>
+            </a:r>
+            <a:r>
+              <a:rPr lang="zh-CN" altLang="en-US" dirty="0" smtClean="0"/>
+              <a:t>，这</a:t>
+            </a:r>
+            <a:r>
+              <a:rPr lang="zh-CN" altLang="en-US" dirty="0" smtClean="0"/>
+              <a:t>是一件很奇妙的事情。</a:t>
             </a:r>
             <a:endParaRPr lang="en-US" altLang="zh-CN" dirty="0" smtClean="0"/>
           </a:p>
           <a:p>
             <a:r>
               <a:rPr lang="zh-CN" altLang="en-US" dirty="0" smtClean="0"/>
-              <a:t>再和报纸广告对比，因为这是一个网络平台，他就应该具备网络平台天然具备的实时性和交互性特征，这个自然不用多说。</a:t>
+              <a:t>那么我们再联想一下，当</a:t>
+            </a:r>
+            <a:r>
+              <a:rPr lang="en-US" altLang="zh-CN" dirty="0" smtClean="0"/>
+              <a:t>3D</a:t>
+            </a:r>
+            <a:r>
+              <a:rPr lang="zh-CN" altLang="en-US" dirty="0" smtClean="0"/>
+              <a:t>显示和</a:t>
+            </a:r>
+            <a:r>
+              <a:rPr lang="en-US" altLang="zh-CN" dirty="0" smtClean="0"/>
+              <a:t>3D</a:t>
+            </a:r>
+            <a:r>
+              <a:rPr lang="zh-CN" altLang="en-US" dirty="0" smtClean="0"/>
+              <a:t>摄像成熟以后，会不会出现三维码，谁也说不准。</a:t>
             </a:r>
             <a:endParaRPr lang="zh-CN" altLang="en-US" dirty="0"/>
           </a:p>
@@ -4888,7 +4899,7 @@
           <a:p>
             <a:fld id="{B1384BB5-1574-4C59-B469-6053B759AD84}" type="slidenum">
               <a:rPr lang="zh-CN" altLang="en-US" smtClean="0"/>
-              <a:t>18</a:t>
+              <a:t>17</a:t>
             </a:fld>
             <a:endParaRPr lang="zh-CN" altLang="en-US"/>
           </a:p>
@@ -4897,7 +4908,7 @@
     </p:spTree>
     <p:extLst>
       <p:ext uri="{BB962C8B-B14F-4D97-AF65-F5344CB8AC3E}">
-        <p14:creationId xmlns:p14="http://schemas.microsoft.com/office/powerpoint/2010/main" val="2161629146"/>
+        <p14:creationId xmlns:p14="http://schemas.microsoft.com/office/powerpoint/2010/main" val="3938202166"/>
       </p:ext>
     </p:extLst>
   </p:cSld>
@@ -4953,70 +4964,42 @@
           <a:p>
             <a:r>
               <a:rPr lang="zh-CN" altLang="en-US" dirty="0" smtClean="0"/>
-              <a:t>我所说的组合，就是抓住</a:t>
-            </a:r>
-            <a:r>
-              <a:rPr lang="zh-CN" altLang="en-US" dirty="0" smtClean="0"/>
-              <a:t>目标用户的特点，把他们所喜欢的产品特性组合到一起，产生一</a:t>
-            </a:r>
-            <a:r>
-              <a:rPr lang="zh-CN" altLang="en-US" dirty="0" smtClean="0"/>
-              <a:t>个专门为其打造的，能</a:t>
-            </a:r>
-            <a:r>
-              <a:rPr lang="zh-CN" altLang="en-US" dirty="0" smtClean="0"/>
-              <a:t>全方面吸引这一群用户的产品。</a:t>
+              <a:t>具体到我们的项目上呢，我们能从这个项目联想到什么？</a:t>
             </a:r>
             <a:endParaRPr lang="en-US" altLang="zh-CN" dirty="0" smtClean="0"/>
           </a:p>
           <a:p>
             <a:r>
               <a:rPr lang="zh-CN" altLang="en-US" dirty="0" smtClean="0"/>
-              <a:t>爱美是女性的天性，喜欢旅行也是女性的天性，当把它们和移动平台游戏结合以后，用户突然发现她可以以极低的价格买到这么多衣服，她就无法抵抗这种诱惑，她就可以心甘情愿的掏钱。而且这款游戏的节奏是和移动端完美契合的，他不是为了移动而移动，这款游戏是生而移动的，他操作简单，不需要计算性能和渲染能力，可以随时开始随时停下</a:t>
-            </a:r>
-            <a:r>
-              <a:rPr lang="zh-CN" altLang="en-US" dirty="0" smtClean="0"/>
-              <a:t>。</a:t>
+              <a:t>我们可以想这个项目与淘宝相比有什么联系和区别，淘宝卖的东西一般是大量的，可重复的，很少有卖家一种商品只卖一件。所以买家可以评价商品，为以后的买家提供参考。</a:t>
             </a:r>
             <a:endParaRPr lang="en-US" altLang="zh-CN" dirty="0" smtClean="0"/>
           </a:p>
           <a:p>
             <a:r>
               <a:rPr lang="zh-CN" altLang="en-US" dirty="0" smtClean="0"/>
-              <a:t>这样就成就了这么一款冠军产品。</a:t>
+              <a:t>但是对于我们这个项目而言这是没有意义的，因为卖二手物品的行为在大多数情况下是不可重复的，很少有人今天卖一本二手的代码大全，明天又卖一本二手的代码大全，那么让买家评价这本买到手的代码大全有什么意义呢？</a:t>
             </a:r>
             <a:endParaRPr lang="en-US" altLang="zh-CN" dirty="0" smtClean="0"/>
           </a:p>
           <a:p>
             <a:r>
               <a:rPr lang="zh-CN" altLang="en-US" dirty="0" smtClean="0"/>
-              <a:t>你能想象把英雄联盟做成手机游戏吗，正要开始团战的时候你队友突然开始挂机，你问他什么情况，他说我要上地铁了，等我到了新街口再玩</a:t>
-            </a:r>
-            <a:r>
-              <a:rPr lang="zh-CN" altLang="en-US" dirty="0" smtClean="0"/>
-              <a:t>。所以你永远无法把移动的特性和英雄联盟组合到一起。</a:t>
+              <a:t>但是，买卖双方对对方个人的评价是有意义的，评价他是否诚信，是否友好，可以为以后跟他打交道的人提供参考。</a:t>
             </a:r>
             <a:endParaRPr lang="en-US" altLang="zh-CN" dirty="0" smtClean="0"/>
           </a:p>
           <a:p>
             <a:r>
               <a:rPr lang="zh-CN" altLang="en-US" dirty="0" smtClean="0"/>
-              <a:t>所以</a:t>
-            </a:r>
-            <a:r>
-              <a:rPr lang="zh-CN" altLang="en-US" dirty="0" smtClean="0"/>
-              <a:t>我说，暖暖环游世界的成功真的是多种女性喜欢的元素组合而成的一</a:t>
-            </a:r>
-            <a:r>
-              <a:rPr lang="zh-CN" altLang="en-US" dirty="0" smtClean="0"/>
-              <a:t>个成功的产品。</a:t>
+              <a:t>既然这个项目是给同校大学生用的，那么淘宝那种在线支付加快递的方式就是不适用的，所以我们决定不提供在线支付机制，仅提供买卖双方信息发布和交流沟通的渠道。</a:t>
             </a:r>
             <a:endParaRPr lang="en-US" altLang="zh-CN" dirty="0" smtClean="0"/>
           </a:p>
           <a:p>
             <a:r>
               <a:rPr lang="zh-CN" altLang="en-US" dirty="0" smtClean="0"/>
-              <a:t>至于这款游戏出人意料的吸引了个别男玩家，这个大家都懂。</a:t>
+              <a:t>再和报纸广告对比，因为这是一个网络平台，他就应该具备网络平台天然具备的实时性和交互性特征，这个自然不用多说。</a:t>
             </a:r>
             <a:endParaRPr lang="zh-CN" altLang="en-US" dirty="0"/>
           </a:p>
@@ -5039,7 +5022,7 @@
           <a:p>
             <a:fld id="{B1384BB5-1574-4C59-B469-6053B759AD84}" type="slidenum">
               <a:rPr lang="zh-CN" altLang="en-US" smtClean="0"/>
-              <a:t>19</a:t>
+              <a:t>18</a:t>
             </a:fld>
             <a:endParaRPr lang="zh-CN" altLang="en-US"/>
           </a:p>
@@ -5048,7 +5031,7 @@
     </p:spTree>
     <p:extLst>
       <p:ext uri="{BB962C8B-B14F-4D97-AF65-F5344CB8AC3E}">
-        <p14:creationId xmlns:p14="http://schemas.microsoft.com/office/powerpoint/2010/main" val="3005195410"/>
+        <p14:creationId xmlns:p14="http://schemas.microsoft.com/office/powerpoint/2010/main" val="2161629146"/>
       </p:ext>
     </p:extLst>
   </p:cSld>
@@ -5104,23 +5087,76 @@
           <a:p>
             <a:r>
               <a:rPr lang="zh-CN" altLang="en-US" dirty="0" smtClean="0"/>
-              <a:t>再看我们的系统，他就是围绕着大学生的钱这个主题展开的，一个是省钱，一个是花钱。</a:t>
+              <a:t>我所说的组合，就是抓住目标用户的特点，把他们所喜欢的产品特性组合到一起，产生一个专门为其打造的，能全方面吸引这一群用户的产品。</a:t>
             </a:r>
             <a:endParaRPr lang="en-US" altLang="zh-CN" dirty="0" smtClean="0"/>
           </a:p>
           <a:p>
             <a:r>
               <a:rPr lang="zh-CN" altLang="en-US" dirty="0" smtClean="0"/>
-              <a:t>大学生既需要省钱，又需要花钱，而且需要优雅的省钱，优雅的花钱。</a:t>
+              <a:t>爱美是女性的天性，喜欢旅行也是女性的天性，当把它们和移动平台游戏结合以后，用户突然发现她可以以极低的价格买到这么多衣服</a:t>
+            </a:r>
+            <a:r>
+              <a:rPr lang="zh-CN" altLang="en-US" dirty="0" smtClean="0"/>
+              <a:t>，而且随时随地可以换着玩，她</a:t>
+            </a:r>
+            <a:r>
+              <a:rPr lang="zh-CN" altLang="en-US" dirty="0" smtClean="0"/>
+              <a:t>就无法抵抗这种诱惑，她就可以心甘情愿的掏钱。而且这款游戏的节奏是和移动端完美契合的，他不是为了移动而移动，这款游戏是生而移动的，他操作简单，不需要计算性能和渲染能力，可以随时开始随时停下。</a:t>
             </a:r>
             <a:endParaRPr lang="en-US" altLang="zh-CN" dirty="0" smtClean="0"/>
           </a:p>
           <a:p>
             <a:r>
               <a:rPr lang="zh-CN" altLang="en-US" dirty="0" smtClean="0"/>
-              <a:t>所以，我们这个项目提供的功能，都是为这一目标群体量身定做的，所有的特性都是为了强化这些功能而选择的。</a:t>
+              <a:t>这样就成就了这么一款冠军产品。</a:t>
             </a:r>
             <a:endParaRPr lang="en-US" altLang="zh-CN" dirty="0" smtClean="0"/>
+          </a:p>
+          <a:p>
+            <a:r>
+              <a:rPr lang="zh-CN" altLang="en-US" dirty="0" smtClean="0"/>
+              <a:t>你能想象把英雄联盟做成手机游戏吗</a:t>
+            </a:r>
+            <a:r>
+              <a:rPr lang="zh-CN" altLang="en-US" dirty="0" smtClean="0"/>
+              <a:t>，就算手机能提供这么强性能和操作感也不行。你想，正要</a:t>
+            </a:r>
+            <a:r>
+              <a:rPr lang="zh-CN" altLang="en-US" dirty="0" smtClean="0"/>
+              <a:t>开始团战的时候你队友突然开始挂机，你问他什么情况，他说我要上地铁了，等我到了新街口再玩</a:t>
+            </a:r>
+            <a:r>
+              <a:rPr lang="zh-CN" altLang="en-US" dirty="0" smtClean="0"/>
+              <a:t>。这是谁都不能忍的。所以</a:t>
+            </a:r>
+            <a:r>
+              <a:rPr lang="zh-CN" altLang="en-US" dirty="0" smtClean="0"/>
+              <a:t>你永远无法把移动的特性和英雄联盟组合到一起。</a:t>
+            </a:r>
+            <a:endParaRPr lang="en-US" altLang="zh-CN" dirty="0" smtClean="0"/>
+          </a:p>
+          <a:p>
+            <a:r>
+              <a:rPr lang="zh-CN" altLang="en-US" dirty="0" smtClean="0"/>
+              <a:t>所以我说，暖暖环游</a:t>
+            </a:r>
+            <a:r>
+              <a:rPr lang="zh-CN" altLang="en-US" dirty="0" smtClean="0"/>
+              <a:t>世界是</a:t>
+            </a:r>
+            <a:r>
+              <a:rPr lang="zh-CN" altLang="en-US" dirty="0" smtClean="0"/>
+              <a:t>多种女性喜欢的元素组合而成的一个成功的产品。</a:t>
+            </a:r>
+            <a:endParaRPr lang="en-US" altLang="zh-CN" dirty="0" smtClean="0"/>
+          </a:p>
+          <a:p>
+            <a:r>
+              <a:rPr lang="zh-CN" altLang="en-US" dirty="0" smtClean="0"/>
+              <a:t>至于这款游戏出人意料的吸引了个别男玩家，这个大家都懂。</a:t>
+            </a:r>
+            <a:endParaRPr lang="zh-CN" altLang="en-US" dirty="0"/>
           </a:p>
         </p:txBody>
       </p:sp>
@@ -5141,7 +5177,7 @@
           <a:p>
             <a:fld id="{B1384BB5-1574-4C59-B469-6053B759AD84}" type="slidenum">
               <a:rPr lang="zh-CN" altLang="en-US" smtClean="0"/>
-              <a:t>20</a:t>
+              <a:t>19</a:t>
             </a:fld>
             <a:endParaRPr lang="zh-CN" altLang="en-US"/>
           </a:p>
@@ -5150,7 +5186,7 @@
     </p:spTree>
     <p:extLst>
       <p:ext uri="{BB962C8B-B14F-4D97-AF65-F5344CB8AC3E}">
-        <p14:creationId xmlns:p14="http://schemas.microsoft.com/office/powerpoint/2010/main" val="2813551245"/>
+        <p14:creationId xmlns:p14="http://schemas.microsoft.com/office/powerpoint/2010/main" val="3005195410"/>
       </p:ext>
     </p:extLst>
   </p:cSld>
@@ -5206,58 +5242,27 @@
           <a:p>
             <a:r>
               <a:rPr lang="zh-CN" altLang="en-US" dirty="0" smtClean="0"/>
-              <a:t>需求复用这个东西说的简单其实不简单，代码是可以复用的，设计是可以复用的，需求当然也是可以复用的</a:t>
-            </a:r>
-            <a:r>
-              <a:rPr lang="zh-CN" altLang="en-US" dirty="0" smtClean="0"/>
-              <a:t>。</a:t>
+              <a:t>再看我们的系统，他就是围绕着大学生的钱这个主题展开的，一个是省钱，一个是花钱。</a:t>
             </a:r>
             <a:endParaRPr lang="en-US" altLang="zh-CN" dirty="0" smtClean="0"/>
           </a:p>
           <a:p>
             <a:r>
               <a:rPr lang="zh-CN" altLang="en-US" dirty="0" smtClean="0"/>
-              <a:t>从</a:t>
-            </a:r>
-            <a:r>
-              <a:rPr lang="zh-CN" altLang="en-US" dirty="0" smtClean="0"/>
-              <a:t>当前存在的产品中吸取经验借鉴灵感是一种成本低效果好的方式。</a:t>
+              <a:t>大学生既需要省钱，又需要花钱，而且需要优雅的省钱，优雅的花钱。</a:t>
             </a:r>
             <a:endParaRPr lang="en-US" altLang="zh-CN" dirty="0" smtClean="0"/>
           </a:p>
           <a:p>
             <a:r>
               <a:rPr lang="zh-CN" altLang="en-US" dirty="0" smtClean="0"/>
-              <a:t>有些同学说腾讯公司看什么产品做得好就抄什么产品，我们搞计算机的说这种话就太不</a:t>
-            </a:r>
-            <a:r>
-              <a:rPr lang="zh-CN" altLang="en-US" dirty="0" smtClean="0"/>
-              <a:t>专业，</a:t>
-            </a:r>
-            <a:r>
-              <a:rPr lang="zh-CN" altLang="en-US" dirty="0" smtClean="0"/>
-              <a:t>你得说“腾讯公司看什么产品做得好就复用它的需求”，这样才显得</a:t>
-            </a:r>
-            <a:r>
-              <a:rPr lang="en-US" altLang="zh-CN" dirty="0" smtClean="0"/>
-              <a:t>……</a:t>
-            </a:r>
-            <a:r>
-              <a:rPr lang="zh-CN" altLang="en-US" dirty="0" smtClean="0"/>
-              <a:t>专业。</a:t>
+              <a:t>所以，我们这个项目提供的功能，都是为这一目标群体量身定做的，所有的特性都是为了强化这些功能而选择的</a:t>
+            </a:r>
+            <a:r>
+              <a:rPr lang="zh-CN" altLang="en-US" dirty="0" smtClean="0"/>
+              <a:t>。与这一主题相关的我们才会考虑，所有无关的需求一概否决。</a:t>
             </a:r>
             <a:endParaRPr lang="en-US" altLang="zh-CN" dirty="0" smtClean="0"/>
-          </a:p>
-          <a:p>
-            <a:r>
-              <a:rPr lang="zh-CN" altLang="en-US" dirty="0" smtClean="0"/>
-              <a:t>复用不是说什么都可以复用，我国保护软件的知识产权主要靠著作权法，著作权法保护的是表达而不是思想</a:t>
-            </a:r>
-            <a:r>
-              <a:rPr lang="zh-CN" altLang="en-US" dirty="0" smtClean="0"/>
-              <a:t>。思想是不能被保护的，如果思想也能被保护的话这个世界就太可怕了。</a:t>
-            </a:r>
-            <a:endParaRPr lang="zh-CN" altLang="en-US" dirty="0"/>
           </a:p>
         </p:txBody>
       </p:sp>
@@ -5278,7 +5283,7 @@
           <a:p>
             <a:fld id="{B1384BB5-1574-4C59-B469-6053B759AD84}" type="slidenum">
               <a:rPr lang="zh-CN" altLang="en-US" smtClean="0"/>
-              <a:t>21</a:t>
+              <a:t>20</a:t>
             </a:fld>
             <a:endParaRPr lang="zh-CN" altLang="en-US"/>
           </a:p>
@@ -5287,7 +5292,7 @@
     </p:spTree>
     <p:extLst>
       <p:ext uri="{BB962C8B-B14F-4D97-AF65-F5344CB8AC3E}">
-        <p14:creationId xmlns:p14="http://schemas.microsoft.com/office/powerpoint/2010/main" val="2028730659"/>
+        <p14:creationId xmlns:p14="http://schemas.microsoft.com/office/powerpoint/2010/main" val="2813551245"/>
       </p:ext>
     </p:extLst>
   </p:cSld>
@@ -5343,47 +5348,61 @@
           <a:p>
             <a:r>
               <a:rPr lang="zh-CN" altLang="en-US" dirty="0" smtClean="0"/>
-              <a:t>你们没看错，这里不是别人起诉腾讯，是腾讯起诉别人。</a:t>
+              <a:t>再就是需求复用。代码</a:t>
+            </a:r>
+            <a:r>
+              <a:rPr lang="zh-CN" altLang="en-US" dirty="0" smtClean="0"/>
+              <a:t>是可以复用的，设计是可以复用的，需求当然也是可以复用的。</a:t>
             </a:r>
             <a:endParaRPr lang="en-US" altLang="zh-CN" dirty="0" smtClean="0"/>
           </a:p>
           <a:p>
             <a:r>
               <a:rPr lang="zh-CN" altLang="en-US" dirty="0" smtClean="0"/>
-              <a:t>珊瑚虫</a:t>
+              <a:t>从当前存在的产品中吸取经验借鉴灵感是一种成本低效果好的方式。</a:t>
+            </a:r>
+            <a:endParaRPr lang="en-US" altLang="zh-CN" dirty="0" smtClean="0"/>
+          </a:p>
+          <a:p>
+            <a:r>
+              <a:rPr lang="zh-CN" altLang="en-US" dirty="0" smtClean="0"/>
+              <a:t>有些同学说腾讯公司看什么产品做得好就抄什么产品，我们搞计算机的说这种话就太不专业，你得说“腾讯公司看什么产品做得好就复用</a:t>
+            </a:r>
+            <a:r>
+              <a:rPr lang="zh-CN" altLang="en-US" dirty="0" smtClean="0"/>
+              <a:t>它”</a:t>
+            </a:r>
+            <a:r>
+              <a:rPr lang="zh-CN" altLang="en-US" dirty="0" smtClean="0"/>
+              <a:t>，这样才显得</a:t>
             </a:r>
             <a:r>
               <a:rPr lang="en-US" altLang="zh-CN" dirty="0" smtClean="0"/>
-              <a:t>QQ</a:t>
-            </a:r>
-            <a:r>
-              <a:rPr lang="zh-CN" altLang="en-US" dirty="0" smtClean="0"/>
-              <a:t>不知道大家有没有用过，反正我小时候用过，他不是借鉴，不是复用，甚至不是抄袭，而是把腾讯</a:t>
-            </a:r>
-            <a:r>
-              <a:rPr lang="en-US" altLang="zh-CN" dirty="0" smtClean="0"/>
-              <a:t>QQ</a:t>
-            </a:r>
-            <a:r>
-              <a:rPr lang="zh-CN" altLang="en-US" dirty="0" smtClean="0"/>
-              <a:t>改一改变成自己的，这种行为简直就是明目张胆，明火执仗</a:t>
-            </a:r>
-            <a:r>
-              <a:rPr lang="zh-CN" altLang="en-US" dirty="0" smtClean="0"/>
-              <a:t>。大家都是祖国的明天，以后不要学他啊。</a:t>
+              <a:t>……</a:t>
+            </a:r>
+            <a:r>
+              <a:rPr lang="zh-CN" altLang="en-US" dirty="0" smtClean="0"/>
+              <a:t>专业。</a:t>
             </a:r>
             <a:endParaRPr lang="en-US" altLang="zh-CN" dirty="0" smtClean="0"/>
           </a:p>
           <a:p>
             <a:r>
               <a:rPr lang="zh-CN" altLang="en-US" dirty="0" smtClean="0"/>
-              <a:t>这就是既复用了别人的思想又抄袭别人的表达，这肯定是违法</a:t>
-            </a:r>
-            <a:r>
-              <a:rPr lang="zh-CN" altLang="en-US" dirty="0" smtClean="0"/>
-              <a:t>的，罪有应得。</a:t>
-            </a:r>
-            <a:endParaRPr lang="zh-CN" altLang="en-US" dirty="0"/>
+              <a:t>复用不是说什么都可以复用，我国保护软件的知识产权主要靠著作权法，著作权法保护的是表达而不是思想。思想是不能被保护的，如果思想也能</a:t>
+            </a:r>
+            <a:r>
+              <a:rPr lang="zh-CN" altLang="en-US" dirty="0" smtClean="0"/>
+              <a:t>被第一个想到的人独占的话这个世界就太可怕了。</a:t>
+            </a:r>
+            <a:endParaRPr lang="en-US" altLang="zh-CN" dirty="0" smtClean="0"/>
+          </a:p>
+          <a:p>
+            <a:r>
+              <a:rPr lang="zh-CN" altLang="en-US" dirty="0" smtClean="0"/>
+              <a:t>那什么叫借鉴，什么叫抄袭呢，有一个经典的判例。</a:t>
+            </a:r>
+            <a:endParaRPr lang="en-US" altLang="zh-CN" dirty="0" smtClean="0"/>
           </a:p>
         </p:txBody>
       </p:sp>
@@ -5404,7 +5423,7 @@
           <a:p>
             <a:fld id="{B1384BB5-1574-4C59-B469-6053B759AD84}" type="slidenum">
               <a:rPr lang="zh-CN" altLang="en-US" smtClean="0"/>
-              <a:t>22</a:t>
+              <a:t>21</a:t>
             </a:fld>
             <a:endParaRPr lang="zh-CN" altLang="en-US"/>
           </a:p>
@@ -5413,7 +5432,7 @@
     </p:spTree>
     <p:extLst>
       <p:ext uri="{BB962C8B-B14F-4D97-AF65-F5344CB8AC3E}">
-        <p14:creationId xmlns:p14="http://schemas.microsoft.com/office/powerpoint/2010/main" val="3675393986"/>
+        <p14:creationId xmlns:p14="http://schemas.microsoft.com/office/powerpoint/2010/main" val="2028730659"/>
       </p:ext>
     </p:extLst>
   </p:cSld>
@@ -5469,22 +5488,54 @@
           <a:p>
             <a:r>
               <a:rPr lang="zh-CN" altLang="en-US" dirty="0" smtClean="0"/>
-              <a:t>再回到我们的项目上，啊，俗话说</a:t>
-            </a:r>
-            <a:r>
-              <a:rPr lang="zh-CN" altLang="en-US" dirty="0" smtClean="0"/>
-              <a:t>得好，需求来源于生活而高于生活，我们从市面上已经存在的成功产品中复用的需求有</a:t>
-            </a:r>
-            <a:r>
-              <a:rPr lang="zh-CN" altLang="en-US" dirty="0" smtClean="0"/>
-              <a:t>：</a:t>
+              <a:t>你们没看错，这里不是别人起诉腾讯，是腾讯起诉别人。</a:t>
             </a:r>
             <a:endParaRPr lang="en-US" altLang="zh-CN" dirty="0" smtClean="0"/>
           </a:p>
           <a:p>
             <a:r>
               <a:rPr lang="zh-CN" altLang="en-US" dirty="0" smtClean="0"/>
-              <a:t>下面我们再说舍弃需求</a:t>
+              <a:t>珊瑚虫</a:t>
+            </a:r>
+            <a:r>
+              <a:rPr lang="en-US" altLang="zh-CN" dirty="0" smtClean="0"/>
+              <a:t>QQ</a:t>
+            </a:r>
+            <a:r>
+              <a:rPr lang="zh-CN" altLang="en-US" dirty="0" smtClean="0"/>
+              <a:t>不知道大家有没有用过，反正我小时候用过，他不是借鉴，不是复用，甚至不是抄袭，而是把腾讯</a:t>
+            </a:r>
+            <a:r>
+              <a:rPr lang="en-US" altLang="zh-CN" dirty="0" smtClean="0"/>
+              <a:t>QQ</a:t>
+            </a:r>
+            <a:r>
+              <a:rPr lang="zh-CN" altLang="en-US" dirty="0" smtClean="0"/>
+              <a:t>改一改变成自己的，这种行为简直就是明目张胆，明火执仗</a:t>
+            </a:r>
+            <a:r>
+              <a:rPr lang="zh-CN" altLang="en-US" dirty="0" smtClean="0"/>
+              <a:t>。这</a:t>
+            </a:r>
+            <a:r>
+              <a:rPr lang="zh-CN" altLang="en-US" dirty="0" smtClean="0"/>
+              <a:t>就是既复用了别人的思想又抄袭别人的表达，这肯定是违法的</a:t>
+            </a:r>
+            <a:r>
+              <a:rPr lang="zh-CN" altLang="en-US" dirty="0" smtClean="0"/>
+              <a:t>，被判有期徒刑</a:t>
+            </a:r>
+            <a:r>
+              <a:rPr lang="en-US" altLang="zh-CN" dirty="0" smtClean="0"/>
+              <a:t>3</a:t>
+            </a:r>
+            <a:r>
+              <a:rPr lang="zh-CN" altLang="en-US" dirty="0" smtClean="0"/>
+              <a:t>年，罚金加罚没非法所得，罪有应得</a:t>
+            </a:r>
+            <a:r>
+              <a:rPr lang="zh-CN" altLang="en-US" dirty="0" smtClean="0"/>
+              <a:t>。</a:t>
             </a:r>
             <a:endParaRPr lang="zh-CN" altLang="en-US" dirty="0"/>
           </a:p>
@@ -5507,7 +5558,7 @@
           <a:p>
             <a:fld id="{B1384BB5-1574-4C59-B469-6053B759AD84}" type="slidenum">
               <a:rPr lang="zh-CN" altLang="en-US" smtClean="0"/>
-              <a:t>23</a:t>
+              <a:t>22</a:t>
             </a:fld>
             <a:endParaRPr lang="zh-CN" altLang="en-US"/>
           </a:p>
@@ -5516,7 +5567,7 @@
     </p:spTree>
     <p:extLst>
       <p:ext uri="{BB962C8B-B14F-4D97-AF65-F5344CB8AC3E}">
-        <p14:creationId xmlns:p14="http://schemas.microsoft.com/office/powerpoint/2010/main" val="1393023470"/>
+        <p14:creationId xmlns:p14="http://schemas.microsoft.com/office/powerpoint/2010/main" val="3675393986"/>
       </p:ext>
     </p:extLst>
   </p:cSld>
@@ -5572,28 +5623,14 @@
           <a:p>
             <a:r>
               <a:rPr lang="zh-CN" altLang="en-US" dirty="0" smtClean="0"/>
-              <a:t>人月神话里面说程序员的天性是理想主义的，我觉得一点也没错。</a:t>
+              <a:t>再回到我们的项目上，啊，俗话说得好，需求来源于生活而高于生活，我们从市面上已经存在的成功产品中复用的需求有：</a:t>
             </a:r>
             <a:endParaRPr lang="en-US" altLang="zh-CN" dirty="0" smtClean="0"/>
           </a:p>
           <a:p>
             <a:r>
               <a:rPr lang="zh-CN" altLang="en-US" dirty="0" smtClean="0"/>
-              <a:t>为什么要舍弃需求呢？</a:t>
-            </a:r>
-            <a:endParaRPr lang="en-US" altLang="zh-CN" dirty="0" smtClean="0"/>
-          </a:p>
-          <a:p>
-            <a:r>
-              <a:rPr lang="zh-CN" altLang="en-US" dirty="0" smtClean="0"/>
-              <a:t>一方面，如果你不舍弃应当舍弃的需求，项目范围就会变得无穷庞大，这个项目就会容易失败。</a:t>
-            </a:r>
-            <a:endParaRPr lang="en-US" altLang="zh-CN" dirty="0" smtClean="0"/>
-          </a:p>
-          <a:p>
-            <a:r>
-              <a:rPr lang="zh-CN" altLang="en-US" dirty="0" smtClean="0"/>
-              <a:t>另一方面，如果你不舍弃那些看似有用实则没用的需求，这个项目就会变得无所不包而且莫名其妙。</a:t>
+              <a:t>下面我们再说舍弃需求</a:t>
             </a:r>
             <a:endParaRPr lang="zh-CN" altLang="en-US" dirty="0"/>
           </a:p>
@@ -5616,7 +5653,7 @@
           <a:p>
             <a:fld id="{B1384BB5-1574-4C59-B469-6053B759AD84}" type="slidenum">
               <a:rPr lang="zh-CN" altLang="en-US" smtClean="0"/>
-              <a:t>24</a:t>
+              <a:t>23</a:t>
             </a:fld>
             <a:endParaRPr lang="zh-CN" altLang="en-US"/>
           </a:p>
@@ -5625,7 +5662,7 @@
     </p:spTree>
     <p:extLst>
       <p:ext uri="{BB962C8B-B14F-4D97-AF65-F5344CB8AC3E}">
-        <p14:creationId xmlns:p14="http://schemas.microsoft.com/office/powerpoint/2010/main" val="233751021"/>
+        <p14:creationId xmlns:p14="http://schemas.microsoft.com/office/powerpoint/2010/main" val="1393023470"/>
       </p:ext>
     </p:extLst>
   </p:cSld>
@@ -5681,42 +5718,38 @@
           <a:p>
             <a:r>
               <a:rPr lang="zh-CN" altLang="en-US" dirty="0" smtClean="0"/>
-              <a:t>当项目刚开始的时候，每个程序员心中都是有星辰大海的</a:t>
-            </a:r>
-            <a:r>
-              <a:rPr lang="zh-CN" altLang="en-US" dirty="0" smtClean="0"/>
-              <a:t>。直到他们发现做不到为止。</a:t>
+              <a:t>人月神话里面说程序员的天性是理想主义的，我觉得一点也没错。</a:t>
             </a:r>
             <a:endParaRPr lang="en-US" altLang="zh-CN" dirty="0" smtClean="0"/>
           </a:p>
           <a:p>
             <a:r>
               <a:rPr lang="zh-CN" altLang="en-US" dirty="0" smtClean="0"/>
-              <a:t>比如说，如果我们要做一款游戏，我们就要做超大地图，成就系统，装备系统，宠物系统，天赋系统，转职系统，团队副本系统，团战系统，结婚生孩子系统。</a:t>
+              <a:t>为什么要舍弃需求呢</a:t>
+            </a:r>
+            <a:r>
+              <a:rPr lang="zh-CN" altLang="en-US" dirty="0" smtClean="0"/>
+              <a:t>？因为有一些需求，除了暂时满足开发者搞一个大新闻的野心以外，没有任何意义。</a:t>
             </a:r>
             <a:endParaRPr lang="en-US" altLang="zh-CN" dirty="0" smtClean="0"/>
           </a:p>
           <a:p>
             <a:r>
               <a:rPr lang="zh-CN" altLang="en-US" dirty="0" smtClean="0"/>
-              <a:t>这种感觉大家都懂</a:t>
-            </a:r>
-            <a:r>
-              <a:rPr lang="zh-CN" altLang="en-US" dirty="0" smtClean="0"/>
-              <a:t>，每个人都体会过，热情</a:t>
-            </a:r>
-            <a:r>
-              <a:rPr lang="zh-CN" altLang="en-US" dirty="0" smtClean="0"/>
-              <a:t>总是随时间退散的，如果不能通过持续成功产生的成就感维持热情的话，最终产生的一定是一个敷衍潦草的产品。</a:t>
+              <a:t>一方面，如果你不舍弃应当舍弃的需求，项目范围就会变得无穷庞大，这个项目就会容易失败</a:t>
+            </a:r>
+            <a:r>
+              <a:rPr lang="zh-CN" altLang="en-US" dirty="0" smtClean="0"/>
+              <a:t>。</a:t>
             </a:r>
             <a:endParaRPr lang="en-US" altLang="zh-CN" dirty="0" smtClean="0"/>
           </a:p>
           <a:p>
             <a:r>
               <a:rPr lang="zh-CN" altLang="en-US" dirty="0" smtClean="0"/>
-              <a:t>而一个超级庞大的项目范围，是成就感的最大杀手。</a:t>
-            </a:r>
-            <a:endParaRPr lang="en-US" altLang="zh-CN" dirty="0" smtClean="0"/>
+              <a:t>另一方面，如果你不舍弃那些看似有用实则没用的需求，这个项目就会变得无所不包而且莫名其妙。</a:t>
+            </a:r>
+            <a:endParaRPr lang="zh-CN" altLang="en-US" dirty="0"/>
           </a:p>
         </p:txBody>
       </p:sp>
@@ -5737,7 +5770,7 @@
           <a:p>
             <a:fld id="{B1384BB5-1574-4C59-B469-6053B759AD84}" type="slidenum">
               <a:rPr lang="zh-CN" altLang="en-US" smtClean="0"/>
-              <a:t>25</a:t>
+              <a:t>24</a:t>
             </a:fld>
             <a:endParaRPr lang="zh-CN" altLang="en-US"/>
           </a:p>
@@ -5746,7 +5779,7 @@
     </p:spTree>
     <p:extLst>
       <p:ext uri="{BB962C8B-B14F-4D97-AF65-F5344CB8AC3E}">
-        <p14:creationId xmlns:p14="http://schemas.microsoft.com/office/powerpoint/2010/main" val="2353578814"/>
+        <p14:creationId xmlns:p14="http://schemas.microsoft.com/office/powerpoint/2010/main" val="233751021"/>
       </p:ext>
     </p:extLst>
   </p:cSld>
@@ -5802,24 +5835,65 @@
           <a:p>
             <a:r>
               <a:rPr lang="zh-CN" altLang="en-US" dirty="0" smtClean="0"/>
-              <a:t>我们可以随便开点脑洞，给一些系统加一些看似有用的需求，只要你愿意加，总是能加上的，你可以给美团外卖内置游戏，给课程格子内置美团外卖，给人人网内置课程格子，你能说没用吗，明明有用啊</a:t>
+              <a:t>当项目刚开始的时候，每个程序员心中都是有星辰大海的。直到他们发现做不到为止。</a:t>
             </a:r>
             <a:endParaRPr lang="en-US" altLang="zh-CN" dirty="0" smtClean="0"/>
           </a:p>
           <a:p>
             <a:r>
               <a:rPr lang="zh-CN" altLang="en-US" dirty="0" smtClean="0"/>
-              <a:t>最后我们就可以搞出一个叫地球</a:t>
+              <a:t>比如说，如果我们要做一款游戏，我们</a:t>
+            </a:r>
+            <a:r>
+              <a:rPr lang="zh-CN" altLang="en-US" dirty="0" smtClean="0"/>
+              <a:t>就想要做</a:t>
+            </a:r>
+            <a:r>
+              <a:rPr lang="zh-CN" altLang="en-US" dirty="0" smtClean="0"/>
+              <a:t>超大地图，成就系统，装备系统，宠物系统，天赋系统，转职系统，团队副本系统，团战系统，结婚生孩子系统。</a:t>
+            </a:r>
+            <a:endParaRPr lang="en-US" altLang="zh-CN" dirty="0" smtClean="0"/>
+          </a:p>
+          <a:p>
+            <a:r>
+              <a:rPr lang="zh-CN" altLang="en-US" dirty="0" smtClean="0"/>
+              <a:t>这种感觉大家都懂，每个人都体会过</a:t>
+            </a:r>
+            <a:r>
+              <a:rPr lang="zh-CN" altLang="en-US" dirty="0" smtClean="0"/>
+              <a:t>，比如</a:t>
             </a:r>
             <a:r>
               <a:rPr lang="en-US" altLang="zh-CN" dirty="0" smtClean="0"/>
-              <a:t>ONLINE</a:t>
-            </a:r>
-            <a:r>
-              <a:rPr lang="zh-CN" altLang="en-US" dirty="0" smtClean="0"/>
-              <a:t>，他一方面无所不能，一方面莫名其妙。</a:t>
-            </a:r>
-            <a:endParaRPr lang="zh-CN" altLang="en-US" dirty="0"/>
+              <a:t>EL</a:t>
+            </a:r>
+            <a:r>
+              <a:rPr lang="zh-CN" altLang="en-US" dirty="0" smtClean="0"/>
+              <a:t>比赛的时候，为什么最后提交作品的只有一半呢，因为热情</a:t>
+            </a:r>
+            <a:r>
+              <a:rPr lang="zh-CN" altLang="en-US" dirty="0" smtClean="0"/>
+              <a:t>总是随时间退散的，如果不能通过持续成功产生的成就感维持热情的话，最终产生的一定是一个敷衍潦草的产品。</a:t>
+            </a:r>
+            <a:endParaRPr lang="en-US" altLang="zh-CN" dirty="0" smtClean="0"/>
+          </a:p>
+          <a:p>
+            <a:r>
+              <a:rPr lang="zh-CN" altLang="en-US" dirty="0" smtClean="0"/>
+              <a:t>而一个超级庞大的项目范围，是成就感的最大杀手</a:t>
+            </a:r>
+            <a:r>
+              <a:rPr lang="zh-CN" altLang="en-US" dirty="0" smtClean="0"/>
+              <a:t>。</a:t>
+            </a:r>
+            <a:endParaRPr lang="en-US" altLang="zh-CN" dirty="0" smtClean="0"/>
+          </a:p>
+          <a:p>
+            <a:r>
+              <a:rPr lang="zh-CN" altLang="en-US" dirty="0" smtClean="0"/>
+              <a:t>再说那些看似有用的需求。</a:t>
+            </a:r>
+            <a:endParaRPr lang="en-US" altLang="zh-CN" dirty="0" smtClean="0"/>
           </a:p>
         </p:txBody>
       </p:sp>
@@ -5840,7 +5914,7 @@
           <a:p>
             <a:fld id="{B1384BB5-1574-4C59-B469-6053B759AD84}" type="slidenum">
               <a:rPr lang="zh-CN" altLang="en-US" smtClean="0"/>
-              <a:t>26</a:t>
+              <a:t>25</a:t>
             </a:fld>
             <a:endParaRPr lang="zh-CN" altLang="en-US"/>
           </a:p>
@@ -5849,7 +5923,7 @@
     </p:spTree>
     <p:extLst>
       <p:ext uri="{BB962C8B-B14F-4D97-AF65-F5344CB8AC3E}">
-        <p14:creationId xmlns:p14="http://schemas.microsoft.com/office/powerpoint/2010/main" val="1352175098"/>
+        <p14:creationId xmlns:p14="http://schemas.microsoft.com/office/powerpoint/2010/main" val="2353578814"/>
       </p:ext>
     </p:extLst>
   </p:cSld>
@@ -6029,39 +6103,31 @@
           <a:p>
             <a:r>
               <a:rPr lang="zh-CN" altLang="en-US" dirty="0" smtClean="0"/>
-              <a:t>下面我们以头脑风暴过程中舍弃的需求为例谈谈我们的想法。</a:t>
+              <a:t>极端一点，我们</a:t>
+            </a:r>
+            <a:r>
+              <a:rPr lang="zh-CN" altLang="en-US" dirty="0" smtClean="0"/>
+              <a:t>可以随便开点脑洞，给一些系统加一些看似有用的需求，只要你愿意加，总是能加上的，你可以给美团外卖内置游戏，给课程格子内置美团外卖，给人人网内置课程格子</a:t>
+            </a:r>
+            <a:r>
+              <a:rPr lang="zh-CN" altLang="en-US" dirty="0" smtClean="0"/>
+              <a:t>，你能说没用吗，明明有用啊。</a:t>
             </a:r>
             <a:endParaRPr lang="en-US" altLang="zh-CN" dirty="0" smtClean="0"/>
           </a:p>
           <a:p>
             <a:r>
               <a:rPr lang="zh-CN" altLang="en-US" dirty="0" smtClean="0"/>
-              <a:t>第一条，我们曾经提出买卖过程中要有一个聊天系统，就像阿里旺旺一样，然后谈笑间就被我们否决了。因为我们不能为一个本身还算简单的系统开发一个复杂的系统，这是个很荒唐的事情。再说，卖二手货的人又不是淘宝店小二，又不是整天守在电脑前一口一个亲的叫你，要实时交流系统有什么用呢？这就是一个看似有用的需求。</a:t>
-            </a:r>
-            <a:endParaRPr lang="en-US" altLang="zh-CN" dirty="0" smtClean="0"/>
-          </a:p>
-          <a:p>
-            <a:r>
-              <a:rPr lang="zh-CN" altLang="en-US" dirty="0" smtClean="0"/>
-              <a:t>第二条，论坛积分能当钱用，这个不现实。给商品优惠，谁付差价？让运营者掏钱吗？这个系统原本就不挣钱，怎么还能倒贴钱呢？</a:t>
-            </a:r>
-            <a:endParaRPr lang="en-US" altLang="zh-CN" dirty="0" smtClean="0"/>
-          </a:p>
-          <a:p>
-            <a:r>
-              <a:rPr lang="zh-CN" altLang="en-US" dirty="0" smtClean="0"/>
-              <a:t>第三条，虚拟币等等机制，让原本简单的东西变得复杂了。当初百度贴吧相比于天涯和猫扑最吸引人的地方在哪，就是简单，没有等级，没有金币，没有鲜花，甚至不用注册，就是聊天而已，搞那么复杂没有必要。再说，用虚拟币让自己的帖子置顶，这种“买关注”的情况显得太没有节操，岂不是跟百度的搜索排名一样。</a:t>
-            </a:r>
-            <a:endParaRPr lang="en-US" altLang="zh-CN" dirty="0" smtClean="0"/>
-          </a:p>
-          <a:p>
-            <a:r>
-              <a:rPr lang="zh-CN" altLang="en-US" dirty="0" smtClean="0"/>
-              <a:t>下面我们再看我们用的一些需求工程方法。</a:t>
-            </a:r>
-            <a:endParaRPr lang="en-US" altLang="zh-CN" dirty="0" smtClean="0"/>
-          </a:p>
-          <a:p>
+              <a:t>最后我们就可以搞出一个叫地球</a:t>
+            </a:r>
+            <a:r>
+              <a:rPr lang="en-US" altLang="zh-CN" dirty="0" smtClean="0"/>
+              <a:t>ONLINE</a:t>
+            </a:r>
+            <a:r>
+              <a:rPr lang="zh-CN" altLang="en-US" dirty="0" smtClean="0"/>
+              <a:t>，他一方面无所不能，一方面莫名其妙。</a:t>
+            </a:r>
             <a:endParaRPr lang="zh-CN" altLang="en-US" dirty="0"/>
           </a:p>
         </p:txBody>
@@ -6083,7 +6149,7 @@
           <a:p>
             <a:fld id="{B1384BB5-1574-4C59-B469-6053B759AD84}" type="slidenum">
               <a:rPr lang="zh-CN" altLang="en-US" smtClean="0"/>
-              <a:t>27</a:t>
+              <a:t>26</a:t>
             </a:fld>
             <a:endParaRPr lang="zh-CN" altLang="en-US"/>
           </a:p>
@@ -6092,7 +6158,7 @@
     </p:spTree>
     <p:extLst>
       <p:ext uri="{BB962C8B-B14F-4D97-AF65-F5344CB8AC3E}">
-        <p14:creationId xmlns:p14="http://schemas.microsoft.com/office/powerpoint/2010/main" val="1144978177"/>
+        <p14:creationId xmlns:p14="http://schemas.microsoft.com/office/powerpoint/2010/main" val="1352175098"/>
       </p:ext>
     </p:extLst>
   </p:cSld>
@@ -6147,21 +6213,56 @@
           <a:lstStyle/>
           <a:p>
             <a:r>
-              <a:rPr lang="en-US" altLang="zh-CN" dirty="0" smtClean="0"/>
-              <a:t>15</a:t>
-            </a:r>
-            <a:r>
-              <a:rPr lang="zh-CN" altLang="en-US" dirty="0" smtClean="0"/>
-              <a:t>张分析模型图，由用例图产生，需求规格说明书中的功能需求都是照着这</a:t>
-            </a:r>
-            <a:r>
-              <a:rPr lang="en-US" altLang="zh-CN" dirty="0" smtClean="0"/>
-              <a:t>15</a:t>
-            </a:r>
-            <a:r>
-              <a:rPr lang="zh-CN" altLang="en-US" dirty="0" smtClean="0"/>
-              <a:t>张分析模型图核对过的，保证每个人对文档的理解都没有偏差。</a:t>
-            </a:r>
+              <a:rPr lang="zh-CN" altLang="en-US" dirty="0" smtClean="0"/>
+              <a:t>下面我们以头脑风暴过程中舍弃的需求为例谈谈我们的想法。</a:t>
+            </a:r>
+            <a:endParaRPr lang="en-US" altLang="zh-CN" dirty="0" smtClean="0"/>
+          </a:p>
+          <a:p>
+            <a:r>
+              <a:rPr lang="zh-CN" altLang="en-US" dirty="0" smtClean="0"/>
+              <a:t>第一条，我们曾经提出买卖过程中要有一个聊天系统，就像阿里旺旺一样，然后谈笑间就被我们否决了。因为我们不能为一个本身还算简单的系统开发一个复杂的系统，这是个很荒唐的事情。再说，卖二手货的人又不是淘宝店小二，又</a:t>
+            </a:r>
+            <a:r>
+              <a:rPr lang="zh-CN" altLang="en-US" dirty="0" smtClean="0"/>
+              <a:t>不会整天</a:t>
+            </a:r>
+            <a:r>
+              <a:rPr lang="zh-CN" altLang="en-US" dirty="0" smtClean="0"/>
+              <a:t>守在电脑前一口一个</a:t>
+            </a:r>
+            <a:r>
+              <a:rPr lang="zh-CN" altLang="en-US" dirty="0" smtClean="0"/>
+              <a:t>亲，</a:t>
+            </a:r>
+            <a:r>
+              <a:rPr lang="zh-CN" altLang="en-US" dirty="0" smtClean="0"/>
+              <a:t>要实时交流系统有什么用呢？这就是一个看似有用的需求。</a:t>
+            </a:r>
+            <a:endParaRPr lang="en-US" altLang="zh-CN" dirty="0" smtClean="0"/>
+          </a:p>
+          <a:p>
+            <a:r>
+              <a:rPr lang="zh-CN" altLang="en-US" dirty="0" smtClean="0"/>
+              <a:t>第二条，论坛积分能当钱用，这个不现实。给商品优惠，谁付差价？让运营者掏钱吗？这个系统原本就不挣钱，怎么还能倒贴钱呢？</a:t>
+            </a:r>
+            <a:endParaRPr lang="en-US" altLang="zh-CN" dirty="0" smtClean="0"/>
+          </a:p>
+          <a:p>
+            <a:r>
+              <a:rPr lang="zh-CN" altLang="en-US" dirty="0" smtClean="0"/>
+              <a:t>第三条，虚拟币等等机制，让原本简单的东西变得复杂了。当初百度贴吧相比于天涯和猫扑最吸引人的地方在哪，就是简单，没有等级，没有金币，没有鲜花，甚至不用注册，就是聊天而已，搞那么复杂没有必要。再说，用虚拟币让自己的帖子置顶，这种“买关注”的情况显得太没有节操，岂不是跟百度的搜索排名一样。</a:t>
+            </a:r>
+            <a:endParaRPr lang="en-US" altLang="zh-CN" dirty="0" smtClean="0"/>
+          </a:p>
+          <a:p>
+            <a:r>
+              <a:rPr lang="zh-CN" altLang="en-US" dirty="0" smtClean="0"/>
+              <a:t>下面我们再看我们用的一些需求工程方法。</a:t>
+            </a:r>
+            <a:endParaRPr lang="en-US" altLang="zh-CN" dirty="0" smtClean="0"/>
+          </a:p>
+          <a:p>
             <a:endParaRPr lang="zh-CN" altLang="en-US" dirty="0"/>
           </a:p>
         </p:txBody>
@@ -6183,7 +6284,7 @@
           <a:p>
             <a:fld id="{B1384BB5-1574-4C59-B469-6053B759AD84}" type="slidenum">
               <a:rPr lang="zh-CN" altLang="en-US" smtClean="0"/>
-              <a:t>29</a:t>
+              <a:t>27</a:t>
             </a:fld>
             <a:endParaRPr lang="zh-CN" altLang="en-US"/>
           </a:p>
@@ -6192,7 +6293,7 @@
     </p:spTree>
     <p:extLst>
       <p:ext uri="{BB962C8B-B14F-4D97-AF65-F5344CB8AC3E}">
-        <p14:creationId xmlns:p14="http://schemas.microsoft.com/office/powerpoint/2010/main" val="3631289694"/>
+        <p14:creationId xmlns:p14="http://schemas.microsoft.com/office/powerpoint/2010/main" val="1144978177"/>
       </p:ext>
     </p:extLst>
   </p:cSld>
@@ -6247,48 +6348,21 @@
           <a:lstStyle/>
           <a:p>
             <a:r>
-              <a:rPr lang="zh-CN" altLang="en-US" dirty="0" smtClean="0"/>
-              <a:t>规格说明怎么写大家都会这里就不说了，我们就说一说我们认为比较难的地方吧。</a:t>
-            </a:r>
-            <a:endParaRPr lang="en-US" altLang="zh-CN" dirty="0" smtClean="0"/>
-          </a:p>
-          <a:p>
-            <a:r>
-              <a:rPr lang="zh-CN" altLang="en-US" dirty="0" smtClean="0"/>
-              <a:t>一个是工程师思维。我认为工程师思维的本质是妥协，不是搞那些高大全的东西，而是在功能和成本之间寻求最好的平衡点。</a:t>
-            </a:r>
-            <a:endParaRPr lang="en-US" altLang="zh-CN" dirty="0" smtClean="0"/>
-          </a:p>
-          <a:p>
-            <a:r>
-              <a:rPr lang="zh-CN" altLang="en-US" dirty="0" smtClean="0"/>
-              <a:t>我们做了必需的需求，并创造性地提出了有用的需求，而放弃了那些似乎有点用处但是性价比很差的需求。坚决摒弃了那些不现实和没用的需求。</a:t>
-            </a:r>
-            <a:endParaRPr lang="en-US" altLang="zh-CN" dirty="0" smtClean="0"/>
-          </a:p>
-          <a:p>
-            <a:r>
-              <a:rPr lang="zh-CN" altLang="en-US" dirty="0" smtClean="0"/>
-              <a:t>要维持所有人对需求的一致理解，要避免记忆的不可靠性就要写文档，这是需要成本的。要避免自然语言的缺陷就要用形式化的语言，就要用模型，这是更需要成本的。</a:t>
-            </a:r>
-            <a:endParaRPr lang="en-US" altLang="zh-CN" dirty="0" smtClean="0"/>
-          </a:p>
-          <a:p>
-            <a:r>
-              <a:rPr lang="zh-CN" altLang="en-US" dirty="0" smtClean="0"/>
-              <a:t>目标模型图和</a:t>
-            </a:r>
-            <a:r>
               <a:rPr lang="en-US" altLang="zh-CN" dirty="0" smtClean="0"/>
               <a:t>15</a:t>
             </a:r>
             <a:r>
               <a:rPr lang="zh-CN" altLang="en-US" dirty="0" smtClean="0"/>
-              <a:t>张顺序图状态图活动图等等各种各样的图画的我也很头疼，这都是成本。</a:t>
-            </a:r>
-            <a:endParaRPr lang="en-US" altLang="zh-CN" dirty="0" smtClean="0"/>
-          </a:p>
-          <a:p>
+              <a:t>张分析模型图，由用例图产生，需求规格说明书中的功能需求都是照着这</a:t>
+            </a:r>
+            <a:r>
+              <a:rPr lang="en-US" altLang="zh-CN" dirty="0" smtClean="0"/>
+              <a:t>15</a:t>
+            </a:r>
+            <a:r>
+              <a:rPr lang="zh-CN" altLang="en-US" dirty="0" smtClean="0"/>
+              <a:t>张分析模型图核对过的，保证每个人对文档的理解都没有偏差。</a:t>
+            </a:r>
             <a:endParaRPr lang="zh-CN" altLang="en-US" dirty="0"/>
           </a:p>
         </p:txBody>
@@ -6310,7 +6384,7 @@
           <a:p>
             <a:fld id="{B1384BB5-1574-4C59-B469-6053B759AD84}" type="slidenum">
               <a:rPr lang="zh-CN" altLang="en-US" smtClean="0"/>
-              <a:t>30</a:t>
+              <a:t>29</a:t>
             </a:fld>
             <a:endParaRPr lang="zh-CN" altLang="en-US"/>
           </a:p>
@@ -6319,7 +6393,7 @@
     </p:spTree>
     <p:extLst>
       <p:ext uri="{BB962C8B-B14F-4D97-AF65-F5344CB8AC3E}">
-        <p14:creationId xmlns:p14="http://schemas.microsoft.com/office/powerpoint/2010/main" val="2547570355"/>
+        <p14:creationId xmlns:p14="http://schemas.microsoft.com/office/powerpoint/2010/main" val="3631289694"/>
       </p:ext>
     </p:extLst>
   </p:cSld>
@@ -6375,7 +6449,146 @@
           <a:p>
             <a:r>
               <a:rPr lang="zh-CN" altLang="en-US" dirty="0" smtClean="0"/>
-              <a:t>在需求工程方法上面，对这个项目而言，他不属于创新型项目，领域分析就不必要；观察法民族志更不用说了，没有任何应用的必要，也没有可行性。</a:t>
+              <a:t>规格说明怎么写大家都会这里就不说了，我们就说一说我们认为比较难的地方吧。</a:t>
+            </a:r>
+            <a:endParaRPr lang="en-US" altLang="zh-CN" dirty="0" smtClean="0"/>
+          </a:p>
+          <a:p>
+            <a:r>
+              <a:rPr lang="zh-CN" altLang="en-US" dirty="0" smtClean="0"/>
+              <a:t>一个是工程师思维。我认为工程师思维的本质是妥协，不是搞那些高大全的东西，而是在功能和成本之间寻求最好的平衡点</a:t>
+            </a:r>
+            <a:r>
+              <a:rPr lang="zh-CN" altLang="en-US" dirty="0" smtClean="0"/>
+              <a:t>。不能因为说我们这是个课程作业，反正又不让我去实现他，我就不考虑成本，不考虑可行性，所有高大上的东西统统加上去。</a:t>
+            </a:r>
+            <a:endParaRPr lang="en-US" altLang="zh-CN" dirty="0" smtClean="0"/>
+          </a:p>
+          <a:p>
+            <a:r>
+              <a:rPr lang="zh-CN" altLang="en-US" dirty="0" smtClean="0"/>
+              <a:t>我们做了必需的需求，并创造性地提出了有用的需求，而放弃了那些似乎有点用处但是性价比很差的需求。坚决摒弃了那些不现实和没用的需求。</a:t>
+            </a:r>
+            <a:endParaRPr lang="en-US" altLang="zh-CN" dirty="0" smtClean="0"/>
+          </a:p>
+          <a:p>
+            <a:r>
+              <a:rPr lang="zh-CN" altLang="en-US" dirty="0" smtClean="0"/>
+              <a:t>要维持所有人对需求的一致理解，要避免记忆的不可靠性就要写文档，这是需要成本的。要避免自然语言的缺陷就要用形式化的语言，就要用模型，这是更需要成本的。</a:t>
+            </a:r>
+            <a:endParaRPr lang="en-US" altLang="zh-CN" dirty="0" smtClean="0"/>
+          </a:p>
+          <a:p>
+            <a:r>
+              <a:rPr lang="zh-CN" altLang="en-US" dirty="0" smtClean="0"/>
+              <a:t>目标模型图和</a:t>
+            </a:r>
+            <a:r>
+              <a:rPr lang="en-US" altLang="zh-CN" dirty="0" smtClean="0"/>
+              <a:t>15</a:t>
+            </a:r>
+            <a:r>
+              <a:rPr lang="zh-CN" altLang="en-US" dirty="0" smtClean="0"/>
+              <a:t>张顺序图状态图活动图等等各种各样的图画的我也很头疼，这都是成本。</a:t>
+            </a:r>
+            <a:endParaRPr lang="en-US" altLang="zh-CN" dirty="0" smtClean="0"/>
+          </a:p>
+          <a:p>
+            <a:endParaRPr lang="zh-CN" altLang="en-US" dirty="0"/>
+          </a:p>
+        </p:txBody>
+      </p:sp>
+      <p:sp>
+        <p:nvSpPr>
+          <p:cNvPr id="4" name="灯片编号占位符 3"/>
+          <p:cNvSpPr>
+            <a:spLocks noGrp="1"/>
+          </p:cNvSpPr>
+          <p:nvPr>
+            <p:ph type="sldNum" sz="quarter" idx="10"/>
+          </p:nvPr>
+        </p:nvSpPr>
+        <p:spPr/>
+        <p:txBody>
+          <a:bodyPr/>
+          <a:lstStyle/>
+          <a:p>
+            <a:fld id="{B1384BB5-1574-4C59-B469-6053B759AD84}" type="slidenum">
+              <a:rPr lang="zh-CN" altLang="en-US" smtClean="0"/>
+              <a:t>30</a:t>
+            </a:fld>
+            <a:endParaRPr lang="zh-CN" altLang="en-US"/>
+          </a:p>
+        </p:txBody>
+      </p:sp>
+    </p:spTree>
+    <p:extLst>
+      <p:ext uri="{BB962C8B-B14F-4D97-AF65-F5344CB8AC3E}">
+        <p14:creationId xmlns:p14="http://schemas.microsoft.com/office/powerpoint/2010/main" val="2547570355"/>
+      </p:ext>
+    </p:extLst>
+  </p:cSld>
+  <p:clrMapOvr>
+    <a:masterClrMapping/>
+  </p:clrMapOvr>
+</p:notes>
+</file>
+
+<file path=ppt/notesSlides/notesSlide24.xml><?xml version="1.0" encoding="utf-8"?>
+<p:notes xmlns:a="http://schemas.openxmlformats.org/drawingml/2006/main" xmlns:r="http://schemas.openxmlformats.org/officeDocument/2006/relationships" xmlns:p="http://schemas.openxmlformats.org/presentationml/2006/main">
+  <p:cSld>
+    <p:spTree>
+      <p:nvGrpSpPr>
+        <p:cNvPr id="1" name=""/>
+        <p:cNvGrpSpPr/>
+        <p:nvPr/>
+      </p:nvGrpSpPr>
+      <p:grpSpPr>
+        <a:xfrm>
+          <a:off x="0" y="0"/>
+          <a:ext cx="0" cy="0"/>
+          <a:chOff x="0" y="0"/>
+          <a:chExt cx="0" cy="0"/>
+        </a:xfrm>
+      </p:grpSpPr>
+      <p:sp>
+        <p:nvSpPr>
+          <p:cNvPr id="2" name="幻灯片图像占位符 1"/>
+          <p:cNvSpPr>
+            <a:spLocks noGrp="1" noRot="1" noChangeAspect="1"/>
+          </p:cNvSpPr>
+          <p:nvPr>
+            <p:ph type="sldImg"/>
+          </p:nvPr>
+        </p:nvSpPr>
+        <p:spPr/>
+      </p:sp>
+      <p:sp>
+        <p:nvSpPr>
+          <p:cNvPr id="3" name="备注占位符 2"/>
+          <p:cNvSpPr>
+            <a:spLocks noGrp="1"/>
+          </p:cNvSpPr>
+          <p:nvPr>
+            <p:ph type="body" idx="1"/>
+          </p:nvPr>
+        </p:nvSpPr>
+        <p:spPr/>
+        <p:txBody>
+          <a:bodyPr/>
+          <a:lstStyle/>
+          <a:p>
+            <a:r>
+              <a:rPr lang="zh-CN" altLang="en-US" dirty="0" smtClean="0"/>
+              <a:t>在需求工程</a:t>
+            </a:r>
+            <a:r>
+              <a:rPr lang="zh-CN" altLang="en-US" dirty="0" smtClean="0"/>
+              <a:t>方法上面，我们做了恰当的剪裁。对</a:t>
+            </a:r>
+            <a:r>
+              <a:rPr lang="zh-CN" altLang="en-US" dirty="0" smtClean="0"/>
+              <a:t>这个项目而言，他不属于创新型项目，领域分析就不必要；观察法民族志更不用说了，没有任何应用的必要，也没有可行性。</a:t>
             </a:r>
             <a:endParaRPr lang="en-US" altLang="zh-CN" dirty="0" smtClean="0"/>
           </a:p>
@@ -6525,7 +6738,18 @@
           <a:p>
             <a:r>
               <a:rPr lang="zh-CN" altLang="en-US" dirty="0" smtClean="0"/>
-              <a:t>这种现象其实普遍存在，大家都懂嘛，吃完晚饭回宿舍，写一会代码，看个电影，写一会代码，玩会游戏，写一会代码，刷一会知乎，写一会代码，一看表，半夜一点钟，突然就很心疼自己，发条朋友圈吧，你知道南大的半夜一点钟是什么样子吗？请学弟学妹们谨慎报考软件工程专业。</a:t>
+              <a:t>这种现象其实普遍存在，大家都懂嘛，吃完晚饭回宿舍，写一会代码，看个电影，写一会代码，玩会游戏，写一会代码，刷一会知乎，写一会代码，一看表，半夜一点钟，突然就很心疼自己，发条朋友圈吧，你知道南大的半夜一点钟是什么样子吗？请学弟学妹们谨慎报考软件工程专业</a:t>
+            </a:r>
+            <a:r>
+              <a:rPr lang="zh-CN" altLang="en-US" dirty="0" smtClean="0"/>
+              <a:t>。</a:t>
+            </a:r>
+            <a:endParaRPr lang="en-US" altLang="zh-CN" dirty="0" smtClean="0"/>
+          </a:p>
+          <a:p>
+            <a:r>
+              <a:rPr lang="zh-CN" altLang="en-US" dirty="0" smtClean="0"/>
+              <a:t>这就是夹杂在打断中的工作时间。在团队工作中，大家一起工作，就会互相打断，导致效率很低。</a:t>
             </a:r>
             <a:endParaRPr lang="en-US" altLang="zh-CN" dirty="0" smtClean="0"/>
           </a:p>
@@ -6635,7 +6859,28 @@
           <a:p>
             <a:r>
               <a:rPr lang="zh-CN" altLang="en-US" dirty="0" smtClean="0"/>
-              <a:t>我们的工作流程很简单，所有提交的产物都是这么生产出来的</a:t>
+              <a:t>我们的工作流程很简单</a:t>
+            </a:r>
+            <a:r>
+              <a:rPr lang="zh-CN" altLang="en-US" dirty="0" smtClean="0"/>
+              <a:t>，</a:t>
+            </a:r>
+            <a:endParaRPr lang="en-US" altLang="zh-CN" dirty="0" smtClean="0"/>
+          </a:p>
+          <a:p>
+            <a:r>
+              <a:rPr lang="en-US" altLang="zh-CN" dirty="0" smtClean="0"/>
+              <a:t>……</a:t>
+            </a:r>
+          </a:p>
+          <a:p>
+            <a:r>
+              <a:rPr lang="zh-CN" altLang="en-US" dirty="0" smtClean="0"/>
+              <a:t>所有</a:t>
+            </a:r>
+            <a:r>
+              <a:rPr lang="zh-CN" altLang="en-US" dirty="0" smtClean="0"/>
+              <a:t>提交的产物都是这么生产出来的</a:t>
             </a:r>
             <a:endParaRPr lang="en-US" altLang="zh-CN" dirty="0" smtClean="0"/>
           </a:p>
@@ -6730,7 +6975,14 @@
           <a:p>
             <a:r>
               <a:rPr lang="zh-CN" altLang="en-US" dirty="0" smtClean="0"/>
-              <a:t>需求获取方法我们使用的是面谈、头脑风暴和原型，面谈就不用说了大家都会，头脑风暴和原型我们后面再说</a:t>
+              <a:t>问题描述里面已经说的很清楚，稍加概括就能得到业务需求</a:t>
+            </a:r>
+            <a:endParaRPr lang="en-US" altLang="zh-CN" dirty="0" smtClean="0"/>
+          </a:p>
+          <a:p>
+            <a:r>
+              <a:rPr lang="en-US" altLang="zh-CN" dirty="0" smtClean="0"/>
+              <a:t>……</a:t>
             </a:r>
             <a:endParaRPr lang="zh-CN" altLang="en-US" dirty="0"/>
           </a:p>
@@ -6753,7 +7005,7 @@
           <a:p>
             <a:fld id="{B1384BB5-1574-4C59-B469-6053B759AD84}" type="slidenum">
               <a:rPr lang="zh-CN" altLang="en-US" smtClean="0"/>
-              <a:t>12</a:t>
+              <a:t>7</a:t>
             </a:fld>
             <a:endParaRPr lang="zh-CN" altLang="en-US"/>
           </a:p>
@@ -6762,7 +7014,7 @@
     </p:spTree>
     <p:extLst>
       <p:ext uri="{BB962C8B-B14F-4D97-AF65-F5344CB8AC3E}">
-        <p14:creationId xmlns:p14="http://schemas.microsoft.com/office/powerpoint/2010/main" val="3938618219"/>
+        <p14:creationId xmlns:p14="http://schemas.microsoft.com/office/powerpoint/2010/main" val="1591660278"/>
       </p:ext>
     </p:extLst>
   </p:cSld>
@@ -6818,25 +7070,7 @@
           <a:p>
             <a:r>
               <a:rPr lang="zh-CN" altLang="en-US" dirty="0" smtClean="0"/>
-              <a:t>我们已经通过目标分析给出了一个底线，也就是这个系统要实现业务需求至少要能做什么，</a:t>
-            </a:r>
-            <a:endParaRPr lang="en-US" altLang="zh-CN" dirty="0" smtClean="0"/>
-          </a:p>
-          <a:p>
-            <a:r>
-              <a:rPr lang="zh-CN" altLang="en-US" dirty="0" smtClean="0"/>
-              <a:t>需求</a:t>
-            </a:r>
-            <a:r>
-              <a:rPr lang="zh-CN" altLang="en-US" dirty="0" smtClean="0"/>
-              <a:t>开发当然不止于满足底线，我们要做的不只是一个能用的产品还得是一个好用的产品。</a:t>
-            </a:r>
-            <a:endParaRPr lang="en-US" altLang="zh-CN" dirty="0" smtClean="0"/>
-          </a:p>
-          <a:p>
-            <a:r>
-              <a:rPr lang="zh-CN" altLang="en-US" dirty="0" smtClean="0"/>
-              <a:t>做一个好用的产品是一件有创造性的事情，这件事情我们认为有两件事情是最重要的，一件叫做发现需求，一件叫做舍弃需求。</a:t>
+              <a:t>需求获取方法我们使用的是面谈、头脑风暴和原型，面谈就不用说了大家都会，头脑风暴和原型我们后面再说</a:t>
             </a:r>
             <a:endParaRPr lang="zh-CN" altLang="en-US" dirty="0"/>
           </a:p>
@@ -6859,7 +7093,7 @@
           <a:p>
             <a:fld id="{B1384BB5-1574-4C59-B469-6053B759AD84}" type="slidenum">
               <a:rPr lang="zh-CN" altLang="en-US" smtClean="0"/>
-              <a:t>13</a:t>
+              <a:t>12</a:t>
             </a:fld>
             <a:endParaRPr lang="zh-CN" altLang="en-US"/>
           </a:p>
@@ -6868,7 +7102,7 @@
     </p:spTree>
     <p:extLst>
       <p:ext uri="{BB962C8B-B14F-4D97-AF65-F5344CB8AC3E}">
-        <p14:creationId xmlns:p14="http://schemas.microsoft.com/office/powerpoint/2010/main" val="1259941096"/>
+        <p14:creationId xmlns:p14="http://schemas.microsoft.com/office/powerpoint/2010/main" val="3938618219"/>
       </p:ext>
     </p:extLst>
   </p:cSld>
@@ -6922,167 +7156,25 @@
           <a:bodyPr/>
           <a:lstStyle/>
           <a:p>
-            <a:pPr marL="0" marR="0" indent="0" algn="l" defTabSz="914400" rtl="0" eaLnBrk="1" fontAlgn="auto" latinLnBrk="0" hangingPunct="1">
-              <a:lnSpc>
-                <a:spcPct val="100000"/>
-              </a:lnSpc>
-              <a:spcBef>
-                <a:spcPts val="0"/>
-              </a:spcBef>
-              <a:spcAft>
-                <a:spcPts val="0"/>
-              </a:spcAft>
-              <a:buClrTx/>
-              <a:buSzTx/>
-              <a:buFontTx/>
-              <a:buNone/>
-              <a:tabLst/>
-              <a:defRPr/>
-            </a:pPr>
-            <a:r>
-              <a:rPr lang="zh-CN" altLang="en-US" dirty="0" smtClean="0"/>
-              <a:t>用户真正需要什么，和他声称自己需要什么，是两回事。</a:t>
+            <a:r>
+              <a:rPr lang="zh-CN" altLang="en-US" dirty="0" smtClean="0"/>
+              <a:t>我们已经通过目标分析给出了一个底线，也就是这个系统要实现业务需求至少要能做什么，</a:t>
             </a:r>
             <a:endParaRPr lang="en-US" altLang="zh-CN" dirty="0" smtClean="0"/>
           </a:p>
           <a:p>
-            <a:pPr marL="0" marR="0" indent="0" algn="l" defTabSz="914400" rtl="0" eaLnBrk="1" fontAlgn="auto" latinLnBrk="0" hangingPunct="1">
-              <a:lnSpc>
-                <a:spcPct val="100000"/>
-              </a:lnSpc>
-              <a:spcBef>
-                <a:spcPts val="0"/>
-              </a:spcBef>
-              <a:spcAft>
-                <a:spcPts val="0"/>
-              </a:spcAft>
-              <a:buClrTx/>
-              <a:buSzTx/>
-              <a:buFontTx/>
-              <a:buNone/>
-              <a:tabLst/>
-              <a:defRPr/>
-            </a:pPr>
-            <a:r>
-              <a:rPr lang="zh-CN" altLang="en-US" dirty="0" smtClean="0"/>
-              <a:t>我听说有些男生会因为女朋友想看</a:t>
-            </a:r>
-            <a:r>
-              <a:rPr lang="en-US" altLang="zh-CN" dirty="0" smtClean="0"/>
-              <a:t>《</a:t>
-            </a:r>
-            <a:r>
-              <a:rPr lang="zh-CN" altLang="en-US" dirty="0" smtClean="0"/>
-              <a:t>小时代</a:t>
-            </a:r>
-            <a:r>
-              <a:rPr lang="en-US" altLang="zh-CN" dirty="0" smtClean="0"/>
-              <a:t>》</a:t>
-            </a:r>
-            <a:r>
-              <a:rPr lang="zh-CN" altLang="en-US" dirty="0" smtClean="0"/>
-              <a:t>而和女朋友产生分歧，啊，可能这个男生是真的想看电影。</a:t>
+            <a:r>
+              <a:rPr lang="zh-CN" altLang="en-US" dirty="0" smtClean="0"/>
+              <a:t>需求开发当然不止于满足底线，我们要做的不只是一个能用的产品还得是一个好用的产品。</a:t>
             </a:r>
             <a:endParaRPr lang="en-US" altLang="zh-CN" dirty="0" smtClean="0"/>
           </a:p>
           <a:p>
-            <a:pPr marL="0" marR="0" indent="0" algn="l" defTabSz="914400" rtl="0" eaLnBrk="1" fontAlgn="auto" latinLnBrk="0" hangingPunct="1">
-              <a:lnSpc>
-                <a:spcPct val="100000"/>
-              </a:lnSpc>
-              <a:spcBef>
-                <a:spcPts val="0"/>
-              </a:spcBef>
-              <a:spcAft>
-                <a:spcPts val="0"/>
-              </a:spcAft>
-              <a:buClrTx/>
-              <a:buSzTx/>
-              <a:buFontTx/>
-              <a:buNone/>
-              <a:tabLst/>
-              <a:defRPr/>
-            </a:pPr>
-            <a:r>
-              <a:rPr lang="zh-CN" altLang="en-US" dirty="0" smtClean="0"/>
-              <a:t>当</a:t>
-            </a:r>
-            <a:r>
-              <a:rPr lang="zh-CN" altLang="en-US" dirty="0" smtClean="0"/>
-              <a:t>用户声称：我要告诉其他人我有一本二手书要卖，我们是不是直接让他去填写书的信息然后发布到网上呢？</a:t>
-            </a:r>
-            <a:endParaRPr lang="en-US" altLang="zh-CN" dirty="0" smtClean="0"/>
-          </a:p>
-          <a:p>
-            <a:pPr marL="0" marR="0" indent="0" algn="l" defTabSz="914400" rtl="0" eaLnBrk="1" fontAlgn="auto" latinLnBrk="0" hangingPunct="1">
-              <a:lnSpc>
-                <a:spcPct val="100000"/>
-              </a:lnSpc>
-              <a:spcBef>
-                <a:spcPts val="0"/>
-              </a:spcBef>
-              <a:spcAft>
-                <a:spcPts val="0"/>
-              </a:spcAft>
-              <a:buClrTx/>
-              <a:buSzTx/>
-              <a:buFontTx/>
-              <a:buNone/>
-              <a:tabLst/>
-              <a:defRPr/>
-            </a:pPr>
-            <a:r>
-              <a:rPr lang="zh-CN" altLang="en-US" dirty="0" smtClean="0"/>
-              <a:t>我们会想用户说出这句话背后的动机是什么，不是“我要写一篇优雅的广告词”，而是“我要把我的书变成钱”。</a:t>
-            </a:r>
-            <a:endParaRPr lang="en-US" altLang="zh-CN" dirty="0" smtClean="0"/>
-          </a:p>
-          <a:p>
-            <a:pPr marL="0" marR="0" indent="0" algn="l" defTabSz="914400" rtl="0" eaLnBrk="1" fontAlgn="auto" latinLnBrk="0" hangingPunct="1">
-              <a:lnSpc>
-                <a:spcPct val="100000"/>
-              </a:lnSpc>
-              <a:spcBef>
-                <a:spcPts val="0"/>
-              </a:spcBef>
-              <a:spcAft>
-                <a:spcPts val="0"/>
-              </a:spcAft>
-              <a:buClrTx/>
-              <a:buSzTx/>
-              <a:buFontTx/>
-              <a:buNone/>
-              <a:tabLst/>
-              <a:defRPr/>
-            </a:pPr>
-            <a:r>
-              <a:rPr lang="zh-CN" altLang="en-US" dirty="0" smtClean="0"/>
-              <a:t>那么，把书变成钱有两种方法，一种是我告诉别人我要卖书，让别人来找我。另一种是，系统告诉你可能有人要买书，让你看看你要卖的是不是他想买的，让你去找他。</a:t>
-            </a:r>
-            <a:endParaRPr lang="en-US" altLang="zh-CN" dirty="0" smtClean="0"/>
-          </a:p>
-          <a:p>
-            <a:pPr marL="0" marR="0" indent="0" algn="l" defTabSz="914400" rtl="0" eaLnBrk="1" fontAlgn="auto" latinLnBrk="0" hangingPunct="1">
-              <a:lnSpc>
-                <a:spcPct val="100000"/>
-              </a:lnSpc>
-              <a:spcBef>
-                <a:spcPts val="0"/>
-              </a:spcBef>
-              <a:spcAft>
-                <a:spcPts val="0"/>
-              </a:spcAft>
-              <a:buClrTx/>
-              <a:buSzTx/>
-              <a:buFontTx/>
-              <a:buNone/>
-              <a:tabLst/>
-              <a:defRPr/>
-            </a:pPr>
-            <a:r>
-              <a:rPr lang="zh-CN" altLang="en-US" dirty="0" smtClean="0"/>
-              <a:t>所以呢，我们关于这个需求是这样设计的。</a:t>
-            </a:r>
+            <a:r>
+              <a:rPr lang="zh-CN" altLang="en-US" dirty="0" smtClean="0"/>
+              <a:t>做一个好用的产品是一件有创造性的事情，这件事情我们认为有两件事情是最重要的，一件叫做发现需求，一件叫做舍弃需求。</a:t>
+            </a:r>
+            <a:endParaRPr lang="zh-CN" altLang="en-US" dirty="0"/>
           </a:p>
         </p:txBody>
       </p:sp>
@@ -7103,7 +7195,7 @@
           <a:p>
             <a:fld id="{B1384BB5-1574-4C59-B469-6053B759AD84}" type="slidenum">
               <a:rPr lang="zh-CN" altLang="en-US" smtClean="0"/>
-              <a:t>14</a:t>
+              <a:t>13</a:t>
             </a:fld>
             <a:endParaRPr lang="zh-CN" altLang="en-US"/>
           </a:p>
@@ -7112,7 +7204,7 @@
     </p:spTree>
     <p:extLst>
       <p:ext uri="{BB962C8B-B14F-4D97-AF65-F5344CB8AC3E}">
-        <p14:creationId xmlns:p14="http://schemas.microsoft.com/office/powerpoint/2010/main" val="1142392900"/>
+        <p14:creationId xmlns:p14="http://schemas.microsoft.com/office/powerpoint/2010/main" val="1259941096"/>
       </p:ext>
     </p:extLst>
   </p:cSld>
@@ -7166,29 +7258,183 @@
           <a:bodyPr/>
           <a:lstStyle/>
           <a:p>
-            <a:r>
-              <a:rPr lang="zh-CN" altLang="en-US" dirty="0" smtClean="0"/>
-              <a:t>当卖家要发布出售信息的时候，系统会顺便在界面上显示求购信息并且提供搜索功能。</a:t>
+            <a:pPr marL="0" marR="0" indent="0" algn="l" defTabSz="914400" rtl="0" eaLnBrk="1" fontAlgn="auto" latinLnBrk="0" hangingPunct="1">
+              <a:lnSpc>
+                <a:spcPct val="100000"/>
+              </a:lnSpc>
+              <a:spcBef>
+                <a:spcPts val="0"/>
+              </a:spcBef>
+              <a:spcAft>
+                <a:spcPts val="0"/>
+              </a:spcAft>
+              <a:buClrTx/>
+              <a:buSzTx/>
+              <a:buFontTx/>
+              <a:buNone/>
+              <a:tabLst/>
+              <a:defRPr/>
+            </a:pPr>
+            <a:r>
+              <a:rPr lang="zh-CN" altLang="en-US" dirty="0" smtClean="0"/>
+              <a:t>发现需求就要发现用户</a:t>
+            </a:r>
+            <a:r>
+              <a:rPr lang="zh-CN" altLang="en-US" dirty="0" smtClean="0"/>
+              <a:t>真正需要什么</a:t>
+            </a:r>
+            <a:r>
+              <a:rPr lang="zh-CN" altLang="en-US" dirty="0" smtClean="0"/>
+              <a:t>，而用户真正需要什么，和</a:t>
+            </a:r>
+            <a:r>
+              <a:rPr lang="zh-CN" altLang="en-US" dirty="0" smtClean="0"/>
+              <a:t>他声称自己需要什么，是两回事。</a:t>
             </a:r>
             <a:endParaRPr lang="en-US" altLang="zh-CN" dirty="0" smtClean="0"/>
           </a:p>
           <a:p>
-            <a:r>
-              <a:rPr lang="zh-CN" altLang="en-US" dirty="0" smtClean="0"/>
-              <a:t>如果用户碰巧找到了需要这件物品的买家，那么双方都可以省去很多麻烦。</a:t>
+            <a:pPr marL="0" marR="0" indent="0" algn="l" defTabSz="914400" rtl="0" eaLnBrk="1" fontAlgn="auto" latinLnBrk="0" hangingPunct="1">
+              <a:lnSpc>
+                <a:spcPct val="100000"/>
+              </a:lnSpc>
+              <a:spcBef>
+                <a:spcPts val="0"/>
+              </a:spcBef>
+              <a:spcAft>
+                <a:spcPts val="0"/>
+              </a:spcAft>
+              <a:buClrTx/>
+              <a:buSzTx/>
+              <a:buFontTx/>
+              <a:buNone/>
+              <a:tabLst/>
+              <a:defRPr/>
+            </a:pPr>
+            <a:r>
+              <a:rPr lang="zh-CN" altLang="en-US" dirty="0" smtClean="0"/>
+              <a:t>我听说有些男生会因为女朋友想看</a:t>
+            </a:r>
+            <a:r>
+              <a:rPr lang="en-US" altLang="zh-CN" dirty="0" smtClean="0"/>
+              <a:t>《</a:t>
+            </a:r>
+            <a:r>
+              <a:rPr lang="zh-CN" altLang="en-US" dirty="0" smtClean="0"/>
+              <a:t>小时代</a:t>
+            </a:r>
+            <a:r>
+              <a:rPr lang="en-US" altLang="zh-CN" dirty="0" smtClean="0"/>
+              <a:t>》</a:t>
+            </a:r>
+            <a:r>
+              <a:rPr lang="zh-CN" altLang="en-US" dirty="0" smtClean="0"/>
+              <a:t>而和女朋友产生分歧</a:t>
+            </a:r>
+            <a:r>
+              <a:rPr lang="zh-CN" altLang="en-US" dirty="0" smtClean="0"/>
+              <a:t>，他就没有搞明白真正的需求，啊</a:t>
+            </a:r>
+            <a:r>
+              <a:rPr lang="zh-CN" altLang="en-US" dirty="0" smtClean="0"/>
+              <a:t>，可能这个男生是真的想看电影。</a:t>
             </a:r>
             <a:endParaRPr lang="en-US" altLang="zh-CN" dirty="0" smtClean="0"/>
           </a:p>
           <a:p>
-            <a:r>
-              <a:rPr lang="zh-CN" altLang="en-US" dirty="0" smtClean="0"/>
-              <a:t>其实</a:t>
-            </a:r>
-            <a:r>
-              <a:rPr lang="zh-CN" altLang="en-US" dirty="0" smtClean="0"/>
-              <a:t>这样是更人性化的，更自然的，成本更低的。</a:t>
-            </a:r>
-            <a:endParaRPr lang="zh-CN" altLang="en-US" dirty="0"/>
+            <a:pPr marL="0" marR="0" indent="0" algn="l" defTabSz="914400" rtl="0" eaLnBrk="1" fontAlgn="auto" latinLnBrk="0" hangingPunct="1">
+              <a:lnSpc>
+                <a:spcPct val="100000"/>
+              </a:lnSpc>
+              <a:spcBef>
+                <a:spcPts val="0"/>
+              </a:spcBef>
+              <a:spcAft>
+                <a:spcPts val="0"/>
+              </a:spcAft>
+              <a:buClrTx/>
+              <a:buSzTx/>
+              <a:buFontTx/>
+              <a:buNone/>
+              <a:tabLst/>
+              <a:defRPr/>
+            </a:pPr>
+            <a:r>
+              <a:rPr lang="zh-CN" altLang="en-US" dirty="0" smtClean="0"/>
+              <a:t>当用户声称：我要告诉其他人我有一本二手书要卖，我们是不是直接让他去填写书的信息然后发布到网上呢？</a:t>
+            </a:r>
+            <a:endParaRPr lang="en-US" altLang="zh-CN" dirty="0" smtClean="0"/>
+          </a:p>
+          <a:p>
+            <a:pPr marL="0" marR="0" indent="0" algn="l" defTabSz="914400" rtl="0" eaLnBrk="1" fontAlgn="auto" latinLnBrk="0" hangingPunct="1">
+              <a:lnSpc>
+                <a:spcPct val="100000"/>
+              </a:lnSpc>
+              <a:spcBef>
+                <a:spcPts val="0"/>
+              </a:spcBef>
+              <a:spcAft>
+                <a:spcPts val="0"/>
+              </a:spcAft>
+              <a:buClrTx/>
+              <a:buSzTx/>
+              <a:buFontTx/>
+              <a:buNone/>
+              <a:tabLst/>
+              <a:defRPr/>
+            </a:pPr>
+            <a:r>
+              <a:rPr lang="zh-CN" altLang="en-US" dirty="0" smtClean="0"/>
+              <a:t>我们会想用户说出这句话背后的动机是什么，不是“我要写一篇优雅的广告词”，而是“我要把我的书变成钱”。</a:t>
+            </a:r>
+            <a:endParaRPr lang="en-US" altLang="zh-CN" dirty="0" smtClean="0"/>
+          </a:p>
+          <a:p>
+            <a:pPr marL="0" marR="0" indent="0" algn="l" defTabSz="914400" rtl="0" eaLnBrk="1" fontAlgn="auto" latinLnBrk="0" hangingPunct="1">
+              <a:lnSpc>
+                <a:spcPct val="100000"/>
+              </a:lnSpc>
+              <a:spcBef>
+                <a:spcPts val="0"/>
+              </a:spcBef>
+              <a:spcAft>
+                <a:spcPts val="0"/>
+              </a:spcAft>
+              <a:buClrTx/>
+              <a:buSzTx/>
+              <a:buFontTx/>
+              <a:buNone/>
+              <a:tabLst/>
+              <a:defRPr/>
+            </a:pPr>
+            <a:r>
+              <a:rPr lang="zh-CN" altLang="en-US" dirty="0" smtClean="0"/>
+              <a:t>那么，把书变成钱有两种方法，一种是我告诉别人我要卖书，让别人来找我。另一种是，系统告诉你可能有人要买书，让你看看你要卖的是不是他想买的，让你去找他。</a:t>
+            </a:r>
+            <a:endParaRPr lang="en-US" altLang="zh-CN" dirty="0" smtClean="0"/>
+          </a:p>
+          <a:p>
+            <a:pPr marL="0" marR="0" indent="0" algn="l" defTabSz="914400" rtl="0" eaLnBrk="1" fontAlgn="auto" latinLnBrk="0" hangingPunct="1">
+              <a:lnSpc>
+                <a:spcPct val="100000"/>
+              </a:lnSpc>
+              <a:spcBef>
+                <a:spcPts val="0"/>
+              </a:spcBef>
+              <a:spcAft>
+                <a:spcPts val="0"/>
+              </a:spcAft>
+              <a:buClrTx/>
+              <a:buSzTx/>
+              <a:buFontTx/>
+              <a:buNone/>
+              <a:tabLst/>
+              <a:defRPr/>
+            </a:pPr>
+            <a:r>
+              <a:rPr lang="zh-CN" altLang="en-US" dirty="0" smtClean="0"/>
+              <a:t>所以呢，我们关于这个需求是这样设计的。</a:t>
+            </a:r>
           </a:p>
         </p:txBody>
       </p:sp>
@@ -7209,7 +7455,7 @@
           <a:p>
             <a:fld id="{B1384BB5-1574-4C59-B469-6053B759AD84}" type="slidenum">
               <a:rPr lang="zh-CN" altLang="en-US" smtClean="0"/>
-              <a:t>15</a:t>
+              <a:t>14</a:t>
             </a:fld>
             <a:endParaRPr lang="zh-CN" altLang="en-US"/>
           </a:p>
@@ -7218,7 +7464,7 @@
     </p:spTree>
     <p:extLst>
       <p:ext uri="{BB962C8B-B14F-4D97-AF65-F5344CB8AC3E}">
-        <p14:creationId xmlns:p14="http://schemas.microsoft.com/office/powerpoint/2010/main" val="3856547708"/>
+        <p14:creationId xmlns:p14="http://schemas.microsoft.com/office/powerpoint/2010/main" val="1142392900"/>
       </p:ext>
     </p:extLst>
   </p:cSld>
@@ -7274,18 +7520,21 @@
           <a:p>
             <a:r>
               <a:rPr lang="zh-CN" altLang="en-US" dirty="0" smtClean="0"/>
-              <a:t>发现需求当然不是这么简单，他是一种充满创造性的活动</a:t>
-            </a:r>
-            <a:r>
-              <a:rPr lang="zh-CN" altLang="en-US" dirty="0" smtClean="0"/>
-              <a:t>。</a:t>
+              <a:t>当卖家要发布出售信息的时候，系统会顺便在界面上显示求购信息并且提供搜索功能。</a:t>
             </a:r>
             <a:endParaRPr lang="en-US" altLang="zh-CN" dirty="0" smtClean="0"/>
           </a:p>
           <a:p>
             <a:r>
               <a:rPr lang="zh-CN" altLang="en-US" dirty="0" smtClean="0"/>
-              <a:t>下面是我结合一些案例的思考。</a:t>
+              <a:t>如果用户碰巧找到了需要这件物品的买家，那么双方都可以省去很多麻烦。</a:t>
+            </a:r>
+            <a:endParaRPr lang="en-US" altLang="zh-CN" dirty="0" smtClean="0"/>
+          </a:p>
+          <a:p>
+            <a:r>
+              <a:rPr lang="zh-CN" altLang="en-US" dirty="0" smtClean="0"/>
+              <a:t>其实这样是更人性化的，更自然的，成本更低的。</a:t>
             </a:r>
             <a:endParaRPr lang="zh-CN" altLang="en-US" dirty="0"/>
           </a:p>
@@ -7308,7 +7557,7 @@
           <a:p>
             <a:fld id="{B1384BB5-1574-4C59-B469-6053B759AD84}" type="slidenum">
               <a:rPr lang="zh-CN" altLang="en-US" smtClean="0"/>
-              <a:t>16</a:t>
+              <a:t>15</a:t>
             </a:fld>
             <a:endParaRPr lang="zh-CN" altLang="en-US"/>
           </a:p>
@@ -7317,7 +7566,7 @@
     </p:spTree>
     <p:extLst>
       <p:ext uri="{BB962C8B-B14F-4D97-AF65-F5344CB8AC3E}">
-        <p14:creationId xmlns:p14="http://schemas.microsoft.com/office/powerpoint/2010/main" val="2201638052"/>
+        <p14:creationId xmlns:p14="http://schemas.microsoft.com/office/powerpoint/2010/main" val="3856547708"/>
       </p:ext>
     </p:extLst>
   </p:cSld>
@@ -13669,11 +13918,7 @@
             </a:br>
             <a:r>
               <a:rPr lang="zh-CN" altLang="en-US" dirty="0" smtClean="0"/>
-              <a:t>两</a:t>
-            </a:r>
-            <a:r>
-              <a:rPr lang="zh-CN" altLang="en-US" dirty="0" smtClean="0"/>
-              <a:t>件最重要的事</a:t>
+              <a:t>两件最重要的事</a:t>
             </a:r>
             <a:endParaRPr lang="zh-CN" altLang="en-US" dirty="0"/>
           </a:p>
@@ -14241,11 +14486,7 @@
             <a:pPr lvl="1"/>
             <a:r>
               <a:rPr lang="zh-CN" altLang="en-US" dirty="0" smtClean="0"/>
-              <a:t>买卖双方可以对对方作出</a:t>
-            </a:r>
-            <a:r>
-              <a:rPr lang="zh-CN" altLang="en-US" dirty="0" smtClean="0"/>
-              <a:t>评价</a:t>
+              <a:t>买卖双方可以对对方作出评价</a:t>
             </a:r>
             <a:r>
               <a:rPr lang="zh-CN" altLang="en-US" dirty="0"/>
@@ -14253,31 +14494,7 @@
             </a:r>
             <a:r>
               <a:rPr lang="zh-CN" altLang="en-US" dirty="0" smtClean="0"/>
-              <a:t>但</a:t>
-            </a:r>
-            <a:r>
-              <a:rPr lang="zh-CN" altLang="en-US" dirty="0" smtClean="0"/>
-              <a:t>不能对二手物品</a:t>
-            </a:r>
-            <a:r>
-              <a:rPr lang="zh-CN" altLang="en-US" dirty="0" smtClean="0"/>
-              <a:t>作出</a:t>
-            </a:r>
-            <a:r>
-              <a:rPr lang="zh-CN" altLang="en-US" dirty="0" smtClean="0"/>
-              <a:t>评价。</a:t>
-            </a:r>
-            <a:r>
-              <a:rPr lang="zh-CN" altLang="en-US" dirty="0" smtClean="0"/>
-              <a:t>因为</a:t>
-            </a:r>
-            <a:r>
-              <a:rPr lang="zh-CN" altLang="en-US" dirty="0" smtClean="0"/>
-              <a:t>与淘宝相比，所交易的物品不具有可重复性，评价物品无</a:t>
-            </a:r>
-            <a:r>
-              <a:rPr lang="zh-CN" altLang="en-US" dirty="0" smtClean="0"/>
-              <a:t>意义</a:t>
+              <a:t>但不能对二手物品作出评价。因为与淘宝相比，所交易的物品不具有可重复性，评价物品无意义</a:t>
             </a:r>
             <a:endParaRPr lang="en-US" altLang="zh-CN" dirty="0" smtClean="0"/>
           </a:p>
@@ -14408,11 +14625,7 @@
           <a:p>
             <a:r>
               <a:rPr lang="zh-CN" altLang="en-US" dirty="0" smtClean="0"/>
-              <a:t>爱美</a:t>
-            </a:r>
-            <a:r>
-              <a:rPr lang="zh-CN" altLang="en-US" dirty="0" smtClean="0"/>
-              <a:t>天性（刚需）</a:t>
+              <a:t>爱美天性（刚需）</a:t>
             </a:r>
             <a:r>
               <a:rPr lang="en-US" altLang="zh-CN" dirty="0" smtClean="0"/>
@@ -14793,7 +15006,7 @@
           <a:p>
             <a:r>
               <a:rPr lang="zh-CN" altLang="en-US" dirty="0" smtClean="0"/>
-              <a:t>案例：</a:t>
+              <a:t>判例：</a:t>
             </a:r>
             <a:endParaRPr lang="zh-CN" altLang="en-US" dirty="0"/>
           </a:p>
@@ -15161,11 +15374,7 @@
           <a:p>
             <a:r>
               <a:rPr lang="zh-CN" altLang="en-US" dirty="0" smtClean="0"/>
-              <a:t>早期无限的野心、无穷庞大的项目范围为</a:t>
-            </a:r>
-            <a:r>
-              <a:rPr lang="zh-CN" altLang="en-US" dirty="0" smtClean="0"/>
-              <a:t>日后的失败埋下祸根</a:t>
+              <a:t>早期无限的野心、无穷庞大的项目范围为日后的失败埋下祸根</a:t>
             </a:r>
             <a:endParaRPr lang="en-US" altLang="zh-CN" dirty="0" smtClean="0"/>
           </a:p>
@@ -15551,16 +15760,12 @@
               <a:t>用户可以给论坛中的优秀的帖子投币。虚拟</a:t>
             </a:r>
             <a:r>
+              <a:rPr lang="zh-CN" altLang="zh-CN" dirty="0" smtClean="0"/>
+              <a:t>币可以</a:t>
+            </a:r>
+            <a:r>
               <a:rPr lang="zh-CN" altLang="zh-CN" dirty="0"/>
-              <a:t>币可以在一定程度上为商品提供优惠</a:t>
-            </a:r>
-            <a:r>
-              <a:rPr lang="zh-CN" altLang="zh-CN" dirty="0" smtClean="0"/>
-              <a:t>。虚拟</a:t>
-            </a:r>
-            <a:r>
-              <a:rPr lang="zh-CN" altLang="zh-CN" dirty="0"/>
-              <a:t>币还可以用于让自己的商品置顶、高亮</a:t>
+              <a:t>用于让自己的商品置顶、高亮</a:t>
             </a:r>
             <a:r>
               <a:rPr lang="zh-CN" altLang="zh-CN" dirty="0" smtClean="0"/>
@@ -15826,11 +16031,7 @@
           <a:p>
             <a:r>
               <a:rPr lang="zh-CN" altLang="en-US" dirty="0" smtClean="0"/>
-              <a:t>工作</a:t>
-            </a:r>
-            <a:r>
-              <a:rPr lang="zh-CN" altLang="en-US" dirty="0" smtClean="0"/>
-              <a:t>原则：高效无痛</a:t>
+              <a:t>工作原则：高效无痛</a:t>
             </a:r>
             <a:endParaRPr lang="zh-CN" altLang="en-US" dirty="0"/>
           </a:p>
@@ -16019,8 +16220,8 @@
           <a:lstStyle/>
           <a:p>
             <a:r>
-              <a:rPr lang="zh-CN" altLang="en-US" dirty="0"/>
-              <a:t>工程师</a:t>
+              <a:rPr lang="zh-CN" altLang="en-US" dirty="0" smtClean="0"/>
+              <a:t>保持工程师</a:t>
             </a:r>
             <a:r>
               <a:rPr lang="zh-CN" altLang="en-US" dirty="0" smtClean="0"/>
@@ -16366,15 +16567,7 @@
           <a:p>
             <a:r>
               <a:rPr lang="zh-CN" altLang="en-US" dirty="0" smtClean="0"/>
-              <a:t>团队成员能力整体较强，在过往</a:t>
-            </a:r>
-            <a:r>
-              <a:rPr lang="zh-CN" altLang="en-US" dirty="0" smtClean="0"/>
-              <a:t>的各类大</a:t>
-            </a:r>
-            <a:r>
-              <a:rPr lang="zh-CN" altLang="en-US" dirty="0" smtClean="0"/>
-              <a:t>作业中均有成功经验。</a:t>
+              <a:t>团队成员能力整体较强，在过往的各类大作业中均有成功经验。</a:t>
             </a:r>
             <a:endParaRPr lang="en-US" altLang="zh-CN" dirty="0" smtClean="0"/>
           </a:p>
@@ -16385,15 +16578,7 @@
             </a:r>
             <a:r>
               <a:rPr lang="zh-CN" altLang="en-US" dirty="0" smtClean="0"/>
-              <a:t>的使用了高效</a:t>
-            </a:r>
-            <a:r>
-              <a:rPr lang="zh-CN" altLang="en-US" dirty="0" smtClean="0"/>
-              <a:t>的工程</a:t>
-            </a:r>
-            <a:r>
-              <a:rPr lang="zh-CN" altLang="en-US" dirty="0" smtClean="0"/>
-              <a:t>方法，以好的过程产生好的质量。</a:t>
+              <a:t>的使用了高效的工程方法，以好的过程产生好的质量。</a:t>
             </a:r>
             <a:endParaRPr lang="zh-CN" altLang="en-US" dirty="0"/>
           </a:p>
@@ -16856,11 +17041,7 @@
             </a:r>
             <a:r>
               <a:rPr lang="zh-CN" altLang="en-US" dirty="0" smtClean="0"/>
-              <a:t>需要一个渠道来买卖</a:t>
-            </a:r>
-            <a:r>
-              <a:rPr lang="zh-CN" altLang="en-US" dirty="0" smtClean="0"/>
-              <a:t>经济实惠的</a:t>
+              <a:t>需要一个渠道来买卖经济实惠的</a:t>
             </a:r>
             <a:r>
               <a:rPr lang="zh-CN" altLang="zh-CN" dirty="0" smtClean="0"/>

--- a/演讲ppt.pptx
+++ b/演讲ppt.pptx
@@ -5,7 +5,7 @@
     <p:sldMasterId id="2147483678" r:id="rId1"/>
   </p:sldMasterIdLst>
   <p:notesMasterIdLst>
-    <p:notesMasterId r:id="rId36"/>
+    <p:notesMasterId r:id="rId40"/>
   </p:notesMasterIdLst>
   <p:sldIdLst>
     <p:sldId id="256" r:id="rId2"/>
@@ -15,33 +15,37 @@
     <p:sldId id="283" r:id="rId6"/>
     <p:sldId id="290" r:id="rId7"/>
     <p:sldId id="319" r:id="rId8"/>
-    <p:sldId id="313" r:id="rId9"/>
-    <p:sldId id="293" r:id="rId10"/>
-    <p:sldId id="294" r:id="rId11"/>
-    <p:sldId id="295" r:id="rId12"/>
-    <p:sldId id="314" r:id="rId13"/>
-    <p:sldId id="298" r:id="rId14"/>
-    <p:sldId id="299" r:id="rId15"/>
-    <p:sldId id="300" r:id="rId16"/>
-    <p:sldId id="302" r:id="rId17"/>
-    <p:sldId id="303" r:id="rId18"/>
-    <p:sldId id="308" r:id="rId19"/>
-    <p:sldId id="304" r:id="rId20"/>
-    <p:sldId id="307" r:id="rId21"/>
-    <p:sldId id="305" r:id="rId22"/>
-    <p:sldId id="306" r:id="rId23"/>
-    <p:sldId id="309" r:id="rId24"/>
-    <p:sldId id="301" r:id="rId25"/>
-    <p:sldId id="310" r:id="rId26"/>
-    <p:sldId id="311" r:id="rId27"/>
-    <p:sldId id="312" r:id="rId28"/>
-    <p:sldId id="297" r:id="rId29"/>
-    <p:sldId id="315" r:id="rId30"/>
-    <p:sldId id="316" r:id="rId31"/>
-    <p:sldId id="289" r:id="rId32"/>
-    <p:sldId id="262" r:id="rId33"/>
-    <p:sldId id="317" r:id="rId34"/>
-    <p:sldId id="276" r:id="rId35"/>
+    <p:sldId id="320" r:id="rId9"/>
+    <p:sldId id="313" r:id="rId10"/>
+    <p:sldId id="293" r:id="rId11"/>
+    <p:sldId id="294" r:id="rId12"/>
+    <p:sldId id="295" r:id="rId13"/>
+    <p:sldId id="321" r:id="rId14"/>
+    <p:sldId id="322" r:id="rId15"/>
+    <p:sldId id="314" r:id="rId16"/>
+    <p:sldId id="323" r:id="rId17"/>
+    <p:sldId id="298" r:id="rId18"/>
+    <p:sldId id="299" r:id="rId19"/>
+    <p:sldId id="300" r:id="rId20"/>
+    <p:sldId id="302" r:id="rId21"/>
+    <p:sldId id="303" r:id="rId22"/>
+    <p:sldId id="308" r:id="rId23"/>
+    <p:sldId id="304" r:id="rId24"/>
+    <p:sldId id="307" r:id="rId25"/>
+    <p:sldId id="305" r:id="rId26"/>
+    <p:sldId id="306" r:id="rId27"/>
+    <p:sldId id="309" r:id="rId28"/>
+    <p:sldId id="301" r:id="rId29"/>
+    <p:sldId id="310" r:id="rId30"/>
+    <p:sldId id="311" r:id="rId31"/>
+    <p:sldId id="312" r:id="rId32"/>
+    <p:sldId id="297" r:id="rId33"/>
+    <p:sldId id="315" r:id="rId34"/>
+    <p:sldId id="316" r:id="rId35"/>
+    <p:sldId id="289" r:id="rId36"/>
+    <p:sldId id="262" r:id="rId37"/>
+    <p:sldId id="317" r:id="rId38"/>
+    <p:sldId id="276" r:id="rId39"/>
   </p:sldIdLst>
   <p:sldSz cx="9144000" cy="6858000" type="screen4x3"/>
   <p:notesSz cx="6858000" cy="9144000"/>
@@ -4296,7 +4300,7 @@
           <a:p>
             <a:fld id="{F345B652-34CF-4F24-AFD7-05F68D5763DD}" type="datetimeFigureOut">
               <a:rPr lang="zh-CN" altLang="en-US" smtClean="0"/>
-              <a:t>2015/11/18</a:t>
+              <a:t>2015/11/19</a:t>
             </a:fld>
             <a:endParaRPr lang="zh-CN" altLang="en-US"/>
           </a:p>
@@ -4696,20 +4700,26 @@
           <a:bodyPr/>
           <a:lstStyle/>
           <a:p>
-            <a:r>
-              <a:rPr lang="zh-CN" altLang="en-US" dirty="0" smtClean="0"/>
-              <a:t>发现需求当然不是这么简单，他是一种充满创造性的活动。</a:t>
-            </a:r>
-            <a:endParaRPr lang="en-US" altLang="zh-CN" dirty="0" smtClean="0"/>
-          </a:p>
-          <a:p>
-            <a:r>
-              <a:rPr lang="zh-CN" altLang="en-US" dirty="0" smtClean="0"/>
-              <a:t>如何发现需求呢，下面</a:t>
-            </a:r>
-            <a:r>
-              <a:rPr lang="zh-CN" altLang="en-US" dirty="0" smtClean="0"/>
-              <a:t>是我结合一些案例的思考。</a:t>
+            <a:pPr marL="0" marR="0" indent="0" algn="l" defTabSz="914400" rtl="0" eaLnBrk="1" fontAlgn="auto" latinLnBrk="0" hangingPunct="1">
+              <a:lnSpc>
+                <a:spcPct val="100000"/>
+              </a:lnSpc>
+              <a:spcBef>
+                <a:spcPts val="0"/>
+              </a:spcBef>
+              <a:spcAft>
+                <a:spcPts val="0"/>
+              </a:spcAft>
+              <a:buClrTx/>
+              <a:buSzTx/>
+              <a:buFontTx/>
+              <a:buNone/>
+              <a:tabLst/>
+              <a:defRPr/>
+            </a:pPr>
+            <a:r>
+              <a:rPr lang="zh-CN" altLang="en-US" dirty="0" smtClean="0"/>
+              <a:t>，就像阿里旺旺一样，然后被我们否决了，谈笑间就被我们否决了。因为我们不能为一个本身还算简单的系统开发一个复杂的系统，这是个很荒唐的事情。再说，卖二手货的人又不是淘宝店小二，又不会整天守在电脑前一口一个亲，要实时交流系统有什么用呢？这就是一个看似有用的需求。当客户提出这种需求的时候，我们不能让他任性。再说我们的客户也比较好说话。这种需求不利于构建一个好用的产品。我们对于好用的产品的想法是这样的。</a:t>
             </a:r>
             <a:endParaRPr lang="zh-CN" altLang="en-US" dirty="0"/>
           </a:p>
@@ -4741,7 +4751,7 @@
     </p:spTree>
     <p:extLst>
       <p:ext uri="{BB962C8B-B14F-4D97-AF65-F5344CB8AC3E}">
-        <p14:creationId xmlns:p14="http://schemas.microsoft.com/office/powerpoint/2010/main" val="2201638052"/>
+        <p14:creationId xmlns:p14="http://schemas.microsoft.com/office/powerpoint/2010/main" val="3311381505"/>
       </p:ext>
     </p:extLst>
   </p:cSld>
@@ -4797,86 +4807,25 @@
           <a:p>
             <a:r>
               <a:rPr lang="zh-CN" altLang="en-US" dirty="0" smtClean="0"/>
-              <a:t>一个是观察联想，比如二维码。</a:t>
+              <a:t>在之前我们</a:t>
+            </a:r>
+            <a:r>
+              <a:rPr lang="zh-CN" altLang="en-US" dirty="0" smtClean="0"/>
+              <a:t>已经通过目标分析给出了一个底线，也就是这个系统要实现业务需求至少要能做什么，</a:t>
             </a:r>
             <a:endParaRPr lang="en-US" altLang="zh-CN" dirty="0" smtClean="0"/>
           </a:p>
           <a:p>
             <a:r>
               <a:rPr lang="zh-CN" altLang="en-US" dirty="0" smtClean="0"/>
-              <a:t>为什么</a:t>
-            </a:r>
-            <a:r>
-              <a:rPr lang="zh-CN" altLang="en-US" dirty="0" smtClean="0"/>
-              <a:t>人们会需要二维码呢？其实发现这种需求是很自然的。</a:t>
+              <a:t>需求开发当然不止于满足底线，我们要做的不只是一个能用的产品还得是一个好用的产品。</a:t>
             </a:r>
             <a:endParaRPr lang="en-US" altLang="zh-CN" dirty="0" smtClean="0"/>
           </a:p>
           <a:p>
             <a:r>
               <a:rPr lang="zh-CN" altLang="en-US" dirty="0" smtClean="0"/>
-              <a:t>既然人们为了传递信息需要一维码，那么通过自然的联想，你就会想到，人们为了传递更多信息就会需要二维码。</a:t>
-            </a:r>
-            <a:endParaRPr lang="en-US" altLang="zh-CN" dirty="0" smtClean="0"/>
-          </a:p>
-          <a:p>
-            <a:r>
-              <a:rPr lang="zh-CN" altLang="en-US" dirty="0" smtClean="0"/>
-              <a:t>但是没有人想到二维码会发生这么疯狂的大爆炸，现在二维码已经无所不在，</a:t>
-            </a:r>
-            <a:r>
-              <a:rPr lang="zh-CN" altLang="en-US" dirty="0" smtClean="0"/>
-              <a:t>这个东西</a:t>
-            </a:r>
-            <a:r>
-              <a:rPr lang="zh-CN" altLang="en-US" dirty="0" smtClean="0"/>
-              <a:t>和手机摄像头和移动互联网产生了奇妙的反应。</a:t>
-            </a:r>
-            <a:endParaRPr lang="en-US" altLang="zh-CN" dirty="0" smtClean="0"/>
-          </a:p>
-          <a:p>
-            <a:r>
-              <a:rPr lang="zh-CN" altLang="en-US" dirty="0" smtClean="0"/>
-              <a:t>就</a:t>
-            </a:r>
-            <a:r>
-              <a:rPr lang="zh-CN" altLang="en-US" dirty="0" smtClean="0"/>
-              <a:t>只是给条形码加</a:t>
-            </a:r>
-            <a:r>
-              <a:rPr lang="zh-CN" altLang="en-US" dirty="0" smtClean="0"/>
-              <a:t>了一个维度，就搞出这么好的东西</a:t>
-            </a:r>
-            <a:r>
-              <a:rPr lang="zh-CN" altLang="en-US" dirty="0" smtClean="0"/>
-              <a:t>，这</a:t>
-            </a:r>
-            <a:r>
-              <a:rPr lang="zh-CN" altLang="en-US" dirty="0" smtClean="0"/>
-              <a:t>是一件很奇妙的事情。</a:t>
-            </a:r>
-            <a:endParaRPr lang="en-US" altLang="zh-CN" dirty="0" smtClean="0"/>
-          </a:p>
-          <a:p>
-            <a:r>
-              <a:rPr lang="zh-CN" altLang="en-US" dirty="0" smtClean="0"/>
-              <a:t>那么我们再联想一下，当</a:t>
-            </a:r>
-            <a:r>
-              <a:rPr lang="en-US" altLang="zh-CN" dirty="0" smtClean="0"/>
-              <a:t>3D</a:t>
-            </a:r>
-            <a:r>
-              <a:rPr lang="zh-CN" altLang="en-US" dirty="0" smtClean="0"/>
-              <a:t>显示和</a:t>
-            </a:r>
-            <a:r>
-              <a:rPr lang="en-US" altLang="zh-CN" dirty="0" smtClean="0"/>
-              <a:t>3D</a:t>
-            </a:r>
-            <a:r>
-              <a:rPr lang="zh-CN" altLang="en-US" dirty="0" smtClean="0"/>
-              <a:t>摄像成熟以后，会不会出现三维码，谁也说不准。</a:t>
+              <a:t>做一个好用的产品是一件有创造性的事情，这件事情我们认为有两件事情是最重要的，一件叫做发现需求，一件叫做舍弃需求。</a:t>
             </a:r>
             <a:endParaRPr lang="zh-CN" altLang="en-US" dirty="0"/>
           </a:p>
@@ -4908,7 +4857,7 @@
     </p:spTree>
     <p:extLst>
       <p:ext uri="{BB962C8B-B14F-4D97-AF65-F5344CB8AC3E}">
-        <p14:creationId xmlns:p14="http://schemas.microsoft.com/office/powerpoint/2010/main" val="3938202166"/>
+        <p14:creationId xmlns:p14="http://schemas.microsoft.com/office/powerpoint/2010/main" val="1259941096"/>
       </p:ext>
     </p:extLst>
   </p:cSld>
@@ -4962,46 +4911,163 @@
           <a:bodyPr/>
           <a:lstStyle/>
           <a:p>
-            <a:r>
-              <a:rPr lang="zh-CN" altLang="en-US" dirty="0" smtClean="0"/>
-              <a:t>具体到我们的项目上呢，我们能从这个项目联想到什么？</a:t>
+            <a:pPr marL="0" marR="0" indent="0" algn="l" defTabSz="914400" rtl="0" eaLnBrk="1" fontAlgn="auto" latinLnBrk="0" hangingPunct="1">
+              <a:lnSpc>
+                <a:spcPct val="100000"/>
+              </a:lnSpc>
+              <a:spcBef>
+                <a:spcPts val="0"/>
+              </a:spcBef>
+              <a:spcAft>
+                <a:spcPts val="0"/>
+              </a:spcAft>
+              <a:buClrTx/>
+              <a:buSzTx/>
+              <a:buFontTx/>
+              <a:buNone/>
+              <a:tabLst/>
+              <a:defRPr/>
+            </a:pPr>
+            <a:r>
+              <a:rPr lang="zh-CN" altLang="en-US" dirty="0" smtClean="0"/>
+              <a:t>发现需求就要发现用户真正需要什么，而用户真正需要什么，和他声称自己需要什么，是两回事。</a:t>
             </a:r>
             <a:endParaRPr lang="en-US" altLang="zh-CN" dirty="0" smtClean="0"/>
           </a:p>
           <a:p>
-            <a:r>
-              <a:rPr lang="zh-CN" altLang="en-US" dirty="0" smtClean="0"/>
-              <a:t>我们可以想这个项目与淘宝相比有什么联系和区别，淘宝卖的东西一般是大量的，可重复的，很少有卖家一种商品只卖一件。所以买家可以评价商品，为以后的买家提供参考。</a:t>
+            <a:pPr marL="0" marR="0" indent="0" algn="l" defTabSz="914400" rtl="0" eaLnBrk="1" fontAlgn="auto" latinLnBrk="0" hangingPunct="1">
+              <a:lnSpc>
+                <a:spcPct val="100000"/>
+              </a:lnSpc>
+              <a:spcBef>
+                <a:spcPts val="0"/>
+              </a:spcBef>
+              <a:spcAft>
+                <a:spcPts val="0"/>
+              </a:spcAft>
+              <a:buClrTx/>
+              <a:buSzTx/>
+              <a:buFontTx/>
+              <a:buNone/>
+              <a:tabLst/>
+              <a:defRPr/>
+            </a:pPr>
+            <a:r>
+              <a:rPr lang="zh-CN" altLang="en-US" dirty="0" smtClean="0"/>
+              <a:t>我听说有些男生会因为女朋友想看</a:t>
+            </a:r>
+            <a:r>
+              <a:rPr lang="en-US" altLang="zh-CN" dirty="0" smtClean="0"/>
+              <a:t>《</a:t>
+            </a:r>
+            <a:r>
+              <a:rPr lang="zh-CN" altLang="en-US" dirty="0" smtClean="0"/>
+              <a:t>小时代</a:t>
+            </a:r>
+            <a:r>
+              <a:rPr lang="en-US" altLang="zh-CN" dirty="0" smtClean="0"/>
+              <a:t>》</a:t>
+            </a:r>
+            <a:r>
+              <a:rPr lang="zh-CN" altLang="en-US" dirty="0" smtClean="0"/>
+              <a:t>而和女朋友产生分歧，他就没有搞明白真正的需求，啊，可能这个男生是真的想看电影。</a:t>
             </a:r>
             <a:endParaRPr lang="en-US" altLang="zh-CN" dirty="0" smtClean="0"/>
           </a:p>
           <a:p>
-            <a:r>
-              <a:rPr lang="zh-CN" altLang="en-US" dirty="0" smtClean="0"/>
-              <a:t>但是对于我们这个项目而言这是没有意义的，因为卖二手物品的行为在大多数情况下是不可重复的，很少有人今天卖一本二手的代码大全，明天又卖一本二手的代码大全，那么让买家评价这本买到手的代码大全有什么意义呢？</a:t>
+            <a:pPr marL="0" marR="0" indent="0" algn="l" defTabSz="914400" rtl="0" eaLnBrk="1" fontAlgn="auto" latinLnBrk="0" hangingPunct="1">
+              <a:lnSpc>
+                <a:spcPct val="100000"/>
+              </a:lnSpc>
+              <a:spcBef>
+                <a:spcPts val="0"/>
+              </a:spcBef>
+              <a:spcAft>
+                <a:spcPts val="0"/>
+              </a:spcAft>
+              <a:buClrTx/>
+              <a:buSzTx/>
+              <a:buFontTx/>
+              <a:buNone/>
+              <a:tabLst/>
+              <a:defRPr/>
+            </a:pPr>
+            <a:r>
+              <a:rPr lang="zh-CN" altLang="en-US" dirty="0" smtClean="0"/>
+              <a:t>当用户声称：我要告诉其他人我有一本二手书要卖，我们是不是直接让他去填写书的信息然后发布到网上呢？</a:t>
             </a:r>
             <a:endParaRPr lang="en-US" altLang="zh-CN" dirty="0" smtClean="0"/>
           </a:p>
           <a:p>
-            <a:r>
-              <a:rPr lang="zh-CN" altLang="en-US" dirty="0" smtClean="0"/>
-              <a:t>但是，买卖双方对对方个人的评价是有意义的，评价他是否诚信，是否友好，可以为以后跟他打交道的人提供参考。</a:t>
+            <a:pPr marL="0" marR="0" indent="0" algn="l" defTabSz="914400" rtl="0" eaLnBrk="1" fontAlgn="auto" latinLnBrk="0" hangingPunct="1">
+              <a:lnSpc>
+                <a:spcPct val="100000"/>
+              </a:lnSpc>
+              <a:spcBef>
+                <a:spcPts val="0"/>
+              </a:spcBef>
+              <a:spcAft>
+                <a:spcPts val="0"/>
+              </a:spcAft>
+              <a:buClrTx/>
+              <a:buSzTx/>
+              <a:buFontTx/>
+              <a:buNone/>
+              <a:tabLst/>
+              <a:defRPr/>
+            </a:pPr>
+            <a:r>
+              <a:rPr lang="zh-CN" altLang="en-US" dirty="0" smtClean="0"/>
+              <a:t>我们会想用户说出这句话背后的动机是什么，不是“我要写一篇优雅的广告词”，而是“我要把我的书变成钱”。</a:t>
             </a:r>
             <a:endParaRPr lang="en-US" altLang="zh-CN" dirty="0" smtClean="0"/>
           </a:p>
           <a:p>
-            <a:r>
-              <a:rPr lang="zh-CN" altLang="en-US" dirty="0" smtClean="0"/>
-              <a:t>既然这个项目是给同校大学生用的，那么淘宝那种在线支付加快递的方式就是不适用的，所以我们决定不提供在线支付机制，仅提供买卖双方信息发布和交流沟通的渠道。</a:t>
+            <a:pPr marL="0" marR="0" indent="0" algn="l" defTabSz="914400" rtl="0" eaLnBrk="1" fontAlgn="auto" latinLnBrk="0" hangingPunct="1">
+              <a:lnSpc>
+                <a:spcPct val="100000"/>
+              </a:lnSpc>
+              <a:spcBef>
+                <a:spcPts val="0"/>
+              </a:spcBef>
+              <a:spcAft>
+                <a:spcPts val="0"/>
+              </a:spcAft>
+              <a:buClrTx/>
+              <a:buSzTx/>
+              <a:buFontTx/>
+              <a:buNone/>
+              <a:tabLst/>
+              <a:defRPr/>
+            </a:pPr>
+            <a:r>
+              <a:rPr lang="zh-CN" altLang="en-US" dirty="0" smtClean="0"/>
+              <a:t>那么，把书变成钱有两种方法，一种是我告诉别人我要卖书，让别人来找我。另一种是，系统告诉你可能有人要买书，让你看看你要卖的是不是他想买的，让你去找他。</a:t>
             </a:r>
             <a:endParaRPr lang="en-US" altLang="zh-CN" dirty="0" smtClean="0"/>
           </a:p>
           <a:p>
-            <a:r>
-              <a:rPr lang="zh-CN" altLang="en-US" dirty="0" smtClean="0"/>
-              <a:t>再和报纸广告对比，因为这是一个网络平台，他就应该具备网络平台天然具备的实时性和交互性特征，这个自然不用多说。</a:t>
-            </a:r>
-            <a:endParaRPr lang="zh-CN" altLang="en-US" dirty="0"/>
+            <a:pPr marL="0" marR="0" indent="0" algn="l" defTabSz="914400" rtl="0" eaLnBrk="1" fontAlgn="auto" latinLnBrk="0" hangingPunct="1">
+              <a:lnSpc>
+                <a:spcPct val="100000"/>
+              </a:lnSpc>
+              <a:spcBef>
+                <a:spcPts val="0"/>
+              </a:spcBef>
+              <a:spcAft>
+                <a:spcPts val="0"/>
+              </a:spcAft>
+              <a:buClrTx/>
+              <a:buSzTx/>
+              <a:buFontTx/>
+              <a:buNone/>
+              <a:tabLst/>
+              <a:defRPr/>
+            </a:pPr>
+            <a:r>
+              <a:rPr lang="zh-CN" altLang="en-US" dirty="0" smtClean="0"/>
+              <a:t>所以呢，我们关于这个需求是这样设计的。</a:t>
+            </a:r>
           </a:p>
         </p:txBody>
       </p:sp>
@@ -5031,7 +5097,7 @@
     </p:spTree>
     <p:extLst>
       <p:ext uri="{BB962C8B-B14F-4D97-AF65-F5344CB8AC3E}">
-        <p14:creationId xmlns:p14="http://schemas.microsoft.com/office/powerpoint/2010/main" val="2161629146"/>
+        <p14:creationId xmlns:p14="http://schemas.microsoft.com/office/powerpoint/2010/main" val="1142392900"/>
       </p:ext>
     </p:extLst>
   </p:cSld>
@@ -5087,74 +5153,21 @@
           <a:p>
             <a:r>
               <a:rPr lang="zh-CN" altLang="en-US" dirty="0" smtClean="0"/>
-              <a:t>我所说的组合，就是抓住目标用户的特点，把他们所喜欢的产品特性组合到一起，产生一个专门为其打造的，能全方面吸引这一群用户的产品。</a:t>
+              <a:t>当卖家要发布出售信息的时候，系统会顺便在界面上显示求购信息并且提供搜索功能。</a:t>
             </a:r>
             <a:endParaRPr lang="en-US" altLang="zh-CN" dirty="0" smtClean="0"/>
           </a:p>
           <a:p>
             <a:r>
               <a:rPr lang="zh-CN" altLang="en-US" dirty="0" smtClean="0"/>
-              <a:t>爱美是女性的天性，喜欢旅行也是女性的天性，当把它们和移动平台游戏结合以后，用户突然发现她可以以极低的价格买到这么多衣服</a:t>
-            </a:r>
-            <a:r>
-              <a:rPr lang="zh-CN" altLang="en-US" dirty="0" smtClean="0"/>
-              <a:t>，而且随时随地可以换着玩，她</a:t>
-            </a:r>
-            <a:r>
-              <a:rPr lang="zh-CN" altLang="en-US" dirty="0" smtClean="0"/>
-              <a:t>就无法抵抗这种诱惑，她就可以心甘情愿的掏钱。而且这款游戏的节奏是和移动端完美契合的，他不是为了移动而移动，这款游戏是生而移动的，他操作简单，不需要计算性能和渲染能力，可以随时开始随时停下。</a:t>
+              <a:t>如果用户碰巧找到了需要这件物品的买家，那么双方都可以省去很多麻烦。</a:t>
             </a:r>
             <a:endParaRPr lang="en-US" altLang="zh-CN" dirty="0" smtClean="0"/>
           </a:p>
           <a:p>
             <a:r>
               <a:rPr lang="zh-CN" altLang="en-US" dirty="0" smtClean="0"/>
-              <a:t>这样就成就了这么一款冠军产品。</a:t>
-            </a:r>
-            <a:endParaRPr lang="en-US" altLang="zh-CN" dirty="0" smtClean="0"/>
-          </a:p>
-          <a:p>
-            <a:r>
-              <a:rPr lang="zh-CN" altLang="en-US" dirty="0" smtClean="0"/>
-              <a:t>你能想象把英雄联盟做成手机游戏吗</a:t>
-            </a:r>
-            <a:r>
-              <a:rPr lang="zh-CN" altLang="en-US" dirty="0" smtClean="0"/>
-              <a:t>，就算手机能提供这么强性能和操作感也不行。你想，正要</a:t>
-            </a:r>
-            <a:r>
-              <a:rPr lang="zh-CN" altLang="en-US" dirty="0" smtClean="0"/>
-              <a:t>开始团战的时候你队友突然开始挂机，你问他什么情况，他说我要上地铁了，等我到了新街口再玩</a:t>
-            </a:r>
-            <a:r>
-              <a:rPr lang="zh-CN" altLang="en-US" dirty="0" smtClean="0"/>
-              <a:t>。这是谁都不能忍的。所以</a:t>
-            </a:r>
-            <a:r>
-              <a:rPr lang="zh-CN" altLang="en-US" dirty="0" smtClean="0"/>
-              <a:t>你永远无法把移动的特性和英雄联盟组合到一起。</a:t>
-            </a:r>
-            <a:endParaRPr lang="en-US" altLang="zh-CN" dirty="0" smtClean="0"/>
-          </a:p>
-          <a:p>
-            <a:r>
-              <a:rPr lang="zh-CN" altLang="en-US" dirty="0" smtClean="0"/>
-              <a:t>所以我说，暖暖环游</a:t>
-            </a:r>
-            <a:r>
-              <a:rPr lang="zh-CN" altLang="en-US" dirty="0" smtClean="0"/>
-              <a:t>世界是</a:t>
-            </a:r>
-            <a:r>
-              <a:rPr lang="zh-CN" altLang="en-US" dirty="0" smtClean="0"/>
-              <a:t>多种女性喜欢的元素组合而成的一个成功的产品。</a:t>
-            </a:r>
-            <a:endParaRPr lang="en-US" altLang="zh-CN" dirty="0" smtClean="0"/>
-          </a:p>
-          <a:p>
-            <a:r>
-              <a:rPr lang="zh-CN" altLang="en-US" dirty="0" smtClean="0"/>
-              <a:t>至于这款游戏出人意料的吸引了个别男玩家，这个大家都懂。</a:t>
+              <a:t>其实这样是更人性化的，更自然的，成本更低的。</a:t>
             </a:r>
             <a:endParaRPr lang="zh-CN" altLang="en-US" dirty="0"/>
           </a:p>
@@ -5186,7 +5199,7 @@
     </p:spTree>
     <p:extLst>
       <p:ext uri="{BB962C8B-B14F-4D97-AF65-F5344CB8AC3E}">
-        <p14:creationId xmlns:p14="http://schemas.microsoft.com/office/powerpoint/2010/main" val="3005195410"/>
+        <p14:creationId xmlns:p14="http://schemas.microsoft.com/office/powerpoint/2010/main" val="3856547708"/>
       </p:ext>
     </p:extLst>
   </p:cSld>
@@ -5242,27 +5255,16 @@
           <a:p>
             <a:r>
               <a:rPr lang="zh-CN" altLang="en-US" dirty="0" smtClean="0"/>
-              <a:t>再看我们的系统，他就是围绕着大学生的钱这个主题展开的，一个是省钱，一个是花钱。</a:t>
+              <a:t>发现需求当然不是这么简单，他是一种充满创造性的活动。</a:t>
             </a:r>
             <a:endParaRPr lang="en-US" altLang="zh-CN" dirty="0" smtClean="0"/>
           </a:p>
           <a:p>
             <a:r>
               <a:rPr lang="zh-CN" altLang="en-US" dirty="0" smtClean="0"/>
-              <a:t>大学生既需要省钱，又需要花钱，而且需要优雅的省钱，优雅的花钱。</a:t>
-            </a:r>
-            <a:endParaRPr lang="en-US" altLang="zh-CN" dirty="0" smtClean="0"/>
-          </a:p>
-          <a:p>
-            <a:r>
-              <a:rPr lang="zh-CN" altLang="en-US" dirty="0" smtClean="0"/>
-              <a:t>所以，我们这个项目提供的功能，都是为这一目标群体量身定做的，所有的特性都是为了强化这些功能而选择的</a:t>
-            </a:r>
-            <a:r>
-              <a:rPr lang="zh-CN" altLang="en-US" dirty="0" smtClean="0"/>
-              <a:t>。与这一主题相关的我们才会考虑，所有无关的需求一概否决。</a:t>
-            </a:r>
-            <a:endParaRPr lang="en-US" altLang="zh-CN" dirty="0" smtClean="0"/>
+              <a:t>如何发现需求呢，下面是我结合一些案例的思考。</a:t>
+            </a:r>
+            <a:endParaRPr lang="zh-CN" altLang="en-US" dirty="0"/>
           </a:p>
         </p:txBody>
       </p:sp>
@@ -5292,7 +5294,7 @@
     </p:spTree>
     <p:extLst>
       <p:ext uri="{BB962C8B-B14F-4D97-AF65-F5344CB8AC3E}">
-        <p14:creationId xmlns:p14="http://schemas.microsoft.com/office/powerpoint/2010/main" val="2813551245"/>
+        <p14:creationId xmlns:p14="http://schemas.microsoft.com/office/powerpoint/2010/main" val="2201638052"/>
       </p:ext>
     </p:extLst>
   </p:cSld>
@@ -5348,61 +5350,60 @@
           <a:p>
             <a:r>
               <a:rPr lang="zh-CN" altLang="en-US" dirty="0" smtClean="0"/>
-              <a:t>再就是需求复用。代码</a:t>
-            </a:r>
-            <a:r>
-              <a:rPr lang="zh-CN" altLang="en-US" dirty="0" smtClean="0"/>
-              <a:t>是可以复用的，设计是可以复用的，需求当然也是可以复用的。</a:t>
+              <a:t>一个是观察联想，比如二维码。</a:t>
             </a:r>
             <a:endParaRPr lang="en-US" altLang="zh-CN" dirty="0" smtClean="0"/>
           </a:p>
           <a:p>
             <a:r>
               <a:rPr lang="zh-CN" altLang="en-US" dirty="0" smtClean="0"/>
-              <a:t>从当前存在的产品中吸取经验借鉴灵感是一种成本低效果好的方式。</a:t>
+              <a:t>为什么人们会需要二维码呢？其实发现这种需求是很自然的。</a:t>
             </a:r>
             <a:endParaRPr lang="en-US" altLang="zh-CN" dirty="0" smtClean="0"/>
           </a:p>
           <a:p>
             <a:r>
               <a:rPr lang="zh-CN" altLang="en-US" dirty="0" smtClean="0"/>
-              <a:t>有些同学说腾讯公司看什么产品做得好就抄什么产品，我们搞计算机的说这种话就太不专业，你得说“腾讯公司看什么产品做得好就复用</a:t>
-            </a:r>
-            <a:r>
-              <a:rPr lang="zh-CN" altLang="en-US" dirty="0" smtClean="0"/>
-              <a:t>它”</a:t>
-            </a:r>
-            <a:r>
-              <a:rPr lang="zh-CN" altLang="en-US" dirty="0" smtClean="0"/>
-              <a:t>，这样才显得</a:t>
+              <a:t>既然人们为了传递信息需要一维码，那么通过自然的联想，你就会想到，人们为了传递更多信息就会需要二维码。</a:t>
+            </a:r>
+            <a:endParaRPr lang="en-US" altLang="zh-CN" dirty="0" smtClean="0"/>
+          </a:p>
+          <a:p>
+            <a:r>
+              <a:rPr lang="zh-CN" altLang="en-US" dirty="0" smtClean="0"/>
+              <a:t>但是没有人想到二维码会发生这么疯狂的大爆炸，现在二维码已经无所不在，这个东西和手机摄像头和移动互联网产生了奇妙的反应。</a:t>
+            </a:r>
+            <a:endParaRPr lang="en-US" altLang="zh-CN" dirty="0" smtClean="0"/>
+          </a:p>
+          <a:p>
+            <a:r>
+              <a:rPr lang="zh-CN" altLang="en-US" dirty="0" smtClean="0"/>
+              <a:t>就只是给条形码加了一个维度，就搞出这么好的东西，这是一件很奇妙的事情。</a:t>
+            </a:r>
+            <a:endParaRPr lang="en-US" altLang="zh-CN" dirty="0" smtClean="0"/>
+          </a:p>
+          <a:p>
+            <a:r>
+              <a:rPr lang="zh-CN" altLang="en-US" dirty="0" smtClean="0"/>
+              <a:t>那么我们再联想一下，当</a:t>
             </a:r>
             <a:r>
               <a:rPr lang="en-US" altLang="zh-CN" dirty="0" smtClean="0"/>
-              <a:t>……</a:t>
-            </a:r>
-            <a:r>
-              <a:rPr lang="zh-CN" altLang="en-US" dirty="0" smtClean="0"/>
-              <a:t>专业。</a:t>
-            </a:r>
-            <a:endParaRPr lang="en-US" altLang="zh-CN" dirty="0" smtClean="0"/>
-          </a:p>
-          <a:p>
-            <a:r>
-              <a:rPr lang="zh-CN" altLang="en-US" dirty="0" smtClean="0"/>
-              <a:t>复用不是说什么都可以复用，我国保护软件的知识产权主要靠著作权法，著作权法保护的是表达而不是思想。思想是不能被保护的，如果思想也能</a:t>
-            </a:r>
-            <a:r>
-              <a:rPr lang="zh-CN" altLang="en-US" dirty="0" smtClean="0"/>
-              <a:t>被第一个想到的人独占的话这个世界就太可怕了。</a:t>
-            </a:r>
-            <a:endParaRPr lang="en-US" altLang="zh-CN" dirty="0" smtClean="0"/>
-          </a:p>
-          <a:p>
-            <a:r>
-              <a:rPr lang="zh-CN" altLang="en-US" dirty="0" smtClean="0"/>
-              <a:t>那什么叫借鉴，什么叫抄袭呢，有一个经典的判例。</a:t>
-            </a:r>
-            <a:endParaRPr lang="en-US" altLang="zh-CN" dirty="0" smtClean="0"/>
+              <a:t>3D</a:t>
+            </a:r>
+            <a:r>
+              <a:rPr lang="zh-CN" altLang="en-US" dirty="0" smtClean="0"/>
+              <a:t>显示和</a:t>
+            </a:r>
+            <a:r>
+              <a:rPr lang="en-US" altLang="zh-CN" dirty="0" smtClean="0"/>
+              <a:t>3D</a:t>
+            </a:r>
+            <a:r>
+              <a:rPr lang="zh-CN" altLang="en-US" dirty="0" smtClean="0"/>
+              <a:t>摄像成熟以后，会不会出现三维码，谁也说不准。</a:t>
+            </a:r>
+            <a:endParaRPr lang="zh-CN" altLang="en-US" dirty="0"/>
           </a:p>
         </p:txBody>
       </p:sp>
@@ -5432,7 +5433,7 @@
     </p:spTree>
     <p:extLst>
       <p:ext uri="{BB962C8B-B14F-4D97-AF65-F5344CB8AC3E}">
-        <p14:creationId xmlns:p14="http://schemas.microsoft.com/office/powerpoint/2010/main" val="2028730659"/>
+        <p14:creationId xmlns:p14="http://schemas.microsoft.com/office/powerpoint/2010/main" val="3938202166"/>
       </p:ext>
     </p:extLst>
   </p:cSld>
@@ -5488,54 +5489,42 @@
           <a:p>
             <a:r>
               <a:rPr lang="zh-CN" altLang="en-US" dirty="0" smtClean="0"/>
-              <a:t>你们没看错，这里不是别人起诉腾讯，是腾讯起诉别人。</a:t>
+              <a:t>具体到我们的项目上呢，我们能从这个项目联想到什么？</a:t>
             </a:r>
             <a:endParaRPr lang="en-US" altLang="zh-CN" dirty="0" smtClean="0"/>
           </a:p>
           <a:p>
             <a:r>
               <a:rPr lang="zh-CN" altLang="en-US" dirty="0" smtClean="0"/>
-              <a:t>珊瑚虫</a:t>
-            </a:r>
-            <a:r>
-              <a:rPr lang="en-US" altLang="zh-CN" dirty="0" smtClean="0"/>
-              <a:t>QQ</a:t>
-            </a:r>
-            <a:r>
-              <a:rPr lang="zh-CN" altLang="en-US" dirty="0" smtClean="0"/>
-              <a:t>不知道大家有没有用过，反正我小时候用过，他不是借鉴，不是复用，甚至不是抄袭，而是把腾讯</a:t>
-            </a:r>
-            <a:r>
-              <a:rPr lang="en-US" altLang="zh-CN" dirty="0" smtClean="0"/>
-              <a:t>QQ</a:t>
-            </a:r>
-            <a:r>
-              <a:rPr lang="zh-CN" altLang="en-US" dirty="0" smtClean="0"/>
-              <a:t>改一改变成自己的，这种行为简直就是明目张胆，明火执仗</a:t>
-            </a:r>
-            <a:r>
-              <a:rPr lang="zh-CN" altLang="en-US" dirty="0" smtClean="0"/>
-              <a:t>。这</a:t>
-            </a:r>
-            <a:r>
-              <a:rPr lang="zh-CN" altLang="en-US" dirty="0" smtClean="0"/>
-              <a:t>就是既复用了别人的思想又抄袭别人的表达，这肯定是违法的</a:t>
-            </a:r>
-            <a:r>
-              <a:rPr lang="zh-CN" altLang="en-US" dirty="0" smtClean="0"/>
-              <a:t>，被判有期徒刑</a:t>
-            </a:r>
-            <a:r>
-              <a:rPr lang="en-US" altLang="zh-CN" dirty="0" smtClean="0"/>
-              <a:t>3</a:t>
-            </a:r>
-            <a:r>
-              <a:rPr lang="zh-CN" altLang="en-US" dirty="0" smtClean="0"/>
-              <a:t>年，罚金加罚没非法所得，罪有应得</a:t>
-            </a:r>
-            <a:r>
-              <a:rPr lang="zh-CN" altLang="en-US" dirty="0" smtClean="0"/>
-              <a:t>。</a:t>
+              <a:t>我们可以想这个项目与淘宝相比有什么联系和区别，淘宝卖的东西一般是大量的，可重复的，很少有卖家一种商品只卖一件。所以买家可以评价商品，为以后的买家提供参考。</a:t>
+            </a:r>
+            <a:endParaRPr lang="en-US" altLang="zh-CN" dirty="0" smtClean="0"/>
+          </a:p>
+          <a:p>
+            <a:r>
+              <a:rPr lang="zh-CN" altLang="en-US" dirty="0" smtClean="0"/>
+              <a:t>但是对于我们这个项目而言这是没有意义的，因为卖二手物品的行为在大多数情况下是不可重复的，很少有人今天卖一本二手的代码大全，明天又卖一本二手的代码大全，那么让买家评价这本买到手的代码大全有什么意义呢？</a:t>
+            </a:r>
+            <a:endParaRPr lang="en-US" altLang="zh-CN" dirty="0" smtClean="0"/>
+          </a:p>
+          <a:p>
+            <a:r>
+              <a:rPr lang="zh-CN" altLang="en-US" dirty="0" smtClean="0"/>
+              <a:t>但是，买卖双方对对方个人的评价是有意义的，评价他是否诚信，是否友好，可以为以后跟他打交道的人提供参考。</a:t>
+            </a:r>
+            <a:endParaRPr lang="en-US" altLang="zh-CN" dirty="0" smtClean="0"/>
+          </a:p>
+          <a:p>
+            <a:r>
+              <a:rPr lang="zh-CN" altLang="en-US" dirty="0" smtClean="0"/>
+              <a:t>既然这个项目是给同校大学生用的，那么淘宝那种在线支付加快递的方式就是不适用的，所以我们决定不提供在线支付机制，仅提供买卖双方信息发布和交流沟通的渠道。</a:t>
+            </a:r>
+            <a:endParaRPr lang="en-US" altLang="zh-CN" dirty="0" smtClean="0"/>
+          </a:p>
+          <a:p>
+            <a:r>
+              <a:rPr lang="zh-CN" altLang="en-US" dirty="0" smtClean="0"/>
+              <a:t>再和报纸广告对比，因为这是一个网络平台，他就应该具备网络平台天然具备的实时性和交互性特征，这个自然不用多说。</a:t>
             </a:r>
             <a:endParaRPr lang="zh-CN" altLang="en-US" dirty="0"/>
           </a:p>
@@ -5567,7 +5556,7 @@
     </p:spTree>
     <p:extLst>
       <p:ext uri="{BB962C8B-B14F-4D97-AF65-F5344CB8AC3E}">
-        <p14:creationId xmlns:p14="http://schemas.microsoft.com/office/powerpoint/2010/main" val="3675393986"/>
+        <p14:creationId xmlns:p14="http://schemas.microsoft.com/office/powerpoint/2010/main" val="2161629146"/>
       </p:ext>
     </p:extLst>
   </p:cSld>
@@ -5623,14 +5612,42 @@
           <a:p>
             <a:r>
               <a:rPr lang="zh-CN" altLang="en-US" dirty="0" smtClean="0"/>
-              <a:t>再回到我们的项目上，啊，俗话说得好，需求来源于生活而高于生活，我们从市面上已经存在的成功产品中复用的需求有：</a:t>
+              <a:t>我所说的组合，就是抓住目标用户的特点，把他们所喜欢的产品特性组合到一起，产生一个专门为其打造的，能全方面吸引这一群用户的产品。</a:t>
             </a:r>
             <a:endParaRPr lang="en-US" altLang="zh-CN" dirty="0" smtClean="0"/>
           </a:p>
           <a:p>
             <a:r>
               <a:rPr lang="zh-CN" altLang="en-US" dirty="0" smtClean="0"/>
-              <a:t>下面我们再说舍弃需求</a:t>
+              <a:t>爱美是女性的天性，喜欢旅行也是女性的天性，当把它们和移动平台游戏结合以后，用户突然发现她可以以极低的价格买到这么多衣服，而且随时随地可以换着玩，她就无法抵抗这种诱惑，她就可以心甘情愿的掏钱。而且这款游戏的节奏是和移动端完美契合的，他不是为了移动而移动，这款游戏是生而移动的，他操作简单，不需要计算性能和渲染能力，可以随时开始随时停下。</a:t>
+            </a:r>
+            <a:endParaRPr lang="en-US" altLang="zh-CN" dirty="0" smtClean="0"/>
+          </a:p>
+          <a:p>
+            <a:r>
+              <a:rPr lang="zh-CN" altLang="en-US" dirty="0" smtClean="0"/>
+              <a:t>这样就成就了这么一款冠军产品。</a:t>
+            </a:r>
+            <a:endParaRPr lang="en-US" altLang="zh-CN" dirty="0" smtClean="0"/>
+          </a:p>
+          <a:p>
+            <a:r>
+              <a:rPr lang="zh-CN" altLang="en-US" dirty="0" smtClean="0"/>
+              <a:t>你能想象把英雄联盟做成手机游戏吗，就算手机能提供这么强性能和操作感也不行。你想，正要开始团战的时候你队友突然开始挂机，你问他什么情况，他说我要上地铁了，等我到了新街口再玩。这是谁都不能忍的。所以你永远无法把移动的特性和英雄联盟组合到一起。</a:t>
+            </a:r>
+            <a:endParaRPr lang="en-US" altLang="zh-CN" dirty="0" smtClean="0"/>
+          </a:p>
+          <a:p>
+            <a:r>
+              <a:rPr lang="zh-CN" altLang="en-US" dirty="0" smtClean="0"/>
+              <a:t>所以我说，暖暖环游世界是多种女性喜欢的元素组合而成的一个成功的产品。</a:t>
+            </a:r>
+            <a:endParaRPr lang="en-US" altLang="zh-CN" dirty="0" smtClean="0"/>
+          </a:p>
+          <a:p>
+            <a:r>
+              <a:rPr lang="zh-CN" altLang="en-US" dirty="0" smtClean="0"/>
+              <a:t>至于这款游戏出人意料的吸引了个别男玩家，这个大家都懂。</a:t>
             </a:r>
             <a:endParaRPr lang="zh-CN" altLang="en-US" dirty="0"/>
           </a:p>
@@ -5662,7 +5679,7 @@
     </p:spTree>
     <p:extLst>
       <p:ext uri="{BB962C8B-B14F-4D97-AF65-F5344CB8AC3E}">
-        <p14:creationId xmlns:p14="http://schemas.microsoft.com/office/powerpoint/2010/main" val="1393023470"/>
+        <p14:creationId xmlns:p14="http://schemas.microsoft.com/office/powerpoint/2010/main" val="3005195410"/>
       </p:ext>
     </p:extLst>
   </p:cSld>
@@ -5718,38 +5735,23 @@
           <a:p>
             <a:r>
               <a:rPr lang="zh-CN" altLang="en-US" dirty="0" smtClean="0"/>
-              <a:t>人月神话里面说程序员的天性是理想主义的，我觉得一点也没错。</a:t>
+              <a:t>再看我们的系统，他就是围绕着大学生的钱这个主题展开的，一个是省钱，一个是花钱。</a:t>
             </a:r>
             <a:endParaRPr lang="en-US" altLang="zh-CN" dirty="0" smtClean="0"/>
           </a:p>
           <a:p>
             <a:r>
               <a:rPr lang="zh-CN" altLang="en-US" dirty="0" smtClean="0"/>
-              <a:t>为什么要舍弃需求呢</a:t>
-            </a:r>
-            <a:r>
-              <a:rPr lang="zh-CN" altLang="en-US" dirty="0" smtClean="0"/>
-              <a:t>？因为有一些需求，除了暂时满足开发者搞一个大新闻的野心以外，没有任何意义。</a:t>
+              <a:t>大学生既需要省钱，又需要花钱，而且需要优雅的省钱，优雅的花钱。</a:t>
             </a:r>
             <a:endParaRPr lang="en-US" altLang="zh-CN" dirty="0" smtClean="0"/>
           </a:p>
           <a:p>
             <a:r>
               <a:rPr lang="zh-CN" altLang="en-US" dirty="0" smtClean="0"/>
-              <a:t>一方面，如果你不舍弃应当舍弃的需求，项目范围就会变得无穷庞大，这个项目就会容易失败</a:t>
-            </a:r>
-            <a:r>
-              <a:rPr lang="zh-CN" altLang="en-US" dirty="0" smtClean="0"/>
-              <a:t>。</a:t>
+              <a:t>所以，我们这个项目提供的功能，都是为这一目标群体量身定做的，所有的特性都是为了强化这些功能而选择的。与这一主题相关的我们才会考虑，所有无关的需求一概否决。</a:t>
             </a:r>
             <a:endParaRPr lang="en-US" altLang="zh-CN" dirty="0" smtClean="0"/>
-          </a:p>
-          <a:p>
-            <a:r>
-              <a:rPr lang="zh-CN" altLang="en-US" dirty="0" smtClean="0"/>
-              <a:t>另一方面，如果你不舍弃那些看似有用实则没用的需求，这个项目就会变得无所不包而且莫名其妙。</a:t>
-            </a:r>
-            <a:endParaRPr lang="zh-CN" altLang="en-US" dirty="0"/>
           </a:p>
         </p:txBody>
       </p:sp>
@@ -5779,7 +5781,7 @@
     </p:spTree>
     <p:extLst>
       <p:ext uri="{BB962C8B-B14F-4D97-AF65-F5344CB8AC3E}">
-        <p14:creationId xmlns:p14="http://schemas.microsoft.com/office/powerpoint/2010/main" val="233751021"/>
+        <p14:creationId xmlns:p14="http://schemas.microsoft.com/office/powerpoint/2010/main" val="2813551245"/>
       </p:ext>
     </p:extLst>
   </p:cSld>
@@ -5835,63 +5837,43 @@
           <a:p>
             <a:r>
               <a:rPr lang="zh-CN" altLang="en-US" dirty="0" smtClean="0"/>
-              <a:t>当项目刚开始的时候，每个程序员心中都是有星辰大海的。直到他们发现做不到为止。</a:t>
+              <a:t>再就是需求复用。代码是可以复用的，设计是可以复用的，需求当然也是可以复用的。</a:t>
             </a:r>
             <a:endParaRPr lang="en-US" altLang="zh-CN" dirty="0" smtClean="0"/>
           </a:p>
           <a:p>
             <a:r>
               <a:rPr lang="zh-CN" altLang="en-US" dirty="0" smtClean="0"/>
-              <a:t>比如说，如果我们要做一款游戏，我们</a:t>
-            </a:r>
-            <a:r>
-              <a:rPr lang="zh-CN" altLang="en-US" dirty="0" smtClean="0"/>
-              <a:t>就想要做</a:t>
-            </a:r>
-            <a:r>
-              <a:rPr lang="zh-CN" altLang="en-US" dirty="0" smtClean="0"/>
-              <a:t>超大地图，成就系统，装备系统，宠物系统，天赋系统，转职系统，团队副本系统，团战系统，结婚生孩子系统。</a:t>
+              <a:t>从当前存在的产品中吸取经验借鉴灵感是一种成本低效果好的方式。</a:t>
             </a:r>
             <a:endParaRPr lang="en-US" altLang="zh-CN" dirty="0" smtClean="0"/>
           </a:p>
           <a:p>
             <a:r>
               <a:rPr lang="zh-CN" altLang="en-US" dirty="0" smtClean="0"/>
-              <a:t>这种感觉大家都懂，每个人都体会过</a:t>
-            </a:r>
-            <a:r>
-              <a:rPr lang="zh-CN" altLang="en-US" dirty="0" smtClean="0"/>
-              <a:t>，比如</a:t>
+              <a:t>有些同学说腾讯公司看什么产品做得好就抄什么产品，我们搞计算机的说这种话就太不专业，你得说“腾讯公司看什么产品做得好就复用它”，这样才显得</a:t>
             </a:r>
             <a:r>
               <a:rPr lang="en-US" altLang="zh-CN" dirty="0" smtClean="0"/>
-              <a:t>EL</a:t>
-            </a:r>
-            <a:r>
-              <a:rPr lang="zh-CN" altLang="en-US" dirty="0" smtClean="0"/>
-              <a:t>比赛的时候，为什么最后提交作品的只有一半呢，因为热情</a:t>
-            </a:r>
-            <a:r>
-              <a:rPr lang="zh-CN" altLang="en-US" dirty="0" smtClean="0"/>
-              <a:t>总是随时间退散的，如果不能通过持续成功产生的成就感维持热情的话，最终产生的一定是一个敷衍潦草的产品。</a:t>
+              <a:t>……</a:t>
+            </a:r>
+            <a:r>
+              <a:rPr lang="zh-CN" altLang="en-US" dirty="0" smtClean="0"/>
+              <a:t>专业。</a:t>
             </a:r>
             <a:endParaRPr lang="en-US" altLang="zh-CN" dirty="0" smtClean="0"/>
           </a:p>
           <a:p>
             <a:r>
               <a:rPr lang="zh-CN" altLang="en-US" dirty="0" smtClean="0"/>
-              <a:t>而一个超级庞大的项目范围，是成就感的最大杀手</a:t>
-            </a:r>
-            <a:r>
-              <a:rPr lang="zh-CN" altLang="en-US" dirty="0" smtClean="0"/>
-              <a:t>。</a:t>
+              <a:t>复用不是说什么都可以复用，我国保护软件的知识产权主要靠著作权法，著作权法保护的是表达而不是思想。思想是不能被保护的，如果思想也能被第一个想到的人独占的话这个世界就太可怕了。</a:t>
             </a:r>
             <a:endParaRPr lang="en-US" altLang="zh-CN" dirty="0" smtClean="0"/>
           </a:p>
           <a:p>
             <a:r>
               <a:rPr lang="zh-CN" altLang="en-US" dirty="0" smtClean="0"/>
-              <a:t>再说那些看似有用的需求。</a:t>
+              <a:t>那什么叫借鉴，什么叫抄袭呢，有一个经典的判例。</a:t>
             </a:r>
             <a:endParaRPr lang="en-US" altLang="zh-CN" dirty="0" smtClean="0"/>
           </a:p>
@@ -5923,7 +5905,7 @@
     </p:spTree>
     <p:extLst>
       <p:ext uri="{BB962C8B-B14F-4D97-AF65-F5344CB8AC3E}">
-        <p14:creationId xmlns:p14="http://schemas.microsoft.com/office/powerpoint/2010/main" val="2353578814"/>
+        <p14:creationId xmlns:p14="http://schemas.microsoft.com/office/powerpoint/2010/main" val="2028730659"/>
       </p:ext>
     </p:extLst>
   </p:cSld>
@@ -6103,30 +6085,38 @@
           <a:p>
             <a:r>
               <a:rPr lang="zh-CN" altLang="en-US" dirty="0" smtClean="0"/>
-              <a:t>极端一点，我们</a:t>
-            </a:r>
-            <a:r>
-              <a:rPr lang="zh-CN" altLang="en-US" dirty="0" smtClean="0"/>
-              <a:t>可以随便开点脑洞，给一些系统加一些看似有用的需求，只要你愿意加，总是能加上的，你可以给美团外卖内置游戏，给课程格子内置美团外卖，给人人网内置课程格子</a:t>
-            </a:r>
-            <a:r>
-              <a:rPr lang="zh-CN" altLang="en-US" dirty="0" smtClean="0"/>
-              <a:t>，你能说没用吗，明明有用啊。</a:t>
+              <a:t>你们没看错，这里不是别人起诉腾讯，是腾讯起诉别人。</a:t>
             </a:r>
             <a:endParaRPr lang="en-US" altLang="zh-CN" dirty="0" smtClean="0"/>
           </a:p>
           <a:p>
             <a:r>
               <a:rPr lang="zh-CN" altLang="en-US" dirty="0" smtClean="0"/>
-              <a:t>最后我们就可以搞出一个叫地球</a:t>
+              <a:t>珊瑚虫</a:t>
             </a:r>
             <a:r>
               <a:rPr lang="en-US" altLang="zh-CN" dirty="0" smtClean="0"/>
-              <a:t>ONLINE</a:t>
-            </a:r>
-            <a:r>
-              <a:rPr lang="zh-CN" altLang="en-US" dirty="0" smtClean="0"/>
-              <a:t>，他一方面无所不能，一方面莫名其妙。</a:t>
+              <a:t>QQ</a:t>
+            </a:r>
+            <a:r>
+              <a:rPr lang="zh-CN" altLang="en-US" dirty="0" smtClean="0"/>
+              <a:t>不知道大家有没有用过，反正我小时候用过，他不是借鉴，不是复用，甚至不是抄袭，而是把腾讯</a:t>
+            </a:r>
+            <a:r>
+              <a:rPr lang="en-US" altLang="zh-CN" dirty="0" smtClean="0"/>
+              <a:t>QQ</a:t>
+            </a:r>
+            <a:r>
+              <a:rPr lang="zh-CN" altLang="en-US" dirty="0" smtClean="0"/>
+              <a:t>改一改变成自己的，这种行为简直就是明目张胆，明火执仗。这就是既复用了别人的思想又抄袭别人的表达，这肯定是违法的，被判有期徒刑</a:t>
+            </a:r>
+            <a:r>
+              <a:rPr lang="en-US" altLang="zh-CN" dirty="0" smtClean="0"/>
+              <a:t>3</a:t>
+            </a:r>
+            <a:r>
+              <a:rPr lang="zh-CN" altLang="en-US" dirty="0" smtClean="0"/>
+              <a:t>年，罚金加罚没非法所得，罪有应得。</a:t>
             </a:r>
             <a:endParaRPr lang="zh-CN" altLang="en-US" dirty="0"/>
           </a:p>
@@ -6158,7 +6148,7 @@
     </p:spTree>
     <p:extLst>
       <p:ext uri="{BB962C8B-B14F-4D97-AF65-F5344CB8AC3E}">
-        <p14:creationId xmlns:p14="http://schemas.microsoft.com/office/powerpoint/2010/main" val="1352175098"/>
+        <p14:creationId xmlns:p14="http://schemas.microsoft.com/office/powerpoint/2010/main" val="3675393986"/>
       </p:ext>
     </p:extLst>
   </p:cSld>
@@ -6214,55 +6204,15 @@
           <a:p>
             <a:r>
               <a:rPr lang="zh-CN" altLang="en-US" dirty="0" smtClean="0"/>
-              <a:t>下面我们以头脑风暴过程中舍弃的需求为例谈谈我们的想法。</a:t>
+              <a:t>再回到我们的项目上，啊，俗话说得好，需求来源于生活而高于生活，我们从市面上已经存在的成功产品中复用的需求有：</a:t>
             </a:r>
             <a:endParaRPr lang="en-US" altLang="zh-CN" dirty="0" smtClean="0"/>
           </a:p>
           <a:p>
             <a:r>
               <a:rPr lang="zh-CN" altLang="en-US" dirty="0" smtClean="0"/>
-              <a:t>第一条，我们曾经提出买卖过程中要有一个聊天系统，就像阿里旺旺一样，然后谈笑间就被我们否决了。因为我们不能为一个本身还算简单的系统开发一个复杂的系统，这是个很荒唐的事情。再说，卖二手货的人又不是淘宝店小二，又</a:t>
-            </a:r>
-            <a:r>
-              <a:rPr lang="zh-CN" altLang="en-US" dirty="0" smtClean="0"/>
-              <a:t>不会整天</a:t>
-            </a:r>
-            <a:r>
-              <a:rPr lang="zh-CN" altLang="en-US" dirty="0" smtClean="0"/>
-              <a:t>守在电脑前一口一个</a:t>
-            </a:r>
-            <a:r>
-              <a:rPr lang="zh-CN" altLang="en-US" dirty="0" smtClean="0"/>
-              <a:t>亲，</a:t>
-            </a:r>
-            <a:r>
-              <a:rPr lang="zh-CN" altLang="en-US" dirty="0" smtClean="0"/>
-              <a:t>要实时交流系统有什么用呢？这就是一个看似有用的需求。</a:t>
-            </a:r>
-            <a:endParaRPr lang="en-US" altLang="zh-CN" dirty="0" smtClean="0"/>
-          </a:p>
-          <a:p>
-            <a:r>
-              <a:rPr lang="zh-CN" altLang="en-US" dirty="0" smtClean="0"/>
-              <a:t>第二条，论坛积分能当钱用，这个不现实。给商品优惠，谁付差价？让运营者掏钱吗？这个系统原本就不挣钱，怎么还能倒贴钱呢？</a:t>
-            </a:r>
-            <a:endParaRPr lang="en-US" altLang="zh-CN" dirty="0" smtClean="0"/>
-          </a:p>
-          <a:p>
-            <a:r>
-              <a:rPr lang="zh-CN" altLang="en-US" dirty="0" smtClean="0"/>
-              <a:t>第三条，虚拟币等等机制，让原本简单的东西变得复杂了。当初百度贴吧相比于天涯和猫扑最吸引人的地方在哪，就是简单，没有等级，没有金币，没有鲜花，甚至不用注册，就是聊天而已，搞那么复杂没有必要。再说，用虚拟币让自己的帖子置顶，这种“买关注”的情况显得太没有节操，岂不是跟百度的搜索排名一样。</a:t>
-            </a:r>
-            <a:endParaRPr lang="en-US" altLang="zh-CN" dirty="0" smtClean="0"/>
-          </a:p>
-          <a:p>
-            <a:r>
-              <a:rPr lang="zh-CN" altLang="en-US" dirty="0" smtClean="0"/>
-              <a:t>下面我们再看我们用的一些需求工程方法。</a:t>
-            </a:r>
-            <a:endParaRPr lang="en-US" altLang="zh-CN" dirty="0" smtClean="0"/>
-          </a:p>
-          <a:p>
+              <a:t>下面我们再说舍弃需求</a:t>
+            </a:r>
             <a:endParaRPr lang="zh-CN" altLang="en-US" dirty="0"/>
           </a:p>
         </p:txBody>
@@ -6293,7 +6243,7 @@
     </p:spTree>
     <p:extLst>
       <p:ext uri="{BB962C8B-B14F-4D97-AF65-F5344CB8AC3E}">
-        <p14:creationId xmlns:p14="http://schemas.microsoft.com/office/powerpoint/2010/main" val="1144978177"/>
+        <p14:creationId xmlns:p14="http://schemas.microsoft.com/office/powerpoint/2010/main" val="1393023470"/>
       </p:ext>
     </p:extLst>
   </p:cSld>
@@ -6348,20 +6298,29 @@
           <a:lstStyle/>
           <a:p>
             <a:r>
-              <a:rPr lang="en-US" altLang="zh-CN" dirty="0" smtClean="0"/>
-              <a:t>15</a:t>
-            </a:r>
-            <a:r>
-              <a:rPr lang="zh-CN" altLang="en-US" dirty="0" smtClean="0"/>
-              <a:t>张分析模型图，由用例图产生，需求规格说明书中的功能需求都是照着这</a:t>
-            </a:r>
-            <a:r>
-              <a:rPr lang="en-US" altLang="zh-CN" dirty="0" smtClean="0"/>
-              <a:t>15</a:t>
-            </a:r>
-            <a:r>
-              <a:rPr lang="zh-CN" altLang="en-US" dirty="0" smtClean="0"/>
-              <a:t>张分析模型图核对过的，保证每个人对文档的理解都没有偏差。</a:t>
+              <a:rPr lang="zh-CN" altLang="en-US" dirty="0" smtClean="0"/>
+              <a:t>人月神话里面说程序员的天性是理想主义的，我觉得一点也没错。</a:t>
+            </a:r>
+            <a:endParaRPr lang="en-US" altLang="zh-CN" dirty="0" smtClean="0"/>
+          </a:p>
+          <a:p>
+            <a:r>
+              <a:rPr lang="zh-CN" altLang="en-US" dirty="0" smtClean="0"/>
+              <a:t>为什么要舍弃需求呢？因为有一些需求，除了暂时满足开发者搞一个大新闻的野心以外，没有任何意义。</a:t>
+            </a:r>
+            <a:endParaRPr lang="en-US" altLang="zh-CN" dirty="0" smtClean="0"/>
+          </a:p>
+          <a:p>
+            <a:r>
+              <a:rPr lang="zh-CN" altLang="en-US" dirty="0" smtClean="0"/>
+              <a:t>一方面，如果你不舍弃应当舍弃的需求，项目范围就会变得无穷庞大，这个项目就会容易失败。</a:t>
+            </a:r>
+            <a:endParaRPr lang="en-US" altLang="zh-CN" dirty="0" smtClean="0"/>
+          </a:p>
+          <a:p>
+            <a:r>
+              <a:rPr lang="zh-CN" altLang="en-US" dirty="0" smtClean="0"/>
+              <a:t>另一方面，如果你不舍弃那些看似有用实则没用的需求，这个项目就会变得无所不包而且莫名其妙。</a:t>
             </a:r>
             <a:endParaRPr lang="zh-CN" altLang="en-US" dirty="0"/>
           </a:p>
@@ -6384,7 +6343,7 @@
           <a:p>
             <a:fld id="{B1384BB5-1574-4C59-B469-6053B759AD84}" type="slidenum">
               <a:rPr lang="zh-CN" altLang="en-US" smtClean="0"/>
-              <a:t>29</a:t>
+              <a:t>28</a:t>
             </a:fld>
             <a:endParaRPr lang="zh-CN" altLang="en-US"/>
           </a:p>
@@ -6393,7 +6352,7 @@
     </p:spTree>
     <p:extLst>
       <p:ext uri="{BB962C8B-B14F-4D97-AF65-F5344CB8AC3E}">
-        <p14:creationId xmlns:p14="http://schemas.microsoft.com/office/powerpoint/2010/main" val="3631289694"/>
+        <p14:creationId xmlns:p14="http://schemas.microsoft.com/office/powerpoint/2010/main" val="233751021"/>
       </p:ext>
     </p:extLst>
   </p:cSld>
@@ -6449,52 +6408,45 @@
           <a:p>
             <a:r>
               <a:rPr lang="zh-CN" altLang="en-US" dirty="0" smtClean="0"/>
-              <a:t>规格说明怎么写大家都会这里就不说了，我们就说一说我们认为比较难的地方吧。</a:t>
+              <a:t>当项目刚开始的时候，每个程序员心中都是有星辰大海的。直到他们发现做不到为止。</a:t>
             </a:r>
             <a:endParaRPr lang="en-US" altLang="zh-CN" dirty="0" smtClean="0"/>
           </a:p>
           <a:p>
             <a:r>
               <a:rPr lang="zh-CN" altLang="en-US" dirty="0" smtClean="0"/>
-              <a:t>一个是工程师思维。我认为工程师思维的本质是妥协，不是搞那些高大全的东西，而是在功能和成本之间寻求最好的平衡点</a:t>
-            </a:r>
-            <a:r>
-              <a:rPr lang="zh-CN" altLang="en-US" dirty="0" smtClean="0"/>
-              <a:t>。不能因为说我们这是个课程作业，反正又不让我去实现他，我就不考虑成本，不考虑可行性，所有高大上的东西统统加上去。</a:t>
+              <a:t>比如说，如果我们要做一款游戏，我们就想要做超大地图，成就系统，装备系统，宠物系统，天赋系统，转职系统，团队副本系统，团战系统，结婚生孩子系统。</a:t>
             </a:r>
             <a:endParaRPr lang="en-US" altLang="zh-CN" dirty="0" smtClean="0"/>
           </a:p>
           <a:p>
             <a:r>
               <a:rPr lang="zh-CN" altLang="en-US" dirty="0" smtClean="0"/>
-              <a:t>我们做了必需的需求，并创造性地提出了有用的需求，而放弃了那些似乎有点用处但是性价比很差的需求。坚决摒弃了那些不现实和没用的需求。</a:t>
+              <a:t>这种感觉大家都懂，每个人都体会过，比如</a:t>
+            </a:r>
+            <a:r>
+              <a:rPr lang="en-US" altLang="zh-CN" dirty="0" smtClean="0"/>
+              <a:t>EL</a:t>
+            </a:r>
+            <a:r>
+              <a:rPr lang="zh-CN" altLang="en-US" dirty="0" smtClean="0"/>
+              <a:t>比赛的时候，为什么最后提交作品的只有一半呢，因为热情总是随时间退散的，如果不能通过持续成功产生的成就感维持热情的话，最终产生的一定是一个敷衍潦草的产品。</a:t>
             </a:r>
             <a:endParaRPr lang="en-US" altLang="zh-CN" dirty="0" smtClean="0"/>
           </a:p>
           <a:p>
             <a:r>
               <a:rPr lang="zh-CN" altLang="en-US" dirty="0" smtClean="0"/>
-              <a:t>要维持所有人对需求的一致理解，要避免记忆的不可靠性就要写文档，这是需要成本的。要避免自然语言的缺陷就要用形式化的语言，就要用模型，这是更需要成本的。</a:t>
+              <a:t>而一个超级庞大的项目范围，是成就感的最大杀手。</a:t>
             </a:r>
             <a:endParaRPr lang="en-US" altLang="zh-CN" dirty="0" smtClean="0"/>
           </a:p>
           <a:p>
             <a:r>
               <a:rPr lang="zh-CN" altLang="en-US" dirty="0" smtClean="0"/>
-              <a:t>目标模型图和</a:t>
-            </a:r>
-            <a:r>
-              <a:rPr lang="en-US" altLang="zh-CN" dirty="0" smtClean="0"/>
-              <a:t>15</a:t>
-            </a:r>
-            <a:r>
-              <a:rPr lang="zh-CN" altLang="en-US" dirty="0" smtClean="0"/>
-              <a:t>张顺序图状态图活动图等等各种各样的图画的我也很头疼，这都是成本。</a:t>
+              <a:t>再说那些看似有用的需求。</a:t>
             </a:r>
             <a:endParaRPr lang="en-US" altLang="zh-CN" dirty="0" smtClean="0"/>
-          </a:p>
-          <a:p>
-            <a:endParaRPr lang="zh-CN" altLang="en-US" dirty="0"/>
           </a:p>
         </p:txBody>
       </p:sp>
@@ -6515,7 +6467,7 @@
           <a:p>
             <a:fld id="{B1384BB5-1574-4C59-B469-6053B759AD84}" type="slidenum">
               <a:rPr lang="zh-CN" altLang="en-US" smtClean="0"/>
-              <a:t>30</a:t>
+              <a:t>29</a:t>
             </a:fld>
             <a:endParaRPr lang="zh-CN" altLang="en-US"/>
           </a:p>
@@ -6524,7 +6476,7 @@
     </p:spTree>
     <p:extLst>
       <p:ext uri="{BB962C8B-B14F-4D97-AF65-F5344CB8AC3E}">
-        <p14:creationId xmlns:p14="http://schemas.microsoft.com/office/powerpoint/2010/main" val="2547570355"/>
+        <p14:creationId xmlns:p14="http://schemas.microsoft.com/office/powerpoint/2010/main" val="2353578814"/>
       </p:ext>
     </p:extLst>
   </p:cSld>
@@ -6580,56 +6532,143 @@
           <a:p>
             <a:r>
               <a:rPr lang="zh-CN" altLang="en-US" dirty="0" smtClean="0"/>
-              <a:t>在需求工程</a:t>
-            </a:r>
-            <a:r>
-              <a:rPr lang="zh-CN" altLang="en-US" dirty="0" smtClean="0"/>
-              <a:t>方法上面，我们做了恰当的剪裁。对</a:t>
-            </a:r>
-            <a:r>
-              <a:rPr lang="zh-CN" altLang="en-US" dirty="0" smtClean="0"/>
-              <a:t>这个项目而言，他不属于创新型项目，领域分析就不必要；观察法民族志更不用说了，没有任何应用的必要，也没有可行性。</a:t>
+              <a:t>极端一点，我们可以随便开点脑洞，给一些系统加一些看似有用的需求，只要你愿意加，总是能加上的，你可以给美团外卖内置游戏，给课程格子内置美团外卖，给人人网内置课程格子，你能说没用吗，明明有用啊。</a:t>
             </a:r>
             <a:endParaRPr lang="en-US" altLang="zh-CN" dirty="0" smtClean="0"/>
           </a:p>
           <a:p>
             <a:r>
               <a:rPr lang="zh-CN" altLang="en-US" dirty="0" smtClean="0"/>
-              <a:t>在文档写作方面，我们充分吸取软工二写文档的经验，</a:t>
+              <a:t>最后我们就可以搞出一个叫地球</a:t>
             </a:r>
             <a:r>
               <a:rPr lang="en-US" altLang="zh-CN" dirty="0" smtClean="0"/>
-              <a:t>review</a:t>
-            </a:r>
-            <a:r>
-              <a:rPr lang="zh-CN" altLang="en-US" dirty="0" smtClean="0"/>
-              <a:t>文档的时候统一对其中不讲究的部分做了修改。比如说</a:t>
-            </a:r>
-            <a:r>
-              <a:rPr lang="en-US" altLang="zh-CN" dirty="0" smtClean="0"/>
-              <a:t>……</a:t>
-            </a:r>
-          </a:p>
-          <a:p>
-            <a:r>
-              <a:rPr lang="zh-CN" altLang="en-US" dirty="0" smtClean="0"/>
-              <a:t>再者，由于我们有一位杰出的</a:t>
-            </a:r>
-            <a:r>
-              <a:rPr lang="en-US" altLang="zh-CN" dirty="0" smtClean="0"/>
-              <a:t>UI</a:t>
-            </a:r>
-            <a:r>
-              <a:rPr lang="zh-CN" altLang="en-US" dirty="0" smtClean="0"/>
-              <a:t>设计师，原型做的优雅精致时尚简约，起到了很好的效果。</a:t>
+              <a:t>ONLINE</a:t>
+            </a:r>
+            <a:r>
+              <a:rPr lang="zh-CN" altLang="en-US" dirty="0" smtClean="0"/>
+              <a:t>，他一方面无所不能，一方面莫名其妙。</a:t>
+            </a:r>
+            <a:endParaRPr lang="zh-CN" altLang="en-US" dirty="0"/>
+          </a:p>
+        </p:txBody>
+      </p:sp>
+      <p:sp>
+        <p:nvSpPr>
+          <p:cNvPr id="4" name="灯片编号占位符 3"/>
+          <p:cNvSpPr>
+            <a:spLocks noGrp="1"/>
+          </p:cNvSpPr>
+          <p:nvPr>
+            <p:ph type="sldNum" sz="quarter" idx="10"/>
+          </p:nvPr>
+        </p:nvSpPr>
+        <p:spPr/>
+        <p:txBody>
+          <a:bodyPr/>
+          <a:lstStyle/>
+          <a:p>
+            <a:fld id="{B1384BB5-1574-4C59-B469-6053B759AD84}" type="slidenum">
+              <a:rPr lang="zh-CN" altLang="en-US" smtClean="0"/>
+              <a:t>30</a:t>
+            </a:fld>
+            <a:endParaRPr lang="zh-CN" altLang="en-US"/>
+          </a:p>
+        </p:txBody>
+      </p:sp>
+    </p:spTree>
+    <p:extLst>
+      <p:ext uri="{BB962C8B-B14F-4D97-AF65-F5344CB8AC3E}">
+        <p14:creationId xmlns:p14="http://schemas.microsoft.com/office/powerpoint/2010/main" val="1352175098"/>
+      </p:ext>
+    </p:extLst>
+  </p:cSld>
+  <p:clrMapOvr>
+    <a:masterClrMapping/>
+  </p:clrMapOvr>
+</p:notes>
+</file>
+
+<file path=ppt/notesSlides/notesSlide25.xml><?xml version="1.0" encoding="utf-8"?>
+<p:notes xmlns:a="http://schemas.openxmlformats.org/drawingml/2006/main" xmlns:r="http://schemas.openxmlformats.org/officeDocument/2006/relationships" xmlns:p="http://schemas.openxmlformats.org/presentationml/2006/main">
+  <p:cSld>
+    <p:spTree>
+      <p:nvGrpSpPr>
+        <p:cNvPr id="1" name=""/>
+        <p:cNvGrpSpPr/>
+        <p:nvPr/>
+      </p:nvGrpSpPr>
+      <p:grpSpPr>
+        <a:xfrm>
+          <a:off x="0" y="0"/>
+          <a:ext cx="0" cy="0"/>
+          <a:chOff x="0" y="0"/>
+          <a:chExt cx="0" cy="0"/>
+        </a:xfrm>
+      </p:grpSpPr>
+      <p:sp>
+        <p:nvSpPr>
+          <p:cNvPr id="2" name="幻灯片图像占位符 1"/>
+          <p:cNvSpPr>
+            <a:spLocks noGrp="1" noRot="1" noChangeAspect="1"/>
+          </p:cNvSpPr>
+          <p:nvPr>
+            <p:ph type="sldImg"/>
+          </p:nvPr>
+        </p:nvSpPr>
+        <p:spPr/>
+      </p:sp>
+      <p:sp>
+        <p:nvSpPr>
+          <p:cNvPr id="3" name="备注占位符 2"/>
+          <p:cNvSpPr>
+            <a:spLocks noGrp="1"/>
+          </p:cNvSpPr>
+          <p:nvPr>
+            <p:ph type="body" idx="1"/>
+          </p:nvPr>
+        </p:nvSpPr>
+        <p:spPr/>
+        <p:txBody>
+          <a:bodyPr/>
+          <a:lstStyle/>
+          <a:p>
+            <a:r>
+              <a:rPr lang="zh-CN" altLang="en-US" dirty="0" smtClean="0"/>
+              <a:t>下面我们以头脑风暴过程中舍弃的需求为例谈谈我们的想法。</a:t>
             </a:r>
             <a:endParaRPr lang="en-US" altLang="zh-CN" dirty="0" smtClean="0"/>
           </a:p>
           <a:p>
             <a:r>
               <a:rPr lang="zh-CN" altLang="en-US" dirty="0" smtClean="0"/>
-              <a:t>最后，我们的分析模型准确丰富，为需求规格的产出起到了很好的指导作用。</a:t>
-            </a:r>
+              <a:t>第一条</a:t>
+            </a:r>
+            <a:r>
+              <a:rPr lang="zh-CN" altLang="en-US" dirty="0" smtClean="0"/>
+              <a:t>，论坛积分能当钱用，这个不现实。给商品优惠，谁付差价？让运营者掏钱吗？这个系统原本就不挣钱，怎么还能倒贴钱呢？</a:t>
+            </a:r>
+            <a:endParaRPr lang="en-US" altLang="zh-CN" dirty="0" smtClean="0"/>
+          </a:p>
+          <a:p>
+            <a:r>
+              <a:rPr lang="zh-CN" altLang="en-US" dirty="0" smtClean="0"/>
+              <a:t>第二条</a:t>
+            </a:r>
+            <a:r>
+              <a:rPr lang="zh-CN" altLang="en-US" dirty="0" smtClean="0"/>
+              <a:t>，虚拟币等等机制，让原本简单的东西变得复杂了。当初百度贴吧相比于天涯和猫扑最吸引人的地方在哪，就是简单，没有等级，没有金币，没有鲜花，甚至不用注册，就是聊天而已，搞那么复杂没有必要。再说，用虚拟币让自己的帖子置顶，这种“买关注”的情况显得太没有节操，岂不是跟百度的搜索排名一样。</a:t>
+            </a:r>
+            <a:endParaRPr lang="en-US" altLang="zh-CN" dirty="0" smtClean="0"/>
+          </a:p>
+          <a:p>
+            <a:r>
+              <a:rPr lang="zh-CN" altLang="en-US" dirty="0" smtClean="0"/>
+              <a:t>下面我们再看我们用的一些需求工程方法。</a:t>
+            </a:r>
+            <a:endParaRPr lang="en-US" altLang="zh-CN" dirty="0" smtClean="0"/>
+          </a:p>
+          <a:p>
             <a:endParaRPr lang="zh-CN" altLang="en-US" dirty="0"/>
           </a:p>
         </p:txBody>
@@ -6652,6 +6691,445 @@
             <a:fld id="{B1384BB5-1574-4C59-B469-6053B759AD84}" type="slidenum">
               <a:rPr lang="zh-CN" altLang="en-US" smtClean="0"/>
               <a:t>31</a:t>
+            </a:fld>
+            <a:endParaRPr lang="zh-CN" altLang="en-US"/>
+          </a:p>
+        </p:txBody>
+      </p:sp>
+    </p:spTree>
+    <p:extLst>
+      <p:ext uri="{BB962C8B-B14F-4D97-AF65-F5344CB8AC3E}">
+        <p14:creationId xmlns:p14="http://schemas.microsoft.com/office/powerpoint/2010/main" val="1144978177"/>
+      </p:ext>
+    </p:extLst>
+  </p:cSld>
+  <p:clrMapOvr>
+    <a:masterClrMapping/>
+  </p:clrMapOvr>
+</p:notes>
+</file>
+
+<file path=ppt/notesSlides/notesSlide26.xml><?xml version="1.0" encoding="utf-8"?>
+<p:notes xmlns:a="http://schemas.openxmlformats.org/drawingml/2006/main" xmlns:r="http://schemas.openxmlformats.org/officeDocument/2006/relationships" xmlns:p="http://schemas.openxmlformats.org/presentationml/2006/main">
+  <p:cSld>
+    <p:spTree>
+      <p:nvGrpSpPr>
+        <p:cNvPr id="1" name=""/>
+        <p:cNvGrpSpPr/>
+        <p:nvPr/>
+      </p:nvGrpSpPr>
+      <p:grpSpPr>
+        <a:xfrm>
+          <a:off x="0" y="0"/>
+          <a:ext cx="0" cy="0"/>
+          <a:chOff x="0" y="0"/>
+          <a:chExt cx="0" cy="0"/>
+        </a:xfrm>
+      </p:grpSpPr>
+      <p:sp>
+        <p:nvSpPr>
+          <p:cNvPr id="2" name="幻灯片图像占位符 1"/>
+          <p:cNvSpPr>
+            <a:spLocks noGrp="1" noRot="1" noChangeAspect="1"/>
+          </p:cNvSpPr>
+          <p:nvPr>
+            <p:ph type="sldImg"/>
+          </p:nvPr>
+        </p:nvSpPr>
+        <p:spPr/>
+      </p:sp>
+      <p:sp>
+        <p:nvSpPr>
+          <p:cNvPr id="3" name="备注占位符 2"/>
+          <p:cNvSpPr>
+            <a:spLocks noGrp="1"/>
+          </p:cNvSpPr>
+          <p:nvPr>
+            <p:ph type="body" idx="1"/>
+          </p:nvPr>
+        </p:nvSpPr>
+        <p:spPr/>
+        <p:txBody>
+          <a:bodyPr/>
+          <a:lstStyle/>
+          <a:p>
+            <a:endParaRPr lang="zh-CN" altLang="en-US" dirty="0"/>
+          </a:p>
+        </p:txBody>
+      </p:sp>
+      <p:sp>
+        <p:nvSpPr>
+          <p:cNvPr id="4" name="灯片编号占位符 3"/>
+          <p:cNvSpPr>
+            <a:spLocks noGrp="1"/>
+          </p:cNvSpPr>
+          <p:nvPr>
+            <p:ph type="sldNum" sz="quarter" idx="10"/>
+          </p:nvPr>
+        </p:nvSpPr>
+        <p:spPr/>
+        <p:txBody>
+          <a:bodyPr/>
+          <a:lstStyle/>
+          <a:p>
+            <a:fld id="{B1384BB5-1574-4C59-B469-6053B759AD84}" type="slidenum">
+              <a:rPr lang="zh-CN" altLang="en-US" smtClean="0"/>
+              <a:t>32</a:t>
+            </a:fld>
+            <a:endParaRPr lang="zh-CN" altLang="en-US"/>
+          </a:p>
+        </p:txBody>
+      </p:sp>
+    </p:spTree>
+    <p:extLst>
+      <p:ext uri="{BB962C8B-B14F-4D97-AF65-F5344CB8AC3E}">
+        <p14:creationId xmlns:p14="http://schemas.microsoft.com/office/powerpoint/2010/main" val="3374509743"/>
+      </p:ext>
+    </p:extLst>
+  </p:cSld>
+  <p:clrMapOvr>
+    <a:masterClrMapping/>
+  </p:clrMapOvr>
+</p:notes>
+</file>
+
+<file path=ppt/notesSlides/notesSlide27.xml><?xml version="1.0" encoding="utf-8"?>
+<p:notes xmlns:a="http://schemas.openxmlformats.org/drawingml/2006/main" xmlns:r="http://schemas.openxmlformats.org/officeDocument/2006/relationships" xmlns:p="http://schemas.openxmlformats.org/presentationml/2006/main">
+  <p:cSld>
+    <p:spTree>
+      <p:nvGrpSpPr>
+        <p:cNvPr id="1" name=""/>
+        <p:cNvGrpSpPr/>
+        <p:nvPr/>
+      </p:nvGrpSpPr>
+      <p:grpSpPr>
+        <a:xfrm>
+          <a:off x="0" y="0"/>
+          <a:ext cx="0" cy="0"/>
+          <a:chOff x="0" y="0"/>
+          <a:chExt cx="0" cy="0"/>
+        </a:xfrm>
+      </p:grpSpPr>
+      <p:sp>
+        <p:nvSpPr>
+          <p:cNvPr id="2" name="幻灯片图像占位符 1"/>
+          <p:cNvSpPr>
+            <a:spLocks noGrp="1" noRot="1" noChangeAspect="1"/>
+          </p:cNvSpPr>
+          <p:nvPr>
+            <p:ph type="sldImg"/>
+          </p:nvPr>
+        </p:nvSpPr>
+        <p:spPr/>
+      </p:sp>
+      <p:sp>
+        <p:nvSpPr>
+          <p:cNvPr id="3" name="备注占位符 2"/>
+          <p:cNvSpPr>
+            <a:spLocks noGrp="1"/>
+          </p:cNvSpPr>
+          <p:nvPr>
+            <p:ph type="body" idx="1"/>
+          </p:nvPr>
+        </p:nvSpPr>
+        <p:spPr/>
+        <p:txBody>
+          <a:bodyPr/>
+          <a:lstStyle/>
+          <a:p>
+            <a:r>
+              <a:rPr lang="en-US" altLang="zh-CN" dirty="0" smtClean="0"/>
+              <a:t>15</a:t>
+            </a:r>
+            <a:r>
+              <a:rPr lang="zh-CN" altLang="en-US" dirty="0" smtClean="0"/>
+              <a:t>张分析模型图，由用例图产生，需求规格说明书中的功能需求都是照着这</a:t>
+            </a:r>
+            <a:r>
+              <a:rPr lang="en-US" altLang="zh-CN" dirty="0" smtClean="0"/>
+              <a:t>15</a:t>
+            </a:r>
+            <a:r>
+              <a:rPr lang="zh-CN" altLang="en-US" dirty="0" smtClean="0"/>
+              <a:t>张分析模型图核对过的，保证每个人对文档的理解都没有偏差。</a:t>
+            </a:r>
+            <a:endParaRPr lang="zh-CN" altLang="en-US" dirty="0"/>
+          </a:p>
+        </p:txBody>
+      </p:sp>
+      <p:sp>
+        <p:nvSpPr>
+          <p:cNvPr id="4" name="灯片编号占位符 3"/>
+          <p:cNvSpPr>
+            <a:spLocks noGrp="1"/>
+          </p:cNvSpPr>
+          <p:nvPr>
+            <p:ph type="sldNum" sz="quarter" idx="10"/>
+          </p:nvPr>
+        </p:nvSpPr>
+        <p:spPr/>
+        <p:txBody>
+          <a:bodyPr/>
+          <a:lstStyle/>
+          <a:p>
+            <a:fld id="{B1384BB5-1574-4C59-B469-6053B759AD84}" type="slidenum">
+              <a:rPr lang="zh-CN" altLang="en-US" smtClean="0"/>
+              <a:t>33</a:t>
+            </a:fld>
+            <a:endParaRPr lang="zh-CN" altLang="en-US"/>
+          </a:p>
+        </p:txBody>
+      </p:sp>
+    </p:spTree>
+    <p:extLst>
+      <p:ext uri="{BB962C8B-B14F-4D97-AF65-F5344CB8AC3E}">
+        <p14:creationId xmlns:p14="http://schemas.microsoft.com/office/powerpoint/2010/main" val="3631289694"/>
+      </p:ext>
+    </p:extLst>
+  </p:cSld>
+  <p:clrMapOvr>
+    <a:masterClrMapping/>
+  </p:clrMapOvr>
+</p:notes>
+</file>
+
+<file path=ppt/notesSlides/notesSlide28.xml><?xml version="1.0" encoding="utf-8"?>
+<p:notes xmlns:a="http://schemas.openxmlformats.org/drawingml/2006/main" xmlns:r="http://schemas.openxmlformats.org/officeDocument/2006/relationships" xmlns:p="http://schemas.openxmlformats.org/presentationml/2006/main">
+  <p:cSld>
+    <p:spTree>
+      <p:nvGrpSpPr>
+        <p:cNvPr id="1" name=""/>
+        <p:cNvGrpSpPr/>
+        <p:nvPr/>
+      </p:nvGrpSpPr>
+      <p:grpSpPr>
+        <a:xfrm>
+          <a:off x="0" y="0"/>
+          <a:ext cx="0" cy="0"/>
+          <a:chOff x="0" y="0"/>
+          <a:chExt cx="0" cy="0"/>
+        </a:xfrm>
+      </p:grpSpPr>
+      <p:sp>
+        <p:nvSpPr>
+          <p:cNvPr id="2" name="幻灯片图像占位符 1"/>
+          <p:cNvSpPr>
+            <a:spLocks noGrp="1" noRot="1" noChangeAspect="1"/>
+          </p:cNvSpPr>
+          <p:nvPr>
+            <p:ph type="sldImg"/>
+          </p:nvPr>
+        </p:nvSpPr>
+        <p:spPr/>
+      </p:sp>
+      <p:sp>
+        <p:nvSpPr>
+          <p:cNvPr id="3" name="备注占位符 2"/>
+          <p:cNvSpPr>
+            <a:spLocks noGrp="1"/>
+          </p:cNvSpPr>
+          <p:nvPr>
+            <p:ph type="body" idx="1"/>
+          </p:nvPr>
+        </p:nvSpPr>
+        <p:spPr/>
+        <p:txBody>
+          <a:bodyPr/>
+          <a:lstStyle/>
+          <a:p>
+            <a:r>
+              <a:rPr lang="zh-CN" altLang="en-US" dirty="0" smtClean="0"/>
+              <a:t>规格说明怎么写大家都会这里就不说了，我们就说一说我们认为比较难的地方吧。</a:t>
+            </a:r>
+            <a:endParaRPr lang="en-US" altLang="zh-CN" dirty="0" smtClean="0"/>
+          </a:p>
+          <a:p>
+            <a:r>
+              <a:rPr lang="zh-CN" altLang="en-US" dirty="0" smtClean="0"/>
+              <a:t>一个是工程师思维。我认为工程师思维的本质是妥协，不是搞那些高大全的东西，而是在功能和成本之间寻求最好的平衡点。不能因为说我们这是个课程作业，反正又不让我去实现他，我就不考虑成本，不考虑可行性，所有高大上的东西统统加上去。</a:t>
+            </a:r>
+            <a:endParaRPr lang="en-US" altLang="zh-CN" dirty="0" smtClean="0"/>
+          </a:p>
+          <a:p>
+            <a:r>
+              <a:rPr lang="zh-CN" altLang="en-US" dirty="0" smtClean="0"/>
+              <a:t>我们做了必需的需求，并创造性地提出了有用的需求，而放弃了那些似乎有点用处但是性价比很差的需求。坚决摒弃了那些不现实和没用的需求。</a:t>
+            </a:r>
+            <a:endParaRPr lang="en-US" altLang="zh-CN" dirty="0" smtClean="0"/>
+          </a:p>
+          <a:p>
+            <a:r>
+              <a:rPr lang="zh-CN" altLang="en-US" dirty="0" smtClean="0"/>
+              <a:t>要维持所有人对需求的一致理解，要避免记忆的不可靠性就要写文档，这是需要成本的。要避免自然语言的缺陷就要用形式化的语言，就要用模型，这是更需要成本的。</a:t>
+            </a:r>
+            <a:endParaRPr lang="en-US" altLang="zh-CN" dirty="0" smtClean="0"/>
+          </a:p>
+          <a:p>
+            <a:r>
+              <a:rPr lang="zh-CN" altLang="en-US" dirty="0" smtClean="0"/>
+              <a:t>目标模型图和</a:t>
+            </a:r>
+            <a:r>
+              <a:rPr lang="en-US" altLang="zh-CN" dirty="0" smtClean="0"/>
+              <a:t>15</a:t>
+            </a:r>
+            <a:r>
+              <a:rPr lang="zh-CN" altLang="en-US" dirty="0" smtClean="0"/>
+              <a:t>张顺序图状态图活动图等等各种各样的图画的我也很头疼，这都是成本。</a:t>
+            </a:r>
+            <a:endParaRPr lang="en-US" altLang="zh-CN" dirty="0" smtClean="0"/>
+          </a:p>
+          <a:p>
+            <a:endParaRPr lang="zh-CN" altLang="en-US" dirty="0"/>
+          </a:p>
+        </p:txBody>
+      </p:sp>
+      <p:sp>
+        <p:nvSpPr>
+          <p:cNvPr id="4" name="灯片编号占位符 3"/>
+          <p:cNvSpPr>
+            <a:spLocks noGrp="1"/>
+          </p:cNvSpPr>
+          <p:nvPr>
+            <p:ph type="sldNum" sz="quarter" idx="10"/>
+          </p:nvPr>
+        </p:nvSpPr>
+        <p:spPr/>
+        <p:txBody>
+          <a:bodyPr/>
+          <a:lstStyle/>
+          <a:p>
+            <a:fld id="{B1384BB5-1574-4C59-B469-6053B759AD84}" type="slidenum">
+              <a:rPr lang="zh-CN" altLang="en-US" smtClean="0"/>
+              <a:t>34</a:t>
+            </a:fld>
+            <a:endParaRPr lang="zh-CN" altLang="en-US"/>
+          </a:p>
+        </p:txBody>
+      </p:sp>
+    </p:spTree>
+    <p:extLst>
+      <p:ext uri="{BB962C8B-B14F-4D97-AF65-F5344CB8AC3E}">
+        <p14:creationId xmlns:p14="http://schemas.microsoft.com/office/powerpoint/2010/main" val="2547570355"/>
+      </p:ext>
+    </p:extLst>
+  </p:cSld>
+  <p:clrMapOvr>
+    <a:masterClrMapping/>
+  </p:clrMapOvr>
+</p:notes>
+</file>
+
+<file path=ppt/notesSlides/notesSlide29.xml><?xml version="1.0" encoding="utf-8"?>
+<p:notes xmlns:a="http://schemas.openxmlformats.org/drawingml/2006/main" xmlns:r="http://schemas.openxmlformats.org/officeDocument/2006/relationships" xmlns:p="http://schemas.openxmlformats.org/presentationml/2006/main">
+  <p:cSld>
+    <p:spTree>
+      <p:nvGrpSpPr>
+        <p:cNvPr id="1" name=""/>
+        <p:cNvGrpSpPr/>
+        <p:nvPr/>
+      </p:nvGrpSpPr>
+      <p:grpSpPr>
+        <a:xfrm>
+          <a:off x="0" y="0"/>
+          <a:ext cx="0" cy="0"/>
+          <a:chOff x="0" y="0"/>
+          <a:chExt cx="0" cy="0"/>
+        </a:xfrm>
+      </p:grpSpPr>
+      <p:sp>
+        <p:nvSpPr>
+          <p:cNvPr id="2" name="幻灯片图像占位符 1"/>
+          <p:cNvSpPr>
+            <a:spLocks noGrp="1" noRot="1" noChangeAspect="1"/>
+          </p:cNvSpPr>
+          <p:nvPr>
+            <p:ph type="sldImg"/>
+          </p:nvPr>
+        </p:nvSpPr>
+        <p:spPr/>
+      </p:sp>
+      <p:sp>
+        <p:nvSpPr>
+          <p:cNvPr id="3" name="备注占位符 2"/>
+          <p:cNvSpPr>
+            <a:spLocks noGrp="1"/>
+          </p:cNvSpPr>
+          <p:nvPr>
+            <p:ph type="body" idx="1"/>
+          </p:nvPr>
+        </p:nvSpPr>
+        <p:spPr/>
+        <p:txBody>
+          <a:bodyPr/>
+          <a:lstStyle/>
+          <a:p>
+            <a:r>
+              <a:rPr lang="zh-CN" altLang="en-US" dirty="0" smtClean="0"/>
+              <a:t>在需求工程方法上面，我们做了恰当的剪裁。对这个项目而言，他不属于创新型项目，领域分析就不必要；观察法民族志更不用说了，没有任何应用的必要，也没有可行性。</a:t>
+            </a:r>
+            <a:endParaRPr lang="en-US" altLang="zh-CN" dirty="0" smtClean="0"/>
+          </a:p>
+          <a:p>
+            <a:r>
+              <a:rPr lang="zh-CN" altLang="en-US" dirty="0" smtClean="0"/>
+              <a:t>在文档写作方面，我们充分吸取软工二写文档的经验，</a:t>
+            </a:r>
+            <a:r>
+              <a:rPr lang="en-US" altLang="zh-CN" dirty="0" smtClean="0"/>
+              <a:t>review</a:t>
+            </a:r>
+            <a:r>
+              <a:rPr lang="zh-CN" altLang="en-US" dirty="0" smtClean="0"/>
+              <a:t>文档的时候统一对其中不讲究的部分做了修改。比如说</a:t>
+            </a:r>
+            <a:r>
+              <a:rPr lang="en-US" altLang="zh-CN" dirty="0" smtClean="0"/>
+              <a:t>……</a:t>
+            </a:r>
+          </a:p>
+          <a:p>
+            <a:r>
+              <a:rPr lang="zh-CN" altLang="en-US" dirty="0" smtClean="0"/>
+              <a:t>再者，由于我们有一位杰出的</a:t>
+            </a:r>
+            <a:r>
+              <a:rPr lang="en-US" altLang="zh-CN" dirty="0" smtClean="0"/>
+              <a:t>UI</a:t>
+            </a:r>
+            <a:r>
+              <a:rPr lang="zh-CN" altLang="en-US" dirty="0" smtClean="0"/>
+              <a:t>设计师，原型做的优雅精致时尚简约，起到了很好的效果。</a:t>
+            </a:r>
+            <a:endParaRPr lang="en-US" altLang="zh-CN" dirty="0" smtClean="0"/>
+          </a:p>
+          <a:p>
+            <a:r>
+              <a:rPr lang="zh-CN" altLang="en-US" dirty="0" smtClean="0"/>
+              <a:t>最后，我们的分析模型准确丰富，为需求规格的产出起到了很好的指导作用。</a:t>
+            </a:r>
+            <a:endParaRPr lang="zh-CN" altLang="en-US" dirty="0"/>
+          </a:p>
+        </p:txBody>
+      </p:sp>
+      <p:sp>
+        <p:nvSpPr>
+          <p:cNvPr id="4" name="灯片编号占位符 3"/>
+          <p:cNvSpPr>
+            <a:spLocks noGrp="1"/>
+          </p:cNvSpPr>
+          <p:nvPr>
+            <p:ph type="sldNum" sz="quarter" idx="10"/>
+          </p:nvPr>
+        </p:nvSpPr>
+        <p:spPr/>
+        <p:txBody>
+          <a:bodyPr/>
+          <a:lstStyle/>
+          <a:p>
+            <a:fld id="{B1384BB5-1574-4C59-B469-6053B759AD84}" type="slidenum">
+              <a:rPr lang="zh-CN" altLang="en-US" smtClean="0"/>
+              <a:t>35</a:t>
             </a:fld>
             <a:endParaRPr lang="zh-CN" altLang="en-US"/>
           </a:p>
@@ -6738,11 +7216,7 @@
           <a:p>
             <a:r>
               <a:rPr lang="zh-CN" altLang="en-US" dirty="0" smtClean="0"/>
-              <a:t>这种现象其实普遍存在，大家都懂嘛，吃完晚饭回宿舍，写一会代码，看个电影，写一会代码，玩会游戏，写一会代码，刷一会知乎，写一会代码，一看表，半夜一点钟，突然就很心疼自己，发条朋友圈吧，你知道南大的半夜一点钟是什么样子吗？请学弟学妹们谨慎报考软件工程专业</a:t>
-            </a:r>
-            <a:r>
-              <a:rPr lang="zh-CN" altLang="en-US" dirty="0" smtClean="0"/>
-              <a:t>。</a:t>
+              <a:t>这种现象其实普遍存在，大家都懂嘛，吃完晚饭回宿舍，写一会代码，看个电影，写一会代码，玩会游戏，写一会代码，刷一会知乎，写一会代码，一看表，半夜一点钟，突然就很心疼自己，发条朋友圈吧，你知道南大的半夜一点钟是什么样子吗？请学弟学妹们谨慎报考软件工程专业。</a:t>
             </a:r>
             <a:endParaRPr lang="en-US" altLang="zh-CN" dirty="0" smtClean="0"/>
           </a:p>
@@ -6859,11 +7333,7 @@
           <a:p>
             <a:r>
               <a:rPr lang="zh-CN" altLang="en-US" dirty="0" smtClean="0"/>
-              <a:t>我们的工作流程很简单</a:t>
-            </a:r>
-            <a:r>
-              <a:rPr lang="zh-CN" altLang="en-US" dirty="0" smtClean="0"/>
-              <a:t>，</a:t>
+              <a:t>我们的工作流程很简单，</a:t>
             </a:r>
             <a:endParaRPr lang="en-US" altLang="zh-CN" dirty="0" smtClean="0"/>
           </a:p>
@@ -6876,11 +7346,7 @@
           <a:p>
             <a:r>
               <a:rPr lang="zh-CN" altLang="en-US" dirty="0" smtClean="0"/>
-              <a:t>所有</a:t>
-            </a:r>
-            <a:r>
-              <a:rPr lang="zh-CN" altLang="en-US" dirty="0" smtClean="0"/>
-              <a:t>提交的产物都是这么生产出来的</a:t>
+              <a:t>所有提交的产物都是这么生产出来的</a:t>
             </a:r>
             <a:endParaRPr lang="en-US" altLang="zh-CN" dirty="0" smtClean="0"/>
           </a:p>
@@ -7070,7 +7536,7 @@
           <a:p>
             <a:r>
               <a:rPr lang="zh-CN" altLang="en-US" dirty="0" smtClean="0"/>
-              <a:t>需求获取方法我们使用的是面谈、头脑风暴和原型，面谈就不用说了大家都会，头脑风暴和原型我们后面再说</a:t>
+              <a:t>然后就很容易产生用例图</a:t>
             </a:r>
             <a:endParaRPr lang="zh-CN" altLang="en-US" dirty="0"/>
           </a:p>
@@ -7102,7 +7568,7 @@
     </p:spTree>
     <p:extLst>
       <p:ext uri="{BB962C8B-B14F-4D97-AF65-F5344CB8AC3E}">
-        <p14:creationId xmlns:p14="http://schemas.microsoft.com/office/powerpoint/2010/main" val="3938618219"/>
+        <p14:creationId xmlns:p14="http://schemas.microsoft.com/office/powerpoint/2010/main" val="2385849694"/>
       </p:ext>
     </p:extLst>
   </p:cSld>
@@ -7158,21 +7624,7 @@
           <a:p>
             <a:r>
               <a:rPr lang="zh-CN" altLang="en-US" dirty="0" smtClean="0"/>
-              <a:t>我们已经通过目标分析给出了一个底线，也就是这个系统要实现业务需求至少要能做什么，</a:t>
-            </a:r>
-            <a:endParaRPr lang="en-US" altLang="zh-CN" dirty="0" smtClean="0"/>
-          </a:p>
-          <a:p>
-            <a:r>
-              <a:rPr lang="zh-CN" altLang="en-US" dirty="0" smtClean="0"/>
-              <a:t>需求开发当然不止于满足底线，我们要做的不只是一个能用的产品还得是一个好用的产品。</a:t>
-            </a:r>
-            <a:endParaRPr lang="en-US" altLang="zh-CN" dirty="0" smtClean="0"/>
-          </a:p>
-          <a:p>
-            <a:r>
-              <a:rPr lang="zh-CN" altLang="en-US" dirty="0" smtClean="0"/>
-              <a:t>做一个好用的产品是一件有创造性的事情，这件事情我们认为有两件事情是最重要的，一件叫做发现需求，一件叫做舍弃需求。</a:t>
+              <a:t>下面是业务过程分析</a:t>
             </a:r>
             <a:endParaRPr lang="zh-CN" altLang="en-US" dirty="0"/>
           </a:p>
@@ -7204,7 +7656,7 @@
     </p:spTree>
     <p:extLst>
       <p:ext uri="{BB962C8B-B14F-4D97-AF65-F5344CB8AC3E}">
-        <p14:creationId xmlns:p14="http://schemas.microsoft.com/office/powerpoint/2010/main" val="1259941096"/>
+        <p14:creationId xmlns:p14="http://schemas.microsoft.com/office/powerpoint/2010/main" val="3284397680"/>
       </p:ext>
     </p:extLst>
   </p:cSld>
@@ -7258,183 +7710,7 @@
           <a:bodyPr/>
           <a:lstStyle/>
           <a:p>
-            <a:pPr marL="0" marR="0" indent="0" algn="l" defTabSz="914400" rtl="0" eaLnBrk="1" fontAlgn="auto" latinLnBrk="0" hangingPunct="1">
-              <a:lnSpc>
-                <a:spcPct val="100000"/>
-              </a:lnSpc>
-              <a:spcBef>
-                <a:spcPts val="0"/>
-              </a:spcBef>
-              <a:spcAft>
-                <a:spcPts val="0"/>
-              </a:spcAft>
-              <a:buClrTx/>
-              <a:buSzTx/>
-              <a:buFontTx/>
-              <a:buNone/>
-              <a:tabLst/>
-              <a:defRPr/>
-            </a:pPr>
-            <a:r>
-              <a:rPr lang="zh-CN" altLang="en-US" dirty="0" smtClean="0"/>
-              <a:t>发现需求就要发现用户</a:t>
-            </a:r>
-            <a:r>
-              <a:rPr lang="zh-CN" altLang="en-US" dirty="0" smtClean="0"/>
-              <a:t>真正需要什么</a:t>
-            </a:r>
-            <a:r>
-              <a:rPr lang="zh-CN" altLang="en-US" dirty="0" smtClean="0"/>
-              <a:t>，而用户真正需要什么，和</a:t>
-            </a:r>
-            <a:r>
-              <a:rPr lang="zh-CN" altLang="en-US" dirty="0" smtClean="0"/>
-              <a:t>他声称自己需要什么，是两回事。</a:t>
-            </a:r>
-            <a:endParaRPr lang="en-US" altLang="zh-CN" dirty="0" smtClean="0"/>
-          </a:p>
-          <a:p>
-            <a:pPr marL="0" marR="0" indent="0" algn="l" defTabSz="914400" rtl="0" eaLnBrk="1" fontAlgn="auto" latinLnBrk="0" hangingPunct="1">
-              <a:lnSpc>
-                <a:spcPct val="100000"/>
-              </a:lnSpc>
-              <a:spcBef>
-                <a:spcPts val="0"/>
-              </a:spcBef>
-              <a:spcAft>
-                <a:spcPts val="0"/>
-              </a:spcAft>
-              <a:buClrTx/>
-              <a:buSzTx/>
-              <a:buFontTx/>
-              <a:buNone/>
-              <a:tabLst/>
-              <a:defRPr/>
-            </a:pPr>
-            <a:r>
-              <a:rPr lang="zh-CN" altLang="en-US" dirty="0" smtClean="0"/>
-              <a:t>我听说有些男生会因为女朋友想看</a:t>
-            </a:r>
-            <a:r>
-              <a:rPr lang="en-US" altLang="zh-CN" dirty="0" smtClean="0"/>
-              <a:t>《</a:t>
-            </a:r>
-            <a:r>
-              <a:rPr lang="zh-CN" altLang="en-US" dirty="0" smtClean="0"/>
-              <a:t>小时代</a:t>
-            </a:r>
-            <a:r>
-              <a:rPr lang="en-US" altLang="zh-CN" dirty="0" smtClean="0"/>
-              <a:t>》</a:t>
-            </a:r>
-            <a:r>
-              <a:rPr lang="zh-CN" altLang="en-US" dirty="0" smtClean="0"/>
-              <a:t>而和女朋友产生分歧</a:t>
-            </a:r>
-            <a:r>
-              <a:rPr lang="zh-CN" altLang="en-US" dirty="0" smtClean="0"/>
-              <a:t>，他就没有搞明白真正的需求，啊</a:t>
-            </a:r>
-            <a:r>
-              <a:rPr lang="zh-CN" altLang="en-US" dirty="0" smtClean="0"/>
-              <a:t>，可能这个男生是真的想看电影。</a:t>
-            </a:r>
-            <a:endParaRPr lang="en-US" altLang="zh-CN" dirty="0" smtClean="0"/>
-          </a:p>
-          <a:p>
-            <a:pPr marL="0" marR="0" indent="0" algn="l" defTabSz="914400" rtl="0" eaLnBrk="1" fontAlgn="auto" latinLnBrk="0" hangingPunct="1">
-              <a:lnSpc>
-                <a:spcPct val="100000"/>
-              </a:lnSpc>
-              <a:spcBef>
-                <a:spcPts val="0"/>
-              </a:spcBef>
-              <a:spcAft>
-                <a:spcPts val="0"/>
-              </a:spcAft>
-              <a:buClrTx/>
-              <a:buSzTx/>
-              <a:buFontTx/>
-              <a:buNone/>
-              <a:tabLst/>
-              <a:defRPr/>
-            </a:pPr>
-            <a:r>
-              <a:rPr lang="zh-CN" altLang="en-US" dirty="0" smtClean="0"/>
-              <a:t>当用户声称：我要告诉其他人我有一本二手书要卖，我们是不是直接让他去填写书的信息然后发布到网上呢？</a:t>
-            </a:r>
-            <a:endParaRPr lang="en-US" altLang="zh-CN" dirty="0" smtClean="0"/>
-          </a:p>
-          <a:p>
-            <a:pPr marL="0" marR="0" indent="0" algn="l" defTabSz="914400" rtl="0" eaLnBrk="1" fontAlgn="auto" latinLnBrk="0" hangingPunct="1">
-              <a:lnSpc>
-                <a:spcPct val="100000"/>
-              </a:lnSpc>
-              <a:spcBef>
-                <a:spcPts val="0"/>
-              </a:spcBef>
-              <a:spcAft>
-                <a:spcPts val="0"/>
-              </a:spcAft>
-              <a:buClrTx/>
-              <a:buSzTx/>
-              <a:buFontTx/>
-              <a:buNone/>
-              <a:tabLst/>
-              <a:defRPr/>
-            </a:pPr>
-            <a:r>
-              <a:rPr lang="zh-CN" altLang="en-US" dirty="0" smtClean="0"/>
-              <a:t>我们会想用户说出这句话背后的动机是什么，不是“我要写一篇优雅的广告词”，而是“我要把我的书变成钱”。</a:t>
-            </a:r>
-            <a:endParaRPr lang="en-US" altLang="zh-CN" dirty="0" smtClean="0"/>
-          </a:p>
-          <a:p>
-            <a:pPr marL="0" marR="0" indent="0" algn="l" defTabSz="914400" rtl="0" eaLnBrk="1" fontAlgn="auto" latinLnBrk="0" hangingPunct="1">
-              <a:lnSpc>
-                <a:spcPct val="100000"/>
-              </a:lnSpc>
-              <a:spcBef>
-                <a:spcPts val="0"/>
-              </a:spcBef>
-              <a:spcAft>
-                <a:spcPts val="0"/>
-              </a:spcAft>
-              <a:buClrTx/>
-              <a:buSzTx/>
-              <a:buFontTx/>
-              <a:buNone/>
-              <a:tabLst/>
-              <a:defRPr/>
-            </a:pPr>
-            <a:r>
-              <a:rPr lang="zh-CN" altLang="en-US" dirty="0" smtClean="0"/>
-              <a:t>那么，把书变成钱有两种方法，一种是我告诉别人我要卖书，让别人来找我。另一种是，系统告诉你可能有人要买书，让你看看你要卖的是不是他想买的，让你去找他。</a:t>
-            </a:r>
-            <a:endParaRPr lang="en-US" altLang="zh-CN" dirty="0" smtClean="0"/>
-          </a:p>
-          <a:p>
-            <a:pPr marL="0" marR="0" indent="0" algn="l" defTabSz="914400" rtl="0" eaLnBrk="1" fontAlgn="auto" latinLnBrk="0" hangingPunct="1">
-              <a:lnSpc>
-                <a:spcPct val="100000"/>
-              </a:lnSpc>
-              <a:spcBef>
-                <a:spcPts val="0"/>
-              </a:spcBef>
-              <a:spcAft>
-                <a:spcPts val="0"/>
-              </a:spcAft>
-              <a:buClrTx/>
-              <a:buSzTx/>
-              <a:buFontTx/>
-              <a:buNone/>
-              <a:tabLst/>
-              <a:defRPr/>
-            </a:pPr>
-            <a:r>
-              <a:rPr lang="zh-CN" altLang="en-US" dirty="0" smtClean="0"/>
-              <a:t>所以呢，我们关于这个需求是这样设计的。</a:t>
-            </a:r>
+            <a:endParaRPr lang="zh-CN" altLang="en-US" dirty="0"/>
           </a:p>
         </p:txBody>
       </p:sp>
@@ -7464,7 +7740,7 @@
     </p:spTree>
     <p:extLst>
       <p:ext uri="{BB962C8B-B14F-4D97-AF65-F5344CB8AC3E}">
-        <p14:creationId xmlns:p14="http://schemas.microsoft.com/office/powerpoint/2010/main" val="1142392900"/>
+        <p14:creationId xmlns:p14="http://schemas.microsoft.com/office/powerpoint/2010/main" val="1677906793"/>
       </p:ext>
     </p:extLst>
   </p:cSld>
@@ -7520,21 +7796,15 @@
           <a:p>
             <a:r>
               <a:rPr lang="zh-CN" altLang="en-US" dirty="0" smtClean="0"/>
-              <a:t>当卖家要发布出售信息的时候，系统会顺便在界面上显示求购信息并且提供搜索功能。</a:t>
-            </a:r>
-            <a:endParaRPr lang="en-US" altLang="zh-CN" dirty="0" smtClean="0"/>
-          </a:p>
-          <a:p>
-            <a:r>
-              <a:rPr lang="zh-CN" altLang="en-US" dirty="0" smtClean="0"/>
-              <a:t>如果用户碰巧找到了需要这件物品的买家，那么双方都可以省去很多麻烦。</a:t>
-            </a:r>
-            <a:endParaRPr lang="en-US" altLang="zh-CN" dirty="0" smtClean="0"/>
-          </a:p>
-          <a:p>
-            <a:r>
-              <a:rPr lang="zh-CN" altLang="en-US" dirty="0" smtClean="0"/>
-              <a:t>其实这样是更人性化的，更自然的，成本更低的。</a:t>
+              <a:t>需求获取方法我们使用的是面谈、头脑风暴和原型，</a:t>
+            </a:r>
+            <a:r>
+              <a:rPr lang="zh-CN" altLang="en-US" dirty="0" smtClean="0"/>
+              <a:t>面谈就说说我们的一个矛盾点，</a:t>
+            </a:r>
+            <a:r>
+              <a:rPr lang="zh-CN" altLang="en-US" dirty="0" smtClean="0"/>
+              <a:t>头脑风暴和原型我们后面再说</a:t>
             </a:r>
             <a:endParaRPr lang="zh-CN" altLang="en-US" dirty="0"/>
           </a:p>
@@ -7566,7 +7836,7 @@
     </p:spTree>
     <p:extLst>
       <p:ext uri="{BB962C8B-B14F-4D97-AF65-F5344CB8AC3E}">
-        <p14:creationId xmlns:p14="http://schemas.microsoft.com/office/powerpoint/2010/main" val="3856547708"/>
+        <p14:creationId xmlns:p14="http://schemas.microsoft.com/office/powerpoint/2010/main" val="3938618219"/>
       </p:ext>
     </p:extLst>
   </p:cSld>
@@ -8027,7 +8297,7 @@
           <a:p>
             <a:fld id="{6CF0F220-0FB6-4957-9ADD-A369E8314D55}" type="datetimeFigureOut">
               <a:rPr lang="zh-CN" altLang="en-US" smtClean="0"/>
-              <a:t>2015/11/18</a:t>
+              <a:t>2015/11/19</a:t>
             </a:fld>
             <a:endParaRPr lang="zh-CN" altLang="en-US"/>
           </a:p>
@@ -8359,7 +8629,7 @@
           <a:p>
             <a:fld id="{6CF0F220-0FB6-4957-9ADD-A369E8314D55}" type="datetimeFigureOut">
               <a:rPr lang="zh-CN" altLang="en-US" smtClean="0"/>
-              <a:t>2015/11/18</a:t>
+              <a:t>2015/11/19</a:t>
             </a:fld>
             <a:endParaRPr lang="zh-CN" altLang="en-US"/>
           </a:p>
@@ -8555,7 +8825,7 @@
           <a:p>
             <a:fld id="{6CF0F220-0FB6-4957-9ADD-A369E8314D55}" type="datetimeFigureOut">
               <a:rPr lang="zh-CN" altLang="en-US" smtClean="0"/>
-              <a:t>2015/11/18</a:t>
+              <a:t>2015/11/19</a:t>
             </a:fld>
             <a:endParaRPr lang="zh-CN" altLang="en-US"/>
           </a:p>
@@ -8825,7 +9095,7 @@
           <a:p>
             <a:fld id="{6CF0F220-0FB6-4957-9ADD-A369E8314D55}" type="datetimeFigureOut">
               <a:rPr lang="zh-CN" altLang="en-US" smtClean="0"/>
-              <a:t>2015/11/18</a:t>
+              <a:t>2015/11/19</a:t>
             </a:fld>
             <a:endParaRPr lang="zh-CN" altLang="en-US"/>
           </a:p>
@@ -9253,7 +9523,7 @@
           <a:p>
             <a:fld id="{6CF0F220-0FB6-4957-9ADD-A369E8314D55}" type="datetimeFigureOut">
               <a:rPr lang="zh-CN" altLang="en-US" smtClean="0"/>
-              <a:t>2015/11/18</a:t>
+              <a:t>2015/11/19</a:t>
             </a:fld>
             <a:endParaRPr lang="zh-CN" altLang="en-US"/>
           </a:p>
@@ -9803,7 +10073,7 @@
           <a:p>
             <a:fld id="{6CF0F220-0FB6-4957-9ADD-A369E8314D55}" type="datetimeFigureOut">
               <a:rPr lang="zh-CN" altLang="en-US" smtClean="0"/>
-              <a:t>2015/11/18</a:t>
+              <a:t>2015/11/19</a:t>
             </a:fld>
             <a:endParaRPr lang="zh-CN" altLang="en-US"/>
           </a:p>
@@ -10593,7 +10863,7 @@
           <a:p>
             <a:fld id="{6CF0F220-0FB6-4957-9ADD-A369E8314D55}" type="datetimeFigureOut">
               <a:rPr lang="zh-CN" altLang="en-US" smtClean="0"/>
-              <a:t>2015/11/18</a:t>
+              <a:t>2015/11/19</a:t>
             </a:fld>
             <a:endParaRPr lang="zh-CN" altLang="en-US"/>
           </a:p>
@@ -10772,7 +11042,7 @@
           <a:p>
             <a:fld id="{6CF0F220-0FB6-4957-9ADD-A369E8314D55}" type="datetimeFigureOut">
               <a:rPr lang="zh-CN" altLang="en-US" smtClean="0"/>
-              <a:t>2015/11/18</a:t>
+              <a:t>2015/11/19</a:t>
             </a:fld>
             <a:endParaRPr lang="zh-CN" altLang="en-US"/>
           </a:p>
@@ -10956,7 +11226,7 @@
           <a:p>
             <a:fld id="{6CF0F220-0FB6-4957-9ADD-A369E8314D55}" type="datetimeFigureOut">
               <a:rPr lang="zh-CN" altLang="en-US" smtClean="0"/>
-              <a:t>2015/11/18</a:t>
+              <a:t>2015/11/19</a:t>
             </a:fld>
             <a:endParaRPr lang="zh-CN" altLang="en-US"/>
           </a:p>
@@ -11131,7 +11401,7 @@
           <a:p>
             <a:fld id="{6CF0F220-0FB6-4957-9ADD-A369E8314D55}" type="datetimeFigureOut">
               <a:rPr lang="zh-CN" altLang="en-US" smtClean="0"/>
-              <a:t>2015/11/18</a:t>
+              <a:t>2015/11/19</a:t>
             </a:fld>
             <a:endParaRPr lang="zh-CN" altLang="en-US"/>
           </a:p>
@@ -11381,7 +11651,7 @@
           <a:p>
             <a:fld id="{6CF0F220-0FB6-4957-9ADD-A369E8314D55}" type="datetimeFigureOut">
               <a:rPr lang="zh-CN" altLang="en-US" smtClean="0"/>
-              <a:t>2015/11/18</a:t>
+              <a:t>2015/11/19</a:t>
             </a:fld>
             <a:endParaRPr lang="zh-CN" altLang="en-US"/>
           </a:p>
@@ -11618,7 +11888,7 @@
           <a:p>
             <a:fld id="{6CF0F220-0FB6-4957-9ADD-A369E8314D55}" type="datetimeFigureOut">
               <a:rPr lang="zh-CN" altLang="en-US" smtClean="0"/>
-              <a:t>2015/11/18</a:t>
+              <a:t>2015/11/19</a:t>
             </a:fld>
             <a:endParaRPr lang="zh-CN" altLang="en-US"/>
           </a:p>
@@ -12003,7 +12273,7 @@
           <a:p>
             <a:fld id="{6CF0F220-0FB6-4957-9ADD-A369E8314D55}" type="datetimeFigureOut">
               <a:rPr lang="zh-CN" altLang="en-US" smtClean="0"/>
-              <a:t>2015/11/18</a:t>
+              <a:t>2015/11/19</a:t>
             </a:fld>
             <a:endParaRPr lang="zh-CN" altLang="en-US"/>
           </a:p>
@@ -12121,7 +12391,7 @@
           <a:p>
             <a:fld id="{6CF0F220-0FB6-4957-9ADD-A369E8314D55}" type="datetimeFigureOut">
               <a:rPr lang="zh-CN" altLang="en-US" smtClean="0"/>
-              <a:t>2015/11/18</a:t>
+              <a:t>2015/11/19</a:t>
             </a:fld>
             <a:endParaRPr lang="zh-CN" altLang="en-US"/>
           </a:p>
@@ -12216,7 +12486,7 @@
           <a:p>
             <a:fld id="{6CF0F220-0FB6-4957-9ADD-A369E8314D55}" type="datetimeFigureOut">
               <a:rPr lang="zh-CN" altLang="en-US" smtClean="0"/>
-              <a:t>2015/11/18</a:t>
+              <a:t>2015/11/19</a:t>
             </a:fld>
             <a:endParaRPr lang="zh-CN" altLang="en-US"/>
           </a:p>
@@ -12469,7 +12739,7 @@
           <a:p>
             <a:fld id="{6CF0F220-0FB6-4957-9ADD-A369E8314D55}" type="datetimeFigureOut">
               <a:rPr lang="zh-CN" altLang="en-US" smtClean="0"/>
-              <a:t>2015/11/18</a:t>
+              <a:t>2015/11/19</a:t>
             </a:fld>
             <a:endParaRPr lang="zh-CN" altLang="en-US"/>
           </a:p>
@@ -12738,7 +13008,7 @@
           <a:p>
             <a:fld id="{6CF0F220-0FB6-4957-9ADD-A369E8314D55}" type="datetimeFigureOut">
               <a:rPr lang="zh-CN" altLang="en-US" smtClean="0"/>
-              <a:t>2015/11/18</a:t>
+              <a:t>2015/11/19</a:t>
             </a:fld>
             <a:endParaRPr lang="zh-CN" altLang="en-US"/>
           </a:p>
@@ -13141,7 +13411,7 @@
           <a:p>
             <a:fld id="{6CF0F220-0FB6-4957-9ADD-A369E8314D55}" type="datetimeFigureOut">
               <a:rPr lang="zh-CN" altLang="en-US" smtClean="0"/>
-              <a:t>2015/11/18</a:t>
+              <a:t>2015/11/19</a:t>
             </a:fld>
             <a:endParaRPr lang="zh-CN" altLang="en-US"/>
           </a:p>
@@ -13687,6 +13957,73 @@
       </p:grpSpPr>
       <p:pic>
         <p:nvPicPr>
+          <p:cNvPr id="7" name="图片 6"/>
+          <p:cNvPicPr>
+            <a:picLocks noChangeAspect="1"/>
+          </p:cNvPicPr>
+          <p:nvPr/>
+        </p:nvPicPr>
+        <p:blipFill>
+          <a:blip r:embed="rId2">
+            <a:extLst>
+              <a:ext uri="{28A0092B-C50C-407E-A947-70E740481C1C}">
+                <a14:useLocalDpi xmlns:a14="http://schemas.microsoft.com/office/drawing/2010/main" val="0"/>
+              </a:ext>
+            </a:extLst>
+          </a:blip>
+          <a:stretch>
+            <a:fillRect/>
+          </a:stretch>
+        </p:blipFill>
+        <p:spPr>
+          <a:xfrm>
+            <a:off x="0" y="1"/>
+            <a:ext cx="9144000" cy="6987646"/>
+          </a:xfrm>
+          <a:prstGeom prst="rect">
+            <a:avLst/>
+          </a:prstGeom>
+        </p:spPr>
+      </p:pic>
+    </p:spTree>
+    <p:extLst>
+      <p:ext uri="{BB962C8B-B14F-4D97-AF65-F5344CB8AC3E}">
+        <p14:creationId xmlns:p14="http://schemas.microsoft.com/office/powerpoint/2010/main" val="632891927"/>
+      </p:ext>
+    </p:extLst>
+  </p:cSld>
+  <p:clrMapOvr>
+    <a:masterClrMapping/>
+  </p:clrMapOvr>
+  <p:timing>
+    <p:tnLst>
+      <p:par>
+        <p:cTn id="1" dur="indefinite" restart="never" nodeType="tmRoot"/>
+      </p:par>
+    </p:tnLst>
+  </p:timing>
+</p:sld>
+</file>
+
+<file path=ppt/slides/slide11.xml><?xml version="1.0" encoding="utf-8"?>
+<p:sld xmlns:a="http://schemas.openxmlformats.org/drawingml/2006/main" xmlns:r="http://schemas.openxmlformats.org/officeDocument/2006/relationships" xmlns:p="http://schemas.openxmlformats.org/presentationml/2006/main">
+  <p:cSld>
+    <p:spTree>
+      <p:nvGrpSpPr>
+        <p:cNvPr id="1" name=""/>
+        <p:cNvGrpSpPr/>
+        <p:nvPr/>
+      </p:nvGrpSpPr>
+      <p:grpSpPr>
+        <a:xfrm>
+          <a:off x="0" y="0"/>
+          <a:ext cx="0" cy="0"/>
+          <a:chOff x="0" y="0"/>
+          <a:chExt cx="0" cy="0"/>
+        </a:xfrm>
+      </p:grpSpPr>
+      <p:pic>
+        <p:nvPicPr>
           <p:cNvPr id="7" name="内容占位符 6"/>
           <p:cNvPicPr>
             <a:picLocks noGrp="1" noChangeAspect="1"/>
@@ -13721,10 +14058,17 @@
   <p:clrMapOvr>
     <a:masterClrMapping/>
   </p:clrMapOvr>
+  <p:timing>
+    <p:tnLst>
+      <p:par>
+        <p:cTn id="1" dur="indefinite" restart="never" nodeType="tmRoot"/>
+      </p:par>
+    </p:tnLst>
+  </p:timing>
 </p:sld>
 </file>
 
-<file path=ppt/slides/slide11.xml><?xml version="1.0" encoding="utf-8"?>
+<file path=ppt/slides/slide12.xml><?xml version="1.0" encoding="utf-8"?>
 <p:sld xmlns:a="http://schemas.openxmlformats.org/drawingml/2006/main" xmlns:r="http://schemas.openxmlformats.org/officeDocument/2006/relationships" xmlns:p="http://schemas.openxmlformats.org/presentationml/2006/main">
   <p:cSld>
     <p:spTree>
@@ -13752,7 +14096,7 @@
           </p:nvPr>
         </p:nvPicPr>
         <p:blipFill>
-          <a:blip r:embed="rId2"/>
+          <a:blip r:embed="rId3"/>
           <a:stretch>
             <a:fillRect/>
           </a:stretch>
@@ -13777,99 +14121,13 @@
   <p:clrMapOvr>
     <a:masterClrMapping/>
   </p:clrMapOvr>
-</p:sld>
-</file>
-
-<file path=ppt/slides/slide12.xml><?xml version="1.0" encoding="utf-8"?>
-<p:sld xmlns:a="http://schemas.openxmlformats.org/drawingml/2006/main" xmlns:r="http://schemas.openxmlformats.org/officeDocument/2006/relationships" xmlns:p="http://schemas.openxmlformats.org/presentationml/2006/main">
-  <p:cSld>
-    <p:spTree>
-      <p:nvGrpSpPr>
-        <p:cNvPr id="1" name=""/>
-        <p:cNvGrpSpPr/>
-        <p:nvPr/>
-      </p:nvGrpSpPr>
-      <p:grpSpPr>
-        <a:xfrm>
-          <a:off x="0" y="0"/>
-          <a:ext cx="0" cy="0"/>
-          <a:chOff x="0" y="0"/>
-          <a:chExt cx="0" cy="0"/>
-        </a:xfrm>
-      </p:grpSpPr>
-      <p:sp>
-        <p:nvSpPr>
-          <p:cNvPr id="2" name="标题 1"/>
-          <p:cNvSpPr>
-            <a:spLocks noGrp="1"/>
-          </p:cNvSpPr>
-          <p:nvPr>
-            <p:ph type="title"/>
-          </p:nvPr>
-        </p:nvSpPr>
-        <p:spPr/>
-        <p:txBody>
-          <a:bodyPr/>
-          <a:lstStyle/>
-          <a:p>
-            <a:r>
-              <a:rPr lang="zh-CN" altLang="en-US" dirty="0" smtClean="0"/>
-              <a:t>需求获取方法</a:t>
-            </a:r>
-            <a:endParaRPr lang="zh-CN" altLang="en-US" dirty="0"/>
-          </a:p>
-        </p:txBody>
-      </p:sp>
-      <p:sp>
-        <p:nvSpPr>
-          <p:cNvPr id="3" name="内容占位符 2"/>
-          <p:cNvSpPr>
-            <a:spLocks noGrp="1"/>
-          </p:cNvSpPr>
-          <p:nvPr>
-            <p:ph sz="quarter" idx="13"/>
-          </p:nvPr>
-        </p:nvSpPr>
-        <p:spPr/>
-        <p:txBody>
-          <a:bodyPr/>
-          <a:lstStyle/>
-          <a:p>
-            <a:r>
-              <a:rPr lang="zh-CN" altLang="en-US" dirty="0" smtClean="0"/>
-              <a:t>面谈</a:t>
-            </a:r>
-            <a:endParaRPr lang="en-US" altLang="zh-CN" dirty="0" smtClean="0"/>
-          </a:p>
-          <a:p>
-            <a:r>
-              <a:rPr lang="zh-CN" altLang="en-US" dirty="0"/>
-              <a:t>头脑</a:t>
-            </a:r>
-            <a:r>
-              <a:rPr lang="zh-CN" altLang="en-US" dirty="0" smtClean="0"/>
-              <a:t>风暴</a:t>
-            </a:r>
-            <a:endParaRPr lang="en-US" altLang="zh-CN" dirty="0" smtClean="0"/>
-          </a:p>
-          <a:p>
-            <a:r>
-              <a:rPr lang="zh-CN" altLang="en-US" dirty="0"/>
-              <a:t>原型</a:t>
-            </a:r>
-          </a:p>
-        </p:txBody>
-      </p:sp>
-    </p:spTree>
-    <p:extLst>
-      <p:ext uri="{BB962C8B-B14F-4D97-AF65-F5344CB8AC3E}">
-        <p14:creationId xmlns:p14="http://schemas.microsoft.com/office/powerpoint/2010/main" val="2794471902"/>
-      </p:ext>
-    </p:extLst>
-  </p:cSld>
-  <p:clrMapOvr>
-    <a:masterClrMapping/>
-  </p:clrMapOvr>
+  <p:timing>
+    <p:tnLst>
+      <p:par>
+        <p:cTn id="1" dur="indefinite" restart="never" nodeType="tmRoot"/>
+      </p:par>
+    </p:tnLst>
+  </p:timing>
 </p:sld>
 </file>
 
@@ -13890,80 +14148,52 @@
           <a:chExt cx="0" cy="0"/>
         </a:xfrm>
       </p:grpSpPr>
-      <p:sp>
-        <p:nvSpPr>
-          <p:cNvPr id="2" name="标题 1"/>
-          <p:cNvSpPr>
-            <a:spLocks noGrp="1"/>
-          </p:cNvSpPr>
-          <p:nvPr>
-            <p:ph type="title"/>
-          </p:nvPr>
-        </p:nvSpPr>
-        <p:spPr/>
-        <p:txBody>
-          <a:bodyPr/>
-          <a:lstStyle/>
-          <a:p>
-            <a:r>
-              <a:rPr lang="zh-CN" altLang="en-US" dirty="0" smtClean="0"/>
-              <a:t>做一件好用的产品</a:t>
-            </a:r>
-            <a:r>
-              <a:rPr lang="en-US" altLang="zh-CN" dirty="0" smtClean="0"/>
-              <a:t/>
-            </a:r>
-            <a:br>
-              <a:rPr lang="en-US" altLang="zh-CN" dirty="0" smtClean="0"/>
-            </a:br>
-            <a:r>
-              <a:rPr lang="zh-CN" altLang="en-US" dirty="0" smtClean="0"/>
-              <a:t>两件最重要的事</a:t>
-            </a:r>
-            <a:endParaRPr lang="zh-CN" altLang="en-US" dirty="0"/>
-          </a:p>
-        </p:txBody>
-      </p:sp>
-      <p:sp>
-        <p:nvSpPr>
-          <p:cNvPr id="3" name="内容占位符 2"/>
-          <p:cNvSpPr>
-            <a:spLocks noGrp="1"/>
-          </p:cNvSpPr>
+      <p:pic>
+        <p:nvPicPr>
+          <p:cNvPr id="5" name="内容占位符 4"/>
+          <p:cNvPicPr>
+            <a:picLocks noGrp="1" noChangeAspect="1"/>
+          </p:cNvPicPr>
           <p:nvPr>
             <p:ph sz="quarter" idx="13"/>
           </p:nvPr>
-        </p:nvSpPr>
-        <p:spPr/>
-        <p:txBody>
-          <a:bodyPr/>
-          <a:lstStyle/>
-          <a:p>
-            <a:r>
-              <a:rPr lang="zh-CN" altLang="en-US" dirty="0" smtClean="0"/>
-              <a:t>发现需求</a:t>
-            </a:r>
-            <a:endParaRPr lang="en-US" altLang="zh-CN" dirty="0" smtClean="0"/>
-          </a:p>
-          <a:p>
-            <a:r>
-              <a:rPr lang="zh-CN" altLang="en-US" dirty="0" smtClean="0"/>
-              <a:t>舍弃需求</a:t>
-            </a:r>
-            <a:endParaRPr lang="zh-CN" altLang="en-US" dirty="0"/>
-          </a:p>
-        </p:txBody>
-      </p:sp>
+        </p:nvPicPr>
+        <p:blipFill>
+          <a:blip r:embed="rId3">
+            <a:extLst>
+              <a:ext uri="{28A0092B-C50C-407E-A947-70E740481C1C}">
+                <a14:useLocalDpi xmlns:a14="http://schemas.microsoft.com/office/drawing/2010/main" val="0"/>
+              </a:ext>
+            </a:extLst>
+          </a:blip>
+          <a:stretch>
+            <a:fillRect/>
+          </a:stretch>
+        </p:blipFill>
+        <p:spPr>
+          <a:xfrm>
+            <a:off x="-117417" y="-1"/>
+            <a:ext cx="8197388" cy="6886953"/>
+          </a:xfrm>
+        </p:spPr>
+      </p:pic>
     </p:spTree>
     <p:extLst>
       <p:ext uri="{BB962C8B-B14F-4D97-AF65-F5344CB8AC3E}">
-        <p14:creationId xmlns:p14="http://schemas.microsoft.com/office/powerpoint/2010/main" val="3681303727"/>
+        <p14:creationId xmlns:p14="http://schemas.microsoft.com/office/powerpoint/2010/main" val="1108198070"/>
       </p:ext>
     </p:extLst>
   </p:cSld>
   <p:clrMapOvr>
     <a:masterClrMapping/>
   </p:clrMapOvr>
+  <p:timing>
+    <p:tnLst>
+      <p:par>
+        <p:cTn id="1" dur="indefinite" restart="never" nodeType="tmRoot"/>
+      </p:par>
+    </p:tnLst>
+  </p:timing>
 </p:sld>
 </file>
 
@@ -13984,6 +14214,369 @@
           <a:chExt cx="0" cy="0"/>
         </a:xfrm>
       </p:grpSpPr>
+      <p:pic>
+        <p:nvPicPr>
+          <p:cNvPr id="5" name="内容占位符 4"/>
+          <p:cNvPicPr>
+            <a:picLocks noGrp="1" noChangeAspect="1"/>
+          </p:cNvPicPr>
+          <p:nvPr>
+            <p:ph sz="quarter" idx="13"/>
+          </p:nvPr>
+        </p:nvPicPr>
+        <p:blipFill>
+          <a:blip r:embed="rId3" cstate="print">
+            <a:extLst>
+              <a:ext uri="{28A0092B-C50C-407E-A947-70E740481C1C}">
+                <a14:useLocalDpi xmlns:a14="http://schemas.microsoft.com/office/drawing/2010/main" val="0"/>
+              </a:ext>
+            </a:extLst>
+          </a:blip>
+          <a:stretch>
+            <a:fillRect/>
+          </a:stretch>
+        </p:blipFill>
+        <p:spPr>
+          <a:xfrm>
+            <a:off x="2270809" y="-1"/>
+            <a:ext cx="4795009" cy="7114205"/>
+          </a:xfrm>
+        </p:spPr>
+      </p:pic>
+    </p:spTree>
+    <p:extLst>
+      <p:ext uri="{BB962C8B-B14F-4D97-AF65-F5344CB8AC3E}">
+        <p14:creationId xmlns:p14="http://schemas.microsoft.com/office/powerpoint/2010/main" val="3149056540"/>
+      </p:ext>
+    </p:extLst>
+  </p:cSld>
+  <p:clrMapOvr>
+    <a:masterClrMapping/>
+  </p:clrMapOvr>
+  <p:timing>
+    <p:tnLst>
+      <p:par>
+        <p:cTn id="1" dur="indefinite" restart="never" nodeType="tmRoot"/>
+      </p:par>
+    </p:tnLst>
+  </p:timing>
+</p:sld>
+</file>
+
+<file path=ppt/slides/slide15.xml><?xml version="1.0" encoding="utf-8"?>
+<p:sld xmlns:a="http://schemas.openxmlformats.org/drawingml/2006/main" xmlns:r="http://schemas.openxmlformats.org/officeDocument/2006/relationships" xmlns:p="http://schemas.openxmlformats.org/presentationml/2006/main">
+  <p:cSld>
+    <p:spTree>
+      <p:nvGrpSpPr>
+        <p:cNvPr id="1" name=""/>
+        <p:cNvGrpSpPr/>
+        <p:nvPr/>
+      </p:nvGrpSpPr>
+      <p:grpSpPr>
+        <a:xfrm>
+          <a:off x="0" y="0"/>
+          <a:ext cx="0" cy="0"/>
+          <a:chOff x="0" y="0"/>
+          <a:chExt cx="0" cy="0"/>
+        </a:xfrm>
+      </p:grpSpPr>
+      <p:sp>
+        <p:nvSpPr>
+          <p:cNvPr id="2" name="标题 1"/>
+          <p:cNvSpPr>
+            <a:spLocks noGrp="1"/>
+          </p:cNvSpPr>
+          <p:nvPr>
+            <p:ph type="title"/>
+          </p:nvPr>
+        </p:nvSpPr>
+        <p:spPr/>
+        <p:txBody>
+          <a:bodyPr/>
+          <a:lstStyle/>
+          <a:p>
+            <a:r>
+              <a:rPr lang="zh-CN" altLang="en-US" dirty="0" smtClean="0"/>
+              <a:t>需求获取方法</a:t>
+            </a:r>
+            <a:endParaRPr lang="zh-CN" altLang="en-US" dirty="0"/>
+          </a:p>
+        </p:txBody>
+      </p:sp>
+      <p:sp>
+        <p:nvSpPr>
+          <p:cNvPr id="3" name="内容占位符 2"/>
+          <p:cNvSpPr>
+            <a:spLocks noGrp="1"/>
+          </p:cNvSpPr>
+          <p:nvPr>
+            <p:ph sz="quarter" idx="13"/>
+          </p:nvPr>
+        </p:nvSpPr>
+        <p:spPr/>
+        <p:txBody>
+          <a:bodyPr/>
+          <a:lstStyle/>
+          <a:p>
+            <a:r>
+              <a:rPr lang="zh-CN" altLang="en-US" dirty="0" smtClean="0"/>
+              <a:t>面谈</a:t>
+            </a:r>
+            <a:endParaRPr lang="en-US" altLang="zh-CN" dirty="0" smtClean="0"/>
+          </a:p>
+          <a:p>
+            <a:r>
+              <a:rPr lang="zh-CN" altLang="en-US" dirty="0"/>
+              <a:t>头脑</a:t>
+            </a:r>
+            <a:r>
+              <a:rPr lang="zh-CN" altLang="en-US" dirty="0" smtClean="0"/>
+              <a:t>风暴</a:t>
+            </a:r>
+            <a:endParaRPr lang="en-US" altLang="zh-CN" dirty="0" smtClean="0"/>
+          </a:p>
+          <a:p>
+            <a:r>
+              <a:rPr lang="zh-CN" altLang="en-US" dirty="0"/>
+              <a:t>原型</a:t>
+            </a:r>
+          </a:p>
+        </p:txBody>
+      </p:sp>
+    </p:spTree>
+    <p:extLst>
+      <p:ext uri="{BB962C8B-B14F-4D97-AF65-F5344CB8AC3E}">
+        <p14:creationId xmlns:p14="http://schemas.microsoft.com/office/powerpoint/2010/main" val="2794471902"/>
+      </p:ext>
+    </p:extLst>
+  </p:cSld>
+  <p:clrMapOvr>
+    <a:masterClrMapping/>
+  </p:clrMapOvr>
+  <p:timing>
+    <p:tnLst>
+      <p:par>
+        <p:cTn id="1" dur="indefinite" restart="never" nodeType="tmRoot"/>
+      </p:par>
+    </p:tnLst>
+  </p:timing>
+</p:sld>
+</file>
+
+<file path=ppt/slides/slide16.xml><?xml version="1.0" encoding="utf-8"?>
+<p:sld xmlns:a="http://schemas.openxmlformats.org/drawingml/2006/main" xmlns:r="http://schemas.openxmlformats.org/officeDocument/2006/relationships" xmlns:p="http://schemas.openxmlformats.org/presentationml/2006/main">
+  <p:cSld>
+    <p:spTree>
+      <p:nvGrpSpPr>
+        <p:cNvPr id="1" name=""/>
+        <p:cNvGrpSpPr/>
+        <p:nvPr/>
+      </p:nvGrpSpPr>
+      <p:grpSpPr>
+        <a:xfrm>
+          <a:off x="0" y="0"/>
+          <a:ext cx="0" cy="0"/>
+          <a:chOff x="0" y="0"/>
+          <a:chExt cx="0" cy="0"/>
+        </a:xfrm>
+      </p:grpSpPr>
+      <p:sp>
+        <p:nvSpPr>
+          <p:cNvPr id="2" name="标题 1"/>
+          <p:cNvSpPr>
+            <a:spLocks noGrp="1"/>
+          </p:cNvSpPr>
+          <p:nvPr>
+            <p:ph type="title"/>
+          </p:nvPr>
+        </p:nvSpPr>
+        <p:spPr/>
+        <p:txBody>
+          <a:bodyPr/>
+          <a:lstStyle/>
+          <a:p>
+            <a:r>
+              <a:rPr lang="zh-CN" altLang="en-US" dirty="0" smtClean="0"/>
+              <a:t>面谈中的矛盾点</a:t>
+            </a:r>
+            <a:endParaRPr lang="zh-CN" altLang="en-US" dirty="0"/>
+          </a:p>
+        </p:txBody>
+      </p:sp>
+      <p:sp>
+        <p:nvSpPr>
+          <p:cNvPr id="3" name="内容占位符 2"/>
+          <p:cNvSpPr>
+            <a:spLocks noGrp="1"/>
+          </p:cNvSpPr>
+          <p:nvPr>
+            <p:ph sz="quarter" idx="13"/>
+          </p:nvPr>
+        </p:nvSpPr>
+        <p:spPr>
+          <a:xfrm>
+            <a:off x="514349" y="2063396"/>
+            <a:ext cx="7797663" cy="3311189"/>
+          </a:xfrm>
+        </p:spPr>
+        <p:txBody>
+          <a:bodyPr/>
+          <a:lstStyle/>
+          <a:p>
+            <a:r>
+              <a:rPr lang="zh-CN" altLang="en-US" dirty="0" smtClean="0"/>
+              <a:t>客户曾经</a:t>
+            </a:r>
+            <a:r>
+              <a:rPr lang="zh-CN" altLang="en-US" dirty="0"/>
+              <a:t>提出买卖过程中要有一</a:t>
+            </a:r>
+            <a:r>
+              <a:rPr lang="zh-CN" altLang="en-US" dirty="0" smtClean="0"/>
+              <a:t>个即时聊天系统</a:t>
+            </a:r>
+            <a:endParaRPr lang="zh-CN" altLang="en-US" dirty="0"/>
+          </a:p>
+        </p:txBody>
+      </p:sp>
+    </p:spTree>
+    <p:extLst>
+      <p:ext uri="{BB962C8B-B14F-4D97-AF65-F5344CB8AC3E}">
+        <p14:creationId xmlns:p14="http://schemas.microsoft.com/office/powerpoint/2010/main" val="4061474250"/>
+      </p:ext>
+    </p:extLst>
+  </p:cSld>
+  <p:clrMapOvr>
+    <a:masterClrMapping/>
+  </p:clrMapOvr>
+  <p:timing>
+    <p:tnLst>
+      <p:par>
+        <p:cTn id="1" dur="indefinite" restart="never" nodeType="tmRoot"/>
+      </p:par>
+    </p:tnLst>
+  </p:timing>
+</p:sld>
+</file>
+
+<file path=ppt/slides/slide17.xml><?xml version="1.0" encoding="utf-8"?>
+<p:sld xmlns:a="http://schemas.openxmlformats.org/drawingml/2006/main" xmlns:r="http://schemas.openxmlformats.org/officeDocument/2006/relationships" xmlns:p="http://schemas.openxmlformats.org/presentationml/2006/main">
+  <p:cSld>
+    <p:spTree>
+      <p:nvGrpSpPr>
+        <p:cNvPr id="1" name=""/>
+        <p:cNvGrpSpPr/>
+        <p:nvPr/>
+      </p:nvGrpSpPr>
+      <p:grpSpPr>
+        <a:xfrm>
+          <a:off x="0" y="0"/>
+          <a:ext cx="0" cy="0"/>
+          <a:chOff x="0" y="0"/>
+          <a:chExt cx="0" cy="0"/>
+        </a:xfrm>
+      </p:grpSpPr>
+      <p:sp>
+        <p:nvSpPr>
+          <p:cNvPr id="2" name="标题 1"/>
+          <p:cNvSpPr>
+            <a:spLocks noGrp="1"/>
+          </p:cNvSpPr>
+          <p:nvPr>
+            <p:ph type="title"/>
+          </p:nvPr>
+        </p:nvSpPr>
+        <p:spPr/>
+        <p:txBody>
+          <a:bodyPr/>
+          <a:lstStyle/>
+          <a:p>
+            <a:r>
+              <a:rPr lang="zh-CN" altLang="en-US" dirty="0" smtClean="0"/>
+              <a:t>做一件好用的产品</a:t>
+            </a:r>
+            <a:r>
+              <a:rPr lang="en-US" altLang="zh-CN" dirty="0" smtClean="0"/>
+              <a:t/>
+            </a:r>
+            <a:br>
+              <a:rPr lang="en-US" altLang="zh-CN" dirty="0" smtClean="0"/>
+            </a:br>
+            <a:r>
+              <a:rPr lang="zh-CN" altLang="en-US" dirty="0" smtClean="0"/>
+              <a:t>两件最重要的事</a:t>
+            </a:r>
+            <a:endParaRPr lang="zh-CN" altLang="en-US" dirty="0"/>
+          </a:p>
+        </p:txBody>
+      </p:sp>
+      <p:sp>
+        <p:nvSpPr>
+          <p:cNvPr id="3" name="内容占位符 2"/>
+          <p:cNvSpPr>
+            <a:spLocks noGrp="1"/>
+          </p:cNvSpPr>
+          <p:nvPr>
+            <p:ph sz="quarter" idx="13"/>
+          </p:nvPr>
+        </p:nvSpPr>
+        <p:spPr/>
+        <p:txBody>
+          <a:bodyPr/>
+          <a:lstStyle/>
+          <a:p>
+            <a:r>
+              <a:rPr lang="zh-CN" altLang="en-US" dirty="0" smtClean="0"/>
+              <a:t>发现需求</a:t>
+            </a:r>
+            <a:endParaRPr lang="en-US" altLang="zh-CN" dirty="0" smtClean="0"/>
+          </a:p>
+          <a:p>
+            <a:r>
+              <a:rPr lang="zh-CN" altLang="en-US" dirty="0" smtClean="0"/>
+              <a:t>舍弃需求</a:t>
+            </a:r>
+            <a:endParaRPr lang="zh-CN" altLang="en-US" dirty="0"/>
+          </a:p>
+        </p:txBody>
+      </p:sp>
+    </p:spTree>
+    <p:extLst>
+      <p:ext uri="{BB962C8B-B14F-4D97-AF65-F5344CB8AC3E}">
+        <p14:creationId xmlns:p14="http://schemas.microsoft.com/office/powerpoint/2010/main" val="3681303727"/>
+      </p:ext>
+    </p:extLst>
+  </p:cSld>
+  <p:clrMapOvr>
+    <a:masterClrMapping/>
+  </p:clrMapOvr>
+  <p:timing>
+    <p:tnLst>
+      <p:par>
+        <p:cTn id="1" dur="indefinite" restart="never" nodeType="tmRoot"/>
+      </p:par>
+    </p:tnLst>
+  </p:timing>
+</p:sld>
+</file>
+
+<file path=ppt/slides/slide18.xml><?xml version="1.0" encoding="utf-8"?>
+<p:sld xmlns:a="http://schemas.openxmlformats.org/drawingml/2006/main" xmlns:r="http://schemas.openxmlformats.org/officeDocument/2006/relationships" xmlns:p="http://schemas.openxmlformats.org/presentationml/2006/main">
+  <p:cSld>
+    <p:spTree>
+      <p:nvGrpSpPr>
+        <p:cNvPr id="1" name=""/>
+        <p:cNvGrpSpPr/>
+        <p:nvPr/>
+      </p:nvGrpSpPr>
+      <p:grpSpPr>
+        <a:xfrm>
+          <a:off x="0" y="0"/>
+          <a:ext cx="0" cy="0"/>
+          <a:chOff x="0" y="0"/>
+          <a:chExt cx="0" cy="0"/>
+        </a:xfrm>
+      </p:grpSpPr>
       <p:sp>
         <p:nvSpPr>
           <p:cNvPr id="2" name="标题 1"/>
@@ -14059,10 +14652,17 @@
   <p:clrMapOvr>
     <a:masterClrMapping/>
   </p:clrMapOvr>
+  <p:timing>
+    <p:tnLst>
+      <p:par>
+        <p:cTn id="1" dur="indefinite" restart="never" nodeType="tmRoot"/>
+      </p:par>
+    </p:tnLst>
+  </p:timing>
 </p:sld>
 </file>
 
-<file path=ppt/slides/slide15.xml><?xml version="1.0" encoding="utf-8"?>
+<file path=ppt/slides/slide19.xml><?xml version="1.0" encoding="utf-8"?>
 <p:sld xmlns:a="http://schemas.openxmlformats.org/drawingml/2006/main" xmlns:r="http://schemas.openxmlformats.org/officeDocument/2006/relationships" xmlns:p="http://schemas.openxmlformats.org/presentationml/2006/main">
   <p:cSld>
     <p:spTree>
@@ -14138,593 +14738,13 @@
   <p:clrMapOvr>
     <a:masterClrMapping/>
   </p:clrMapOvr>
-</p:sld>
-</file>
-
-<file path=ppt/slides/slide16.xml><?xml version="1.0" encoding="utf-8"?>
-<p:sld xmlns:a="http://schemas.openxmlformats.org/drawingml/2006/main" xmlns:r="http://schemas.openxmlformats.org/officeDocument/2006/relationships" xmlns:p="http://schemas.openxmlformats.org/presentationml/2006/main">
-  <p:cSld>
-    <p:spTree>
-      <p:nvGrpSpPr>
-        <p:cNvPr id="1" name=""/>
-        <p:cNvGrpSpPr/>
-        <p:nvPr/>
-      </p:nvGrpSpPr>
-      <p:grpSpPr>
-        <a:xfrm>
-          <a:off x="0" y="0"/>
-          <a:ext cx="0" cy="0"/>
-          <a:chOff x="0" y="0"/>
-          <a:chExt cx="0" cy="0"/>
-        </a:xfrm>
-      </p:grpSpPr>
-      <p:sp>
-        <p:nvSpPr>
-          <p:cNvPr id="2" name="标题 1"/>
-          <p:cNvSpPr>
-            <a:spLocks noGrp="1"/>
-          </p:cNvSpPr>
-          <p:nvPr>
-            <p:ph type="title"/>
-          </p:nvPr>
-        </p:nvSpPr>
-        <p:spPr/>
-        <p:txBody>
-          <a:bodyPr/>
-          <a:lstStyle/>
-          <a:p>
-            <a:r>
-              <a:rPr lang="zh-CN" altLang="en-US" dirty="0" smtClean="0"/>
-              <a:t>发现需求</a:t>
-            </a:r>
-            <a:endParaRPr lang="zh-CN" altLang="en-US" dirty="0"/>
-          </a:p>
-        </p:txBody>
-      </p:sp>
-      <p:sp>
-        <p:nvSpPr>
-          <p:cNvPr id="3" name="内容占位符 2"/>
-          <p:cNvSpPr>
-            <a:spLocks noGrp="1"/>
-          </p:cNvSpPr>
-          <p:nvPr>
-            <p:ph sz="quarter" idx="13"/>
-          </p:nvPr>
-        </p:nvSpPr>
-        <p:spPr>
-          <a:xfrm>
-            <a:off x="514349" y="2063396"/>
-            <a:ext cx="7797663" cy="3311189"/>
-          </a:xfrm>
-        </p:spPr>
-        <p:txBody>
-          <a:bodyPr/>
-          <a:lstStyle/>
-          <a:p>
-            <a:r>
-              <a:rPr lang="zh-CN" altLang="en-US" dirty="0" smtClean="0"/>
-              <a:t>发现需求从来不是一件简单的事情</a:t>
-            </a:r>
-            <a:endParaRPr lang="en-US" altLang="zh-CN" dirty="0" smtClean="0"/>
-          </a:p>
-          <a:p>
-            <a:r>
-              <a:rPr lang="zh-CN" altLang="en-US" dirty="0" smtClean="0"/>
-              <a:t>发现需求充满创造性</a:t>
-            </a:r>
-            <a:endParaRPr lang="en-US" altLang="zh-CN" dirty="0" smtClean="0"/>
-          </a:p>
-          <a:p>
-            <a:r>
-              <a:rPr lang="zh-CN" altLang="en-US" dirty="0"/>
-              <a:t>观察、联想</a:t>
-            </a:r>
-            <a:endParaRPr lang="en-US" altLang="zh-CN" dirty="0" smtClean="0"/>
-          </a:p>
-          <a:p>
-            <a:r>
-              <a:rPr lang="zh-CN" altLang="en-US" dirty="0"/>
-              <a:t>组合</a:t>
-            </a:r>
-            <a:endParaRPr lang="en-US" altLang="zh-CN" dirty="0" smtClean="0"/>
-          </a:p>
-          <a:p>
-            <a:r>
-              <a:rPr lang="zh-CN" altLang="en-US" dirty="0" smtClean="0"/>
-              <a:t>复用</a:t>
-            </a:r>
-            <a:endParaRPr lang="zh-CN" altLang="en-US" dirty="0"/>
-          </a:p>
-        </p:txBody>
-      </p:sp>
-    </p:spTree>
-    <p:extLst>
-      <p:ext uri="{BB962C8B-B14F-4D97-AF65-F5344CB8AC3E}">
-        <p14:creationId xmlns:p14="http://schemas.microsoft.com/office/powerpoint/2010/main" val="1248038470"/>
-      </p:ext>
-    </p:extLst>
-  </p:cSld>
-  <p:clrMapOvr>
-    <a:masterClrMapping/>
-  </p:clrMapOvr>
-</p:sld>
-</file>
-
-<file path=ppt/slides/slide17.xml><?xml version="1.0" encoding="utf-8"?>
-<p:sld xmlns:a="http://schemas.openxmlformats.org/drawingml/2006/main" xmlns:r="http://schemas.openxmlformats.org/officeDocument/2006/relationships" xmlns:p="http://schemas.openxmlformats.org/presentationml/2006/main">
-  <p:cSld>
-    <p:spTree>
-      <p:nvGrpSpPr>
-        <p:cNvPr id="1" name=""/>
-        <p:cNvGrpSpPr/>
-        <p:nvPr/>
-      </p:nvGrpSpPr>
-      <p:grpSpPr>
-        <a:xfrm>
-          <a:off x="0" y="0"/>
-          <a:ext cx="0" cy="0"/>
-          <a:chOff x="0" y="0"/>
-          <a:chExt cx="0" cy="0"/>
-        </a:xfrm>
-      </p:grpSpPr>
-      <p:sp>
-        <p:nvSpPr>
-          <p:cNvPr id="2" name="标题 1"/>
-          <p:cNvSpPr>
-            <a:spLocks noGrp="1"/>
-          </p:cNvSpPr>
-          <p:nvPr>
-            <p:ph type="title"/>
-          </p:nvPr>
-        </p:nvSpPr>
-        <p:spPr/>
-        <p:txBody>
-          <a:bodyPr/>
-          <a:lstStyle/>
-          <a:p>
-            <a:r>
-              <a:rPr lang="zh-CN" altLang="en-US" dirty="0" smtClean="0"/>
-              <a:t>发现需求：观察联想</a:t>
-            </a:r>
-            <a:endParaRPr lang="zh-CN" altLang="en-US" dirty="0"/>
-          </a:p>
-        </p:txBody>
-      </p:sp>
-      <p:sp>
-        <p:nvSpPr>
-          <p:cNvPr id="3" name="内容占位符 2"/>
-          <p:cNvSpPr>
-            <a:spLocks noGrp="1"/>
-          </p:cNvSpPr>
-          <p:nvPr>
-            <p:ph sz="quarter" idx="13"/>
-          </p:nvPr>
-        </p:nvSpPr>
-        <p:spPr>
-          <a:xfrm>
-            <a:off x="514349" y="2063396"/>
-            <a:ext cx="7797663" cy="3311189"/>
-          </a:xfrm>
-        </p:spPr>
-        <p:txBody>
-          <a:bodyPr/>
-          <a:lstStyle/>
-          <a:p>
-            <a:r>
-              <a:rPr lang="zh-CN" altLang="en-US" dirty="0" smtClean="0"/>
-              <a:t>一维条形码：发明于</a:t>
-            </a:r>
-            <a:r>
-              <a:rPr lang="en-US" altLang="zh-CN" dirty="0" smtClean="0"/>
-              <a:t>1949</a:t>
-            </a:r>
-            <a:r>
-              <a:rPr lang="zh-CN" altLang="en-US" dirty="0" smtClean="0"/>
-              <a:t>年</a:t>
-            </a:r>
-            <a:endParaRPr lang="en-US" altLang="zh-CN" dirty="0" smtClean="0"/>
-          </a:p>
-          <a:p>
-            <a:r>
-              <a:rPr lang="zh-CN" altLang="en-US" dirty="0"/>
-              <a:t>二</a:t>
-            </a:r>
-            <a:r>
-              <a:rPr lang="zh-CN" altLang="en-US" dirty="0" smtClean="0"/>
-              <a:t>维码：发明于</a:t>
-            </a:r>
-            <a:r>
-              <a:rPr lang="en-US" altLang="zh-CN" dirty="0" smtClean="0"/>
-              <a:t>1994</a:t>
-            </a:r>
-            <a:r>
-              <a:rPr lang="zh-CN" altLang="en-US" dirty="0" smtClean="0"/>
-              <a:t>年。日本 </a:t>
-            </a:r>
-            <a:r>
-              <a:rPr lang="en-US" altLang="zh-CN" dirty="0"/>
-              <a:t>Denso Wave </a:t>
-            </a:r>
-            <a:r>
-              <a:rPr lang="zh-CN" altLang="en-US" dirty="0"/>
-              <a:t>公司为了追踪汽车零件而</a:t>
-            </a:r>
-            <a:r>
-              <a:rPr lang="zh-CN" altLang="en-US" dirty="0" smtClean="0"/>
-              <a:t>设计</a:t>
-            </a:r>
-            <a:endParaRPr lang="en-US" altLang="zh-CN" dirty="0" smtClean="0"/>
-          </a:p>
-          <a:p>
-            <a:r>
-              <a:rPr lang="en-US" altLang="zh-CN" dirty="0" smtClean="0"/>
-              <a:t>2012</a:t>
-            </a:r>
-            <a:r>
-              <a:rPr lang="zh-CN" altLang="en-US" dirty="0" smtClean="0"/>
-              <a:t>年：“中国二维码元年”二</a:t>
-            </a:r>
-            <a:r>
-              <a:rPr lang="zh-CN" altLang="en-US" dirty="0"/>
-              <a:t>维</a:t>
-            </a:r>
-            <a:r>
-              <a:rPr lang="zh-CN" altLang="en-US" dirty="0" smtClean="0"/>
-              <a:t>码大爆炸</a:t>
-            </a:r>
-            <a:endParaRPr lang="en-US" altLang="zh-CN" dirty="0" smtClean="0"/>
-          </a:p>
-          <a:p>
-            <a:r>
-              <a:rPr lang="zh-CN" altLang="en-US" dirty="0" smtClean="0"/>
-              <a:t>与手机摄像头的结合</a:t>
-            </a:r>
-            <a:endParaRPr lang="en-US" altLang="zh-CN" dirty="0" smtClean="0"/>
-          </a:p>
-          <a:p>
-            <a:r>
-              <a:rPr lang="zh-CN" altLang="en-US" dirty="0" smtClean="0"/>
-              <a:t>与移动互联网的结合</a:t>
-            </a:r>
-            <a:endParaRPr lang="en-US" altLang="zh-CN" dirty="0" smtClean="0"/>
-          </a:p>
-          <a:p>
-            <a:r>
-              <a:rPr lang="zh-CN" altLang="en-US" dirty="0"/>
-              <a:t>三维</a:t>
-            </a:r>
-            <a:r>
-              <a:rPr lang="zh-CN" altLang="en-US" dirty="0" smtClean="0"/>
-              <a:t>码？</a:t>
-            </a:r>
-            <a:endParaRPr lang="zh-CN" altLang="en-US" dirty="0"/>
-          </a:p>
-        </p:txBody>
-      </p:sp>
-    </p:spTree>
-    <p:extLst>
-      <p:ext uri="{BB962C8B-B14F-4D97-AF65-F5344CB8AC3E}">
-        <p14:creationId xmlns:p14="http://schemas.microsoft.com/office/powerpoint/2010/main" val="1022097622"/>
-      </p:ext>
-    </p:extLst>
-  </p:cSld>
-  <p:clrMapOvr>
-    <a:masterClrMapping/>
-  </p:clrMapOvr>
-</p:sld>
-</file>
-
-<file path=ppt/slides/slide18.xml><?xml version="1.0" encoding="utf-8"?>
-<p:sld xmlns:a="http://schemas.openxmlformats.org/drawingml/2006/main" xmlns:r="http://schemas.openxmlformats.org/officeDocument/2006/relationships" xmlns:p="http://schemas.openxmlformats.org/presentationml/2006/main">
-  <p:cSld>
-    <p:spTree>
-      <p:nvGrpSpPr>
-        <p:cNvPr id="1" name=""/>
-        <p:cNvGrpSpPr/>
-        <p:nvPr/>
-      </p:nvGrpSpPr>
-      <p:grpSpPr>
-        <a:xfrm>
-          <a:off x="0" y="0"/>
-          <a:ext cx="0" cy="0"/>
-          <a:chOff x="0" y="0"/>
-          <a:chExt cx="0" cy="0"/>
-        </a:xfrm>
-      </p:grpSpPr>
-      <p:sp>
-        <p:nvSpPr>
-          <p:cNvPr id="2" name="标题 1"/>
-          <p:cNvSpPr>
-            <a:spLocks noGrp="1"/>
-          </p:cNvSpPr>
-          <p:nvPr>
-            <p:ph type="title"/>
-          </p:nvPr>
-        </p:nvSpPr>
-        <p:spPr/>
-        <p:txBody>
-          <a:bodyPr/>
-          <a:lstStyle/>
-          <a:p>
-            <a:r>
-              <a:rPr lang="zh-CN" altLang="en-US" dirty="0" smtClean="0"/>
-              <a:t>发现需求：观察联想</a:t>
-            </a:r>
-            <a:endParaRPr lang="zh-CN" altLang="en-US" dirty="0"/>
-          </a:p>
-        </p:txBody>
-      </p:sp>
-      <p:sp>
-        <p:nvSpPr>
-          <p:cNvPr id="3" name="内容占位符 2"/>
-          <p:cNvSpPr>
-            <a:spLocks noGrp="1"/>
-          </p:cNvSpPr>
-          <p:nvPr>
-            <p:ph sz="quarter" idx="13"/>
-          </p:nvPr>
-        </p:nvSpPr>
-        <p:spPr>
-          <a:xfrm>
-            <a:off x="514350" y="1843940"/>
-            <a:ext cx="8112815" cy="3615956"/>
-          </a:xfrm>
-        </p:spPr>
-        <p:txBody>
-          <a:bodyPr>
-            <a:normAutofit/>
-          </a:bodyPr>
-          <a:lstStyle/>
-          <a:p>
-            <a:r>
-              <a:rPr lang="zh-CN" altLang="en-US" dirty="0" smtClean="0"/>
-              <a:t>淘宝？</a:t>
-            </a:r>
-            <a:endParaRPr lang="en-US" altLang="zh-CN" dirty="0" smtClean="0"/>
-          </a:p>
-          <a:p>
-            <a:pPr lvl="1"/>
-            <a:r>
-              <a:rPr lang="zh-CN" altLang="en-US" dirty="0" smtClean="0"/>
-              <a:t>买卖双方可以对对方作出评价</a:t>
-            </a:r>
-            <a:r>
-              <a:rPr lang="zh-CN" altLang="en-US" dirty="0"/>
-              <a:t>。</a:t>
-            </a:r>
-            <a:r>
-              <a:rPr lang="zh-CN" altLang="en-US" dirty="0" smtClean="0"/>
-              <a:t>但不能对二手物品作出评价。因为与淘宝相比，所交易的物品不具有可重复性，评价物品无意义</a:t>
-            </a:r>
-            <a:endParaRPr lang="en-US" altLang="zh-CN" dirty="0" smtClean="0"/>
-          </a:p>
-          <a:p>
-            <a:pPr lvl="1"/>
-            <a:r>
-              <a:rPr lang="zh-CN" altLang="en-US" dirty="0"/>
-              <a:t>圈子</a:t>
-            </a:r>
-            <a:r>
-              <a:rPr lang="zh-CN" altLang="en-US" dirty="0" smtClean="0"/>
-              <a:t>小，无需在线支付</a:t>
-            </a:r>
-            <a:endParaRPr lang="en-US" altLang="zh-CN" dirty="0" smtClean="0"/>
-          </a:p>
-          <a:p>
-            <a:r>
-              <a:rPr lang="zh-CN" altLang="en-US" dirty="0" smtClean="0"/>
-              <a:t>报纸广告？</a:t>
-            </a:r>
-            <a:endParaRPr lang="en-US" altLang="zh-CN" dirty="0" smtClean="0"/>
-          </a:p>
-          <a:p>
-            <a:pPr lvl="1"/>
-            <a:r>
-              <a:rPr lang="zh-CN" altLang="en-US" dirty="0" smtClean="0"/>
-              <a:t>发布出售或求购信息的本质类似于报纸广告</a:t>
-            </a:r>
-            <a:endParaRPr lang="en-US" altLang="zh-CN" dirty="0" smtClean="0"/>
-          </a:p>
-          <a:p>
-            <a:pPr lvl="1"/>
-            <a:r>
-              <a:rPr lang="zh-CN" altLang="en-US" dirty="0" smtClean="0"/>
-              <a:t>但是可以手动更新或自动更新状态</a:t>
-            </a:r>
-            <a:endParaRPr lang="en-US" altLang="zh-CN" dirty="0" smtClean="0"/>
-          </a:p>
-          <a:p>
-            <a:pPr lvl="1"/>
-            <a:r>
-              <a:rPr lang="zh-CN" altLang="en-US" dirty="0" smtClean="0"/>
-              <a:t>通过预留联系方式或站内信与发布者沟通</a:t>
-            </a:r>
-            <a:endParaRPr lang="zh-CN" altLang="en-US" dirty="0"/>
-          </a:p>
-        </p:txBody>
-      </p:sp>
-    </p:spTree>
-    <p:extLst>
-      <p:ext uri="{BB962C8B-B14F-4D97-AF65-F5344CB8AC3E}">
-        <p14:creationId xmlns:p14="http://schemas.microsoft.com/office/powerpoint/2010/main" val="1726782595"/>
-      </p:ext>
-    </p:extLst>
-  </p:cSld>
-  <p:clrMapOvr>
-    <a:masterClrMapping/>
-  </p:clrMapOvr>
-</p:sld>
-</file>
-
-<file path=ppt/slides/slide19.xml><?xml version="1.0" encoding="utf-8"?>
-<p:sld xmlns:a="http://schemas.openxmlformats.org/drawingml/2006/main" xmlns:r="http://schemas.openxmlformats.org/officeDocument/2006/relationships" xmlns:p="http://schemas.openxmlformats.org/presentationml/2006/main">
-  <p:cSld>
-    <p:spTree>
-      <p:nvGrpSpPr>
-        <p:cNvPr id="1" name=""/>
-        <p:cNvGrpSpPr/>
-        <p:nvPr/>
-      </p:nvGrpSpPr>
-      <p:grpSpPr>
-        <a:xfrm>
-          <a:off x="0" y="0"/>
-          <a:ext cx="0" cy="0"/>
-          <a:chOff x="0" y="0"/>
-          <a:chExt cx="0" cy="0"/>
-        </a:xfrm>
-      </p:grpSpPr>
-      <p:sp>
-        <p:nvSpPr>
-          <p:cNvPr id="2" name="标题 1"/>
-          <p:cNvSpPr>
-            <a:spLocks noGrp="1"/>
-          </p:cNvSpPr>
-          <p:nvPr>
-            <p:ph type="title"/>
-          </p:nvPr>
-        </p:nvSpPr>
-        <p:spPr/>
-        <p:txBody>
-          <a:bodyPr/>
-          <a:lstStyle/>
-          <a:p>
-            <a:r>
-              <a:rPr lang="zh-CN" altLang="en-US" dirty="0" smtClean="0"/>
-              <a:t>发现需求：组合</a:t>
-            </a:r>
-            <a:endParaRPr lang="zh-CN" altLang="en-US" dirty="0"/>
-          </a:p>
-        </p:txBody>
-      </p:sp>
-      <p:sp>
-        <p:nvSpPr>
-          <p:cNvPr id="3" name="内容占位符 2"/>
-          <p:cNvSpPr>
-            <a:spLocks noGrp="1"/>
-          </p:cNvSpPr>
-          <p:nvPr>
-            <p:ph sz="quarter" idx="13"/>
-          </p:nvPr>
-        </p:nvSpPr>
-        <p:spPr>
-          <a:xfrm>
-            <a:off x="335445" y="1997135"/>
-            <a:ext cx="8155473" cy="3515769"/>
-          </a:xfrm>
-        </p:spPr>
-        <p:txBody>
-          <a:bodyPr/>
-          <a:lstStyle/>
-          <a:p>
-            <a:r>
-              <a:rPr lang="zh-CN" altLang="en-US" dirty="0" smtClean="0"/>
-              <a:t>如暖暖环游世界</a:t>
-            </a:r>
-            <a:endParaRPr lang="en-US" altLang="zh-CN" dirty="0" smtClean="0"/>
-          </a:p>
-          <a:p>
-            <a:r>
-              <a:rPr lang="zh-CN" altLang="en-US" dirty="0" smtClean="0"/>
-              <a:t>爱美天性（刚需）</a:t>
-            </a:r>
-            <a:r>
-              <a:rPr lang="en-US" altLang="zh-CN" dirty="0" smtClean="0"/>
-              <a:t>+</a:t>
-            </a:r>
-            <a:r>
-              <a:rPr lang="zh-CN" altLang="en-US" dirty="0" smtClean="0"/>
-              <a:t>全球旅行</a:t>
-            </a:r>
-            <a:r>
-              <a:rPr lang="en-US" altLang="zh-CN" dirty="0" smtClean="0"/>
-              <a:t>+</a:t>
-            </a:r>
-            <a:r>
-              <a:rPr lang="zh-CN" altLang="en-US" dirty="0" smtClean="0"/>
-              <a:t>生而移动</a:t>
-            </a:r>
-            <a:r>
-              <a:rPr lang="en-US" altLang="zh-CN" dirty="0" smtClean="0"/>
-              <a:t>+</a:t>
-            </a:r>
-            <a:r>
-              <a:rPr lang="zh-CN" altLang="en-US" dirty="0" smtClean="0"/>
-              <a:t>超多服饰</a:t>
-            </a:r>
-            <a:r>
-              <a:rPr lang="en-US" altLang="zh-CN" dirty="0" smtClean="0"/>
-              <a:t>=</a:t>
-            </a:r>
-            <a:r>
-              <a:rPr lang="zh-CN" altLang="en-US" dirty="0" smtClean="0"/>
-              <a:t>中国区付费榜</a:t>
-            </a:r>
-            <a:r>
-              <a:rPr lang="en-US" altLang="zh-CN" dirty="0" smtClean="0"/>
-              <a:t>TOP1</a:t>
-            </a:r>
-          </a:p>
-          <a:p>
-            <a:r>
-              <a:rPr lang="zh-CN" altLang="en-US" dirty="0"/>
-              <a:t>暖暖的开发团队主要由女性</a:t>
-            </a:r>
-            <a:r>
-              <a:rPr lang="zh-CN" altLang="en-US" dirty="0" smtClean="0"/>
-              <a:t>组成</a:t>
-            </a:r>
-            <a:endParaRPr lang="en-US" altLang="zh-CN" dirty="0" smtClean="0"/>
-          </a:p>
-          <a:p>
-            <a:r>
-              <a:rPr lang="zh-CN" altLang="en-US" dirty="0"/>
-              <a:t>操作简单，单线程独立</a:t>
-            </a:r>
-            <a:r>
-              <a:rPr lang="zh-CN" altLang="en-US" dirty="0" smtClean="0"/>
-              <a:t>任务</a:t>
-            </a:r>
-            <a:endParaRPr lang="en-US" altLang="zh-CN" dirty="0" smtClean="0"/>
-          </a:p>
-          <a:p>
-            <a:r>
-              <a:rPr lang="zh-CN" altLang="en-US" dirty="0"/>
-              <a:t>暖暖在吸引了</a:t>
-            </a:r>
-            <a:r>
-              <a:rPr lang="zh-CN" altLang="en-US" dirty="0" smtClean="0"/>
-              <a:t>众多女性的</a:t>
-            </a:r>
-            <a:r>
-              <a:rPr lang="zh-CN" altLang="en-US" dirty="0"/>
-              <a:t>同时，也收获了一批热爱少女漫的宅男用户，挑战性的关卡和性感</a:t>
-            </a:r>
-            <a:r>
-              <a:rPr lang="zh-CN" altLang="en-US" dirty="0" smtClean="0"/>
-              <a:t>服装（也是刚需）的</a:t>
-            </a:r>
-            <a:r>
-              <a:rPr lang="zh-CN" altLang="en-US" dirty="0"/>
-              <a:t>提供</a:t>
-            </a:r>
-            <a:r>
-              <a:rPr lang="zh-CN" altLang="en-US" dirty="0" smtClean="0"/>
-              <a:t>功不可没</a:t>
-            </a:r>
-            <a:endParaRPr lang="en-US" altLang="zh-CN" dirty="0" smtClean="0"/>
-          </a:p>
-        </p:txBody>
-      </p:sp>
-    </p:spTree>
-    <p:extLst>
-      <p:ext uri="{BB962C8B-B14F-4D97-AF65-F5344CB8AC3E}">
-        <p14:creationId xmlns:p14="http://schemas.microsoft.com/office/powerpoint/2010/main" val="4152521188"/>
-      </p:ext>
-    </p:extLst>
-  </p:cSld>
-  <p:clrMapOvr>
-    <a:masterClrMapping/>
-  </p:clrMapOvr>
+  <p:timing>
+    <p:tnLst>
+      <p:par>
+        <p:cTn id="1" dur="indefinite" restart="never" nodeType="tmRoot"/>
+      </p:par>
+    </p:tnLst>
+  </p:timing>
 </p:sld>
 </file>
 
@@ -14847,7 +14867,7 @@
           <a:p>
             <a:r>
               <a:rPr lang="zh-CN" altLang="en-US" dirty="0" smtClean="0"/>
-              <a:t>发现需求：组合</a:t>
+              <a:t>发现需求</a:t>
             </a:r>
             <a:endParaRPr lang="zh-CN" altLang="en-US" dirty="0"/>
           </a:p>
@@ -14875,54 +14895,57 @@
           <a:p>
             <a:r>
               <a:rPr lang="zh-CN" altLang="en-US" dirty="0" smtClean="0"/>
-              <a:t>大学生喜欢浪，而且喜欢晒</a:t>
+              <a:t>发现需求从来不是一件简单的事情</a:t>
             </a:r>
             <a:endParaRPr lang="en-US" altLang="zh-CN" dirty="0" smtClean="0"/>
           </a:p>
           <a:p>
             <a:r>
+              <a:rPr lang="zh-CN" altLang="en-US" dirty="0" smtClean="0"/>
+              <a:t>发现需求充满创造性</a:t>
+            </a:r>
+            <a:endParaRPr lang="en-US" altLang="zh-CN" dirty="0" smtClean="0"/>
+          </a:p>
+          <a:p>
+            <a:r>
               <a:rPr lang="zh-CN" altLang="en-US" dirty="0"/>
-              <a:t>大学生想要知道如何浪性价比</a:t>
-            </a:r>
-            <a:r>
-              <a:rPr lang="zh-CN" altLang="en-US" dirty="0" smtClean="0"/>
-              <a:t>最高</a:t>
+              <a:t>观察、联想</a:t>
             </a:r>
             <a:endParaRPr lang="en-US" altLang="zh-CN" dirty="0" smtClean="0"/>
           </a:p>
           <a:p>
             <a:r>
-              <a:rPr lang="zh-CN" altLang="en-US" dirty="0" smtClean="0"/>
-              <a:t>大学生愿意选择二手物品，从而省钱去浪</a:t>
+              <a:rPr lang="zh-CN" altLang="en-US" dirty="0"/>
+              <a:t>组合</a:t>
             </a:r>
             <a:endParaRPr lang="en-US" altLang="zh-CN" dirty="0" smtClean="0"/>
           </a:p>
           <a:p>
             <a:r>
               <a:rPr lang="zh-CN" altLang="en-US" dirty="0" smtClean="0"/>
-              <a:t>大学生希望将闲置物品变现，好有钱去浪</a:t>
-            </a:r>
-            <a:endParaRPr lang="en-US" altLang="zh-CN" dirty="0" smtClean="0"/>
-          </a:p>
-          <a:p>
-            <a:r>
-              <a:rPr lang="zh-CN" altLang="en-US" dirty="0" smtClean="0"/>
-              <a:t>同校学生之间信任程度高</a:t>
-            </a:r>
-            <a:endParaRPr lang="en-US" altLang="zh-CN" dirty="0" smtClean="0"/>
+              <a:t>复用</a:t>
+            </a:r>
+            <a:endParaRPr lang="zh-CN" altLang="en-US" dirty="0"/>
           </a:p>
         </p:txBody>
       </p:sp>
     </p:spTree>
     <p:extLst>
       <p:ext uri="{BB962C8B-B14F-4D97-AF65-F5344CB8AC3E}">
-        <p14:creationId xmlns:p14="http://schemas.microsoft.com/office/powerpoint/2010/main" val="4254406778"/>
+        <p14:creationId xmlns:p14="http://schemas.microsoft.com/office/powerpoint/2010/main" val="1248038470"/>
       </p:ext>
     </p:extLst>
   </p:cSld>
   <p:clrMapOvr>
     <a:masterClrMapping/>
   </p:clrMapOvr>
+  <p:timing>
+    <p:tnLst>
+      <p:par>
+        <p:cTn id="1" dur="indefinite" restart="never" nodeType="tmRoot"/>
+      </p:par>
+    </p:tnLst>
+  </p:timing>
 </p:sld>
 </file>
 
@@ -14960,7 +14983,7 @@
           <a:p>
             <a:r>
               <a:rPr lang="zh-CN" altLang="en-US" dirty="0" smtClean="0"/>
-              <a:t>发现需求：需求复用</a:t>
+              <a:t>发现需求：观察联想</a:t>
             </a:r>
             <a:endParaRPr lang="zh-CN" altLang="en-US" dirty="0"/>
           </a:p>
@@ -14987,26 +15010,91 @@
           <a:lstStyle/>
           <a:p>
             <a:r>
+              <a:rPr lang="zh-CN" altLang="en-US" dirty="0" smtClean="0"/>
+              <a:t>一维条形码：发明于</a:t>
+            </a:r>
+            <a:r>
+              <a:rPr lang="en-US" altLang="zh-CN" dirty="0" smtClean="0"/>
+              <a:t>1949</a:t>
+            </a:r>
+            <a:r>
+              <a:rPr lang="zh-CN" altLang="en-US" dirty="0" smtClean="0"/>
+              <a:t>年</a:t>
+            </a:r>
+            <a:endParaRPr lang="en-US" altLang="zh-CN" dirty="0" smtClean="0"/>
+          </a:p>
+          <a:p>
+            <a:r>
               <a:rPr lang="zh-CN" altLang="en-US" dirty="0"/>
-              <a:t>取其</a:t>
-            </a:r>
-            <a:r>
-              <a:rPr lang="zh-CN" altLang="en-US" dirty="0" smtClean="0"/>
-              <a:t>精华，去其糟粕</a:t>
+              <a:t>二</a:t>
+            </a:r>
+            <a:r>
+              <a:rPr lang="zh-CN" altLang="en-US" dirty="0" smtClean="0"/>
+              <a:t>维码：发明于</a:t>
+            </a:r>
+            <a:r>
+              <a:rPr lang="en-US" altLang="zh-CN" dirty="0" smtClean="0"/>
+              <a:t>1994</a:t>
+            </a:r>
+            <a:r>
+              <a:rPr lang="zh-CN" altLang="en-US" dirty="0" smtClean="0"/>
+              <a:t>年。日本 </a:t>
+            </a:r>
+            <a:r>
+              <a:rPr lang="en-US" altLang="zh-CN" dirty="0"/>
+              <a:t>Denso Wave </a:t>
+            </a:r>
+            <a:r>
+              <a:rPr lang="zh-CN" altLang="en-US" dirty="0"/>
+              <a:t>公司为了追踪汽车零件而</a:t>
+            </a:r>
+            <a:r>
+              <a:rPr lang="zh-CN" altLang="en-US" dirty="0" smtClean="0"/>
+              <a:t>设计</a:t>
             </a:r>
             <a:endParaRPr lang="en-US" altLang="zh-CN" dirty="0" smtClean="0"/>
           </a:p>
           <a:p>
             <a:r>
-              <a:rPr lang="zh-CN" altLang="en-US" dirty="0" smtClean="0"/>
-              <a:t>法律意识</a:t>
+              <a:rPr lang="en-US" altLang="zh-CN" dirty="0" smtClean="0"/>
+              <a:t>2012</a:t>
+            </a:r>
+            <a:r>
+              <a:rPr lang="zh-CN" altLang="en-US" dirty="0" smtClean="0"/>
+              <a:t>年：“中国二维码元年”二</a:t>
+            </a:r>
+            <a:r>
+              <a:rPr lang="zh-CN" altLang="en-US" dirty="0"/>
+              <a:t>维</a:t>
+            </a:r>
+            <a:r>
+              <a:rPr lang="zh-CN" altLang="en-US" dirty="0" smtClean="0"/>
+              <a:t>码大爆炸</a:t>
             </a:r>
             <a:endParaRPr lang="en-US" altLang="zh-CN" dirty="0" smtClean="0"/>
           </a:p>
           <a:p>
             <a:r>
               <a:rPr lang="zh-CN" altLang="en-US" dirty="0" smtClean="0"/>
-              <a:t>判例：</a:t>
+              <a:t>与手机摄像头的结合</a:t>
+            </a:r>
+            <a:endParaRPr lang="en-US" altLang="zh-CN" dirty="0" smtClean="0"/>
+          </a:p>
+          <a:p>
+            <a:r>
+              <a:rPr lang="zh-CN" altLang="en-US" dirty="0" smtClean="0"/>
+              <a:t>与移动互联网的结合</a:t>
+            </a:r>
+            <a:endParaRPr lang="en-US" altLang="zh-CN" dirty="0" smtClean="0"/>
+          </a:p>
+          <a:p>
+            <a:r>
+              <a:rPr lang="zh-CN" altLang="en-US" dirty="0"/>
+              <a:t>三维</a:t>
+            </a:r>
+            <a:r>
+              <a:rPr lang="zh-CN" altLang="en-US" dirty="0" smtClean="0"/>
+              <a:t>码？</a:t>
             </a:r>
             <a:endParaRPr lang="zh-CN" altLang="en-US" dirty="0"/>
           </a:p>
@@ -15015,13 +15103,20 @@
     </p:spTree>
     <p:extLst>
       <p:ext uri="{BB962C8B-B14F-4D97-AF65-F5344CB8AC3E}">
-        <p14:creationId xmlns:p14="http://schemas.microsoft.com/office/powerpoint/2010/main" val="1937228358"/>
+        <p14:creationId xmlns:p14="http://schemas.microsoft.com/office/powerpoint/2010/main" val="1022097622"/>
       </p:ext>
     </p:extLst>
   </p:cSld>
   <p:clrMapOvr>
     <a:masterClrMapping/>
   </p:clrMapOvr>
+  <p:timing>
+    <p:tnLst>
+      <p:par>
+        <p:cTn id="1" dur="indefinite" restart="never" nodeType="tmRoot"/>
+      </p:par>
+    </p:tnLst>
+  </p:timing>
 </p:sld>
 </file>
 
@@ -15059,7 +15154,7 @@
           <a:p>
             <a:r>
               <a:rPr lang="zh-CN" altLang="en-US" dirty="0" smtClean="0"/>
-              <a:t>发现需求：需求复用</a:t>
+              <a:t>发现需求：观察联想</a:t>
             </a:r>
             <a:endParaRPr lang="zh-CN" altLang="en-US" dirty="0"/>
           </a:p>
@@ -15077,93 +15172,100 @@
         </p:nvSpPr>
         <p:spPr>
           <a:xfrm>
-            <a:off x="514349" y="2063396"/>
-            <a:ext cx="7797663" cy="3311189"/>
+            <a:off x="514350" y="1843940"/>
+            <a:ext cx="8112815" cy="3615956"/>
           </a:xfrm>
         </p:spPr>
         <p:txBody>
-          <a:bodyPr/>
+          <a:bodyPr>
+            <a:normAutofit/>
+          </a:bodyPr>
           <a:lstStyle/>
           <a:p>
             <a:r>
               <a:rPr lang="zh-CN" altLang="en-US" dirty="0" smtClean="0"/>
-              <a:t>腾讯诉珊瑚虫</a:t>
-            </a:r>
-            <a:r>
-              <a:rPr lang="en-US" altLang="zh-CN" dirty="0" smtClean="0"/>
-              <a:t>QQ</a:t>
-            </a:r>
-            <a:r>
-              <a:rPr lang="zh-CN" altLang="en-US" dirty="0" smtClean="0"/>
-              <a:t>侵权案</a:t>
+              <a:t>淘宝？</a:t>
             </a:r>
             <a:endParaRPr lang="en-US" altLang="zh-CN" dirty="0" smtClean="0"/>
           </a:p>
           <a:p>
+            <a:pPr lvl="1"/>
+            <a:r>
+              <a:rPr lang="zh-CN" altLang="en-US" dirty="0" smtClean="0"/>
+              <a:t>买卖双方可以对对方作出评价</a:t>
+            </a:r>
             <a:r>
               <a:rPr lang="zh-CN" altLang="en-US" dirty="0"/>
-              <a:t>“珊瑚虫”</a:t>
-            </a:r>
-            <a:r>
-              <a:rPr lang="en-US" altLang="zh-CN" dirty="0"/>
-              <a:t>QQ</a:t>
-            </a:r>
+              <a:t>。</a:t>
+            </a:r>
+            <a:r>
+              <a:rPr lang="zh-CN" altLang="en-US" dirty="0" smtClean="0"/>
+              <a:t>但不能对二手物品作出评价。因为与淘宝相比，所交易的物品不具有可重复性，评价物品无意义</a:t>
+            </a:r>
+            <a:endParaRPr lang="en-US" altLang="zh-CN" dirty="0" smtClean="0"/>
+          </a:p>
+          <a:p>
+            <a:pPr lvl="1"/>
             <a:r>
               <a:rPr lang="zh-CN" altLang="en-US" dirty="0"/>
-              <a:t>对腾讯正版</a:t>
-            </a:r>
-            <a:r>
-              <a:rPr lang="en-US" altLang="zh-CN" dirty="0"/>
-              <a:t>QQ</a:t>
-            </a:r>
-            <a:r>
-              <a:rPr lang="zh-CN" altLang="en-US" dirty="0"/>
-              <a:t>进行了非法改动，并放置于互联网上供他人下载以获取巨额利益，严重侵犯了腾讯的著作权。</a:t>
-            </a:r>
-            <a:r>
-              <a:rPr lang="en-US" altLang="zh-CN" dirty="0"/>
-              <a:t>2008</a:t>
-            </a:r>
-            <a:r>
-              <a:rPr lang="zh-CN" altLang="en-US" dirty="0"/>
-              <a:t>年，腾迅以侵犯其软件著作权为由再次将“珊瑚虫”</a:t>
-            </a:r>
-            <a:r>
-              <a:rPr lang="en-US" altLang="zh-CN" dirty="0"/>
-              <a:t>QQ</a:t>
-            </a:r>
-            <a:r>
-              <a:rPr lang="zh-CN" altLang="en-US" dirty="0"/>
-              <a:t>原作者陈寿福告上</a:t>
-            </a:r>
-            <a:r>
-              <a:rPr lang="zh-CN" altLang="en-US" dirty="0" smtClean="0"/>
-              <a:t>法庭</a:t>
+              <a:t>圈子</a:t>
+            </a:r>
+            <a:r>
+              <a:rPr lang="zh-CN" altLang="en-US" dirty="0" smtClean="0"/>
+              <a:t>小，无需在线支付</a:t>
             </a:r>
             <a:endParaRPr lang="en-US" altLang="zh-CN" dirty="0" smtClean="0"/>
           </a:p>
           <a:p>
             <a:r>
               <a:rPr lang="zh-CN" altLang="en-US" dirty="0" smtClean="0"/>
-              <a:t>法院</a:t>
-            </a:r>
-            <a:r>
-              <a:rPr lang="zh-CN" altLang="en-US" dirty="0"/>
-              <a:t>判决：被告人陈寿福犯侵犯著作权罪，被判处有期徒刑３年，并处罚金１２０万元；对被告人陈寿福违法所得总计１１７．２８万元予以追缴。</a:t>
-            </a:r>
+              <a:t>报纸广告？</a:t>
+            </a:r>
+            <a:endParaRPr lang="en-US" altLang="zh-CN" dirty="0" smtClean="0"/>
+          </a:p>
+          <a:p>
+            <a:pPr lvl="1"/>
+            <a:r>
+              <a:rPr lang="zh-CN" altLang="en-US" dirty="0" smtClean="0"/>
+              <a:t>发布出售或求购信息的本质类似于报纸广告</a:t>
+            </a:r>
+            <a:endParaRPr lang="en-US" altLang="zh-CN" dirty="0" smtClean="0"/>
+          </a:p>
+          <a:p>
+            <a:pPr lvl="1"/>
+            <a:r>
+              <a:rPr lang="zh-CN" altLang="en-US" dirty="0" smtClean="0"/>
+              <a:t>但是可以手动更新或自动更新状态</a:t>
+            </a:r>
+            <a:endParaRPr lang="en-US" altLang="zh-CN" dirty="0" smtClean="0"/>
+          </a:p>
+          <a:p>
+            <a:pPr lvl="1"/>
+            <a:r>
+              <a:rPr lang="zh-CN" altLang="en-US" dirty="0" smtClean="0"/>
+              <a:t>通过预留联系方式或站内信与发布者沟通</a:t>
+            </a:r>
+            <a:endParaRPr lang="zh-CN" altLang="en-US" dirty="0"/>
           </a:p>
         </p:txBody>
       </p:sp>
     </p:spTree>
     <p:extLst>
       <p:ext uri="{BB962C8B-B14F-4D97-AF65-F5344CB8AC3E}">
-        <p14:creationId xmlns:p14="http://schemas.microsoft.com/office/powerpoint/2010/main" val="2172658663"/>
+        <p14:creationId xmlns:p14="http://schemas.microsoft.com/office/powerpoint/2010/main" val="1726782595"/>
       </p:ext>
     </p:extLst>
   </p:cSld>
   <p:clrMapOvr>
     <a:masterClrMapping/>
   </p:clrMapOvr>
+  <p:timing>
+    <p:tnLst>
+      <p:par>
+        <p:cTn id="1" dur="indefinite" restart="never" nodeType="tmRoot"/>
+      </p:par>
+    </p:tnLst>
+  </p:timing>
 </p:sld>
 </file>
 
@@ -15201,7 +15303,7 @@
           <a:p>
             <a:r>
               <a:rPr lang="zh-CN" altLang="en-US" dirty="0" smtClean="0"/>
-              <a:t>发现需求：需求复用</a:t>
+              <a:t>发现需求：组合</a:t>
             </a:r>
             <a:endParaRPr lang="zh-CN" altLang="en-US" dirty="0"/>
           </a:p>
@@ -15219,78 +15321,130 @@
         </p:nvSpPr>
         <p:spPr>
           <a:xfrm>
-            <a:off x="514349" y="2063396"/>
-            <a:ext cx="7797663" cy="3311189"/>
+            <a:off x="335445" y="1997135"/>
+            <a:ext cx="8155473" cy="3515769"/>
           </a:xfrm>
         </p:spPr>
         <p:txBody>
-          <a:bodyPr>
-            <a:normAutofit/>
-          </a:bodyPr>
+          <a:bodyPr/>
           <a:lstStyle/>
           <a:p>
             <a:r>
               <a:rPr lang="zh-CN" altLang="en-US" dirty="0" smtClean="0"/>
-              <a:t>我们复用的有：</a:t>
+              <a:t>如暖暖环游世界</a:t>
             </a:r>
             <a:endParaRPr lang="en-US" altLang="zh-CN" dirty="0" smtClean="0"/>
           </a:p>
           <a:p>
             <a:r>
+              <a:rPr lang="zh-CN" altLang="en-US" dirty="0" smtClean="0"/>
+              <a:t>爱美天性（刚需）</a:t>
+            </a:r>
+            <a:r>
               <a:rPr lang="en-US" altLang="zh-CN" dirty="0" smtClean="0"/>
-              <a:t>X</a:t>
-            </a:r>
-            <a:r>
-              <a:rPr lang="zh-CN" altLang="en-US" dirty="0" smtClean="0"/>
-              <a:t>乎：赞同回答</a:t>
+              <a:t>+</a:t>
+            </a:r>
+            <a:r>
+              <a:rPr lang="zh-CN" altLang="en-US" dirty="0" smtClean="0"/>
+              <a:t>全球旅行</a:t>
+            </a:r>
+            <a:r>
+              <a:rPr lang="en-US" altLang="zh-CN" dirty="0" smtClean="0"/>
+              <a:t>+</a:t>
+            </a:r>
+            <a:r>
+              <a:rPr lang="zh-CN" altLang="en-US" dirty="0" smtClean="0"/>
+              <a:t>生而移动</a:t>
+            </a:r>
+            <a:r>
+              <a:rPr lang="en-US" altLang="zh-CN" dirty="0" smtClean="0"/>
+              <a:t>+</a:t>
+            </a:r>
+            <a:r>
+              <a:rPr lang="zh-CN" altLang="en-US" dirty="0" smtClean="0"/>
+              <a:t>超多服饰</a:t>
+            </a:r>
+            <a:r>
+              <a:rPr lang="en-US" altLang="zh-CN" dirty="0" smtClean="0"/>
+              <a:t>=</a:t>
+            </a:r>
+            <a:r>
+              <a:rPr lang="zh-CN" altLang="en-US" dirty="0" smtClean="0"/>
+              <a:t>中国区付费榜</a:t>
+            </a:r>
+            <a:r>
+              <a:rPr lang="en-US" altLang="zh-CN" dirty="0" smtClean="0"/>
+              <a:t>TOP1</a:t>
+            </a:r>
+          </a:p>
+          <a:p>
+            <a:r>
+              <a:rPr lang="zh-CN" altLang="en-US" dirty="0"/>
+              <a:t>暖暖的开发团队主要由女性</a:t>
+            </a:r>
+            <a:r>
+              <a:rPr lang="zh-CN" altLang="en-US" dirty="0" smtClean="0"/>
+              <a:t>组成</a:t>
             </a:r>
             <a:endParaRPr lang="en-US" altLang="zh-CN" dirty="0" smtClean="0"/>
           </a:p>
           <a:p>
             <a:r>
-              <a:rPr lang="en-US" altLang="zh-CN" dirty="0" smtClean="0"/>
-              <a:t>X</a:t>
-            </a:r>
-            <a:r>
-              <a:rPr lang="zh-CN" altLang="en-US" dirty="0" smtClean="0"/>
-              <a:t>度知道：采纳最佳</a:t>
+              <a:rPr lang="zh-CN" altLang="en-US" dirty="0"/>
+              <a:t>操作简单，单线程独立</a:t>
+            </a:r>
+            <a:r>
+              <a:rPr lang="zh-CN" altLang="en-US" dirty="0" smtClean="0"/>
+              <a:t>任务</a:t>
             </a:r>
             <a:endParaRPr lang="en-US" altLang="zh-CN" dirty="0" smtClean="0"/>
           </a:p>
           <a:p>
             <a:r>
-              <a:rPr lang="en-US" altLang="zh-CN" dirty="0" smtClean="0"/>
-              <a:t>X</a:t>
-            </a:r>
-            <a:r>
-              <a:rPr lang="zh-CN" altLang="en-US" dirty="0" smtClean="0"/>
-              <a:t>宝：双方互评</a:t>
+              <a:rPr lang="zh-CN" altLang="en-US" dirty="0"/>
+              <a:t>暖暖在吸引了</a:t>
+            </a:r>
+            <a:r>
+              <a:rPr lang="zh-CN" altLang="en-US" dirty="0" smtClean="0"/>
+              <a:t>众多女性的</a:t>
+            </a:r>
+            <a:r>
+              <a:rPr lang="zh-CN" altLang="en-US" dirty="0"/>
+              <a:t>同时，也收获了一批热爱少女漫的宅男用户，挑战性的关卡和性感</a:t>
+            </a:r>
+            <a:r>
+              <a:rPr lang="zh-CN" altLang="en-US" dirty="0" smtClean="0"/>
+              <a:t>服装（也是刚需）的</a:t>
+            </a:r>
+            <a:r>
+              <a:rPr lang="zh-CN" altLang="en-US" dirty="0"/>
+              <a:t>提供</a:t>
+            </a:r>
+            <a:r>
+              <a:rPr lang="zh-CN" altLang="en-US" dirty="0" smtClean="0"/>
+              <a:t>功不可没</a:t>
             </a:r>
             <a:endParaRPr lang="en-US" altLang="zh-CN" dirty="0" smtClean="0"/>
-          </a:p>
-          <a:p>
-            <a:r>
-              <a:rPr lang="en-US" altLang="zh-CN" dirty="0" smtClean="0"/>
-              <a:t>X</a:t>
-            </a:r>
-            <a:r>
-              <a:rPr lang="zh-CN" altLang="en-US" dirty="0" smtClean="0"/>
-              <a:t>荆站：学校邮箱验证</a:t>
-            </a:r>
-            <a:endParaRPr lang="zh-CN" altLang="en-US" dirty="0"/>
           </a:p>
         </p:txBody>
       </p:sp>
     </p:spTree>
     <p:extLst>
       <p:ext uri="{BB962C8B-B14F-4D97-AF65-F5344CB8AC3E}">
-        <p14:creationId xmlns:p14="http://schemas.microsoft.com/office/powerpoint/2010/main" val="459957867"/>
+        <p14:creationId xmlns:p14="http://schemas.microsoft.com/office/powerpoint/2010/main" val="4152521188"/>
       </p:ext>
     </p:extLst>
   </p:cSld>
   <p:clrMapOvr>
     <a:masterClrMapping/>
   </p:clrMapOvr>
+  <p:timing>
+    <p:tnLst>
+      <p:par>
+        <p:cTn id="1" dur="indefinite" restart="never" nodeType="tmRoot"/>
+      </p:par>
+    </p:tnLst>
+  </p:timing>
 </p:sld>
 </file>
 
@@ -15328,7 +15482,7 @@
           <a:p>
             <a:r>
               <a:rPr lang="zh-CN" altLang="en-US" dirty="0" smtClean="0"/>
-              <a:t>舍弃需求</a:t>
+              <a:t>发现需求：组合</a:t>
             </a:r>
             <a:endParaRPr lang="zh-CN" altLang="en-US" dirty="0"/>
           </a:p>
@@ -15356,47 +15510,61 @@
           <a:p>
             <a:r>
               <a:rPr lang="zh-CN" altLang="en-US" dirty="0" smtClean="0"/>
-              <a:t>程序员的天性：理想主义</a:t>
-            </a:r>
-            <a:r>
-              <a:rPr lang="en-US" altLang="zh-CN" dirty="0" smtClean="0"/>
-              <a:t>——《</a:t>
-            </a:r>
-            <a:r>
-              <a:rPr lang="zh-CN" altLang="en-US" dirty="0" smtClean="0"/>
-              <a:t>人月神话</a:t>
-            </a:r>
-            <a:r>
-              <a:rPr lang="en-US" altLang="zh-CN" dirty="0" smtClean="0"/>
-              <a:t>》</a:t>
-            </a:r>
-          </a:p>
-          <a:p>
-            <a:r>
-              <a:rPr lang="zh-CN" altLang="en-US" dirty="0" smtClean="0"/>
-              <a:t>早期无限的野心、无穷庞大的项目范围为日后的失败埋下祸根</a:t>
+              <a:t>大学生喜欢浪，而且喜欢晒</a:t>
             </a:r>
             <a:endParaRPr lang="en-US" altLang="zh-CN" dirty="0" smtClean="0"/>
           </a:p>
           <a:p>
             <a:r>
-              <a:rPr lang="zh-CN" altLang="en-US" dirty="0" smtClean="0"/>
-              <a:t>舍弃看似有用的需求</a:t>
-            </a:r>
-            <a:endParaRPr lang="zh-CN" altLang="en-US" dirty="0"/>
+              <a:rPr lang="zh-CN" altLang="en-US" dirty="0"/>
+              <a:t>大学生想要知道如何浪性价比</a:t>
+            </a:r>
+            <a:r>
+              <a:rPr lang="zh-CN" altLang="en-US" dirty="0" smtClean="0"/>
+              <a:t>最高</a:t>
+            </a:r>
+            <a:endParaRPr lang="en-US" altLang="zh-CN" dirty="0" smtClean="0"/>
+          </a:p>
+          <a:p>
+            <a:r>
+              <a:rPr lang="zh-CN" altLang="en-US" dirty="0" smtClean="0"/>
+              <a:t>大学生愿意选择二手物品，从而省钱去浪</a:t>
+            </a:r>
+            <a:endParaRPr lang="en-US" altLang="zh-CN" dirty="0" smtClean="0"/>
+          </a:p>
+          <a:p>
+            <a:r>
+              <a:rPr lang="zh-CN" altLang="en-US" dirty="0" smtClean="0"/>
+              <a:t>大学生希望将闲置物品变现，好有钱去浪</a:t>
+            </a:r>
+            <a:endParaRPr lang="en-US" altLang="zh-CN" dirty="0" smtClean="0"/>
+          </a:p>
+          <a:p>
+            <a:r>
+              <a:rPr lang="zh-CN" altLang="en-US" dirty="0" smtClean="0"/>
+              <a:t>同校学生之间信任程度高</a:t>
+            </a:r>
+            <a:endParaRPr lang="en-US" altLang="zh-CN" dirty="0" smtClean="0"/>
           </a:p>
         </p:txBody>
       </p:sp>
     </p:spTree>
     <p:extLst>
       <p:ext uri="{BB962C8B-B14F-4D97-AF65-F5344CB8AC3E}">
-        <p14:creationId xmlns:p14="http://schemas.microsoft.com/office/powerpoint/2010/main" val="43098182"/>
+        <p14:creationId xmlns:p14="http://schemas.microsoft.com/office/powerpoint/2010/main" val="4254406778"/>
       </p:ext>
     </p:extLst>
   </p:cSld>
   <p:clrMapOvr>
     <a:masterClrMapping/>
   </p:clrMapOvr>
+  <p:timing>
+    <p:tnLst>
+      <p:par>
+        <p:cTn id="1" dur="indefinite" restart="never" nodeType="tmRoot"/>
+      </p:par>
+    </p:tnLst>
+  </p:timing>
 </p:sld>
 </file>
 
@@ -15434,6 +15602,508 @@
           <a:p>
             <a:r>
               <a:rPr lang="zh-CN" altLang="en-US" dirty="0" smtClean="0"/>
+              <a:t>发现需求：需求复用</a:t>
+            </a:r>
+            <a:endParaRPr lang="zh-CN" altLang="en-US" dirty="0"/>
+          </a:p>
+        </p:txBody>
+      </p:sp>
+      <p:sp>
+        <p:nvSpPr>
+          <p:cNvPr id="3" name="内容占位符 2"/>
+          <p:cNvSpPr>
+            <a:spLocks noGrp="1"/>
+          </p:cNvSpPr>
+          <p:nvPr>
+            <p:ph sz="quarter" idx="13"/>
+          </p:nvPr>
+        </p:nvSpPr>
+        <p:spPr>
+          <a:xfrm>
+            <a:off x="514349" y="2063396"/>
+            <a:ext cx="7797663" cy="3311189"/>
+          </a:xfrm>
+        </p:spPr>
+        <p:txBody>
+          <a:bodyPr/>
+          <a:lstStyle/>
+          <a:p>
+            <a:r>
+              <a:rPr lang="zh-CN" altLang="en-US" dirty="0"/>
+              <a:t>取其</a:t>
+            </a:r>
+            <a:r>
+              <a:rPr lang="zh-CN" altLang="en-US" dirty="0" smtClean="0"/>
+              <a:t>精华，去其糟粕</a:t>
+            </a:r>
+            <a:endParaRPr lang="en-US" altLang="zh-CN" dirty="0" smtClean="0"/>
+          </a:p>
+          <a:p>
+            <a:r>
+              <a:rPr lang="zh-CN" altLang="en-US" dirty="0" smtClean="0"/>
+              <a:t>法律意识</a:t>
+            </a:r>
+            <a:endParaRPr lang="en-US" altLang="zh-CN" dirty="0" smtClean="0"/>
+          </a:p>
+          <a:p>
+            <a:r>
+              <a:rPr lang="zh-CN" altLang="en-US" dirty="0" smtClean="0"/>
+              <a:t>判例：</a:t>
+            </a:r>
+            <a:endParaRPr lang="zh-CN" altLang="en-US" dirty="0"/>
+          </a:p>
+        </p:txBody>
+      </p:sp>
+    </p:spTree>
+    <p:extLst>
+      <p:ext uri="{BB962C8B-B14F-4D97-AF65-F5344CB8AC3E}">
+        <p14:creationId xmlns:p14="http://schemas.microsoft.com/office/powerpoint/2010/main" val="1937228358"/>
+      </p:ext>
+    </p:extLst>
+  </p:cSld>
+  <p:clrMapOvr>
+    <a:masterClrMapping/>
+  </p:clrMapOvr>
+  <p:timing>
+    <p:tnLst>
+      <p:par>
+        <p:cTn id="1" dur="indefinite" restart="never" nodeType="tmRoot"/>
+      </p:par>
+    </p:tnLst>
+  </p:timing>
+</p:sld>
+</file>
+
+<file path=ppt/slides/slide26.xml><?xml version="1.0" encoding="utf-8"?>
+<p:sld xmlns:a="http://schemas.openxmlformats.org/drawingml/2006/main" xmlns:r="http://schemas.openxmlformats.org/officeDocument/2006/relationships" xmlns:p="http://schemas.openxmlformats.org/presentationml/2006/main">
+  <p:cSld>
+    <p:spTree>
+      <p:nvGrpSpPr>
+        <p:cNvPr id="1" name=""/>
+        <p:cNvGrpSpPr/>
+        <p:nvPr/>
+      </p:nvGrpSpPr>
+      <p:grpSpPr>
+        <a:xfrm>
+          <a:off x="0" y="0"/>
+          <a:ext cx="0" cy="0"/>
+          <a:chOff x="0" y="0"/>
+          <a:chExt cx="0" cy="0"/>
+        </a:xfrm>
+      </p:grpSpPr>
+      <p:sp>
+        <p:nvSpPr>
+          <p:cNvPr id="2" name="标题 1"/>
+          <p:cNvSpPr>
+            <a:spLocks noGrp="1"/>
+          </p:cNvSpPr>
+          <p:nvPr>
+            <p:ph type="title"/>
+          </p:nvPr>
+        </p:nvSpPr>
+        <p:spPr/>
+        <p:txBody>
+          <a:bodyPr/>
+          <a:lstStyle/>
+          <a:p>
+            <a:r>
+              <a:rPr lang="zh-CN" altLang="en-US" dirty="0" smtClean="0"/>
+              <a:t>发现需求：需求复用</a:t>
+            </a:r>
+            <a:endParaRPr lang="zh-CN" altLang="en-US" dirty="0"/>
+          </a:p>
+        </p:txBody>
+      </p:sp>
+      <p:sp>
+        <p:nvSpPr>
+          <p:cNvPr id="3" name="内容占位符 2"/>
+          <p:cNvSpPr>
+            <a:spLocks noGrp="1"/>
+          </p:cNvSpPr>
+          <p:nvPr>
+            <p:ph sz="quarter" idx="13"/>
+          </p:nvPr>
+        </p:nvSpPr>
+        <p:spPr>
+          <a:xfrm>
+            <a:off x="514349" y="2063396"/>
+            <a:ext cx="7797663" cy="3311189"/>
+          </a:xfrm>
+        </p:spPr>
+        <p:txBody>
+          <a:bodyPr/>
+          <a:lstStyle/>
+          <a:p>
+            <a:r>
+              <a:rPr lang="zh-CN" altLang="en-US" dirty="0" smtClean="0"/>
+              <a:t>腾讯诉珊瑚虫</a:t>
+            </a:r>
+            <a:r>
+              <a:rPr lang="en-US" altLang="zh-CN" dirty="0" smtClean="0"/>
+              <a:t>QQ</a:t>
+            </a:r>
+            <a:r>
+              <a:rPr lang="zh-CN" altLang="en-US" dirty="0" smtClean="0"/>
+              <a:t>侵权案</a:t>
+            </a:r>
+            <a:endParaRPr lang="en-US" altLang="zh-CN" dirty="0" smtClean="0"/>
+          </a:p>
+          <a:p>
+            <a:r>
+              <a:rPr lang="zh-CN" altLang="en-US" dirty="0"/>
+              <a:t>“珊瑚虫”</a:t>
+            </a:r>
+            <a:r>
+              <a:rPr lang="en-US" altLang="zh-CN" dirty="0"/>
+              <a:t>QQ</a:t>
+            </a:r>
+            <a:r>
+              <a:rPr lang="zh-CN" altLang="en-US" dirty="0"/>
+              <a:t>对腾讯正版</a:t>
+            </a:r>
+            <a:r>
+              <a:rPr lang="en-US" altLang="zh-CN" dirty="0"/>
+              <a:t>QQ</a:t>
+            </a:r>
+            <a:r>
+              <a:rPr lang="zh-CN" altLang="en-US" dirty="0"/>
+              <a:t>进行了非法改动，并放置于互联网上供他人下载以获取巨额利益，严重侵犯了腾讯的著作权。</a:t>
+            </a:r>
+            <a:r>
+              <a:rPr lang="en-US" altLang="zh-CN" dirty="0"/>
+              <a:t>2008</a:t>
+            </a:r>
+            <a:r>
+              <a:rPr lang="zh-CN" altLang="en-US" dirty="0"/>
+              <a:t>年，腾迅以侵犯其软件著作权为由再次将“珊瑚虫”</a:t>
+            </a:r>
+            <a:r>
+              <a:rPr lang="en-US" altLang="zh-CN" dirty="0"/>
+              <a:t>QQ</a:t>
+            </a:r>
+            <a:r>
+              <a:rPr lang="zh-CN" altLang="en-US" dirty="0"/>
+              <a:t>原作者陈寿福告上</a:t>
+            </a:r>
+            <a:r>
+              <a:rPr lang="zh-CN" altLang="en-US" dirty="0" smtClean="0"/>
+              <a:t>法庭</a:t>
+            </a:r>
+            <a:endParaRPr lang="en-US" altLang="zh-CN" dirty="0" smtClean="0"/>
+          </a:p>
+          <a:p>
+            <a:r>
+              <a:rPr lang="zh-CN" altLang="en-US" dirty="0" smtClean="0"/>
+              <a:t>法院</a:t>
+            </a:r>
+            <a:r>
+              <a:rPr lang="zh-CN" altLang="en-US" dirty="0"/>
+              <a:t>判决：被告人陈寿福犯侵犯著作权罪，被判处有期徒刑３年，并处罚金１２０万元；对被告人陈寿福违法所得总计１１７．２８万元予以追缴。</a:t>
+            </a:r>
+          </a:p>
+        </p:txBody>
+      </p:sp>
+    </p:spTree>
+    <p:extLst>
+      <p:ext uri="{BB962C8B-B14F-4D97-AF65-F5344CB8AC3E}">
+        <p14:creationId xmlns:p14="http://schemas.microsoft.com/office/powerpoint/2010/main" val="2172658663"/>
+      </p:ext>
+    </p:extLst>
+  </p:cSld>
+  <p:clrMapOvr>
+    <a:masterClrMapping/>
+  </p:clrMapOvr>
+  <p:timing>
+    <p:tnLst>
+      <p:par>
+        <p:cTn id="1" dur="indefinite" restart="never" nodeType="tmRoot"/>
+      </p:par>
+    </p:tnLst>
+  </p:timing>
+</p:sld>
+</file>
+
+<file path=ppt/slides/slide27.xml><?xml version="1.0" encoding="utf-8"?>
+<p:sld xmlns:a="http://schemas.openxmlformats.org/drawingml/2006/main" xmlns:r="http://schemas.openxmlformats.org/officeDocument/2006/relationships" xmlns:p="http://schemas.openxmlformats.org/presentationml/2006/main">
+  <p:cSld>
+    <p:spTree>
+      <p:nvGrpSpPr>
+        <p:cNvPr id="1" name=""/>
+        <p:cNvGrpSpPr/>
+        <p:nvPr/>
+      </p:nvGrpSpPr>
+      <p:grpSpPr>
+        <a:xfrm>
+          <a:off x="0" y="0"/>
+          <a:ext cx="0" cy="0"/>
+          <a:chOff x="0" y="0"/>
+          <a:chExt cx="0" cy="0"/>
+        </a:xfrm>
+      </p:grpSpPr>
+      <p:sp>
+        <p:nvSpPr>
+          <p:cNvPr id="2" name="标题 1"/>
+          <p:cNvSpPr>
+            <a:spLocks noGrp="1"/>
+          </p:cNvSpPr>
+          <p:nvPr>
+            <p:ph type="title"/>
+          </p:nvPr>
+        </p:nvSpPr>
+        <p:spPr/>
+        <p:txBody>
+          <a:bodyPr/>
+          <a:lstStyle/>
+          <a:p>
+            <a:r>
+              <a:rPr lang="zh-CN" altLang="en-US" dirty="0" smtClean="0"/>
+              <a:t>发现需求：需求复用</a:t>
+            </a:r>
+            <a:endParaRPr lang="zh-CN" altLang="en-US" dirty="0"/>
+          </a:p>
+        </p:txBody>
+      </p:sp>
+      <p:sp>
+        <p:nvSpPr>
+          <p:cNvPr id="3" name="内容占位符 2"/>
+          <p:cNvSpPr>
+            <a:spLocks noGrp="1"/>
+          </p:cNvSpPr>
+          <p:nvPr>
+            <p:ph sz="quarter" idx="13"/>
+          </p:nvPr>
+        </p:nvSpPr>
+        <p:spPr>
+          <a:xfrm>
+            <a:off x="514349" y="2063396"/>
+            <a:ext cx="7797663" cy="3311189"/>
+          </a:xfrm>
+        </p:spPr>
+        <p:txBody>
+          <a:bodyPr>
+            <a:normAutofit/>
+          </a:bodyPr>
+          <a:lstStyle/>
+          <a:p>
+            <a:r>
+              <a:rPr lang="zh-CN" altLang="en-US" dirty="0" smtClean="0"/>
+              <a:t>我们复用的有：</a:t>
+            </a:r>
+            <a:endParaRPr lang="en-US" altLang="zh-CN" dirty="0" smtClean="0"/>
+          </a:p>
+          <a:p>
+            <a:r>
+              <a:rPr lang="en-US" altLang="zh-CN" dirty="0" smtClean="0"/>
+              <a:t>X</a:t>
+            </a:r>
+            <a:r>
+              <a:rPr lang="zh-CN" altLang="en-US" dirty="0" smtClean="0"/>
+              <a:t>乎：赞同回答</a:t>
+            </a:r>
+            <a:endParaRPr lang="en-US" altLang="zh-CN" dirty="0" smtClean="0"/>
+          </a:p>
+          <a:p>
+            <a:r>
+              <a:rPr lang="en-US" altLang="zh-CN" dirty="0" smtClean="0"/>
+              <a:t>X</a:t>
+            </a:r>
+            <a:r>
+              <a:rPr lang="zh-CN" altLang="en-US" dirty="0" smtClean="0"/>
+              <a:t>度知道：采纳最佳</a:t>
+            </a:r>
+            <a:endParaRPr lang="en-US" altLang="zh-CN" dirty="0" smtClean="0"/>
+          </a:p>
+          <a:p>
+            <a:r>
+              <a:rPr lang="en-US" altLang="zh-CN" dirty="0" smtClean="0"/>
+              <a:t>X</a:t>
+            </a:r>
+            <a:r>
+              <a:rPr lang="zh-CN" altLang="en-US" dirty="0" smtClean="0"/>
+              <a:t>宝：双方互评</a:t>
+            </a:r>
+            <a:endParaRPr lang="en-US" altLang="zh-CN" dirty="0" smtClean="0"/>
+          </a:p>
+          <a:p>
+            <a:r>
+              <a:rPr lang="en-US" altLang="zh-CN" dirty="0" smtClean="0"/>
+              <a:t>X</a:t>
+            </a:r>
+            <a:r>
+              <a:rPr lang="zh-CN" altLang="en-US" dirty="0" smtClean="0"/>
+              <a:t>荆站：学校邮箱验证</a:t>
+            </a:r>
+            <a:endParaRPr lang="zh-CN" altLang="en-US" dirty="0"/>
+          </a:p>
+        </p:txBody>
+      </p:sp>
+    </p:spTree>
+    <p:extLst>
+      <p:ext uri="{BB962C8B-B14F-4D97-AF65-F5344CB8AC3E}">
+        <p14:creationId xmlns:p14="http://schemas.microsoft.com/office/powerpoint/2010/main" val="459957867"/>
+      </p:ext>
+    </p:extLst>
+  </p:cSld>
+  <p:clrMapOvr>
+    <a:masterClrMapping/>
+  </p:clrMapOvr>
+  <p:timing>
+    <p:tnLst>
+      <p:par>
+        <p:cTn id="1" dur="indefinite" restart="never" nodeType="tmRoot"/>
+      </p:par>
+    </p:tnLst>
+  </p:timing>
+</p:sld>
+</file>
+
+<file path=ppt/slides/slide28.xml><?xml version="1.0" encoding="utf-8"?>
+<p:sld xmlns:a="http://schemas.openxmlformats.org/drawingml/2006/main" xmlns:r="http://schemas.openxmlformats.org/officeDocument/2006/relationships" xmlns:p="http://schemas.openxmlformats.org/presentationml/2006/main">
+  <p:cSld>
+    <p:spTree>
+      <p:nvGrpSpPr>
+        <p:cNvPr id="1" name=""/>
+        <p:cNvGrpSpPr/>
+        <p:nvPr/>
+      </p:nvGrpSpPr>
+      <p:grpSpPr>
+        <a:xfrm>
+          <a:off x="0" y="0"/>
+          <a:ext cx="0" cy="0"/>
+          <a:chOff x="0" y="0"/>
+          <a:chExt cx="0" cy="0"/>
+        </a:xfrm>
+      </p:grpSpPr>
+      <p:sp>
+        <p:nvSpPr>
+          <p:cNvPr id="2" name="标题 1"/>
+          <p:cNvSpPr>
+            <a:spLocks noGrp="1"/>
+          </p:cNvSpPr>
+          <p:nvPr>
+            <p:ph type="title"/>
+          </p:nvPr>
+        </p:nvSpPr>
+        <p:spPr/>
+        <p:txBody>
+          <a:bodyPr/>
+          <a:lstStyle/>
+          <a:p>
+            <a:r>
+              <a:rPr lang="zh-CN" altLang="en-US" dirty="0" smtClean="0"/>
+              <a:t>舍弃需求</a:t>
+            </a:r>
+            <a:endParaRPr lang="zh-CN" altLang="en-US" dirty="0"/>
+          </a:p>
+        </p:txBody>
+      </p:sp>
+      <p:sp>
+        <p:nvSpPr>
+          <p:cNvPr id="3" name="内容占位符 2"/>
+          <p:cNvSpPr>
+            <a:spLocks noGrp="1"/>
+          </p:cNvSpPr>
+          <p:nvPr>
+            <p:ph sz="quarter" idx="13"/>
+          </p:nvPr>
+        </p:nvSpPr>
+        <p:spPr>
+          <a:xfrm>
+            <a:off x="514349" y="2063396"/>
+            <a:ext cx="7797663" cy="3311189"/>
+          </a:xfrm>
+        </p:spPr>
+        <p:txBody>
+          <a:bodyPr/>
+          <a:lstStyle/>
+          <a:p>
+            <a:r>
+              <a:rPr lang="zh-CN" altLang="en-US" dirty="0" smtClean="0"/>
+              <a:t>程序员的天性：理想主义</a:t>
+            </a:r>
+            <a:r>
+              <a:rPr lang="en-US" altLang="zh-CN" dirty="0" smtClean="0"/>
+              <a:t>——《</a:t>
+            </a:r>
+            <a:r>
+              <a:rPr lang="zh-CN" altLang="en-US" dirty="0" smtClean="0"/>
+              <a:t>人月神话</a:t>
+            </a:r>
+            <a:r>
+              <a:rPr lang="en-US" altLang="zh-CN" dirty="0" smtClean="0"/>
+              <a:t>》</a:t>
+            </a:r>
+          </a:p>
+          <a:p>
+            <a:r>
+              <a:rPr lang="zh-CN" altLang="en-US" dirty="0" smtClean="0"/>
+              <a:t>早期无限的野心、无穷庞大的项目范围为日后的失败埋下祸根</a:t>
+            </a:r>
+            <a:endParaRPr lang="en-US" altLang="zh-CN" dirty="0" smtClean="0"/>
+          </a:p>
+          <a:p>
+            <a:r>
+              <a:rPr lang="zh-CN" altLang="en-US" dirty="0" smtClean="0"/>
+              <a:t>舍弃看似有用的需求</a:t>
+            </a:r>
+            <a:endParaRPr lang="zh-CN" altLang="en-US" dirty="0"/>
+          </a:p>
+        </p:txBody>
+      </p:sp>
+    </p:spTree>
+    <p:extLst>
+      <p:ext uri="{BB962C8B-B14F-4D97-AF65-F5344CB8AC3E}">
+        <p14:creationId xmlns:p14="http://schemas.microsoft.com/office/powerpoint/2010/main" val="43098182"/>
+      </p:ext>
+    </p:extLst>
+  </p:cSld>
+  <p:clrMapOvr>
+    <a:masterClrMapping/>
+  </p:clrMapOvr>
+  <p:timing>
+    <p:tnLst>
+      <p:par>
+        <p:cTn id="1" dur="indefinite" restart="never" nodeType="tmRoot"/>
+      </p:par>
+    </p:tnLst>
+  </p:timing>
+</p:sld>
+</file>
+
+<file path=ppt/slides/slide29.xml><?xml version="1.0" encoding="utf-8"?>
+<p:sld xmlns:a="http://schemas.openxmlformats.org/drawingml/2006/main" xmlns:r="http://schemas.openxmlformats.org/officeDocument/2006/relationships" xmlns:p="http://schemas.openxmlformats.org/presentationml/2006/main">
+  <p:cSld>
+    <p:spTree>
+      <p:nvGrpSpPr>
+        <p:cNvPr id="1" name=""/>
+        <p:cNvGrpSpPr/>
+        <p:nvPr/>
+      </p:nvGrpSpPr>
+      <p:grpSpPr>
+        <a:xfrm>
+          <a:off x="0" y="0"/>
+          <a:ext cx="0" cy="0"/>
+          <a:chOff x="0" y="0"/>
+          <a:chExt cx="0" cy="0"/>
+        </a:xfrm>
+      </p:grpSpPr>
+      <p:sp>
+        <p:nvSpPr>
+          <p:cNvPr id="2" name="标题 1"/>
+          <p:cNvSpPr>
+            <a:spLocks noGrp="1"/>
+          </p:cNvSpPr>
+          <p:nvPr>
+            <p:ph type="title"/>
+          </p:nvPr>
+        </p:nvSpPr>
+        <p:spPr/>
+        <p:txBody>
+          <a:bodyPr/>
+          <a:lstStyle/>
+          <a:p>
+            <a:r>
+              <a:rPr lang="zh-CN" altLang="en-US" dirty="0" smtClean="0"/>
               <a:t>舍弃需求：避免理想主义</a:t>
             </a:r>
             <a:endParaRPr lang="zh-CN" altLang="en-US" dirty="0"/>
@@ -15514,486 +16184,13 @@
   <p:clrMapOvr>
     <a:masterClrMapping/>
   </p:clrMapOvr>
-</p:sld>
-</file>
-
-<file path=ppt/slides/slide26.xml><?xml version="1.0" encoding="utf-8"?>
-<p:sld xmlns:a="http://schemas.openxmlformats.org/drawingml/2006/main" xmlns:r="http://schemas.openxmlformats.org/officeDocument/2006/relationships" xmlns:p="http://schemas.openxmlformats.org/presentationml/2006/main">
-  <p:cSld>
-    <p:spTree>
-      <p:nvGrpSpPr>
-        <p:cNvPr id="1" name=""/>
-        <p:cNvGrpSpPr/>
-        <p:nvPr/>
-      </p:nvGrpSpPr>
-      <p:grpSpPr>
-        <a:xfrm>
-          <a:off x="0" y="0"/>
-          <a:ext cx="0" cy="0"/>
-          <a:chOff x="0" y="0"/>
-          <a:chExt cx="0" cy="0"/>
-        </a:xfrm>
-      </p:grpSpPr>
-      <p:sp>
-        <p:nvSpPr>
-          <p:cNvPr id="2" name="标题 1"/>
-          <p:cNvSpPr>
-            <a:spLocks noGrp="1"/>
-          </p:cNvSpPr>
-          <p:nvPr>
-            <p:ph type="title"/>
-          </p:nvPr>
-        </p:nvSpPr>
-        <p:spPr/>
-        <p:txBody>
-          <a:bodyPr/>
-          <a:lstStyle/>
-          <a:p>
-            <a:r>
-              <a:rPr lang="zh-CN" altLang="en-US" dirty="0" smtClean="0"/>
-              <a:t>舍弃需求：看似有用的需求</a:t>
-            </a:r>
-            <a:endParaRPr lang="zh-CN" altLang="en-US" dirty="0"/>
-          </a:p>
-        </p:txBody>
-      </p:sp>
-      <p:sp>
-        <p:nvSpPr>
-          <p:cNvPr id="3" name="内容占位符 2"/>
-          <p:cNvSpPr>
-            <a:spLocks noGrp="1"/>
-          </p:cNvSpPr>
-          <p:nvPr>
-            <p:ph sz="quarter" idx="13"/>
-          </p:nvPr>
-        </p:nvSpPr>
-        <p:spPr>
-          <a:xfrm>
-            <a:off x="514349" y="2063396"/>
-            <a:ext cx="7797663" cy="3311189"/>
-          </a:xfrm>
-        </p:spPr>
-        <p:txBody>
-          <a:bodyPr/>
-          <a:lstStyle/>
-          <a:p>
-            <a:r>
-              <a:rPr lang="zh-CN" altLang="en-US" dirty="0" smtClean="0"/>
-              <a:t>美</a:t>
-            </a:r>
-            <a:r>
-              <a:rPr lang="zh-CN" altLang="en-US" dirty="0"/>
-              <a:t>团外</a:t>
-            </a:r>
-            <a:r>
-              <a:rPr lang="zh-CN" altLang="en-US" dirty="0" smtClean="0"/>
-              <a:t>卖：内置几款游戏供用户打发时间？</a:t>
-            </a:r>
-            <a:endParaRPr lang="en-US" altLang="zh-CN" dirty="0" smtClean="0"/>
-          </a:p>
-          <a:p>
-            <a:r>
-              <a:rPr lang="zh-CN" altLang="en-US" dirty="0" smtClean="0"/>
-              <a:t>课程格子：内置美团外卖，供学生订餐？</a:t>
-            </a:r>
-            <a:endParaRPr lang="en-US" altLang="zh-CN" dirty="0" smtClean="0"/>
-          </a:p>
-          <a:p>
-            <a:r>
-              <a:rPr lang="zh-CN" altLang="en-US" dirty="0"/>
-              <a:t>人人</a:t>
-            </a:r>
-            <a:r>
-              <a:rPr lang="zh-CN" altLang="en-US" dirty="0" smtClean="0"/>
-              <a:t>网：内置课程格子，供学生评价课程？</a:t>
-            </a:r>
-            <a:endParaRPr lang="en-US" altLang="zh-CN" dirty="0" smtClean="0"/>
-          </a:p>
-          <a:p>
-            <a:r>
-              <a:rPr lang="zh-CN" altLang="en-US" dirty="0" smtClean="0"/>
-              <a:t>地球</a:t>
-            </a:r>
-            <a:r>
-              <a:rPr lang="en-US" altLang="zh-CN" dirty="0" smtClean="0"/>
-              <a:t>online</a:t>
-            </a:r>
-            <a:r>
-              <a:rPr lang="zh-CN" altLang="en-US" dirty="0" smtClean="0"/>
-              <a:t>：内置人人网、</a:t>
-            </a:r>
-            <a:r>
-              <a:rPr lang="en-US" altLang="zh-CN" dirty="0" smtClean="0"/>
-              <a:t>12306</a:t>
-            </a:r>
-            <a:r>
-              <a:rPr lang="zh-CN" altLang="en-US" dirty="0" smtClean="0"/>
-              <a:t>、淘宝、打车、携程、地图、</a:t>
-            </a:r>
-            <a:r>
-              <a:rPr lang="en-US" altLang="zh-CN" dirty="0" smtClean="0"/>
-              <a:t>TSS</a:t>
-            </a:r>
-            <a:r>
-              <a:rPr lang="zh-CN" altLang="en-US" dirty="0" smtClean="0"/>
-              <a:t>？</a:t>
-            </a:r>
-            <a:endParaRPr lang="zh-CN" altLang="en-US" dirty="0"/>
-          </a:p>
-        </p:txBody>
-      </p:sp>
-    </p:spTree>
-    <p:extLst>
-      <p:ext uri="{BB962C8B-B14F-4D97-AF65-F5344CB8AC3E}">
-        <p14:creationId xmlns:p14="http://schemas.microsoft.com/office/powerpoint/2010/main" val="3605591495"/>
-      </p:ext>
-    </p:extLst>
-  </p:cSld>
-  <p:clrMapOvr>
-    <a:masterClrMapping/>
-  </p:clrMapOvr>
-</p:sld>
-</file>
-
-<file path=ppt/slides/slide27.xml><?xml version="1.0" encoding="utf-8"?>
-<p:sld xmlns:a="http://schemas.openxmlformats.org/drawingml/2006/main" xmlns:r="http://schemas.openxmlformats.org/officeDocument/2006/relationships" xmlns:p="http://schemas.openxmlformats.org/presentationml/2006/main">
-  <p:cSld>
-    <p:spTree>
-      <p:nvGrpSpPr>
-        <p:cNvPr id="1" name=""/>
-        <p:cNvGrpSpPr/>
-        <p:nvPr/>
-      </p:nvGrpSpPr>
-      <p:grpSpPr>
-        <a:xfrm>
-          <a:off x="0" y="0"/>
-          <a:ext cx="0" cy="0"/>
-          <a:chOff x="0" y="0"/>
-          <a:chExt cx="0" cy="0"/>
-        </a:xfrm>
-      </p:grpSpPr>
-      <p:sp>
-        <p:nvSpPr>
-          <p:cNvPr id="2" name="标题 1"/>
-          <p:cNvSpPr>
-            <a:spLocks noGrp="1"/>
-          </p:cNvSpPr>
-          <p:nvPr>
-            <p:ph type="title"/>
-          </p:nvPr>
-        </p:nvSpPr>
-        <p:spPr/>
-        <p:txBody>
-          <a:bodyPr/>
-          <a:lstStyle/>
-          <a:p>
-            <a:r>
-              <a:rPr lang="zh-CN" altLang="en-US" dirty="0" smtClean="0"/>
-              <a:t>舍弃需求：我们舍弃的需求</a:t>
-            </a:r>
-            <a:endParaRPr lang="zh-CN" altLang="en-US" dirty="0"/>
-          </a:p>
-        </p:txBody>
-      </p:sp>
-      <p:sp>
-        <p:nvSpPr>
-          <p:cNvPr id="3" name="内容占位符 2"/>
-          <p:cNvSpPr>
-            <a:spLocks noGrp="1"/>
-          </p:cNvSpPr>
-          <p:nvPr>
-            <p:ph sz="quarter" idx="13"/>
-          </p:nvPr>
-        </p:nvSpPr>
-        <p:spPr>
-          <a:xfrm>
-            <a:off x="514350" y="1843940"/>
-            <a:ext cx="7797663" cy="3754308"/>
-          </a:xfrm>
-        </p:spPr>
-        <p:txBody>
-          <a:bodyPr>
-            <a:normAutofit/>
-          </a:bodyPr>
-          <a:lstStyle/>
-          <a:p>
-            <a:r>
-              <a:rPr lang="zh-CN" altLang="zh-CN" dirty="0"/>
-              <a:t>需要一个类似阿里旺旺的聊天系统，可以显示卖家是不是在线，这样买家可以实时交流</a:t>
-            </a:r>
-            <a:r>
-              <a:rPr lang="zh-CN" altLang="zh-CN" dirty="0" smtClean="0"/>
-              <a:t>。</a:t>
-            </a:r>
-            <a:endParaRPr lang="en-US" altLang="zh-CN" dirty="0" smtClean="0"/>
-          </a:p>
-          <a:p>
-            <a:r>
-              <a:rPr lang="zh-CN" altLang="zh-CN" dirty="0"/>
-              <a:t>论坛的活跃用户、</a:t>
-            </a:r>
-            <a:r>
-              <a:rPr lang="zh-CN" altLang="zh-CN" dirty="0" smtClean="0"/>
-              <a:t>多</a:t>
-            </a:r>
-            <a:r>
-              <a:rPr lang="zh-CN" altLang="en-US" dirty="0"/>
-              <a:t>赞</a:t>
-            </a:r>
-            <a:r>
-              <a:rPr lang="zh-CN" altLang="zh-CN" dirty="0" smtClean="0"/>
-              <a:t>的</a:t>
-            </a:r>
-            <a:r>
-              <a:rPr lang="zh-CN" altLang="zh-CN" dirty="0"/>
-              <a:t>用户可以按比奖励一定的积分，积分可以按某种比例对要买的商品进行</a:t>
-            </a:r>
-            <a:r>
-              <a:rPr lang="zh-CN" altLang="zh-CN" dirty="0" smtClean="0"/>
-              <a:t>优惠。</a:t>
-            </a:r>
-            <a:endParaRPr lang="en-US" altLang="zh-CN" dirty="0"/>
-          </a:p>
-          <a:p>
-            <a:r>
-              <a:rPr lang="zh-CN" altLang="zh-CN" dirty="0" smtClean="0"/>
-              <a:t>用户可以给论坛中的优秀的帖子投币。虚拟</a:t>
-            </a:r>
-            <a:r>
-              <a:rPr lang="zh-CN" altLang="zh-CN" dirty="0" smtClean="0"/>
-              <a:t>币可以</a:t>
-            </a:r>
-            <a:r>
-              <a:rPr lang="zh-CN" altLang="zh-CN" dirty="0"/>
-              <a:t>用于让自己的商品置顶、高亮</a:t>
-            </a:r>
-            <a:r>
-              <a:rPr lang="zh-CN" altLang="zh-CN" dirty="0" smtClean="0"/>
-              <a:t>。</a:t>
-            </a:r>
-            <a:endParaRPr lang="en-US" altLang="zh-CN" dirty="0" smtClean="0"/>
-          </a:p>
-          <a:p>
-            <a:pPr algn="r"/>
-            <a:r>
-              <a:rPr lang="zh-CN" altLang="en-US" dirty="0" smtClean="0"/>
-              <a:t>摘自</a:t>
-            </a:r>
-            <a:r>
-              <a:rPr lang="en-US" altLang="zh-CN" dirty="0" smtClean="0"/>
-              <a:t>《</a:t>
-            </a:r>
-            <a:r>
-              <a:rPr lang="zh-CN" altLang="en-US" dirty="0" smtClean="0"/>
-              <a:t>头脑风暴活动记录</a:t>
-            </a:r>
-            <a:r>
-              <a:rPr lang="en-US" altLang="zh-CN" dirty="0" smtClean="0"/>
-              <a:t>》</a:t>
-            </a:r>
-            <a:endParaRPr lang="zh-CN" altLang="en-US" dirty="0"/>
-          </a:p>
-        </p:txBody>
-      </p:sp>
-    </p:spTree>
-    <p:extLst>
-      <p:ext uri="{BB962C8B-B14F-4D97-AF65-F5344CB8AC3E}">
-        <p14:creationId xmlns:p14="http://schemas.microsoft.com/office/powerpoint/2010/main" val="793418557"/>
-      </p:ext>
-    </p:extLst>
-  </p:cSld>
-  <p:clrMapOvr>
-    <a:masterClrMapping/>
-  </p:clrMapOvr>
-</p:sld>
-</file>
-
-<file path=ppt/slides/slide28.xml><?xml version="1.0" encoding="utf-8"?>
-<p:sld xmlns:a="http://schemas.openxmlformats.org/drawingml/2006/main" xmlns:r="http://schemas.openxmlformats.org/officeDocument/2006/relationships" xmlns:p="http://schemas.openxmlformats.org/presentationml/2006/main">
-  <p:cSld>
-    <p:spTree>
-      <p:nvGrpSpPr>
-        <p:cNvPr id="1" name=""/>
-        <p:cNvGrpSpPr/>
-        <p:nvPr/>
-      </p:nvGrpSpPr>
-      <p:grpSpPr>
-        <a:xfrm>
-          <a:off x="0" y="0"/>
-          <a:ext cx="0" cy="0"/>
-          <a:chOff x="0" y="0"/>
-          <a:chExt cx="0" cy="0"/>
-        </a:xfrm>
-      </p:grpSpPr>
-      <p:sp>
-        <p:nvSpPr>
-          <p:cNvPr id="2" name="标题 1"/>
-          <p:cNvSpPr>
-            <a:spLocks noGrp="1"/>
-          </p:cNvSpPr>
-          <p:nvPr>
-            <p:ph type="title"/>
-          </p:nvPr>
-        </p:nvSpPr>
-        <p:spPr/>
-        <p:txBody>
-          <a:bodyPr/>
-          <a:lstStyle/>
-          <a:p>
-            <a:r>
-              <a:rPr lang="zh-CN" altLang="en-US" dirty="0" smtClean="0"/>
-              <a:t>原型</a:t>
-            </a:r>
-            <a:endParaRPr lang="zh-CN" altLang="en-US" dirty="0"/>
-          </a:p>
-        </p:txBody>
-      </p:sp>
-      <p:sp>
-        <p:nvSpPr>
-          <p:cNvPr id="3" name="内容占位符 2"/>
-          <p:cNvSpPr>
-            <a:spLocks noGrp="1"/>
-          </p:cNvSpPr>
-          <p:nvPr>
-            <p:ph sz="quarter" idx="13"/>
-          </p:nvPr>
-        </p:nvSpPr>
-        <p:spPr>
-          <a:xfrm>
-            <a:off x="514349" y="2063396"/>
-            <a:ext cx="7797663" cy="3311189"/>
-          </a:xfrm>
-        </p:spPr>
-        <p:txBody>
-          <a:bodyPr/>
-          <a:lstStyle/>
-          <a:p>
-            <a:endParaRPr lang="zh-CN" altLang="en-US" dirty="0"/>
-          </a:p>
-        </p:txBody>
-      </p:sp>
-    </p:spTree>
-    <p:extLst>
-      <p:ext uri="{BB962C8B-B14F-4D97-AF65-F5344CB8AC3E}">
-        <p14:creationId xmlns:p14="http://schemas.microsoft.com/office/powerpoint/2010/main" val="2073976834"/>
-      </p:ext>
-    </p:extLst>
-  </p:cSld>
-  <p:clrMapOvr>
-    <a:masterClrMapping/>
-  </p:clrMapOvr>
-</p:sld>
-</file>
-
-<file path=ppt/slides/slide29.xml><?xml version="1.0" encoding="utf-8"?>
-<p:sld xmlns:a="http://schemas.openxmlformats.org/drawingml/2006/main" xmlns:r="http://schemas.openxmlformats.org/officeDocument/2006/relationships" xmlns:p="http://schemas.openxmlformats.org/presentationml/2006/main">
-  <p:cSld>
-    <p:spTree>
-      <p:nvGrpSpPr>
-        <p:cNvPr id="1" name=""/>
-        <p:cNvGrpSpPr/>
-        <p:nvPr/>
-      </p:nvGrpSpPr>
-      <p:grpSpPr>
-        <a:xfrm>
-          <a:off x="0" y="0"/>
-          <a:ext cx="0" cy="0"/>
-          <a:chOff x="0" y="0"/>
-          <a:chExt cx="0" cy="0"/>
-        </a:xfrm>
-      </p:grpSpPr>
-      <p:sp>
-        <p:nvSpPr>
-          <p:cNvPr id="2" name="标题 1"/>
-          <p:cNvSpPr>
-            <a:spLocks noGrp="1"/>
-          </p:cNvSpPr>
-          <p:nvPr>
-            <p:ph type="title"/>
-          </p:nvPr>
-        </p:nvSpPr>
-        <p:spPr/>
-        <p:txBody>
-          <a:bodyPr/>
-          <a:lstStyle/>
-          <a:p>
-            <a:r>
-              <a:rPr lang="zh-CN" altLang="en-US" dirty="0" smtClean="0"/>
-              <a:t>分析模型</a:t>
-            </a:r>
-            <a:endParaRPr lang="zh-CN" altLang="en-US" dirty="0"/>
-          </a:p>
-        </p:txBody>
-      </p:sp>
-      <p:sp>
-        <p:nvSpPr>
-          <p:cNvPr id="3" name="内容占位符 2"/>
-          <p:cNvSpPr>
-            <a:spLocks noGrp="1"/>
-          </p:cNvSpPr>
-          <p:nvPr>
-            <p:ph sz="quarter" idx="13"/>
-          </p:nvPr>
-        </p:nvSpPr>
-        <p:spPr/>
-        <p:txBody>
-          <a:bodyPr/>
-          <a:lstStyle/>
-          <a:p>
-            <a:r>
-              <a:rPr lang="zh-CN" altLang="en-US" dirty="0" smtClean="0"/>
-              <a:t>形式化</a:t>
-            </a:r>
-            <a:endParaRPr lang="en-US" altLang="zh-CN" dirty="0" smtClean="0"/>
-          </a:p>
-          <a:p>
-            <a:r>
-              <a:rPr lang="zh-CN" altLang="en-US" dirty="0"/>
-              <a:t>消除</a:t>
-            </a:r>
-            <a:r>
-              <a:rPr lang="zh-CN" altLang="en-US" dirty="0" smtClean="0"/>
-              <a:t>歧义</a:t>
-            </a:r>
-            <a:endParaRPr lang="en-US" altLang="zh-CN" dirty="0" smtClean="0"/>
-          </a:p>
-          <a:p>
-            <a:r>
-              <a:rPr lang="zh-CN" altLang="en-US" dirty="0"/>
-              <a:t>统一认识</a:t>
-            </a:r>
-          </a:p>
-        </p:txBody>
-      </p:sp>
-      <p:sp>
-        <p:nvSpPr>
-          <p:cNvPr id="4" name="内容占位符 3"/>
-          <p:cNvSpPr>
-            <a:spLocks noGrp="1"/>
-          </p:cNvSpPr>
-          <p:nvPr>
-            <p:ph sz="quarter" idx="14"/>
-          </p:nvPr>
-        </p:nvSpPr>
-        <p:spPr/>
-        <p:txBody>
-          <a:bodyPr/>
-          <a:lstStyle/>
-          <a:p>
-            <a:endParaRPr lang="zh-CN" altLang="en-US"/>
-          </a:p>
-        </p:txBody>
-      </p:sp>
-    </p:spTree>
-    <p:extLst>
-      <p:ext uri="{BB962C8B-B14F-4D97-AF65-F5344CB8AC3E}">
-        <p14:creationId xmlns:p14="http://schemas.microsoft.com/office/powerpoint/2010/main" val="1600328185"/>
-      </p:ext>
-    </p:extLst>
-  </p:cSld>
-  <p:clrMapOvr>
-    <a:masterClrMapping/>
-  </p:clrMapOvr>
+  <p:timing>
+    <p:tnLst>
+      <p:par>
+        <p:cTn id="1" dur="indefinite" restart="never" nodeType="tmRoot"/>
+      </p:par>
+    </p:tnLst>
+  </p:timing>
 </p:sld>
 </file>
 
@@ -16191,7 +16388,7 @@
           <a:p>
             <a:r>
               <a:rPr lang="zh-CN" altLang="en-US" dirty="0" smtClean="0"/>
-              <a:t>难点</a:t>
+              <a:t>舍弃需求：看似有用的需求</a:t>
             </a:r>
             <a:endParaRPr lang="zh-CN" altLang="en-US" dirty="0"/>
           </a:p>
@@ -16209,93 +16406,96 @@
         </p:nvSpPr>
         <p:spPr>
           <a:xfrm>
-            <a:off x="514351" y="1843940"/>
-            <a:ext cx="7797663" cy="3748477"/>
+            <a:off x="514349" y="2063396"/>
+            <a:ext cx="7797663" cy="3311189"/>
           </a:xfrm>
         </p:spPr>
         <p:txBody>
-          <a:bodyPr>
-            <a:normAutofit/>
-          </a:bodyPr>
+          <a:bodyPr/>
           <a:lstStyle/>
           <a:p>
             <a:r>
               <a:rPr lang="zh-CN" altLang="en-US" dirty="0" smtClean="0"/>
-              <a:t>保持工程师</a:t>
-            </a:r>
-            <a:r>
-              <a:rPr lang="zh-CN" altLang="en-US" dirty="0" smtClean="0"/>
-              <a:t>思维</a:t>
+              <a:t>美</a:t>
+            </a:r>
+            <a:r>
+              <a:rPr lang="zh-CN" altLang="en-US" dirty="0"/>
+              <a:t>团外</a:t>
+            </a:r>
+            <a:r>
+              <a:rPr lang="zh-CN" altLang="en-US" dirty="0" smtClean="0"/>
+              <a:t>卖：内置几款游戏供用户打发时间？</a:t>
             </a:r>
             <a:endParaRPr lang="en-US" altLang="zh-CN" dirty="0" smtClean="0"/>
           </a:p>
           <a:p>
             <a:r>
               <a:rPr lang="zh-CN" altLang="en-US" dirty="0" smtClean="0"/>
-              <a:t>创造性地发现需求和舍弃需求</a:t>
+              <a:t>课程格子：内置美团外卖，供学生订餐？</a:t>
             </a:r>
             <a:endParaRPr lang="en-US" altLang="zh-CN" dirty="0" smtClean="0"/>
           </a:p>
           <a:p>
             <a:r>
-              <a:rPr lang="zh-CN" altLang="en-US" dirty="0" smtClean="0"/>
-              <a:t>始终保持所有成员对需求的一致理解</a:t>
+              <a:rPr lang="zh-CN" altLang="en-US" dirty="0"/>
+              <a:t>人人</a:t>
+            </a:r>
+            <a:r>
+              <a:rPr lang="zh-CN" altLang="en-US" dirty="0" smtClean="0"/>
+              <a:t>网：内置课程格子，供学生评价课程？</a:t>
             </a:r>
             <a:endParaRPr lang="en-US" altLang="zh-CN" dirty="0" smtClean="0"/>
           </a:p>
           <a:p>
-            <a:pPr lvl="1"/>
-            <a:r>
-              <a:rPr lang="zh-CN" altLang="en-US" dirty="0" smtClean="0"/>
-              <a:t>人脑记忆不可靠</a:t>
-            </a:r>
-            <a:endParaRPr lang="en-US" altLang="zh-CN" dirty="0" smtClean="0"/>
-          </a:p>
-          <a:p>
-            <a:pPr lvl="1"/>
-            <a:r>
-              <a:rPr lang="zh-CN" altLang="en-US" dirty="0"/>
-              <a:t>语文</a:t>
-            </a:r>
-            <a:r>
-              <a:rPr lang="zh-CN" altLang="en-US" dirty="0" smtClean="0"/>
-              <a:t>表达能力各有不同</a:t>
-            </a:r>
-            <a:endParaRPr lang="en-US" altLang="zh-CN" dirty="0" smtClean="0"/>
-          </a:p>
-          <a:p>
-            <a:pPr lvl="1"/>
-            <a:r>
-              <a:rPr lang="zh-CN" altLang="en-US" dirty="0" smtClean="0"/>
-              <a:t>自然语言歧义</a:t>
-            </a:r>
-            <a:endParaRPr lang="en-US" altLang="zh-CN" dirty="0" smtClean="0"/>
-          </a:p>
-          <a:p>
-            <a:pPr lvl="1"/>
-            <a:r>
-              <a:rPr lang="zh-CN" altLang="en-US" dirty="0" smtClean="0"/>
-              <a:t>使用形式化的分析模型核对文档</a:t>
-            </a:r>
-          </a:p>
-          <a:p>
-            <a:pPr marL="1371600" lvl="3" indent="0">
-              <a:buNone/>
-            </a:pPr>
-            <a:endParaRPr lang="en-US" altLang="zh-CN" dirty="0" smtClean="0"/>
+            <a:r>
+              <a:rPr lang="zh-CN" altLang="en-US" dirty="0" smtClean="0"/>
+              <a:t>地球</a:t>
+            </a:r>
+            <a:r>
+              <a:rPr lang="en-US" altLang="zh-CN" dirty="0" smtClean="0"/>
+              <a:t>online</a:t>
+            </a:r>
+            <a:r>
+              <a:rPr lang="zh-CN" altLang="en-US" dirty="0" smtClean="0"/>
+              <a:t>：内置人人网、</a:t>
+            </a:r>
+            <a:r>
+              <a:rPr lang="en-US" altLang="zh-CN" dirty="0" smtClean="0"/>
+              <a:t>12306</a:t>
+            </a:r>
+            <a:r>
+              <a:rPr lang="zh-CN" altLang="en-US" dirty="0" smtClean="0"/>
+              <a:t>、淘宝、打车、携程、地图、</a:t>
+            </a:r>
+            <a:r>
+              <a:rPr lang="en-US" altLang="zh-CN" dirty="0" smtClean="0"/>
+              <a:t>TSS</a:t>
+            </a:r>
+            <a:r>
+              <a:rPr lang="zh-CN" altLang="en-US" dirty="0" smtClean="0"/>
+              <a:t>？</a:t>
+            </a:r>
+            <a:endParaRPr lang="zh-CN" altLang="en-US" dirty="0"/>
           </a:p>
         </p:txBody>
       </p:sp>
     </p:spTree>
     <p:extLst>
       <p:ext uri="{BB962C8B-B14F-4D97-AF65-F5344CB8AC3E}">
-        <p14:creationId xmlns:p14="http://schemas.microsoft.com/office/powerpoint/2010/main" val="2316572842"/>
+        <p14:creationId xmlns:p14="http://schemas.microsoft.com/office/powerpoint/2010/main" val="3605591495"/>
       </p:ext>
     </p:extLst>
   </p:cSld>
   <p:clrMapOvr>
     <a:masterClrMapping/>
   </p:clrMapOvr>
+  <p:timing>
+    <p:tnLst>
+      <p:par>
+        <p:cTn id="1" dur="indefinite" restart="never" nodeType="tmRoot"/>
+      </p:par>
+    </p:tnLst>
+  </p:timing>
 </p:sld>
 </file>
 
@@ -16333,7 +16533,7 @@
           <a:p>
             <a:r>
               <a:rPr lang="zh-CN" altLang="en-US" dirty="0" smtClean="0"/>
-              <a:t>成功之处</a:t>
+              <a:t>舍弃需求：我们舍弃的需求</a:t>
             </a:r>
             <a:endParaRPr lang="zh-CN" altLang="en-US" dirty="0"/>
           </a:p>
@@ -16351,137 +16551,94 @@
         </p:nvSpPr>
         <p:spPr>
           <a:xfrm>
-            <a:off x="514351" y="1967474"/>
-            <a:ext cx="7919966" cy="3465917"/>
+            <a:off x="514350" y="1843940"/>
+            <a:ext cx="7797663" cy="3754308"/>
           </a:xfrm>
         </p:spPr>
         <p:txBody>
           <a:bodyPr>
-            <a:normAutofit fontScale="92500" lnSpcReduction="10000"/>
+            <a:normAutofit/>
           </a:bodyPr>
           <a:lstStyle/>
           <a:p>
             <a:r>
-              <a:rPr lang="zh-CN" altLang="en-US" dirty="0" smtClean="0"/>
-              <a:t>根据</a:t>
+              <a:rPr lang="zh-CN" altLang="zh-CN" dirty="0"/>
+              <a:t>需要一个类似阿里旺旺的聊天系统，可以显示卖家是不是在线，这样买家可以实时交流</a:t>
+            </a:r>
+            <a:r>
+              <a:rPr lang="zh-CN" altLang="zh-CN" dirty="0" smtClean="0"/>
+              <a:t>。</a:t>
+            </a:r>
+            <a:endParaRPr lang="en-US" altLang="zh-CN" dirty="0" smtClean="0"/>
+          </a:p>
+          <a:p>
+            <a:r>
+              <a:rPr lang="zh-CN" altLang="zh-CN" dirty="0"/>
+              <a:t>论坛的活跃用户、</a:t>
+            </a:r>
+            <a:r>
+              <a:rPr lang="zh-CN" altLang="zh-CN" dirty="0" smtClean="0"/>
+              <a:t>多</a:t>
             </a:r>
             <a:r>
               <a:rPr lang="zh-CN" altLang="en-US" dirty="0"/>
-              <a:t>项目实际剪裁需求工程方法</a:t>
+              <a:t>赞</a:t>
+            </a:r>
+            <a:r>
+              <a:rPr lang="zh-CN" altLang="zh-CN" dirty="0" smtClean="0"/>
+              <a:t>的</a:t>
+            </a:r>
+            <a:r>
+              <a:rPr lang="zh-CN" altLang="zh-CN" dirty="0"/>
+              <a:t>用户可以按比奖励一定的积分，积分可以按某种比例对要买的商品进行</a:t>
+            </a:r>
+            <a:r>
+              <a:rPr lang="zh-CN" altLang="zh-CN" dirty="0" smtClean="0"/>
+              <a:t>优惠。</a:t>
             </a:r>
             <a:endParaRPr lang="en-US" altLang="zh-CN" dirty="0"/>
           </a:p>
           <a:p>
-            <a:pPr lvl="1"/>
-            <a:r>
-              <a:rPr lang="zh-CN" altLang="en-US" dirty="0"/>
-              <a:t>领域分析？观察法？民族志</a:t>
-            </a:r>
-            <a:r>
-              <a:rPr lang="zh-CN" altLang="en-US" dirty="0" smtClean="0"/>
-              <a:t>？</a:t>
+            <a:r>
+              <a:rPr lang="zh-CN" altLang="zh-CN" dirty="0" smtClean="0"/>
+              <a:t>用户可以给论坛中的优秀的帖子投币。虚拟币可以</a:t>
+            </a:r>
+            <a:r>
+              <a:rPr lang="zh-CN" altLang="zh-CN" dirty="0"/>
+              <a:t>用于让自己的商品置顶、高亮</a:t>
+            </a:r>
+            <a:r>
+              <a:rPr lang="zh-CN" altLang="zh-CN" dirty="0" smtClean="0"/>
+              <a:t>。</a:t>
             </a:r>
             <a:endParaRPr lang="en-US" altLang="zh-CN" dirty="0" smtClean="0"/>
           </a:p>
           <a:p>
-            <a:r>
-              <a:rPr lang="zh-CN" altLang="en-US" dirty="0" smtClean="0"/>
-              <a:t>文档详略得当，用语考究</a:t>
-            </a:r>
-            <a:endParaRPr lang="en-US" altLang="zh-CN" dirty="0" smtClean="0"/>
-          </a:p>
-          <a:p>
-            <a:pPr lvl="1"/>
-            <a:r>
-              <a:rPr lang="zh-CN" altLang="en-US" dirty="0" smtClean="0"/>
-              <a:t>“物品详细信息”</a:t>
-            </a:r>
-            <a:r>
-              <a:rPr lang="en-US" altLang="zh-CN" dirty="0"/>
-              <a:t>	</a:t>
-            </a:r>
-            <a:r>
-              <a:rPr lang="zh-CN" altLang="en-US" dirty="0" smtClean="0"/>
-              <a:t>“物品的标题、描述、价格、图片信息”</a:t>
-            </a:r>
-            <a:endParaRPr lang="en-US" altLang="zh-CN" dirty="0" smtClean="0"/>
-          </a:p>
-          <a:p>
-            <a:pPr lvl="1"/>
-            <a:r>
-              <a:rPr lang="zh-CN" altLang="en-US" dirty="0" smtClean="0"/>
-              <a:t>“字数超过</a:t>
+            <a:pPr algn="r"/>
+            <a:r>
+              <a:rPr lang="zh-CN" altLang="en-US" dirty="0" smtClean="0"/>
+              <a:t>摘自</a:t>
             </a:r>
             <a:r>
               <a:rPr lang="en-US" altLang="zh-CN" dirty="0" smtClean="0"/>
-              <a:t>50</a:t>
-            </a:r>
-            <a:r>
-              <a:rPr lang="zh-CN" altLang="en-US" dirty="0" smtClean="0"/>
-              <a:t>字”</a:t>
-            </a:r>
-            <a:r>
-              <a:rPr lang="en-US" altLang="zh-CN" dirty="0"/>
-              <a:t>	</a:t>
-            </a:r>
-            <a:r>
-              <a:rPr lang="zh-CN" altLang="en-US" dirty="0" smtClean="0"/>
-              <a:t>“字数大于不等于</a:t>
+              <a:t>《</a:t>
+            </a:r>
+            <a:r>
+              <a:rPr lang="zh-CN" altLang="en-US" dirty="0" smtClean="0"/>
+              <a:t>头脑风暴活动记录</a:t>
             </a:r>
             <a:r>
               <a:rPr lang="en-US" altLang="zh-CN" dirty="0" smtClean="0"/>
-              <a:t>50</a:t>
-            </a:r>
-            <a:r>
-              <a:rPr lang="zh-CN" altLang="en-US" dirty="0" smtClean="0"/>
-              <a:t>字”</a:t>
-            </a:r>
-            <a:endParaRPr lang="en-US" altLang="zh-CN" dirty="0" smtClean="0"/>
-          </a:p>
-          <a:p>
-            <a:pPr lvl="1"/>
-            <a:r>
-              <a:rPr lang="zh-CN" altLang="en-US" dirty="0" smtClean="0"/>
-              <a:t>“系统简单易用”</a:t>
-            </a:r>
-            <a:r>
-              <a:rPr lang="en-US" altLang="zh-CN" dirty="0" smtClean="0"/>
-              <a:t>	</a:t>
-            </a:r>
-            <a:r>
-              <a:rPr lang="zh-CN" altLang="en-US" dirty="0" smtClean="0"/>
-              <a:t>“新注册用户平均能在</a:t>
-            </a:r>
-            <a:r>
-              <a:rPr lang="en-US" altLang="zh-CN" dirty="0" smtClean="0"/>
-              <a:t>3</a:t>
-            </a:r>
-            <a:r>
-              <a:rPr lang="zh-CN" altLang="en-US" dirty="0" smtClean="0"/>
-              <a:t>分钟之内第一次完成发布出售信息任务”</a:t>
-            </a:r>
-            <a:endParaRPr lang="en-US" altLang="zh-CN" dirty="0"/>
-          </a:p>
-          <a:p>
-            <a:r>
-              <a:rPr lang="zh-CN" altLang="en-US" dirty="0" smtClean="0"/>
-              <a:t>原型优雅精致时尚简约地体现了交互设计</a:t>
-            </a:r>
-            <a:endParaRPr lang="en-US" altLang="zh-CN" dirty="0" smtClean="0"/>
-          </a:p>
-          <a:p>
-            <a:r>
-              <a:rPr lang="zh-CN" altLang="en-US" dirty="0" smtClean="0"/>
-              <a:t>分析模型准确丰富</a:t>
-            </a:r>
-            <a:endParaRPr lang="en-US" altLang="zh-CN" dirty="0" smtClean="0"/>
+              <a:t>》</a:t>
+            </a:r>
+            <a:endParaRPr lang="zh-CN" altLang="en-US" dirty="0"/>
           </a:p>
         </p:txBody>
       </p:sp>
     </p:spTree>
     <p:extLst>
       <p:ext uri="{BB962C8B-B14F-4D97-AF65-F5344CB8AC3E}">
-        <p14:creationId xmlns:p14="http://schemas.microsoft.com/office/powerpoint/2010/main" val="75587929"/>
+        <p14:creationId xmlns:p14="http://schemas.microsoft.com/office/powerpoint/2010/main" val="793418557"/>
       </p:ext>
     </p:extLst>
   </p:cSld>
@@ -16532,7 +16689,7 @@
           <a:p>
             <a:r>
               <a:rPr lang="zh-CN" altLang="en-US" dirty="0" smtClean="0"/>
-              <a:t>原因分析</a:t>
+              <a:t>原型</a:t>
             </a:r>
             <a:endParaRPr lang="zh-CN" altLang="en-US" dirty="0"/>
           </a:p>
@@ -16550,36 +16707,14 @@
         </p:nvSpPr>
         <p:spPr>
           <a:xfrm>
-            <a:off x="514351" y="2076548"/>
-            <a:ext cx="7796030" cy="2483392"/>
+            <a:off x="514349" y="2063396"/>
+            <a:ext cx="7797663" cy="3311189"/>
           </a:xfrm>
         </p:spPr>
         <p:txBody>
           <a:bodyPr/>
           <a:lstStyle/>
           <a:p>
-            <a:r>
-              <a:rPr lang="zh-CN" altLang="en-US" dirty="0" smtClean="0"/>
-              <a:t>整个团队严格要求自己，对项目的期望一直保持在较高水平，热情始终高涨。</a:t>
-            </a:r>
-            <a:endParaRPr lang="en-US" altLang="zh-CN" dirty="0" smtClean="0"/>
-          </a:p>
-          <a:p>
-            <a:r>
-              <a:rPr lang="zh-CN" altLang="en-US" dirty="0" smtClean="0"/>
-              <a:t>团队成员能力整体较强，在过往的各类大作业中均有成功经验。</a:t>
-            </a:r>
-            <a:endParaRPr lang="en-US" altLang="zh-CN" dirty="0" smtClean="0"/>
-          </a:p>
-          <a:p>
-            <a:r>
-              <a:rPr lang="zh-CN" altLang="en-US" dirty="0"/>
-              <a:t>恰当</a:t>
-            </a:r>
-            <a:r>
-              <a:rPr lang="zh-CN" altLang="en-US" dirty="0" smtClean="0"/>
-              <a:t>的使用了高效的工程方法，以好的过程产生好的质量。</a:t>
-            </a:r>
             <a:endParaRPr lang="zh-CN" altLang="en-US" dirty="0"/>
           </a:p>
         </p:txBody>
@@ -16587,7 +16722,7 @@
     </p:spTree>
     <p:extLst>
       <p:ext uri="{BB962C8B-B14F-4D97-AF65-F5344CB8AC3E}">
-        <p14:creationId xmlns:p14="http://schemas.microsoft.com/office/powerpoint/2010/main" val="3717212703"/>
+        <p14:creationId xmlns:p14="http://schemas.microsoft.com/office/powerpoint/2010/main" val="2073976834"/>
       </p:ext>
     </p:extLst>
   </p:cSld>
@@ -16638,7 +16773,7 @@
           <a:p>
             <a:r>
               <a:rPr lang="zh-CN" altLang="en-US" dirty="0" smtClean="0"/>
-              <a:t>不足之处</a:t>
+              <a:t>分析模型</a:t>
             </a:r>
             <a:endParaRPr lang="zh-CN" altLang="en-US" dirty="0"/>
           </a:p>
@@ -16654,41 +16789,72 @@
             <p:ph sz="quarter" idx="13"/>
           </p:nvPr>
         </p:nvSpPr>
-        <p:spPr>
-          <a:xfrm>
-            <a:off x="514349" y="2063396"/>
-            <a:ext cx="7797663" cy="3311189"/>
-          </a:xfrm>
-        </p:spPr>
+        <p:spPr/>
         <p:txBody>
           <a:bodyPr/>
           <a:lstStyle/>
           <a:p>
             <a:r>
               <a:rPr lang="zh-CN" altLang="en-US" dirty="0" smtClean="0"/>
-              <a:t>思维定势：没有跳出既有系统的框架</a:t>
+              <a:t>形式化</a:t>
             </a:r>
             <a:endParaRPr lang="en-US" altLang="zh-CN" dirty="0" smtClean="0"/>
           </a:p>
           <a:p>
             <a:r>
-              <a:rPr lang="zh-CN" altLang="en-US" dirty="0" smtClean="0"/>
-              <a:t>没有坚持使用结构化的团队管理方法</a:t>
-            </a:r>
-            <a:endParaRPr lang="zh-CN" altLang="en-US" dirty="0"/>
+              <a:rPr lang="zh-CN" altLang="en-US" dirty="0"/>
+              <a:t>消除</a:t>
+            </a:r>
+            <a:r>
+              <a:rPr lang="zh-CN" altLang="en-US" dirty="0" smtClean="0"/>
+              <a:t>歧义</a:t>
+            </a:r>
+            <a:endParaRPr lang="en-US" altLang="zh-CN" dirty="0" smtClean="0"/>
+          </a:p>
+          <a:p>
+            <a:r>
+              <a:rPr lang="zh-CN" altLang="en-US" dirty="0"/>
+              <a:t>统一认识</a:t>
+            </a:r>
+          </a:p>
+        </p:txBody>
+      </p:sp>
+      <p:sp>
+        <p:nvSpPr>
+          <p:cNvPr id="4" name="内容占位符 3"/>
+          <p:cNvSpPr>
+            <a:spLocks noGrp="1"/>
+          </p:cNvSpPr>
+          <p:nvPr>
+            <p:ph sz="quarter" idx="14"/>
+          </p:nvPr>
+        </p:nvSpPr>
+        <p:spPr/>
+        <p:txBody>
+          <a:bodyPr/>
+          <a:lstStyle/>
+          <a:p>
+            <a:endParaRPr lang="zh-CN" altLang="en-US"/>
           </a:p>
         </p:txBody>
       </p:sp>
     </p:spTree>
     <p:extLst>
       <p:ext uri="{BB962C8B-B14F-4D97-AF65-F5344CB8AC3E}">
-        <p14:creationId xmlns:p14="http://schemas.microsoft.com/office/powerpoint/2010/main" val="1257213016"/>
+        <p14:creationId xmlns:p14="http://schemas.microsoft.com/office/powerpoint/2010/main" val="1600328185"/>
       </p:ext>
     </p:extLst>
   </p:cSld>
   <p:clrMapOvr>
     <a:masterClrMapping/>
   </p:clrMapOvr>
+  <p:timing>
+    <p:tnLst>
+      <p:par>
+        <p:cTn id="1" dur="indefinite" restart="never" nodeType="tmRoot"/>
+      </p:par>
+    </p:tnLst>
+  </p:timing>
 </p:sld>
 </file>
 
@@ -16719,6 +16885,551 @@
             <p:ph type="title"/>
           </p:nvPr>
         </p:nvSpPr>
+        <p:spPr/>
+        <p:txBody>
+          <a:bodyPr/>
+          <a:lstStyle/>
+          <a:p>
+            <a:r>
+              <a:rPr lang="zh-CN" altLang="en-US" dirty="0" smtClean="0"/>
+              <a:t>难点</a:t>
+            </a:r>
+            <a:endParaRPr lang="zh-CN" altLang="en-US" dirty="0"/>
+          </a:p>
+        </p:txBody>
+      </p:sp>
+      <p:sp>
+        <p:nvSpPr>
+          <p:cNvPr id="3" name="内容占位符 2"/>
+          <p:cNvSpPr>
+            <a:spLocks noGrp="1"/>
+          </p:cNvSpPr>
+          <p:nvPr>
+            <p:ph sz="quarter" idx="13"/>
+          </p:nvPr>
+        </p:nvSpPr>
+        <p:spPr>
+          <a:xfrm>
+            <a:off x="514351" y="1843940"/>
+            <a:ext cx="7797663" cy="3748477"/>
+          </a:xfrm>
+        </p:spPr>
+        <p:txBody>
+          <a:bodyPr>
+            <a:normAutofit/>
+          </a:bodyPr>
+          <a:lstStyle/>
+          <a:p>
+            <a:r>
+              <a:rPr lang="zh-CN" altLang="en-US" dirty="0" smtClean="0"/>
+              <a:t>保持工程师思维</a:t>
+            </a:r>
+            <a:endParaRPr lang="en-US" altLang="zh-CN" dirty="0" smtClean="0"/>
+          </a:p>
+          <a:p>
+            <a:r>
+              <a:rPr lang="zh-CN" altLang="en-US" dirty="0" smtClean="0"/>
+              <a:t>创造性地发现需求和舍弃需求</a:t>
+            </a:r>
+            <a:endParaRPr lang="en-US" altLang="zh-CN" dirty="0" smtClean="0"/>
+          </a:p>
+          <a:p>
+            <a:r>
+              <a:rPr lang="zh-CN" altLang="en-US" dirty="0" smtClean="0"/>
+              <a:t>始终保持所有成员对需求的一致理解</a:t>
+            </a:r>
+            <a:endParaRPr lang="en-US" altLang="zh-CN" dirty="0" smtClean="0"/>
+          </a:p>
+          <a:p>
+            <a:pPr lvl="1"/>
+            <a:r>
+              <a:rPr lang="zh-CN" altLang="en-US" dirty="0" smtClean="0"/>
+              <a:t>人脑记忆不可靠</a:t>
+            </a:r>
+            <a:endParaRPr lang="en-US" altLang="zh-CN" dirty="0" smtClean="0"/>
+          </a:p>
+          <a:p>
+            <a:pPr lvl="1"/>
+            <a:r>
+              <a:rPr lang="zh-CN" altLang="en-US" dirty="0"/>
+              <a:t>语文</a:t>
+            </a:r>
+            <a:r>
+              <a:rPr lang="zh-CN" altLang="en-US" dirty="0" smtClean="0"/>
+              <a:t>表达能力各有不同</a:t>
+            </a:r>
+            <a:endParaRPr lang="en-US" altLang="zh-CN" dirty="0" smtClean="0"/>
+          </a:p>
+          <a:p>
+            <a:pPr lvl="1"/>
+            <a:r>
+              <a:rPr lang="zh-CN" altLang="en-US" dirty="0" smtClean="0"/>
+              <a:t>自然语言歧义</a:t>
+            </a:r>
+            <a:endParaRPr lang="en-US" altLang="zh-CN" dirty="0" smtClean="0"/>
+          </a:p>
+          <a:p>
+            <a:pPr lvl="1"/>
+            <a:r>
+              <a:rPr lang="zh-CN" altLang="en-US" dirty="0" smtClean="0"/>
+              <a:t>使用形式化的分析模型核对文档</a:t>
+            </a:r>
+          </a:p>
+          <a:p>
+            <a:pPr marL="1371600" lvl="3" indent="0">
+              <a:buNone/>
+            </a:pPr>
+            <a:endParaRPr lang="en-US" altLang="zh-CN" dirty="0" smtClean="0"/>
+          </a:p>
+        </p:txBody>
+      </p:sp>
+    </p:spTree>
+    <p:extLst>
+      <p:ext uri="{BB962C8B-B14F-4D97-AF65-F5344CB8AC3E}">
+        <p14:creationId xmlns:p14="http://schemas.microsoft.com/office/powerpoint/2010/main" val="2316572842"/>
+      </p:ext>
+    </p:extLst>
+  </p:cSld>
+  <p:clrMapOvr>
+    <a:masterClrMapping/>
+  </p:clrMapOvr>
+  <p:timing>
+    <p:tnLst>
+      <p:par>
+        <p:cTn id="1" dur="indefinite" restart="never" nodeType="tmRoot"/>
+      </p:par>
+    </p:tnLst>
+  </p:timing>
+</p:sld>
+</file>
+
+<file path=ppt/slides/slide35.xml><?xml version="1.0" encoding="utf-8"?>
+<p:sld xmlns:a="http://schemas.openxmlformats.org/drawingml/2006/main" xmlns:r="http://schemas.openxmlformats.org/officeDocument/2006/relationships" xmlns:p="http://schemas.openxmlformats.org/presentationml/2006/main">
+  <p:cSld>
+    <p:spTree>
+      <p:nvGrpSpPr>
+        <p:cNvPr id="1" name=""/>
+        <p:cNvGrpSpPr/>
+        <p:nvPr/>
+      </p:nvGrpSpPr>
+      <p:grpSpPr>
+        <a:xfrm>
+          <a:off x="0" y="0"/>
+          <a:ext cx="0" cy="0"/>
+          <a:chOff x="0" y="0"/>
+          <a:chExt cx="0" cy="0"/>
+        </a:xfrm>
+      </p:grpSpPr>
+      <p:sp>
+        <p:nvSpPr>
+          <p:cNvPr id="2" name="标题 1"/>
+          <p:cNvSpPr>
+            <a:spLocks noGrp="1"/>
+          </p:cNvSpPr>
+          <p:nvPr>
+            <p:ph type="title"/>
+          </p:nvPr>
+        </p:nvSpPr>
+        <p:spPr/>
+        <p:txBody>
+          <a:bodyPr/>
+          <a:lstStyle/>
+          <a:p>
+            <a:r>
+              <a:rPr lang="zh-CN" altLang="en-US" dirty="0" smtClean="0"/>
+              <a:t>成功之处</a:t>
+            </a:r>
+            <a:endParaRPr lang="zh-CN" altLang="en-US" dirty="0"/>
+          </a:p>
+        </p:txBody>
+      </p:sp>
+      <p:sp>
+        <p:nvSpPr>
+          <p:cNvPr id="3" name="内容占位符 2"/>
+          <p:cNvSpPr>
+            <a:spLocks noGrp="1"/>
+          </p:cNvSpPr>
+          <p:nvPr>
+            <p:ph sz="quarter" idx="13"/>
+          </p:nvPr>
+        </p:nvSpPr>
+        <p:spPr>
+          <a:xfrm>
+            <a:off x="514351" y="1967474"/>
+            <a:ext cx="7919966" cy="3465917"/>
+          </a:xfrm>
+        </p:spPr>
+        <p:txBody>
+          <a:bodyPr>
+            <a:normAutofit fontScale="92500" lnSpcReduction="10000"/>
+          </a:bodyPr>
+          <a:lstStyle/>
+          <a:p>
+            <a:r>
+              <a:rPr lang="zh-CN" altLang="en-US" dirty="0" smtClean="0"/>
+              <a:t>根据</a:t>
+            </a:r>
+            <a:r>
+              <a:rPr lang="zh-CN" altLang="en-US" dirty="0"/>
+              <a:t>项目实际剪裁需求工程方法</a:t>
+            </a:r>
+            <a:endParaRPr lang="en-US" altLang="zh-CN" dirty="0"/>
+          </a:p>
+          <a:p>
+            <a:pPr lvl="1"/>
+            <a:r>
+              <a:rPr lang="zh-CN" altLang="en-US" dirty="0"/>
+              <a:t>领域分析？观察法？民族志</a:t>
+            </a:r>
+            <a:r>
+              <a:rPr lang="zh-CN" altLang="en-US" dirty="0" smtClean="0"/>
+              <a:t>？</a:t>
+            </a:r>
+            <a:endParaRPr lang="en-US" altLang="zh-CN" dirty="0" smtClean="0"/>
+          </a:p>
+          <a:p>
+            <a:r>
+              <a:rPr lang="zh-CN" altLang="en-US" dirty="0" smtClean="0"/>
+              <a:t>文档详略得当，用语考究</a:t>
+            </a:r>
+            <a:endParaRPr lang="en-US" altLang="zh-CN" dirty="0" smtClean="0"/>
+          </a:p>
+          <a:p>
+            <a:pPr lvl="1"/>
+            <a:r>
+              <a:rPr lang="zh-CN" altLang="en-US" dirty="0" smtClean="0"/>
+              <a:t>“物品详细信息”</a:t>
+            </a:r>
+            <a:r>
+              <a:rPr lang="en-US" altLang="zh-CN" dirty="0"/>
+              <a:t>	</a:t>
+            </a:r>
+            <a:r>
+              <a:rPr lang="zh-CN" altLang="en-US" dirty="0" smtClean="0"/>
+              <a:t>“物品的标题、描述、价格、图片信息”</a:t>
+            </a:r>
+            <a:endParaRPr lang="en-US" altLang="zh-CN" dirty="0" smtClean="0"/>
+          </a:p>
+          <a:p>
+            <a:pPr lvl="1"/>
+            <a:r>
+              <a:rPr lang="zh-CN" altLang="en-US" dirty="0" smtClean="0"/>
+              <a:t>“字数超过</a:t>
+            </a:r>
+            <a:r>
+              <a:rPr lang="en-US" altLang="zh-CN" dirty="0" smtClean="0"/>
+              <a:t>50</a:t>
+            </a:r>
+            <a:r>
+              <a:rPr lang="zh-CN" altLang="en-US" dirty="0" smtClean="0"/>
+              <a:t>字”</a:t>
+            </a:r>
+            <a:r>
+              <a:rPr lang="en-US" altLang="zh-CN" dirty="0"/>
+              <a:t>	</a:t>
+            </a:r>
+            <a:r>
+              <a:rPr lang="zh-CN" altLang="en-US" dirty="0" smtClean="0"/>
+              <a:t>“字数大于不等于</a:t>
+            </a:r>
+            <a:r>
+              <a:rPr lang="en-US" altLang="zh-CN" dirty="0" smtClean="0"/>
+              <a:t>50</a:t>
+            </a:r>
+            <a:r>
+              <a:rPr lang="zh-CN" altLang="en-US" dirty="0" smtClean="0"/>
+              <a:t>字”</a:t>
+            </a:r>
+            <a:endParaRPr lang="en-US" altLang="zh-CN" dirty="0" smtClean="0"/>
+          </a:p>
+          <a:p>
+            <a:pPr lvl="1"/>
+            <a:r>
+              <a:rPr lang="zh-CN" altLang="en-US" dirty="0" smtClean="0"/>
+              <a:t>“系统简单易用”</a:t>
+            </a:r>
+            <a:r>
+              <a:rPr lang="en-US" altLang="zh-CN" dirty="0" smtClean="0"/>
+              <a:t>	</a:t>
+            </a:r>
+            <a:r>
+              <a:rPr lang="zh-CN" altLang="en-US" dirty="0" smtClean="0"/>
+              <a:t>“新注册用户平均能在</a:t>
+            </a:r>
+            <a:r>
+              <a:rPr lang="en-US" altLang="zh-CN" dirty="0" smtClean="0"/>
+              <a:t>3</a:t>
+            </a:r>
+            <a:r>
+              <a:rPr lang="zh-CN" altLang="en-US" dirty="0" smtClean="0"/>
+              <a:t>分钟之内第一次完成发布出售信息任务”</a:t>
+            </a:r>
+            <a:endParaRPr lang="en-US" altLang="zh-CN" dirty="0"/>
+          </a:p>
+          <a:p>
+            <a:r>
+              <a:rPr lang="zh-CN" altLang="en-US" dirty="0" smtClean="0"/>
+              <a:t>原型优雅精致时尚简约地体现了交互设计</a:t>
+            </a:r>
+            <a:endParaRPr lang="en-US" altLang="zh-CN" dirty="0" smtClean="0"/>
+          </a:p>
+          <a:p>
+            <a:r>
+              <a:rPr lang="zh-CN" altLang="en-US" dirty="0" smtClean="0"/>
+              <a:t>分析模型准确丰富</a:t>
+            </a:r>
+            <a:endParaRPr lang="en-US" altLang="zh-CN" dirty="0" smtClean="0"/>
+          </a:p>
+        </p:txBody>
+      </p:sp>
+    </p:spTree>
+    <p:extLst>
+      <p:ext uri="{BB962C8B-B14F-4D97-AF65-F5344CB8AC3E}">
+        <p14:creationId xmlns:p14="http://schemas.microsoft.com/office/powerpoint/2010/main" val="75587929"/>
+      </p:ext>
+    </p:extLst>
+  </p:cSld>
+  <p:clrMapOvr>
+    <a:masterClrMapping/>
+  </p:clrMapOvr>
+  <p:timing>
+    <p:tnLst>
+      <p:par>
+        <p:cTn id="1" dur="indefinite" restart="never" nodeType="tmRoot"/>
+      </p:par>
+    </p:tnLst>
+  </p:timing>
+</p:sld>
+</file>
+
+<file path=ppt/slides/slide36.xml><?xml version="1.0" encoding="utf-8"?>
+<p:sld xmlns:a="http://schemas.openxmlformats.org/drawingml/2006/main" xmlns:r="http://schemas.openxmlformats.org/officeDocument/2006/relationships" xmlns:p="http://schemas.openxmlformats.org/presentationml/2006/main">
+  <p:cSld>
+    <p:spTree>
+      <p:nvGrpSpPr>
+        <p:cNvPr id="1" name=""/>
+        <p:cNvGrpSpPr/>
+        <p:nvPr/>
+      </p:nvGrpSpPr>
+      <p:grpSpPr>
+        <a:xfrm>
+          <a:off x="0" y="0"/>
+          <a:ext cx="0" cy="0"/>
+          <a:chOff x="0" y="0"/>
+          <a:chExt cx="0" cy="0"/>
+        </a:xfrm>
+      </p:grpSpPr>
+      <p:sp>
+        <p:nvSpPr>
+          <p:cNvPr id="2" name="标题 1"/>
+          <p:cNvSpPr>
+            <a:spLocks noGrp="1"/>
+          </p:cNvSpPr>
+          <p:nvPr>
+            <p:ph type="title"/>
+          </p:nvPr>
+        </p:nvSpPr>
+        <p:spPr/>
+        <p:txBody>
+          <a:bodyPr/>
+          <a:lstStyle/>
+          <a:p>
+            <a:r>
+              <a:rPr lang="zh-CN" altLang="en-US" dirty="0" smtClean="0"/>
+              <a:t>原因分析</a:t>
+            </a:r>
+            <a:endParaRPr lang="zh-CN" altLang="en-US" dirty="0"/>
+          </a:p>
+        </p:txBody>
+      </p:sp>
+      <p:sp>
+        <p:nvSpPr>
+          <p:cNvPr id="3" name="内容占位符 2"/>
+          <p:cNvSpPr>
+            <a:spLocks noGrp="1"/>
+          </p:cNvSpPr>
+          <p:nvPr>
+            <p:ph sz="quarter" idx="13"/>
+          </p:nvPr>
+        </p:nvSpPr>
+        <p:spPr>
+          <a:xfrm>
+            <a:off x="514351" y="2076548"/>
+            <a:ext cx="7796030" cy="2483392"/>
+          </a:xfrm>
+        </p:spPr>
+        <p:txBody>
+          <a:bodyPr/>
+          <a:lstStyle/>
+          <a:p>
+            <a:r>
+              <a:rPr lang="zh-CN" altLang="en-US" dirty="0" smtClean="0"/>
+              <a:t>整个团队严格要求自己，对项目的期望一直保持在较高水平，热情始终高涨。</a:t>
+            </a:r>
+            <a:endParaRPr lang="en-US" altLang="zh-CN" dirty="0" smtClean="0"/>
+          </a:p>
+          <a:p>
+            <a:r>
+              <a:rPr lang="zh-CN" altLang="en-US" dirty="0" smtClean="0"/>
+              <a:t>团队成员能力整体较强，在过往的各类大作业中均有成功经验。</a:t>
+            </a:r>
+            <a:endParaRPr lang="en-US" altLang="zh-CN" dirty="0" smtClean="0"/>
+          </a:p>
+          <a:p>
+            <a:r>
+              <a:rPr lang="zh-CN" altLang="en-US" dirty="0"/>
+              <a:t>恰当</a:t>
+            </a:r>
+            <a:r>
+              <a:rPr lang="zh-CN" altLang="en-US" dirty="0" smtClean="0"/>
+              <a:t>的使用了高效的工程方法，以好的过程产生好的质量。</a:t>
+            </a:r>
+            <a:endParaRPr lang="zh-CN" altLang="en-US" dirty="0"/>
+          </a:p>
+        </p:txBody>
+      </p:sp>
+    </p:spTree>
+    <p:extLst>
+      <p:ext uri="{BB962C8B-B14F-4D97-AF65-F5344CB8AC3E}">
+        <p14:creationId xmlns:p14="http://schemas.microsoft.com/office/powerpoint/2010/main" val="3717212703"/>
+      </p:ext>
+    </p:extLst>
+  </p:cSld>
+  <p:clrMapOvr>
+    <a:masterClrMapping/>
+  </p:clrMapOvr>
+  <p:timing>
+    <p:tnLst>
+      <p:par>
+        <p:cTn id="1" dur="indefinite" restart="never" nodeType="tmRoot"/>
+      </p:par>
+    </p:tnLst>
+  </p:timing>
+</p:sld>
+</file>
+
+<file path=ppt/slides/slide37.xml><?xml version="1.0" encoding="utf-8"?>
+<p:sld xmlns:a="http://schemas.openxmlformats.org/drawingml/2006/main" xmlns:r="http://schemas.openxmlformats.org/officeDocument/2006/relationships" xmlns:p="http://schemas.openxmlformats.org/presentationml/2006/main">
+  <p:cSld>
+    <p:spTree>
+      <p:nvGrpSpPr>
+        <p:cNvPr id="1" name=""/>
+        <p:cNvGrpSpPr/>
+        <p:nvPr/>
+      </p:nvGrpSpPr>
+      <p:grpSpPr>
+        <a:xfrm>
+          <a:off x="0" y="0"/>
+          <a:ext cx="0" cy="0"/>
+          <a:chOff x="0" y="0"/>
+          <a:chExt cx="0" cy="0"/>
+        </a:xfrm>
+      </p:grpSpPr>
+      <p:sp>
+        <p:nvSpPr>
+          <p:cNvPr id="2" name="标题 1"/>
+          <p:cNvSpPr>
+            <a:spLocks noGrp="1"/>
+          </p:cNvSpPr>
+          <p:nvPr>
+            <p:ph type="title"/>
+          </p:nvPr>
+        </p:nvSpPr>
+        <p:spPr/>
+        <p:txBody>
+          <a:bodyPr/>
+          <a:lstStyle/>
+          <a:p>
+            <a:r>
+              <a:rPr lang="zh-CN" altLang="en-US" dirty="0" smtClean="0"/>
+              <a:t>不足之处</a:t>
+            </a:r>
+            <a:endParaRPr lang="zh-CN" altLang="en-US" dirty="0"/>
+          </a:p>
+        </p:txBody>
+      </p:sp>
+      <p:sp>
+        <p:nvSpPr>
+          <p:cNvPr id="3" name="内容占位符 2"/>
+          <p:cNvSpPr>
+            <a:spLocks noGrp="1"/>
+          </p:cNvSpPr>
+          <p:nvPr>
+            <p:ph sz="quarter" idx="13"/>
+          </p:nvPr>
+        </p:nvSpPr>
+        <p:spPr>
+          <a:xfrm>
+            <a:off x="514349" y="2063396"/>
+            <a:ext cx="7797663" cy="3311189"/>
+          </a:xfrm>
+        </p:spPr>
+        <p:txBody>
+          <a:bodyPr/>
+          <a:lstStyle/>
+          <a:p>
+            <a:r>
+              <a:rPr lang="zh-CN" altLang="en-US" dirty="0" smtClean="0"/>
+              <a:t>思维定势：没有跳出既有系统的框架</a:t>
+            </a:r>
+            <a:endParaRPr lang="en-US" altLang="zh-CN" dirty="0" smtClean="0"/>
+          </a:p>
+          <a:p>
+            <a:r>
+              <a:rPr lang="zh-CN" altLang="en-US" dirty="0" smtClean="0"/>
+              <a:t>没有坚持使用结构化的团队管理方法</a:t>
+            </a:r>
+            <a:endParaRPr lang="zh-CN" altLang="en-US" dirty="0"/>
+          </a:p>
+        </p:txBody>
+      </p:sp>
+    </p:spTree>
+    <p:extLst>
+      <p:ext uri="{BB962C8B-B14F-4D97-AF65-F5344CB8AC3E}">
+        <p14:creationId xmlns:p14="http://schemas.microsoft.com/office/powerpoint/2010/main" val="1257213016"/>
+      </p:ext>
+    </p:extLst>
+  </p:cSld>
+  <p:clrMapOvr>
+    <a:masterClrMapping/>
+  </p:clrMapOvr>
+  <p:timing>
+    <p:tnLst>
+      <p:par>
+        <p:cTn id="1" dur="indefinite" restart="never" nodeType="tmRoot"/>
+      </p:par>
+    </p:tnLst>
+  </p:timing>
+</p:sld>
+</file>
+
+<file path=ppt/slides/slide38.xml><?xml version="1.0" encoding="utf-8"?>
+<p:sld xmlns:a="http://schemas.openxmlformats.org/drawingml/2006/main" xmlns:r="http://schemas.openxmlformats.org/officeDocument/2006/relationships" xmlns:p="http://schemas.openxmlformats.org/presentationml/2006/main">
+  <p:cSld>
+    <p:spTree>
+      <p:nvGrpSpPr>
+        <p:cNvPr id="1" name=""/>
+        <p:cNvGrpSpPr/>
+        <p:nvPr/>
+      </p:nvGrpSpPr>
+      <p:grpSpPr>
+        <a:xfrm>
+          <a:off x="0" y="0"/>
+          <a:ext cx="0" cy="0"/>
+          <a:chOff x="0" y="0"/>
+          <a:chExt cx="0" cy="0"/>
+        </a:xfrm>
+      </p:grpSpPr>
+      <p:sp>
+        <p:nvSpPr>
+          <p:cNvPr id="2" name="标题 1"/>
+          <p:cNvSpPr>
+            <a:spLocks noGrp="1"/>
+          </p:cNvSpPr>
+          <p:nvPr>
+            <p:ph type="title"/>
+          </p:nvPr>
+        </p:nvSpPr>
         <p:spPr>
           <a:xfrm>
             <a:off x="699882" y="2249558"/>
@@ -16747,6 +17458,13 @@
   <p:clrMapOvr>
     <a:masterClrMapping/>
   </p:clrMapOvr>
+  <p:timing>
+    <p:tnLst>
+      <p:par>
+        <p:cTn id="1" dur="indefinite" restart="never" nodeType="tmRoot"/>
+      </p:par>
+    </p:tnLst>
+  </p:timing>
 </p:sld>
 </file>
 
@@ -16852,6 +17570,13 @@
   <p:clrMapOvr>
     <a:masterClrMapping/>
   </p:clrMapOvr>
+  <p:timing>
+    <p:tnLst>
+      <p:par>
+        <p:cTn id="1" dur="indefinite" restart="never" nodeType="tmRoot"/>
+      </p:par>
+    </p:tnLst>
+  </p:timing>
 </p:sld>
 </file>
 
@@ -17275,6 +18000,13 @@
   <p:clrMapOvr>
     <a:masterClrMapping/>
   </p:clrMapOvr>
+  <p:timing>
+    <p:tnLst>
+      <p:par>
+        <p:cTn id="1" dur="indefinite" restart="never" nodeType="tmRoot"/>
+      </p:par>
+    </p:tnLst>
+  </p:timing>
 </p:sld>
 </file>
 
@@ -17310,101 +18042,75 @@
           <a:bodyPr/>
           <a:lstStyle/>
           <a:p>
-            <a:r>
-              <a:rPr lang="zh-CN" altLang="en-US" dirty="0" smtClean="0"/>
-              <a:t>目标分析</a:t>
-            </a:r>
-            <a:endParaRPr lang="zh-CN" altLang="en-US" dirty="0"/>
-          </a:p>
-        </p:txBody>
-      </p:sp>
-      <p:sp>
-        <p:nvSpPr>
-          <p:cNvPr id="3" name="内容占位符 2"/>
-          <p:cNvSpPr>
-            <a:spLocks noGrp="1"/>
-          </p:cNvSpPr>
+            <a:endParaRPr lang="zh-CN" altLang="en-US"/>
+          </a:p>
+        </p:txBody>
+      </p:sp>
+      <p:pic>
+        <p:nvPicPr>
+          <p:cNvPr id="5" name="内容占位符 4"/>
+          <p:cNvPicPr>
+            <a:picLocks noGrp="1" noChangeAspect="1"/>
+          </p:cNvPicPr>
           <p:nvPr>
             <p:ph sz="quarter" idx="13"/>
           </p:nvPr>
-        </p:nvSpPr>
+        </p:nvPicPr>
+        <p:blipFill>
+          <a:blip r:embed="rId2" cstate="print">
+            <a:extLst>
+              <a:ext uri="{28A0092B-C50C-407E-A947-70E740481C1C}">
+                <a14:useLocalDpi xmlns:a14="http://schemas.microsoft.com/office/drawing/2010/main" val="0"/>
+              </a:ext>
+            </a:extLst>
+          </a:blip>
+          <a:stretch>
+            <a:fillRect/>
+          </a:stretch>
+        </p:blipFill>
         <p:spPr>
           <a:xfrm>
-            <a:off x="514349" y="2063396"/>
-            <a:ext cx="7797663" cy="3311189"/>
+            <a:off x="181263" y="-280439"/>
+            <a:ext cx="8652707" cy="7579014"/>
           </a:xfrm>
         </p:spPr>
-        <p:txBody>
-          <a:bodyPr>
-            <a:normAutofit/>
-          </a:bodyPr>
+      </p:pic>
+      <p:sp>
+        <p:nvSpPr>
+          <p:cNvPr id="4" name="内容占位符 3"/>
+          <p:cNvSpPr>
+            <a:spLocks noGrp="1"/>
+          </p:cNvSpPr>
+          <p:nvPr>
+            <p:ph sz="quarter" idx="14"/>
+          </p:nvPr>
+        </p:nvSpPr>
+        <p:spPr/>
+        <p:txBody>
+          <a:bodyPr/>
           <a:lstStyle/>
           <a:p>
-            <a:r>
-              <a:rPr lang="zh-CN" altLang="en-US" dirty="0" smtClean="0"/>
-              <a:t>分析系统要达成什么目标</a:t>
-            </a:r>
-            <a:endParaRPr lang="en-US" altLang="zh-CN" dirty="0" smtClean="0"/>
-          </a:p>
-          <a:p>
-            <a:r>
-              <a:rPr lang="zh-CN" altLang="en-US" dirty="0" smtClean="0"/>
-              <a:t>为了达成这些目标，需要达成什么子目标</a:t>
-            </a:r>
-            <a:endParaRPr lang="en-US" altLang="zh-CN" dirty="0" smtClean="0"/>
-          </a:p>
-          <a:p>
-            <a:r>
-              <a:rPr lang="zh-CN" altLang="en-US" dirty="0" smtClean="0"/>
-              <a:t>为了达成这些目标，需要提供什么操作（功能）</a:t>
-            </a:r>
-            <a:endParaRPr lang="en-US" altLang="zh-CN" dirty="0" smtClean="0"/>
-          </a:p>
-          <a:p>
-            <a:r>
-              <a:rPr lang="zh-CN" altLang="en-US" dirty="0" smtClean="0"/>
-              <a:t>为了达成这些目标，需要什么主体的参与</a:t>
-            </a:r>
-            <a:endParaRPr lang="en-US" altLang="zh-CN" dirty="0" smtClean="0"/>
-          </a:p>
-          <a:p>
-            <a:r>
-              <a:rPr lang="zh-CN" altLang="en-US" dirty="0" smtClean="0"/>
-              <a:t>产生需求“底线”</a:t>
-            </a:r>
-            <a:r>
-              <a:rPr lang="zh-CN" altLang="en-US" dirty="0"/>
-              <a:t>：</a:t>
-            </a:r>
-            <a:r>
-              <a:rPr lang="zh-CN" altLang="en-US" dirty="0" smtClean="0"/>
-              <a:t>三</a:t>
-            </a:r>
-            <a:r>
-              <a:rPr lang="zh-CN" altLang="en-US" dirty="0"/>
-              <a:t>个模块</a:t>
-            </a:r>
-            <a:r>
-              <a:rPr lang="zh-CN" altLang="en-US" dirty="0" smtClean="0"/>
-              <a:t>：买、卖、论坛</a:t>
-            </a:r>
-            <a:endParaRPr lang="zh-CN" altLang="en-US" dirty="0"/>
-          </a:p>
-          <a:p>
-            <a:endParaRPr lang="en-US" altLang="zh-CN" dirty="0" smtClean="0"/>
+            <a:endParaRPr lang="zh-CN" altLang="en-US"/>
           </a:p>
         </p:txBody>
       </p:sp>
     </p:spTree>
     <p:extLst>
       <p:ext uri="{BB962C8B-B14F-4D97-AF65-F5344CB8AC3E}">
-        <p14:creationId xmlns:p14="http://schemas.microsoft.com/office/powerpoint/2010/main" val="984125294"/>
+        <p14:creationId xmlns:p14="http://schemas.microsoft.com/office/powerpoint/2010/main" val="353320306"/>
       </p:ext>
     </p:extLst>
   </p:cSld>
   <p:clrMapOvr>
     <a:masterClrMapping/>
   </p:clrMapOvr>
+  <p:timing>
+    <p:tnLst>
+      <p:par>
+        <p:cTn id="1" dur="indefinite" restart="never" nodeType="tmRoot"/>
+      </p:par>
+    </p:tnLst>
+  </p:timing>
 </p:sld>
 </file>
 
@@ -17425,40 +18131,110 @@
           <a:chExt cx="0" cy="0"/>
         </a:xfrm>
       </p:grpSpPr>
-      <p:pic>
-        <p:nvPicPr>
-          <p:cNvPr id="7" name="图片 6"/>
-          <p:cNvPicPr>
-            <a:picLocks noChangeAspect="1"/>
-          </p:cNvPicPr>
-          <p:nvPr/>
-        </p:nvPicPr>
-        <p:blipFill>
-          <a:blip r:embed="rId2">
-            <a:extLst>
-              <a:ext uri="{28A0092B-C50C-407E-A947-70E740481C1C}">
-                <a14:useLocalDpi xmlns:a14="http://schemas.microsoft.com/office/drawing/2010/main" val="0"/>
-              </a:ext>
-            </a:extLst>
-          </a:blip>
-          <a:stretch>
-            <a:fillRect/>
-          </a:stretch>
-        </p:blipFill>
+      <p:sp>
+        <p:nvSpPr>
+          <p:cNvPr id="2" name="标题 1"/>
+          <p:cNvSpPr>
+            <a:spLocks noGrp="1"/>
+          </p:cNvSpPr>
+          <p:nvPr>
+            <p:ph type="title"/>
+          </p:nvPr>
+        </p:nvSpPr>
+        <p:spPr/>
+        <p:txBody>
+          <a:bodyPr/>
+          <a:lstStyle/>
+          <a:p>
+            <a:r>
+              <a:rPr lang="zh-CN" altLang="en-US" dirty="0" smtClean="0"/>
+              <a:t>目标分析</a:t>
+            </a:r>
+            <a:endParaRPr lang="zh-CN" altLang="en-US" dirty="0"/>
+          </a:p>
+        </p:txBody>
+      </p:sp>
+      <p:sp>
+        <p:nvSpPr>
+          <p:cNvPr id="3" name="内容占位符 2"/>
+          <p:cNvSpPr>
+            <a:spLocks noGrp="1"/>
+          </p:cNvSpPr>
+          <p:nvPr>
+            <p:ph sz="quarter" idx="13"/>
+          </p:nvPr>
+        </p:nvSpPr>
         <p:spPr>
           <a:xfrm>
-            <a:off x="0" y="1"/>
-            <a:ext cx="9144000" cy="6987646"/>
+            <a:off x="514349" y="2063396"/>
+            <a:ext cx="7797663" cy="3311189"/>
           </a:xfrm>
-          <a:prstGeom prst="rect">
-            <a:avLst/>
-          </a:prstGeom>
         </p:spPr>
-      </p:pic>
+        <p:txBody>
+          <a:bodyPr>
+            <a:normAutofit/>
+          </a:bodyPr>
+          <a:lstStyle/>
+          <a:p>
+            <a:r>
+              <a:rPr lang="zh-CN" altLang="en-US" dirty="0" smtClean="0"/>
+              <a:t>分析系统要达成什么目标</a:t>
+            </a:r>
+            <a:endParaRPr lang="en-US" altLang="zh-CN" dirty="0" smtClean="0"/>
+          </a:p>
+          <a:p>
+            <a:r>
+              <a:rPr lang="zh-CN" altLang="en-US" dirty="0" smtClean="0"/>
+              <a:t>为了达成这些目标，需要达成什么子目标</a:t>
+            </a:r>
+            <a:endParaRPr lang="en-US" altLang="zh-CN" dirty="0" smtClean="0"/>
+          </a:p>
+          <a:p>
+            <a:r>
+              <a:rPr lang="zh-CN" altLang="en-US" dirty="0" smtClean="0"/>
+              <a:t>为了达成这些目标，需要提供什么操作（功能）</a:t>
+            </a:r>
+            <a:endParaRPr lang="en-US" altLang="zh-CN" dirty="0" smtClean="0"/>
+          </a:p>
+          <a:p>
+            <a:r>
+              <a:rPr lang="zh-CN" altLang="en-US" dirty="0" smtClean="0"/>
+              <a:t>为了达成这些目标，需要什么主体的参与</a:t>
+            </a:r>
+            <a:endParaRPr lang="en-US" altLang="zh-CN" dirty="0" smtClean="0"/>
+          </a:p>
+          <a:p>
+            <a:r>
+              <a:rPr lang="zh-CN" altLang="en-US" dirty="0" smtClean="0"/>
+              <a:t>产生需求“底线”</a:t>
+            </a:r>
+            <a:r>
+              <a:rPr lang="zh-CN" altLang="en-US" dirty="0"/>
+              <a:t>：</a:t>
+            </a:r>
+            <a:r>
+              <a:rPr lang="zh-CN" altLang="en-US" dirty="0" smtClean="0"/>
+              <a:t>三</a:t>
+            </a:r>
+            <a:r>
+              <a:rPr lang="zh-CN" altLang="en-US" dirty="0"/>
+              <a:t>个模块</a:t>
+            </a:r>
+            <a:r>
+              <a:rPr lang="zh-CN" altLang="en-US" dirty="0" smtClean="0"/>
+              <a:t>：买、卖、论坛</a:t>
+            </a:r>
+            <a:endParaRPr lang="zh-CN" altLang="en-US" dirty="0"/>
+          </a:p>
+          <a:p>
+            <a:endParaRPr lang="en-US" altLang="zh-CN" dirty="0" smtClean="0"/>
+          </a:p>
+        </p:txBody>
+      </p:sp>
     </p:spTree>
     <p:extLst>
       <p:ext uri="{BB962C8B-B14F-4D97-AF65-F5344CB8AC3E}">
-        <p14:creationId xmlns:p14="http://schemas.microsoft.com/office/powerpoint/2010/main" val="632891927"/>
+        <p14:creationId xmlns:p14="http://schemas.microsoft.com/office/powerpoint/2010/main" val="984125294"/>
       </p:ext>
     </p:extLst>
   </p:cSld>
